--- a/楊雅雯-口試投影片.pptx
+++ b/楊雅雯-口試投影片.pptx
@@ -452,7 +452,7 @@
               <a:pPr>
                 <a:defRPr/>
               </a:pPr>
-              <a:t>2018/6/11</a:t>
+              <a:t>2018/6/13</a:t>
             </a:fld>
             <a:endParaRPr lang="zh-TW" altLang="en-US"/>
           </a:p>
@@ -838,15 +838,7 @@
           <a:p>
             <a:r>
               <a:rPr lang="zh-TW" altLang="en-US" dirty="0" smtClean="0"/>
-              <a:t>我的論文</a:t>
-            </a:r>
-            <a:r>
-              <a:rPr lang="zh-TW" altLang="en-US" dirty="0" smtClean="0"/>
-              <a:t>題目是：</a:t>
-            </a:r>
-            <a:r>
-              <a:rPr lang="zh-TW" altLang="en-US" dirty="0" smtClean="0"/>
-              <a:t>利用</a:t>
+              <a:t>我的論文題目是：利用</a:t>
             </a:r>
             <a:r>
               <a:rPr lang="en-US" altLang="zh-TW" dirty="0" smtClean="0"/>
@@ -2433,14 +2425,7 @@
                 <a:latin typeface="Times New Roman" panose="02020603050405020304" pitchFamily="18" charset="0"/>
                 <a:ea typeface="標楷體" panose="03000509000000000000" pitchFamily="65" charset="-120"/>
               </a:rPr>
-              <a:t>f</a:t>
-            </a:r>
-            <a:r>
-              <a:rPr lang="en-US" altLang="zh-TW" sz="1200" dirty="0" smtClean="0">
-                <a:latin typeface="Times New Roman" panose="02020603050405020304" pitchFamily="18" charset="0"/>
-                <a:ea typeface="標楷體" panose="03000509000000000000" pitchFamily="65" charset="-120"/>
-              </a:rPr>
-              <a:t>inally</a:t>
+              <a:t>finally</a:t>
             </a:r>
             <a:r>
               <a:rPr lang="zh-TW" altLang="en-US" sz="1200" dirty="0" smtClean="0">
@@ -3628,11 +3613,7 @@
           <a:p>
             <a:r>
               <a:rPr lang="zh-TW" altLang="en-US" dirty="0" smtClean="0"/>
-              <a:t>這是我的</a:t>
-            </a:r>
-            <a:r>
-              <a:rPr lang="zh-TW" altLang="en-US" dirty="0" smtClean="0"/>
-              <a:t>大綱</a:t>
+              <a:t>這是我的大綱</a:t>
             </a:r>
             <a:endParaRPr lang="en-US" altLang="zh-TW" dirty="0" smtClean="0"/>
           </a:p>
@@ -4304,7 +4285,19 @@
                 <a:ea typeface="+mn-ea"/>
                 <a:cs typeface="+mn-cs"/>
               </a:rPr>
-              <a:t>當</a:t>
+              <a:t>當使用者點擊</a:t>
+            </a:r>
+            <a:r>
+              <a:rPr lang="en-US" altLang="zh-TW" sz="1200" kern="1200" dirty="0" smtClean="0">
+                <a:solidFill>
+                  <a:schemeClr val="tx1"/>
+                </a:solidFill>
+                <a:effectLst/>
+                <a:latin typeface="+mn-lt"/>
+                <a:ea typeface="+mn-ea"/>
+                <a:cs typeface="+mn-cs"/>
+              </a:rPr>
+              <a:t>Careless Cleanup</a:t>
             </a:r>
             <a:r>
               <a:rPr lang="zh-TW" altLang="zh-TW" sz="1200" kern="1200" dirty="0" smtClean="0">
@@ -4316,7 +4309,7 @@
                 <a:ea typeface="+mn-ea"/>
                 <a:cs typeface="+mn-cs"/>
               </a:rPr>
-              <a:t>使用者點擊</a:t>
+              <a:t>壞味道</a:t>
             </a:r>
             <a:r>
               <a:rPr lang="en-US" altLang="zh-TW" sz="1200" kern="1200" dirty="0" smtClean="0">
@@ -4328,7 +4321,7 @@
                 <a:ea typeface="+mn-ea"/>
                 <a:cs typeface="+mn-cs"/>
               </a:rPr>
-              <a:t>Careless Cleanup</a:t>
+              <a:t>Quick Fix</a:t>
             </a:r>
             <a:r>
               <a:rPr lang="zh-TW" altLang="zh-TW" sz="1200" kern="1200" dirty="0" smtClean="0">
@@ -4340,19 +4333,19 @@
                 <a:ea typeface="+mn-ea"/>
                 <a:cs typeface="+mn-cs"/>
               </a:rPr>
-              <a:t>壞味道</a:t>
-            </a:r>
-            <a:r>
-              <a:rPr lang="en-US" altLang="zh-TW" sz="1200" kern="1200" dirty="0" smtClean="0">
-                <a:solidFill>
-                  <a:schemeClr val="tx1"/>
-                </a:solidFill>
-                <a:effectLst/>
-                <a:latin typeface="+mn-lt"/>
-                <a:ea typeface="+mn-ea"/>
-                <a:cs typeface="+mn-cs"/>
-              </a:rPr>
-              <a:t>Quick Fix</a:t>
+              <a:t>功能時，</a:t>
+            </a:r>
+            <a:r>
+              <a:rPr lang="en-US" altLang="zh-TW" sz="1200" kern="1200" dirty="0" err="1" smtClean="0">
+                <a:solidFill>
+                  <a:schemeClr val="tx1"/>
+                </a:solidFill>
+                <a:effectLst/>
+                <a:latin typeface="+mn-lt"/>
+                <a:ea typeface="+mn-ea"/>
+                <a:cs typeface="+mn-cs"/>
+              </a:rPr>
+              <a:t>RLQuickFixer</a:t>
             </a:r>
             <a:r>
               <a:rPr lang="zh-TW" altLang="zh-TW" sz="1200" kern="1200" dirty="0" smtClean="0">
@@ -4364,7 +4357,7 @@
                 <a:ea typeface="+mn-ea"/>
                 <a:cs typeface="+mn-cs"/>
               </a:rPr>
-              <a:t>功能時，</a:t>
+              <a:t>類別會觸發</a:t>
             </a:r>
             <a:r>
               <a:rPr lang="en-US" altLang="zh-TW" sz="1200" kern="1200" dirty="0" err="1" smtClean="0">
@@ -4376,7 +4369,7 @@
                 <a:ea typeface="+mn-ea"/>
                 <a:cs typeface="+mn-cs"/>
               </a:rPr>
-              <a:t>RLQuickFixer</a:t>
+              <a:t>CCQuickFix</a:t>
             </a:r>
             <a:r>
               <a:rPr lang="zh-TW" altLang="zh-TW" sz="1200" kern="1200" dirty="0" smtClean="0">
@@ -4388,43 +4381,7 @@
                 <a:ea typeface="+mn-ea"/>
                 <a:cs typeface="+mn-cs"/>
               </a:rPr>
-              <a:t>類別會觸發</a:t>
-            </a:r>
-            <a:r>
-              <a:rPr lang="en-US" altLang="zh-TW" sz="1200" kern="1200" dirty="0" err="1" smtClean="0">
-                <a:solidFill>
-                  <a:schemeClr val="tx1"/>
-                </a:solidFill>
-                <a:effectLst/>
-                <a:latin typeface="+mn-lt"/>
-                <a:ea typeface="+mn-ea"/>
-                <a:cs typeface="+mn-cs"/>
-              </a:rPr>
-              <a:t>CCQuickFix</a:t>
-            </a:r>
-            <a:r>
-              <a:rPr lang="zh-TW" altLang="zh-TW" sz="1200" kern="1200" dirty="0" smtClean="0">
-                <a:solidFill>
-                  <a:schemeClr val="tx1"/>
-                </a:solidFill>
-                <a:effectLst/>
-                <a:latin typeface="+mn-lt"/>
-                <a:ea typeface="+mn-ea"/>
-                <a:cs typeface="+mn-cs"/>
-              </a:rPr>
-              <a:t>類別，執行快速修復的功能來消除壞</a:t>
-            </a:r>
-            <a:r>
-              <a:rPr lang="zh-TW" altLang="zh-TW" sz="1200" kern="1200" dirty="0" smtClean="0">
-                <a:solidFill>
-                  <a:schemeClr val="tx1"/>
-                </a:solidFill>
-                <a:effectLst/>
-                <a:latin typeface="+mn-lt"/>
-                <a:ea typeface="+mn-ea"/>
-                <a:cs typeface="+mn-cs"/>
-              </a:rPr>
-              <a:t>味道</a:t>
+              <a:t>類別，執行快速修復的功能來消除壞味道</a:t>
             </a:r>
             <a:endParaRPr lang="en-US" altLang="zh-TW" sz="1200" kern="1200" dirty="0" smtClean="0">
               <a:solidFill>
@@ -4763,7 +4720,31 @@
                 <a:ea typeface="+mn-ea"/>
                 <a:cs typeface="+mn-cs"/>
               </a:rPr>
-              <a:t>取得</a:t>
+              <a:t>取得壞味道</a:t>
+            </a:r>
+            <a:r>
+              <a:rPr lang="en-US" altLang="zh-TW" sz="1200" kern="1200" dirty="0" err="1" smtClean="0">
+                <a:solidFill>
+                  <a:schemeClr val="tx1"/>
+                </a:solidFill>
+                <a:effectLst/>
+                <a:latin typeface="+mn-lt"/>
+                <a:ea typeface="+mn-ea"/>
+                <a:cs typeface="+mn-cs"/>
+              </a:rPr>
+              <a:t>MethodDeclaration</a:t>
+            </a:r>
+            <a:r>
+              <a:rPr lang="en-US" altLang="zh-TW" sz="1200" kern="1200" dirty="0" smtClean="0">
+                <a:solidFill>
+                  <a:schemeClr val="tx1"/>
+                </a:solidFill>
+                <a:effectLst/>
+                <a:latin typeface="+mn-lt"/>
+                <a:ea typeface="+mn-ea"/>
+                <a:cs typeface="+mn-cs"/>
+              </a:rPr>
+              <a:t> index</a:t>
             </a:r>
             <a:r>
               <a:rPr lang="zh-TW" altLang="zh-TW" sz="1200" kern="1200" dirty="0" smtClean="0">
@@ -4775,31 +4756,7 @@
                 <a:ea typeface="+mn-ea"/>
                 <a:cs typeface="+mn-cs"/>
               </a:rPr>
-              <a:t>壞</a:t>
-            </a:r>
-            <a:r>
-              <a:rPr lang="zh-TW" altLang="zh-TW" sz="1200" kern="1200" dirty="0" smtClean="0">
-                <a:solidFill>
-                  <a:schemeClr val="tx1"/>
-                </a:solidFill>
-                <a:effectLst/>
-                <a:latin typeface="+mn-lt"/>
-                <a:ea typeface="+mn-ea"/>
-                <a:cs typeface="+mn-cs"/>
-              </a:rPr>
-              <a:t>味道</a:t>
-            </a:r>
-            <a:r>
-              <a:rPr lang="en-US" altLang="zh-TW" sz="1200" kern="1200" dirty="0" err="1" smtClean="0">
-                <a:solidFill>
-                  <a:schemeClr val="tx1"/>
-                </a:solidFill>
-                <a:effectLst/>
-                <a:latin typeface="+mn-lt"/>
-                <a:ea typeface="+mn-ea"/>
-                <a:cs typeface="+mn-cs"/>
-              </a:rPr>
-              <a:t>MethodDeclaration</a:t>
+              <a:t>。</a:t>
             </a:r>
             <a:r>
               <a:rPr lang="en-US" altLang="zh-TW" sz="1200" kern="1200" dirty="0" smtClean="0">
@@ -4811,53 +4768,8 @@
                 <a:ea typeface="+mn-ea"/>
                 <a:cs typeface="+mn-cs"/>
               </a:rPr>
-              <a:t> </a:t>
-            </a:r>
-            <a:r>
-              <a:rPr lang="en-US" altLang="zh-TW" sz="1200" kern="1200" dirty="0" smtClean="0">
-                <a:solidFill>
-                  <a:schemeClr val="tx1"/>
-                </a:solidFill>
-                <a:effectLst/>
-                <a:latin typeface="+mn-lt"/>
-                <a:ea typeface="+mn-ea"/>
-                <a:cs typeface="+mn-cs"/>
-              </a:rPr>
-              <a:t>index</a:t>
-            </a:r>
-            <a:r>
-              <a:rPr lang="zh-TW" altLang="zh-TW" sz="1200" kern="1200" dirty="0" smtClean="0">
-                <a:solidFill>
-                  <a:schemeClr val="tx1"/>
-                </a:solidFill>
-                <a:effectLst/>
-                <a:latin typeface="+mn-lt"/>
-                <a:ea typeface="+mn-ea"/>
-                <a:cs typeface="+mn-cs"/>
-              </a:rPr>
-              <a:t>。</a:t>
-            </a:r>
-            <a:r>
-              <a:rPr lang="en-US" altLang="zh-TW" sz="1200" kern="1200" dirty="0" smtClean="0">
-                <a:solidFill>
-                  <a:schemeClr val="tx1"/>
-                </a:solidFill>
-                <a:effectLst/>
-                <a:latin typeface="+mn-lt"/>
-                <a:ea typeface="+mn-ea"/>
-                <a:cs typeface="+mn-cs"/>
-              </a:rPr>
               <a:t>(1.1)</a:t>
             </a:r>
-            <a:endParaRPr lang="en-US" altLang="zh-TW" sz="1200" kern="1200" dirty="0" smtClean="0">
-              <a:solidFill>
-                <a:schemeClr val="tx1"/>
-              </a:solidFill>
-              <a:effectLst/>
-              <a:latin typeface="+mn-lt"/>
-              <a:ea typeface="+mn-ea"/>
-              <a:cs typeface="+mn-cs"/>
-            </a:endParaRPr>
           </a:p>
           <a:p>
             <a:pPr marL="228600" indent="-228600">
@@ -4897,19 +4809,7 @@
                 <a:ea typeface="+mn-ea"/>
                 <a:cs typeface="+mn-cs"/>
               </a:rPr>
-              <a:t>相關</a:t>
-            </a:r>
-            <a:r>
-              <a:rPr lang="zh-TW" altLang="zh-TW" sz="1200" kern="1200" dirty="0" smtClean="0">
-                <a:solidFill>
-                  <a:schemeClr val="tx1"/>
-                </a:solidFill>
-                <a:effectLst/>
-                <a:latin typeface="+mn-lt"/>
-                <a:ea typeface="+mn-ea"/>
-                <a:cs typeface="+mn-cs"/>
-              </a:rPr>
-              <a:t>資訊。</a:t>
+              <a:t>相關資訊。</a:t>
             </a:r>
             <a:r>
               <a:rPr lang="en-US" altLang="zh-TW" sz="1200" kern="1200" dirty="0" smtClean="0">
@@ -4947,15 +4847,6 @@
               </a:rPr>
               <a:t>1.3)</a:t>
             </a:r>
-            <a:endParaRPr lang="en-US" altLang="zh-TW" sz="1200" kern="1200" dirty="0" smtClean="0">
-              <a:solidFill>
-                <a:schemeClr val="tx1"/>
-              </a:solidFill>
-              <a:effectLst/>
-              <a:latin typeface="+mn-lt"/>
-              <a:ea typeface="+mn-ea"/>
-              <a:cs typeface="+mn-cs"/>
-            </a:endParaRPr>
           </a:p>
           <a:p>
             <a:pPr marL="228600" indent="-228600">
@@ -4971,7 +4862,19 @@
                 <a:ea typeface="+mn-ea"/>
                 <a:cs typeface="+mn-cs"/>
               </a:rPr>
-              <a:t>取得</a:t>
+              <a:t>取得壞味道所在的</a:t>
+            </a:r>
+            <a:r>
+              <a:rPr lang="en-US" altLang="zh-TW" sz="1200" kern="1200" dirty="0" err="1" smtClean="0">
+                <a:solidFill>
+                  <a:schemeClr val="tx1"/>
+                </a:solidFill>
+                <a:effectLst/>
+                <a:latin typeface="+mn-lt"/>
+                <a:ea typeface="+mn-ea"/>
+                <a:cs typeface="+mn-cs"/>
+              </a:rPr>
+              <a:t>MethodDeclaration</a:t>
             </a:r>
             <a:r>
               <a:rPr lang="zh-TW" altLang="zh-TW" sz="1200" kern="1200" dirty="0" smtClean="0">
@@ -4983,30 +4886,6 @@
                 <a:ea typeface="+mn-ea"/>
                 <a:cs typeface="+mn-cs"/>
               </a:rPr>
-              <a:t>壞味道所在的</a:t>
-            </a:r>
-            <a:r>
-              <a:rPr lang="en-US" altLang="zh-TW" sz="1200" kern="1200" dirty="0" err="1" smtClean="0">
-                <a:solidFill>
-                  <a:schemeClr val="tx1"/>
-                </a:solidFill>
-                <a:effectLst/>
-                <a:latin typeface="+mn-lt"/>
-                <a:ea typeface="+mn-ea"/>
-                <a:cs typeface="+mn-cs"/>
-              </a:rPr>
-              <a:t>MethodDeclaration</a:t>
-            </a:r>
-            <a:r>
-              <a:rPr lang="zh-TW" altLang="zh-TW" sz="1200" kern="1200" dirty="0" smtClean="0">
-                <a:solidFill>
-                  <a:schemeClr val="tx1"/>
-                </a:solidFill>
-                <a:effectLst/>
-                <a:latin typeface="+mn-lt"/>
-                <a:ea typeface="+mn-ea"/>
-                <a:cs typeface="+mn-cs"/>
-              </a:rPr>
               <a:t>。</a:t>
             </a:r>
             <a:r>
@@ -5021,15 +4900,6 @@
               </a:rPr>
               <a:t>(1.4)</a:t>
             </a:r>
-            <a:endParaRPr lang="en-US" altLang="zh-TW" sz="1200" kern="1200" dirty="0" smtClean="0">
-              <a:solidFill>
-                <a:schemeClr val="tx1"/>
-              </a:solidFill>
-              <a:effectLst/>
-              <a:latin typeface="+mn-lt"/>
-              <a:ea typeface="+mn-ea"/>
-              <a:cs typeface="+mn-cs"/>
-            </a:endParaRPr>
           </a:p>
           <a:p>
             <a:pPr marL="228600" indent="-228600">
@@ -5069,19 +4939,7 @@
                 <a:ea typeface="+mn-ea"/>
                 <a:cs typeface="+mn-cs"/>
               </a:rPr>
-              <a:t>，取得壞味道的行數</a:t>
-            </a:r>
-            <a:r>
-              <a:rPr lang="zh-TW" altLang="zh-TW" sz="1200" kern="1200" dirty="0" smtClean="0">
-                <a:solidFill>
-                  <a:schemeClr val="tx1"/>
-                </a:solidFill>
-                <a:effectLst/>
-                <a:latin typeface="+mn-lt"/>
-                <a:ea typeface="+mn-ea"/>
-                <a:cs typeface="+mn-cs"/>
-              </a:rPr>
-              <a:t>。</a:t>
+              <a:t>，取得壞味道的行數。</a:t>
             </a:r>
             <a:r>
               <a:rPr lang="en-US" altLang="zh-TW" sz="1200" kern="1200" dirty="0" smtClean="0">
@@ -5095,15 +4953,6 @@
               </a:rPr>
               <a:t>(1.5)</a:t>
             </a:r>
-            <a:endParaRPr lang="en-US" altLang="zh-TW" sz="1200" kern="1200" dirty="0" smtClean="0">
-              <a:solidFill>
-                <a:schemeClr val="tx1"/>
-              </a:solidFill>
-              <a:effectLst/>
-              <a:latin typeface="+mn-lt"/>
-              <a:ea typeface="+mn-ea"/>
-              <a:cs typeface="+mn-cs"/>
-            </a:endParaRPr>
           </a:p>
           <a:p>
             <a:pPr marL="228600" indent="-228600">
@@ -5119,31 +4968,7 @@
                 <a:ea typeface="+mn-ea"/>
                 <a:cs typeface="+mn-cs"/>
               </a:rPr>
-              <a:t>取得</a:t>
-            </a:r>
-            <a:r>
-              <a:rPr lang="zh-TW" altLang="zh-TW" sz="1200" kern="1200" dirty="0" smtClean="0">
-                <a:solidFill>
-                  <a:schemeClr val="tx1"/>
-                </a:solidFill>
-                <a:effectLst/>
-                <a:latin typeface="+mn-lt"/>
-                <a:ea typeface="+mn-ea"/>
-                <a:cs typeface="+mn-cs"/>
-              </a:rPr>
-              <a:t>釋放資源的函式</a:t>
-            </a:r>
-            <a:r>
-              <a:rPr lang="zh-TW" altLang="zh-TW" sz="1200" kern="1200" dirty="0" smtClean="0">
-                <a:solidFill>
-                  <a:schemeClr val="tx1"/>
-                </a:solidFill>
-                <a:effectLst/>
-                <a:latin typeface="+mn-lt"/>
-                <a:ea typeface="+mn-ea"/>
-                <a:cs typeface="+mn-cs"/>
-              </a:rPr>
-              <a:t>。</a:t>
+              <a:t>取得釋放資源的函式。</a:t>
             </a:r>
             <a:r>
               <a:rPr lang="en-US" altLang="zh-TW" sz="1200" kern="1200" dirty="0" smtClean="0">
@@ -5157,15 +4982,6 @@
               </a:rPr>
               <a:t>(1.6)</a:t>
             </a:r>
-            <a:endParaRPr lang="en-US" altLang="zh-TW" sz="1200" kern="1200" dirty="0" smtClean="0">
-              <a:solidFill>
-                <a:schemeClr val="tx1"/>
-              </a:solidFill>
-              <a:effectLst/>
-              <a:latin typeface="+mn-lt"/>
-              <a:ea typeface="+mn-ea"/>
-              <a:cs typeface="+mn-cs"/>
-            </a:endParaRPr>
           </a:p>
           <a:p>
             <a:pPr marL="228600" indent="-228600">
@@ -5217,19 +5033,7 @@
                 <a:ea typeface="+mn-ea"/>
                 <a:cs typeface="+mn-cs"/>
               </a:rPr>
-              <a:t>取得會</a:t>
-            </a:r>
-            <a:r>
-              <a:rPr lang="zh-TW" altLang="zh-TW" sz="1200" kern="1200" dirty="0" smtClean="0">
-                <a:solidFill>
-                  <a:schemeClr val="tx1"/>
-                </a:solidFill>
-                <a:effectLst/>
-                <a:latin typeface="+mn-lt"/>
-                <a:ea typeface="+mn-ea"/>
-                <a:cs typeface="+mn-cs"/>
-              </a:rPr>
-              <a:t>丟出的例外型別。 </a:t>
+              <a:t>取得會丟出的例外型別。 </a:t>
             </a:r>
             <a:r>
               <a:rPr lang="en-US" altLang="zh-TW" sz="1200" kern="1200" dirty="0" smtClean="0">
@@ -5243,15 +5047,6 @@
               </a:rPr>
               <a:t>(1.7)</a:t>
             </a:r>
-            <a:endParaRPr lang="en-US" altLang="zh-TW" sz="1200" kern="1200" dirty="0" smtClean="0">
-              <a:solidFill>
-                <a:schemeClr val="tx1"/>
-              </a:solidFill>
-              <a:effectLst/>
-              <a:latin typeface="+mn-lt"/>
-              <a:ea typeface="+mn-ea"/>
-              <a:cs typeface="+mn-cs"/>
-            </a:endParaRPr>
           </a:p>
           <a:p>
             <a:pPr marL="228600" lvl="0" indent="-228600">
@@ -5291,7 +5086,19 @@
                 <a:ea typeface="+mn-ea"/>
                 <a:cs typeface="+mn-cs"/>
               </a:rPr>
-              <a:t>Try </a:t>
+              <a:t>Try Statement</a:t>
+            </a:r>
+            <a:r>
+              <a:rPr lang="zh-TW" altLang="zh-TW" sz="1200" kern="1200" dirty="0" smtClean="0">
+                <a:solidFill>
+                  <a:schemeClr val="tx1"/>
+                </a:solidFill>
+                <a:effectLst/>
+                <a:latin typeface="+mn-lt"/>
+                <a:ea typeface="+mn-ea"/>
+                <a:cs typeface="+mn-cs"/>
+              </a:rPr>
+              <a:t>，並在</a:t>
             </a:r>
             <a:r>
               <a:rPr lang="en-US" altLang="zh-TW" sz="1200" kern="1200" dirty="0" smtClean="0">
@@ -5303,7 +5110,7 @@
                 <a:ea typeface="+mn-ea"/>
                 <a:cs typeface="+mn-cs"/>
               </a:rPr>
-              <a:t>Statement</a:t>
+              <a:t>finally block</a:t>
             </a:r>
             <a:r>
               <a:rPr lang="zh-TW" altLang="zh-TW" sz="1200" kern="1200" dirty="0" smtClean="0">
@@ -5315,7 +5122,7 @@
                 <a:ea typeface="+mn-ea"/>
                 <a:cs typeface="+mn-cs"/>
               </a:rPr>
-              <a:t>，並在</a:t>
+              <a:t>放入釋放資源的函式。</a:t>
             </a:r>
             <a:r>
               <a:rPr lang="en-US" altLang="zh-TW" sz="1200" kern="1200" dirty="0" smtClean="0">
@@ -5327,53 +5134,8 @@
                 <a:ea typeface="+mn-ea"/>
                 <a:cs typeface="+mn-cs"/>
               </a:rPr>
-              <a:t>finally block</a:t>
-            </a:r>
-            <a:r>
-              <a:rPr lang="zh-TW" altLang="zh-TW" sz="1200" kern="1200" dirty="0" smtClean="0">
-                <a:solidFill>
-                  <a:schemeClr val="tx1"/>
-                </a:solidFill>
-                <a:effectLst/>
-                <a:latin typeface="+mn-lt"/>
-                <a:ea typeface="+mn-ea"/>
-                <a:cs typeface="+mn-cs"/>
-              </a:rPr>
-              <a:t>放入釋放資源的函式</a:t>
-            </a:r>
-            <a:r>
-              <a:rPr lang="zh-TW" altLang="zh-TW" sz="1200" kern="1200" dirty="0" smtClean="0">
-                <a:solidFill>
-                  <a:schemeClr val="tx1"/>
-                </a:solidFill>
-                <a:effectLst/>
-                <a:latin typeface="+mn-lt"/>
-                <a:ea typeface="+mn-ea"/>
-                <a:cs typeface="+mn-cs"/>
-              </a:rPr>
-              <a:t>。</a:t>
-            </a:r>
-            <a:r>
-              <a:rPr lang="en-US" altLang="zh-TW" sz="1200" kern="1200" dirty="0" smtClean="0">
-                <a:solidFill>
-                  <a:schemeClr val="tx1"/>
-                </a:solidFill>
-                <a:effectLst/>
-                <a:latin typeface="+mn-lt"/>
-                <a:ea typeface="+mn-ea"/>
-                <a:cs typeface="+mn-cs"/>
-              </a:rPr>
               <a:t>(1.8)</a:t>
             </a:r>
-            <a:endParaRPr lang="en-US" altLang="zh-TW" sz="1200" kern="1200" dirty="0" smtClean="0">
-              <a:solidFill>
-                <a:schemeClr val="tx1"/>
-              </a:solidFill>
-              <a:effectLst/>
-              <a:latin typeface="+mn-lt"/>
-              <a:ea typeface="+mn-ea"/>
-              <a:cs typeface="+mn-cs"/>
-            </a:endParaRPr>
           </a:p>
           <a:p>
             <a:pPr marL="228600" marR="0" lvl="0" indent="-228600" algn="l" defTabSz="914400" rtl="0" eaLnBrk="0" fontAlgn="base" latinLnBrk="0" hangingPunct="0">
@@ -5493,15 +5255,6 @@
               </a:rPr>
               <a:t>(1.9)</a:t>
             </a:r>
-            <a:endParaRPr lang="en-US" altLang="zh-TW" sz="1200" kern="1200" dirty="0" smtClean="0">
-              <a:solidFill>
-                <a:schemeClr val="tx1"/>
-              </a:solidFill>
-              <a:effectLst/>
-              <a:latin typeface="+mn-lt"/>
-              <a:ea typeface="+mn-ea"/>
-              <a:cs typeface="+mn-cs"/>
-            </a:endParaRPr>
           </a:p>
           <a:p>
             <a:pPr marL="228600" lvl="0" indent="-228600">
@@ -5600,19 +5353,7 @@
                 <a:ea typeface="+mn-ea"/>
                 <a:cs typeface="+mn-cs"/>
               </a:rPr>
-              <a:t>壞味道自動化快速修復功能</a:t>
-            </a:r>
-            <a:r>
-              <a:rPr lang="zh-TW" altLang="zh-TW" sz="1200" kern="1200" dirty="0" smtClean="0">
-                <a:solidFill>
-                  <a:schemeClr val="tx1"/>
-                </a:solidFill>
-                <a:effectLst/>
-                <a:latin typeface="+mn-lt"/>
-                <a:ea typeface="+mn-ea"/>
-                <a:cs typeface="+mn-cs"/>
-              </a:rPr>
-              <a:t>。</a:t>
+              <a:t>壞味道自動化快速修復功能。</a:t>
             </a:r>
             <a:endParaRPr lang="en-US" altLang="zh-TW" sz="1200" kern="1200" dirty="0" smtClean="0">
               <a:solidFill>
@@ -7246,19 +6987,7 @@
                 <a:ea typeface="+mn-ea"/>
                 <a:cs typeface="+mn-cs"/>
               </a:rPr>
-              <a:t>的類別，啟動重構頁面讓使用者設定相關</a:t>
-            </a:r>
-            <a:r>
-              <a:rPr lang="zh-TW" altLang="zh-TW" sz="1200" kern="1200" dirty="0" smtClean="0">
-                <a:solidFill>
-                  <a:schemeClr val="tx1"/>
-                </a:solidFill>
-                <a:effectLst/>
-                <a:latin typeface="+mn-lt"/>
-                <a:ea typeface="+mn-ea"/>
-                <a:cs typeface="+mn-cs"/>
-              </a:rPr>
-              <a:t>參數。</a:t>
+              <a:t>的類別，啟動重構頁面讓使用者設定相關參數。</a:t>
             </a:r>
             <a:r>
               <a:rPr lang="en-US" altLang="zh-TW" sz="1200" kern="1200" dirty="0" err="1" smtClean="0">
@@ -7535,19 +7264,7 @@
                 <a:ea typeface="+mn-ea"/>
                 <a:cs typeface="+mn-cs"/>
               </a:rPr>
-              <a:t>1</a:t>
-            </a:r>
-            <a:r>
-              <a:rPr lang="en-US" altLang="zh-TW" sz="1200" kern="1200" dirty="0" smtClean="0">
-                <a:solidFill>
-                  <a:schemeClr val="tx1"/>
-                </a:solidFill>
-                <a:effectLst/>
-                <a:latin typeface="+mn-lt"/>
-                <a:ea typeface="+mn-ea"/>
-                <a:cs typeface="+mn-cs"/>
-              </a:rPr>
-              <a:t>.</a:t>
+              <a:t>1.</a:t>
             </a:r>
             <a:r>
               <a:rPr lang="zh-TW" altLang="en-US" sz="1200" kern="1200" dirty="0" smtClean="0">
@@ -7595,19 +7312,7 @@
                 <a:ea typeface="+mn-ea"/>
                 <a:cs typeface="+mn-cs"/>
               </a:rPr>
-              <a:t>類別，</a:t>
-            </a:r>
-            <a:r>
-              <a:rPr lang="zh-TW" altLang="zh-TW" sz="1200" kern="1200" dirty="0" smtClean="0">
-                <a:solidFill>
-                  <a:schemeClr val="tx1"/>
-                </a:solidFill>
-                <a:effectLst/>
-                <a:latin typeface="+mn-lt"/>
-                <a:ea typeface="+mn-ea"/>
-                <a:cs typeface="+mn-cs"/>
-              </a:rPr>
-              <a:t>並</a:t>
+              <a:t>類別，並</a:t>
             </a:r>
             <a:r>
               <a:rPr lang="en-US" altLang="zh-TW" sz="1200" kern="1200" dirty="0" smtClean="0">
@@ -7767,19 +7472,7 @@
                 <a:ea typeface="+mn-ea"/>
                 <a:cs typeface="+mn-cs"/>
               </a:rPr>
-              <a:t>將</a:t>
-            </a:r>
-            <a:r>
-              <a:rPr lang="zh-TW" altLang="zh-TW" sz="1200" kern="1200" dirty="0" smtClean="0">
-                <a:solidFill>
-                  <a:schemeClr val="tx1"/>
-                </a:solidFill>
-                <a:effectLst/>
-                <a:latin typeface="+mn-lt"/>
-                <a:ea typeface="+mn-ea"/>
-                <a:cs typeface="+mn-cs"/>
-              </a:rPr>
-              <a:t>使用者設定的重構資訊傳入</a:t>
+              <a:t>將使用者設定的重構資訊傳入</a:t>
             </a:r>
             <a:r>
               <a:rPr lang="en-US" altLang="zh-TW" sz="1200" kern="1200" dirty="0" err="1" smtClean="0">
@@ -11218,7 +10911,7 @@
             </a:r>
             <a:r>
               <a:rPr lang="zh-TW" altLang="en-US" dirty="0" smtClean="0"/>
-              <a:t>工具 來幫助開發人員正確處理例外</a:t>
+              <a:t> 來幫助開發人員正確處理例外</a:t>
             </a:r>
             <a:endParaRPr lang="en-US" altLang="zh-TW" dirty="0" smtClean="0"/>
           </a:p>
@@ -11280,23 +10973,7 @@
             </a:r>
             <a:r>
               <a:rPr lang="zh-TW" altLang="en-US" dirty="0" smtClean="0"/>
-              <a:t>定義的壞味道隨著時間的演進，偵測的功能</a:t>
-            </a:r>
-            <a:r>
-              <a:rPr lang="zh-TW" altLang="en-US" dirty="0" smtClean="0"/>
-              <a:t>越精確</a:t>
-            </a:r>
-            <a:r>
-              <a:rPr lang="zh-TW" altLang="en-US" dirty="0" smtClean="0"/>
-              <a:t>，但部分對應壞味道</a:t>
-            </a:r>
-            <a:r>
-              <a:rPr lang="zh-TW" altLang="en-US" dirty="0" smtClean="0"/>
-              <a:t>的消除方法</a:t>
-            </a:r>
-            <a:r>
-              <a:rPr lang="zh-TW" altLang="en-US" dirty="0" smtClean="0"/>
-              <a:t>尚未實作或有能夠改善的地方</a:t>
+              <a:t>定義的壞味道隨著時間的演進，偵測的功能越精確，但部分對應壞味道的消除方法尚未實作或有能夠改善的地方</a:t>
             </a:r>
             <a:endParaRPr lang="en-US" altLang="zh-TW" dirty="0" smtClean="0"/>
           </a:p>
@@ -12786,7 +12463,7 @@
               <a:t>消除後衍生的</a:t>
             </a:r>
             <a:r>
-              <a:rPr lang="en-US" altLang="zh-TW" sz="1200" kern="1200" smtClean="0">
+              <a:rPr lang="en-US" altLang="zh-TW" sz="1200" kern="1200" dirty="0" smtClean="0">
                 <a:solidFill>
                   <a:schemeClr val="tx1"/>
                 </a:solidFill>
@@ -12798,18 +12475,6 @@
               <a:t>Dummy Handler</a:t>
             </a:r>
             <a:r>
-              <a:rPr lang="zh-TW" altLang="zh-TW" sz="1200" kern="1200" smtClean="0">
-                <a:solidFill>
-                  <a:schemeClr val="tx1"/>
-                </a:solidFill>
-                <a:effectLst/>
-                <a:latin typeface="+mn-lt"/>
-                <a:ea typeface="+mn-ea"/>
-                <a:cs typeface="+mn-cs"/>
-              </a:rPr>
-              <a:t>是</a:t>
-            </a:r>
-            <a:r>
               <a:rPr lang="zh-TW" altLang="zh-TW" sz="1200" kern="1200" dirty="0" smtClean="0">
                 <a:solidFill>
                   <a:schemeClr val="tx1"/>
@@ -12819,7 +12484,7 @@
                 <a:ea typeface="+mn-ea"/>
                 <a:cs typeface="+mn-cs"/>
               </a:rPr>
-              <a:t>用印出來的方式，希望之後能夠將例外訊息記錄到日誌檔中。</a:t>
+              <a:t>是用印出來的方式，希望之後能夠將例外訊息記錄到日誌檔中。</a:t>
             </a:r>
             <a:endParaRPr lang="zh-TW" altLang="zh-TW" sz="1200" kern="1200" dirty="0">
               <a:solidFill>
@@ -14892,7 +14557,19 @@
                 <a:ea typeface="+mn-ea"/>
                 <a:cs typeface="+mn-cs"/>
               </a:rPr>
-              <a:t>將</a:t>
+              <a:t>將使用者設定的重構資訊傳入</a:t>
+            </a:r>
+            <a:r>
+              <a:rPr lang="en-US" altLang="zh-TW" sz="1200" kern="1200" dirty="0" err="1" smtClean="0">
+                <a:solidFill>
+                  <a:schemeClr val="tx1"/>
+                </a:solidFill>
+                <a:effectLst/>
+                <a:latin typeface="+mn-lt"/>
+                <a:ea typeface="+mn-ea"/>
+                <a:cs typeface="+mn-cs"/>
+              </a:rPr>
+              <a:t>ExtractMethodRefactoring</a:t>
             </a:r>
             <a:r>
               <a:rPr lang="zh-TW" altLang="zh-TW" sz="1200" kern="1200" dirty="0" smtClean="0">
@@ -14904,20 +14581,10 @@
                 <a:ea typeface="+mn-ea"/>
                 <a:cs typeface="+mn-cs"/>
               </a:rPr>
-              <a:t>使用者設定的重構資訊傳入</a:t>
-            </a:r>
-            <a:r>
-              <a:rPr lang="en-US" altLang="zh-TW" sz="1200" kern="1200" dirty="0" err="1" smtClean="0">
-                <a:solidFill>
-                  <a:schemeClr val="tx1"/>
-                </a:solidFill>
-                <a:effectLst/>
-                <a:latin typeface="+mn-lt"/>
-                <a:ea typeface="+mn-ea"/>
-                <a:cs typeface="+mn-cs"/>
-              </a:rPr>
-              <a:t>ExtractMethodRefactoring</a:t>
-            </a:r>
+              <a:t>類別進行重構程式碼。</a:t>
+            </a:r>
+          </a:p>
+          <a:p>
             <a:r>
               <a:rPr lang="zh-TW" altLang="zh-TW" sz="1200" kern="1200" dirty="0" smtClean="0">
                 <a:solidFill>
@@ -14928,10 +14595,20 @@
                 <a:ea typeface="+mn-ea"/>
                 <a:cs typeface="+mn-cs"/>
               </a:rPr>
-              <a:t>類別進行重構程式碼。</a:t>
-            </a:r>
-          </a:p>
-          <a:p>
+              <a:t>完成上述步驟即可完成</a:t>
+            </a:r>
+            <a:r>
+              <a:rPr lang="en-US" altLang="zh-TW" sz="1200" kern="1200" dirty="0" smtClean="0">
+                <a:solidFill>
+                  <a:schemeClr val="tx1"/>
+                </a:solidFill>
+                <a:effectLst/>
+                <a:latin typeface="+mn-lt"/>
+                <a:ea typeface="+mn-ea"/>
+                <a:cs typeface="+mn-cs"/>
+              </a:rPr>
+              <a:t>Nested Try Statement</a:t>
+            </a:r>
             <a:r>
               <a:rPr lang="zh-TW" altLang="zh-TW" sz="1200" kern="1200" dirty="0" smtClean="0">
                 <a:solidFill>
@@ -14942,43 +14619,7 @@
                 <a:ea typeface="+mn-ea"/>
                 <a:cs typeface="+mn-cs"/>
               </a:rPr>
-              <a:t>完成上述步驟即可完成</a:t>
-            </a:r>
-            <a:r>
-              <a:rPr lang="en-US" altLang="zh-TW" sz="1200" kern="1200" dirty="0" smtClean="0">
-                <a:solidFill>
-                  <a:schemeClr val="tx1"/>
-                </a:solidFill>
-                <a:effectLst/>
-                <a:latin typeface="+mn-lt"/>
-                <a:ea typeface="+mn-ea"/>
-                <a:cs typeface="+mn-cs"/>
-              </a:rPr>
-              <a:t>Nested Try Statement</a:t>
-            </a:r>
-            <a:r>
-              <a:rPr lang="zh-TW" altLang="zh-TW" sz="1200" kern="1200" dirty="0" smtClean="0">
-                <a:solidFill>
-                  <a:schemeClr val="tx1"/>
-                </a:solidFill>
-                <a:effectLst/>
-                <a:latin typeface="+mn-lt"/>
-                <a:ea typeface="+mn-ea"/>
-                <a:cs typeface="+mn-cs"/>
-              </a:rPr>
-              <a:t>壞味道自動化重構功能</a:t>
-            </a:r>
-            <a:r>
-              <a:rPr lang="zh-TW" altLang="zh-TW" sz="1200" kern="1200" dirty="0" smtClean="0">
-                <a:solidFill>
-                  <a:schemeClr val="tx1"/>
-                </a:solidFill>
-                <a:effectLst/>
-                <a:latin typeface="+mn-lt"/>
-                <a:ea typeface="+mn-ea"/>
-                <a:cs typeface="+mn-cs"/>
-              </a:rPr>
-              <a:t>。</a:t>
+              <a:t>壞味道自動化重構功能。</a:t>
             </a:r>
             <a:endParaRPr lang="en-US" altLang="zh-TW" sz="1200" kern="1200" dirty="0" smtClean="0">
               <a:solidFill>
@@ -15096,11 +14737,7 @@
             </a:r>
             <a:r>
               <a:rPr lang="zh-TW" altLang="en-US" sz="1200" dirty="0" smtClean="0"/>
-              <a:t>是一個靜態分析程式碼的工具，能夠偵測和產生壞味道的報表，並藉由重構來消除壞味道</a:t>
-            </a:r>
-            <a:r>
-              <a:rPr lang="zh-TW" altLang="en-US" sz="1200" dirty="0" smtClean="0"/>
-              <a:t>。</a:t>
+              <a:t>是一個靜態分析程式碼的工具，能夠偵測和產生壞味道的報表，並藉由重構來消除壞味道。</a:t>
             </a:r>
             <a:endParaRPr lang="en-US" altLang="zh-TW" sz="1200" dirty="0" smtClean="0"/>
           </a:p>
@@ -15112,11 +14749,7 @@
             </a:r>
             <a:r>
               <a:rPr lang="zh-TW" altLang="en-US" sz="1200" dirty="0" smtClean="0"/>
-              <a:t>定義</a:t>
-            </a:r>
-            <a:r>
-              <a:rPr lang="zh-TW" altLang="en-US" sz="1200" dirty="0" smtClean="0"/>
-              <a:t>了</a:t>
+              <a:t>定義了</a:t>
             </a:r>
             <a:r>
               <a:rPr lang="en-US" altLang="zh-TW" sz="1200" dirty="0" smtClean="0"/>
@@ -15124,17 +14757,12 @@
             </a:r>
             <a:r>
               <a:rPr lang="zh-TW" altLang="en-US" sz="1200" dirty="0" smtClean="0"/>
-              <a:t>種壞</a:t>
-            </a:r>
-            <a:r>
-              <a:rPr lang="zh-TW" altLang="en-US" sz="1200" dirty="0" smtClean="0"/>
-              <a:t>味道：</a:t>
+              <a:t>種壞味道：</a:t>
             </a:r>
             <a:r>
               <a:rPr lang="en-US" altLang="zh-TW" sz="1200" dirty="0" smtClean="0"/>
               <a:t> </a:t>
             </a:r>
-            <a:endParaRPr lang="en-US" altLang="zh-TW" sz="1200" dirty="0" smtClean="0"/>
           </a:p>
           <a:p>
             <a:pPr marL="0" marR="0" lvl="0" indent="0" algn="l" defTabSz="914400" rtl="0" eaLnBrk="0" fontAlgn="base" latinLnBrk="0" hangingPunct="0">
@@ -15164,11 +14792,7 @@
             <a:pPr lvl="0"/>
             <a:r>
               <a:rPr lang="en-US" altLang="zh-TW" sz="1200" dirty="0" smtClean="0"/>
-              <a:t>Dummy </a:t>
-            </a:r>
-            <a:r>
-              <a:rPr lang="en-US" altLang="zh-TW" sz="1200" dirty="0" smtClean="0"/>
-              <a:t>Handler</a:t>
+              <a:t>Dummy Handler</a:t>
             </a:r>
             <a:endParaRPr lang="zh-TW" altLang="zh-TW" sz="1200" dirty="0" smtClean="0"/>
           </a:p>
@@ -15200,23 +14824,15 @@
             <a:pPr lvl="0"/>
             <a:r>
               <a:rPr lang="en-US" altLang="zh-TW" sz="1200" dirty="0" smtClean="0"/>
-              <a:t>Unprotected </a:t>
-            </a:r>
+              <a:t>Unprotected Main Program</a:t>
+            </a:r>
+            <a:endParaRPr lang="zh-TW" altLang="zh-TW" sz="1200" dirty="0" smtClean="0"/>
+          </a:p>
+          <a:p>
+            <a:pPr lvl="0"/>
             <a:r>
               <a:rPr lang="en-US" altLang="zh-TW" sz="1200" dirty="0" smtClean="0"/>
-              <a:t>Main Program</a:t>
-            </a:r>
-            <a:endParaRPr lang="zh-TW" altLang="zh-TW" sz="1200" dirty="0" smtClean="0"/>
-          </a:p>
-          <a:p>
-            <a:pPr lvl="0"/>
-            <a:r>
-              <a:rPr lang="en-US" altLang="zh-TW" sz="1200" dirty="0" smtClean="0"/>
-              <a:t>Careless </a:t>
-            </a:r>
-            <a:r>
-              <a:rPr lang="en-US" altLang="zh-TW" sz="1200" dirty="0" smtClean="0"/>
-              <a:t>Cleanup</a:t>
+              <a:t>Careless Cleanup</a:t>
             </a:r>
             <a:endParaRPr lang="zh-TW" altLang="zh-TW" sz="1200" dirty="0" smtClean="0"/>
           </a:p>
@@ -15372,55 +14988,7 @@
                 <a:ea typeface="+mn-ea"/>
                 <a:cs typeface="+mn-cs"/>
               </a:rPr>
-              <a:t>提出包含四個強健度等級的例外處理模型，</a:t>
-            </a:r>
-            <a:r>
-              <a:rPr lang="zh-TW" altLang="zh-TW" sz="1200" kern="1200" dirty="0" smtClean="0">
-                <a:solidFill>
-                  <a:schemeClr val="tx1"/>
-                </a:solidFill>
-                <a:effectLst/>
-                <a:latin typeface="+mn-lt"/>
-                <a:ea typeface="+mn-ea"/>
-                <a:cs typeface="+mn-cs"/>
-              </a:rPr>
-              <a:t>作為判斷軟體例</a:t>
-            </a:r>
-            <a:r>
-              <a:rPr lang="zh-TW" altLang="zh-TW" sz="1200" kern="1200" dirty="0" smtClean="0">
-                <a:solidFill>
-                  <a:schemeClr val="tx1"/>
-                </a:solidFill>
-                <a:effectLst/>
-                <a:latin typeface="+mn-lt"/>
-                <a:ea typeface="+mn-ea"/>
-                <a:cs typeface="+mn-cs"/>
-              </a:rPr>
-              <a:t>外處</a:t>
-            </a:r>
-            <a:r>
-              <a:rPr lang="zh-TW" altLang="zh-TW" sz="1200" kern="1200" dirty="0" smtClean="0">
-                <a:solidFill>
-                  <a:schemeClr val="tx1"/>
-                </a:solidFill>
-                <a:effectLst/>
-                <a:latin typeface="+mn-lt"/>
-                <a:ea typeface="+mn-ea"/>
-                <a:cs typeface="+mn-cs"/>
-              </a:rPr>
-              <a:t>理能</a:t>
-            </a:r>
-            <a:r>
-              <a:rPr lang="zh-TW" altLang="zh-TW" sz="1200" kern="1200" dirty="0" smtClean="0">
-                <a:solidFill>
-                  <a:schemeClr val="tx1"/>
-                </a:solidFill>
-                <a:effectLst/>
-                <a:latin typeface="+mn-lt"/>
-                <a:ea typeface="+mn-ea"/>
-                <a:cs typeface="+mn-cs"/>
-              </a:rPr>
-              <a:t>力的依據。</a:t>
+              <a:t>提出包含四個強健度等級的例外處理模型，作為判斷軟體例外處理能力的依據。</a:t>
             </a:r>
             <a:endParaRPr lang="en-US" altLang="zh-TW" sz="1200" kern="1200" dirty="0" smtClean="0">
               <a:solidFill>
@@ -15534,11 +15102,7 @@
             </a:r>
             <a:r>
               <a:rPr lang="zh-TW" altLang="en-US" dirty="0" smtClean="0"/>
-              <a:t>如</a:t>
-            </a:r>
-            <a:r>
-              <a:rPr lang="zh-TW" altLang="en-US" dirty="0" smtClean="0"/>
-              <a:t>圖所示，當元件</a:t>
+              <a:t>如圖所示，當元件</a:t>
             </a:r>
             <a:r>
               <a:rPr lang="en-US" altLang="zh-TW" dirty="0" smtClean="0"/>
@@ -15691,11 +15255,7 @@
             </a:r>
             <a:r>
               <a:rPr lang="zh-TW" altLang="en-US" dirty="0" smtClean="0"/>
-              <a:t>為錯誤</a:t>
-            </a:r>
-            <a:r>
-              <a:rPr lang="zh-TW" altLang="en-US" dirty="0" smtClean="0"/>
-              <a:t>回報：當例外發生時，要將例外回報給上層呼叫者知道</a:t>
+              <a:t>為錯誤回報：當例外發生時，要將例外回報給上層呼叫者知道</a:t>
             </a:r>
             <a:endParaRPr lang="en-US" altLang="zh-TW" dirty="0" smtClean="0"/>
           </a:p>
@@ -15709,11 +15269,7 @@
             </a:r>
             <a:r>
               <a:rPr lang="zh-TW" altLang="en-US" dirty="0" smtClean="0"/>
-              <a:t>如</a:t>
-            </a:r>
-            <a:r>
-              <a:rPr lang="zh-TW" altLang="en-US" dirty="0" smtClean="0"/>
-              <a:t>圖所示，如果元件</a:t>
+              <a:t>如圖所示，如果元件</a:t>
             </a:r>
             <a:r>
               <a:rPr lang="en-US" altLang="zh-TW" dirty="0" smtClean="0"/>
@@ -15910,11 +15466,7 @@
             </a:r>
             <a:r>
               <a:rPr lang="zh-TW" altLang="en-US" dirty="0" smtClean="0"/>
-              <a:t>如</a:t>
-            </a:r>
-            <a:r>
-              <a:rPr lang="zh-TW" altLang="en-US" dirty="0" smtClean="0"/>
-              <a:t>圖所示，如果元件</a:t>
+              <a:t>如圖所示，如果元件</a:t>
             </a:r>
             <a:r>
               <a:rPr lang="en-US" altLang="zh-TW" dirty="0" smtClean="0"/>
@@ -16128,11 +15680,7 @@
             </a:r>
             <a:r>
               <a:rPr lang="zh-TW" altLang="en-US" dirty="0" smtClean="0"/>
-              <a:t>如上</a:t>
-            </a:r>
-            <a:r>
-              <a:rPr lang="zh-TW" altLang="en-US" dirty="0" smtClean="0"/>
-              <a:t>圖所示，如果元件</a:t>
+              <a:t>如上圖所示，如果元件</a:t>
             </a:r>
             <a:r>
               <a:rPr lang="en-US" altLang="zh-TW" dirty="0" smtClean="0"/>
@@ -16295,11 +15843,7 @@
             </a:r>
             <a:r>
               <a:rPr lang="en-US" altLang="zh-TW" dirty="0" smtClean="0"/>
-              <a:t>1</a:t>
-            </a:r>
-            <a:r>
-              <a:rPr lang="en-US" altLang="zh-TW" dirty="0" smtClean="0"/>
-              <a:t>4</a:t>
+              <a:t>14</a:t>
             </a:r>
             <a:r>
               <a:rPr lang="zh-TW" altLang="en-US" dirty="0" smtClean="0"/>
@@ -16307,11 +15851,7 @@
             </a:r>
             <a:r>
               <a:rPr lang="en-US" altLang="zh-TW" dirty="0" smtClean="0"/>
-              <a:t>1</a:t>
-            </a:r>
-            <a:r>
-              <a:rPr lang="en-US" altLang="zh-TW" dirty="0" smtClean="0"/>
-              <a:t>6</a:t>
+              <a:t>16</a:t>
             </a:r>
             <a:r>
               <a:rPr lang="zh-TW" altLang="en-US" dirty="0" smtClean="0"/>
@@ -16653,11 +16193,7 @@
           <a:p>
             <a:r>
               <a:rPr lang="zh-TW" altLang="en-US" dirty="0" smtClean="0"/>
-              <a:t>我</a:t>
-            </a:r>
-            <a:r>
-              <a:rPr lang="zh-TW" altLang="en-US" dirty="0" smtClean="0"/>
-              <a:t>的研究目標是補齊</a:t>
+              <a:t>我的研究目標是補齊</a:t>
             </a:r>
             <a:r>
               <a:rPr lang="en-US" altLang="zh-TW" dirty="0" smtClean="0"/>
@@ -16665,19 +16201,7 @@
             </a:r>
             <a:r>
               <a:rPr lang="zh-TW" altLang="en-US" dirty="0" smtClean="0"/>
-              <a:t>壞味道的自動化</a:t>
-            </a:r>
-            <a:r>
-              <a:rPr lang="zh-TW" altLang="en-US" dirty="0" smtClean="0"/>
-              <a:t>重</a:t>
-            </a:r>
-            <a:r>
-              <a:rPr lang="zh-TW" altLang="en-US" dirty="0" smtClean="0"/>
-              <a:t>構功能，</a:t>
-            </a:r>
-            <a:r>
-              <a:rPr lang="zh-TW" altLang="en-US" dirty="0" smtClean="0"/>
-              <a:t>和改善</a:t>
+              <a:t>壞味道的自動化重構功能，和改善</a:t>
             </a:r>
             <a:r>
               <a:rPr lang="en-US" altLang="zh-TW" dirty="0" smtClean="0"/>
@@ -16685,11 +16209,7 @@
             </a:r>
             <a:r>
               <a:rPr lang="zh-TW" altLang="en-US" dirty="0" smtClean="0"/>
-              <a:t>原來消除</a:t>
-            </a:r>
-            <a:r>
-              <a:rPr lang="zh-TW" altLang="en-US" dirty="0" smtClean="0"/>
-              <a:t>壞味道的方法</a:t>
+              <a:t>原來消除壞味道的方法</a:t>
             </a:r>
             <a:endParaRPr lang="en-US" altLang="zh-TW" dirty="0" smtClean="0"/>
           </a:p>
@@ -17713,7 +17233,6 @@
               <a:rPr lang="en-US" altLang="zh-TW" sz="1200" dirty="0" smtClean="0"/>
               <a:t>1.3)</a:t>
             </a:r>
-            <a:endParaRPr lang="en-US" altLang="zh-TW" sz="1200" dirty="0" smtClean="0"/>
           </a:p>
           <a:p>
             <a:pPr lvl="0">
@@ -17802,11 +17321,7 @@
             </a:r>
             <a:r>
               <a:rPr lang="zh-TW" altLang="zh-TW" sz="1200" dirty="0" smtClean="0"/>
-              <a:t>指定</a:t>
-            </a:r>
-            <a:r>
-              <a:rPr lang="zh-TW" altLang="zh-TW" sz="1200" dirty="0" smtClean="0"/>
-              <a:t>壞味道所在的</a:t>
+              <a:t>指定壞味道所在的</a:t>
             </a:r>
             <a:r>
               <a:rPr lang="en-US" altLang="zh-TW" sz="1200" dirty="0" smtClean="0"/>
@@ -17814,11 +17329,7 @@
             </a:r>
             <a:r>
               <a:rPr lang="zh-TW" altLang="zh-TW" sz="1200" dirty="0" smtClean="0"/>
-              <a:t>資訊</a:t>
-            </a:r>
-            <a:r>
-              <a:rPr lang="zh-TW" altLang="zh-TW" sz="1200" dirty="0" smtClean="0"/>
-              <a:t>。</a:t>
+              <a:t>資訊。</a:t>
             </a:r>
             <a:r>
               <a:rPr lang="en-US" altLang="zh-TW" sz="1200" dirty="0" smtClean="0"/>
@@ -17840,7 +17351,6 @@
               <a:rPr lang="en-US" altLang="zh-TW" sz="1200" dirty="0" smtClean="0"/>
               <a:t>1.7)</a:t>
             </a:r>
-            <a:endParaRPr lang="en-US" altLang="zh-TW" sz="1200" dirty="0" smtClean="0"/>
           </a:p>
           <a:p>
             <a:pPr lvl="0">
@@ -17864,17 +17374,12 @@
             </a:r>
             <a:r>
               <a:rPr lang="zh-TW" altLang="zh-TW" sz="1200" dirty="0" smtClean="0"/>
-              <a:t>所接住的例外型別</a:t>
-            </a:r>
-            <a:r>
-              <a:rPr lang="zh-TW" altLang="zh-TW" sz="1200" dirty="0" smtClean="0"/>
-              <a:t>。</a:t>
+              <a:t>所接住的例外型別。</a:t>
             </a:r>
             <a:r>
               <a:rPr lang="en-US" altLang="zh-TW" sz="1200" dirty="0" smtClean="0"/>
               <a:t>(1.8)</a:t>
             </a:r>
-            <a:endParaRPr lang="en-US" altLang="zh-TW" sz="1200" dirty="0" smtClean="0"/>
           </a:p>
           <a:p>
             <a:pPr lvl="0">
@@ -17918,11 +17423,7 @@
             </a:r>
             <a:r>
               <a:rPr lang="zh-TW" altLang="zh-TW" sz="1200" dirty="0" smtClean="0"/>
-              <a:t>是否有印出例外訊息</a:t>
-            </a:r>
-            <a:r>
-              <a:rPr lang="zh-TW" altLang="zh-TW" sz="1200" dirty="0" smtClean="0"/>
-              <a:t>的</a:t>
+              <a:t>是否有印出例外訊息的</a:t>
             </a:r>
             <a:r>
               <a:rPr lang="zh-TW" altLang="en-US" sz="1200" dirty="0" smtClean="0"/>
@@ -17930,21 +17431,12 @@
             </a:r>
             <a:r>
               <a:rPr lang="zh-TW" altLang="zh-TW" sz="1200" dirty="0" smtClean="0"/>
-              <a:t>，</a:t>
-            </a:r>
-            <a:r>
-              <a:rPr lang="zh-TW" altLang="zh-TW" sz="1200" dirty="0" smtClean="0"/>
-              <a:t>若有則移除</a:t>
-            </a:r>
-            <a:r>
-              <a:rPr lang="zh-TW" altLang="zh-TW" sz="1200" dirty="0" smtClean="0"/>
-              <a:t>。</a:t>
+              <a:t>，若有則移除。</a:t>
             </a:r>
             <a:r>
               <a:rPr lang="en-US" altLang="zh-TW" sz="1200" dirty="0" smtClean="0"/>
               <a:t>(1.9)</a:t>
             </a:r>
-            <a:endParaRPr lang="en-US" altLang="zh-TW" sz="1200" dirty="0" smtClean="0"/>
           </a:p>
           <a:p>
             <a:pPr lvl="0">
@@ -17960,11 +17452,7 @@
             </a:r>
             <a:r>
               <a:rPr lang="zh-TW" altLang="zh-TW" sz="1200" dirty="0" smtClean="0"/>
-              <a:t>捕捉到的例外向上層回報出去</a:t>
-            </a:r>
-            <a:r>
-              <a:rPr lang="zh-TW" altLang="zh-TW" sz="1200" dirty="0" smtClean="0"/>
-              <a:t>。</a:t>
+              <a:t>捕捉到的例外向上層回報出去。</a:t>
             </a:r>
             <a:r>
               <a:rPr lang="en-US" altLang="zh-TW" sz="1200" dirty="0" smtClean="0"/>
@@ -17986,11 +17474,7 @@
             </a:r>
             <a:r>
               <a:rPr lang="zh-TW" altLang="zh-TW" sz="1200" dirty="0" smtClean="0"/>
-              <a:t>步驟</a:t>
-            </a:r>
-            <a:r>
-              <a:rPr lang="zh-TW" altLang="zh-TW" sz="1200" dirty="0" smtClean="0"/>
-              <a:t>即可完成</a:t>
+              <a:t>步驟即可完成</a:t>
             </a:r>
             <a:r>
               <a:rPr lang="en-US" altLang="zh-TW" sz="1200" dirty="0" smtClean="0"/>
@@ -18006,11 +17490,7 @@
             </a:r>
             <a:r>
               <a:rPr lang="zh-TW" altLang="zh-TW" sz="1200" dirty="0" smtClean="0"/>
-              <a:t>壞</a:t>
-            </a:r>
-            <a:r>
-              <a:rPr lang="zh-TW" altLang="zh-TW" sz="1200" dirty="0" smtClean="0"/>
-              <a:t>味道</a:t>
+              <a:t>壞味道</a:t>
             </a:r>
             <a:r>
               <a:rPr lang="zh-TW" altLang="en-US" sz="1200" dirty="0" smtClean="0"/>
@@ -18018,11 +17498,7 @@
             </a:r>
             <a:r>
               <a:rPr lang="zh-TW" altLang="zh-TW" sz="1200" dirty="0" smtClean="0"/>
-              <a:t>自動化</a:t>
-            </a:r>
-            <a:r>
-              <a:rPr lang="zh-TW" altLang="zh-TW" sz="1200" dirty="0" smtClean="0"/>
-              <a:t>快速修復功能。</a:t>
+              <a:t>自動化快速修復功能。</a:t>
             </a:r>
           </a:p>
           <a:p>
@@ -18293,7 +17769,31 @@
                 <a:ea typeface="+mn-ea"/>
                 <a:cs typeface="+mn-cs"/>
               </a:rPr>
-              <a:t>功能時</a:t>
+              <a:t>功能時，會觸發</a:t>
+            </a:r>
+            <a:r>
+              <a:rPr lang="en-US" altLang="zh-TW" sz="1200" kern="1200" dirty="0" err="1" smtClean="0">
+                <a:solidFill>
+                  <a:schemeClr val="tx1"/>
+                </a:solidFill>
+                <a:effectLst/>
+                <a:latin typeface="+mn-lt"/>
+                <a:ea typeface="+mn-ea"/>
+                <a:cs typeface="+mn-cs"/>
+              </a:rPr>
+              <a:t>UMQuickFix</a:t>
+            </a:r>
+            <a:r>
+              <a:rPr lang="en-US" altLang="zh-TW" sz="1200" kern="1200" dirty="0" smtClean="0">
+                <a:solidFill>
+                  <a:schemeClr val="tx1"/>
+                </a:solidFill>
+                <a:effectLst/>
+                <a:latin typeface="+mn-lt"/>
+                <a:ea typeface="+mn-ea"/>
+                <a:cs typeface="+mn-cs"/>
+              </a:rPr>
+              <a:t> class</a:t>
             </a:r>
             <a:r>
               <a:rPr lang="zh-TW" altLang="zh-TW" sz="1200" kern="1200" dirty="0" smtClean="0">
@@ -18305,79 +17805,7 @@
                 <a:ea typeface="+mn-ea"/>
                 <a:cs typeface="+mn-cs"/>
               </a:rPr>
-              <a:t>，會</a:t>
-            </a:r>
-            <a:r>
-              <a:rPr lang="zh-TW" altLang="zh-TW" sz="1200" kern="1200" dirty="0" smtClean="0">
-                <a:solidFill>
-                  <a:schemeClr val="tx1"/>
-                </a:solidFill>
-                <a:effectLst/>
-                <a:latin typeface="+mn-lt"/>
-                <a:ea typeface="+mn-ea"/>
-                <a:cs typeface="+mn-cs"/>
-              </a:rPr>
-              <a:t>觸發</a:t>
-            </a:r>
-            <a:r>
-              <a:rPr lang="en-US" altLang="zh-TW" sz="1200" kern="1200" dirty="0" err="1" smtClean="0">
-                <a:solidFill>
-                  <a:schemeClr val="tx1"/>
-                </a:solidFill>
-                <a:effectLst/>
-                <a:latin typeface="+mn-lt"/>
-                <a:ea typeface="+mn-ea"/>
-                <a:cs typeface="+mn-cs"/>
-              </a:rPr>
-              <a:t>UMQuickFix</a:t>
-            </a:r>
-            <a:r>
-              <a:rPr lang="en-US" altLang="zh-TW" sz="1200" kern="1200" dirty="0" smtClean="0">
-                <a:solidFill>
-                  <a:schemeClr val="tx1"/>
-                </a:solidFill>
-                <a:effectLst/>
-                <a:latin typeface="+mn-lt"/>
-                <a:ea typeface="+mn-ea"/>
-                <a:cs typeface="+mn-cs"/>
-              </a:rPr>
-              <a:t> class</a:t>
-            </a:r>
-            <a:r>
-              <a:rPr lang="zh-TW" altLang="zh-TW" sz="1200" kern="1200" dirty="0" smtClean="0">
-                <a:solidFill>
-                  <a:schemeClr val="tx1"/>
-                </a:solidFill>
-                <a:effectLst/>
-                <a:latin typeface="+mn-lt"/>
-                <a:ea typeface="+mn-ea"/>
-                <a:cs typeface="+mn-cs"/>
-              </a:rPr>
-              <a:t>，執行</a:t>
-            </a:r>
-            <a:r>
-              <a:rPr lang="zh-TW" altLang="zh-TW" sz="1200" kern="1200" dirty="0" smtClean="0">
-                <a:solidFill>
-                  <a:schemeClr val="tx1"/>
-                </a:solidFill>
-                <a:effectLst/>
-                <a:latin typeface="+mn-lt"/>
-                <a:ea typeface="+mn-ea"/>
-                <a:cs typeface="+mn-cs"/>
-              </a:rPr>
-              <a:t>快速修復的</a:t>
-            </a:r>
-            <a:r>
-              <a:rPr lang="zh-TW" altLang="zh-TW" sz="1200" kern="1200" dirty="0" smtClean="0">
-                <a:solidFill>
-                  <a:schemeClr val="tx1"/>
-                </a:solidFill>
-                <a:effectLst/>
-                <a:latin typeface="+mn-lt"/>
-                <a:ea typeface="+mn-ea"/>
-                <a:cs typeface="+mn-cs"/>
-              </a:rPr>
-              <a:t>功能。</a:t>
+              <a:t>，執行快速修復的功能。</a:t>
             </a:r>
             <a:endParaRPr lang="zh-TW" altLang="en-US" dirty="0"/>
           </a:p>
@@ -18571,7 +17999,31 @@
                 <a:ea typeface="+mn-ea"/>
                 <a:cs typeface="+mn-cs"/>
               </a:rPr>
-              <a:t>取得</a:t>
+              <a:t>取得壞味道的</a:t>
+            </a:r>
+            <a:r>
+              <a:rPr lang="en-US" altLang="zh-TW" sz="1200" kern="1200" dirty="0" err="1" smtClean="0">
+                <a:solidFill>
+                  <a:schemeClr val="tx1"/>
+                </a:solidFill>
+                <a:effectLst/>
+                <a:latin typeface="+mn-lt"/>
+                <a:ea typeface="+mn-ea"/>
+                <a:cs typeface="+mn-cs"/>
+              </a:rPr>
+              <a:t>MethodDeclaration</a:t>
+            </a:r>
+            <a:r>
+              <a:rPr lang="en-US" altLang="zh-TW" sz="1200" kern="1200" dirty="0" smtClean="0">
+                <a:solidFill>
+                  <a:schemeClr val="tx1"/>
+                </a:solidFill>
+                <a:effectLst/>
+                <a:latin typeface="+mn-lt"/>
+                <a:ea typeface="+mn-ea"/>
+                <a:cs typeface="+mn-cs"/>
+              </a:rPr>
+              <a:t> index</a:t>
             </a:r>
             <a:r>
               <a:rPr lang="zh-TW" altLang="zh-TW" sz="1200" kern="1200" dirty="0" smtClean="0">
@@ -18583,31 +18035,7 @@
                 <a:ea typeface="+mn-ea"/>
                 <a:cs typeface="+mn-cs"/>
               </a:rPr>
-              <a:t>壞</a:t>
-            </a:r>
-            <a:r>
-              <a:rPr lang="zh-TW" altLang="zh-TW" sz="1200" kern="1200" dirty="0" smtClean="0">
-                <a:solidFill>
-                  <a:schemeClr val="tx1"/>
-                </a:solidFill>
-                <a:effectLst/>
-                <a:latin typeface="+mn-lt"/>
-                <a:ea typeface="+mn-ea"/>
-                <a:cs typeface="+mn-cs"/>
-              </a:rPr>
-              <a:t>味道的</a:t>
-            </a:r>
-            <a:r>
-              <a:rPr lang="en-US" altLang="zh-TW" sz="1200" kern="1200" dirty="0" err="1" smtClean="0">
-                <a:solidFill>
-                  <a:schemeClr val="tx1"/>
-                </a:solidFill>
-                <a:effectLst/>
-                <a:latin typeface="+mn-lt"/>
-                <a:ea typeface="+mn-ea"/>
-                <a:cs typeface="+mn-cs"/>
-              </a:rPr>
-              <a:t>MethodDeclaration</a:t>
+              <a:t>。</a:t>
             </a:r>
             <a:r>
               <a:rPr lang="en-US" altLang="zh-TW" sz="1200" kern="1200" dirty="0" smtClean="0">
@@ -18619,41 +18047,8 @@
                 <a:ea typeface="+mn-ea"/>
                 <a:cs typeface="+mn-cs"/>
               </a:rPr>
-              <a:t> index</a:t>
-            </a:r>
-            <a:r>
-              <a:rPr lang="zh-TW" altLang="zh-TW" sz="1200" kern="1200" dirty="0" smtClean="0">
-                <a:solidFill>
-                  <a:schemeClr val="tx1"/>
-                </a:solidFill>
-                <a:effectLst/>
-                <a:latin typeface="+mn-lt"/>
-                <a:ea typeface="+mn-ea"/>
-                <a:cs typeface="+mn-cs"/>
-              </a:rPr>
-              <a:t>。</a:t>
-            </a:r>
-            <a:r>
-              <a:rPr lang="en-US" altLang="zh-TW" sz="1200" kern="1200" dirty="0" smtClean="0">
-                <a:solidFill>
-                  <a:schemeClr val="tx1"/>
-                </a:solidFill>
-                <a:effectLst/>
-                <a:latin typeface="+mn-lt"/>
-                <a:ea typeface="+mn-ea"/>
-                <a:cs typeface="+mn-cs"/>
-              </a:rPr>
               <a:t>(1.1)</a:t>
             </a:r>
-            <a:endParaRPr lang="en-US" altLang="zh-TW" sz="1200" kern="1200" dirty="0" smtClean="0">
-              <a:solidFill>
-                <a:schemeClr val="tx1"/>
-              </a:solidFill>
-              <a:effectLst/>
-              <a:latin typeface="+mn-lt"/>
-              <a:ea typeface="+mn-ea"/>
-              <a:cs typeface="+mn-cs"/>
-            </a:endParaRPr>
           </a:p>
           <a:p>
             <a:pPr marL="228600" indent="-228600">
@@ -18694,19 +18089,7 @@
                 <a:ea typeface="+mn-ea"/>
                 <a:cs typeface="+mn-cs"/>
               </a:rPr>
-              <a:t>相關</a:t>
-            </a:r>
-            <a:r>
-              <a:rPr lang="zh-TW" altLang="zh-TW" sz="1200" kern="1200" dirty="0" smtClean="0">
-                <a:solidFill>
-                  <a:schemeClr val="tx1"/>
-                </a:solidFill>
-                <a:effectLst/>
-                <a:latin typeface="+mn-lt"/>
-                <a:ea typeface="+mn-ea"/>
-                <a:cs typeface="+mn-cs"/>
-              </a:rPr>
-              <a:t>資訊。</a:t>
+              <a:t>相關資訊。</a:t>
             </a:r>
             <a:r>
               <a:rPr lang="en-US" altLang="zh-TW" sz="1200" kern="1200" dirty="0" smtClean="0">
@@ -18744,15 +18127,6 @@
               </a:rPr>
               <a:t>1.3)</a:t>
             </a:r>
-            <a:endParaRPr lang="en-US" altLang="zh-TW" sz="1200" kern="1200" dirty="0" smtClean="0">
-              <a:solidFill>
-                <a:schemeClr val="tx1"/>
-              </a:solidFill>
-              <a:effectLst/>
-              <a:latin typeface="+mn-lt"/>
-              <a:ea typeface="+mn-ea"/>
-              <a:cs typeface="+mn-cs"/>
-            </a:endParaRPr>
           </a:p>
           <a:p>
             <a:pPr marL="228600" indent="-228600">
@@ -18769,7 +18143,19 @@
                 <a:ea typeface="+mn-ea"/>
                 <a:cs typeface="+mn-cs"/>
               </a:rPr>
-              <a:t>取得</a:t>
+              <a:t>取得壞味道所在的</a:t>
+            </a:r>
+            <a:r>
+              <a:rPr lang="en-US" altLang="zh-TW" sz="1200" kern="1200" dirty="0" err="1" smtClean="0">
+                <a:solidFill>
+                  <a:schemeClr val="tx1"/>
+                </a:solidFill>
+                <a:effectLst/>
+                <a:latin typeface="+mn-lt"/>
+                <a:ea typeface="+mn-ea"/>
+                <a:cs typeface="+mn-cs"/>
+              </a:rPr>
+              <a:t>MethodDeclaration</a:t>
             </a:r>
             <a:r>
               <a:rPr lang="zh-TW" altLang="zh-TW" sz="1200" kern="1200" dirty="0" smtClean="0">
@@ -18781,7 +18167,7 @@
                 <a:ea typeface="+mn-ea"/>
                 <a:cs typeface="+mn-cs"/>
               </a:rPr>
-              <a:t>壞味道所在的</a:t>
+              <a:t>，此</a:t>
             </a:r>
             <a:r>
               <a:rPr lang="en-US" altLang="zh-TW" sz="1200" kern="1200" dirty="0" err="1" smtClean="0">
@@ -18805,43 +18191,7 @@
                 <a:ea typeface="+mn-ea"/>
                 <a:cs typeface="+mn-cs"/>
               </a:rPr>
-              <a:t>，此</a:t>
-            </a:r>
-            <a:r>
-              <a:rPr lang="en-US" altLang="zh-TW" sz="1200" kern="1200" dirty="0" err="1" smtClean="0">
-                <a:solidFill>
-                  <a:schemeClr val="tx1"/>
-                </a:solidFill>
-                <a:effectLst/>
-                <a:latin typeface="+mn-lt"/>
-                <a:ea typeface="+mn-ea"/>
-                <a:cs typeface="+mn-cs"/>
-              </a:rPr>
-              <a:t>MethodDeclaration</a:t>
-            </a:r>
-            <a:r>
-              <a:rPr lang="zh-TW" altLang="zh-TW" sz="1200" kern="1200" dirty="0" smtClean="0">
-                <a:solidFill>
-                  <a:schemeClr val="tx1"/>
-                </a:solidFill>
-                <a:effectLst/>
-                <a:latin typeface="+mn-lt"/>
-                <a:ea typeface="+mn-ea"/>
-                <a:cs typeface="+mn-cs"/>
-              </a:rPr>
-              <a:t>即為主程式</a:t>
-            </a:r>
-            <a:r>
-              <a:rPr lang="zh-TW" altLang="zh-TW" sz="1200" kern="1200" dirty="0" smtClean="0">
-                <a:solidFill>
-                  <a:schemeClr val="tx1"/>
-                </a:solidFill>
-                <a:effectLst/>
-                <a:latin typeface="+mn-lt"/>
-                <a:ea typeface="+mn-ea"/>
-                <a:cs typeface="+mn-cs"/>
-              </a:rPr>
-              <a:t>。</a:t>
+              <a:t>即為主程式。</a:t>
             </a:r>
             <a:r>
               <a:rPr lang="en-US" altLang="zh-TW" sz="1200" kern="1200" dirty="0" smtClean="0">
@@ -18855,15 +18205,6 @@
               </a:rPr>
               <a:t>(1.4)</a:t>
             </a:r>
-            <a:endParaRPr lang="en-US" altLang="zh-TW" sz="1200" kern="1200" dirty="0" smtClean="0">
-              <a:solidFill>
-                <a:schemeClr val="tx1"/>
-              </a:solidFill>
-              <a:effectLst/>
-              <a:latin typeface="+mn-lt"/>
-              <a:ea typeface="+mn-ea"/>
-              <a:cs typeface="+mn-cs"/>
-            </a:endParaRPr>
           </a:p>
           <a:p>
             <a:pPr marL="228600" indent="-228600">
@@ -18880,7 +18221,19 @@
                 <a:ea typeface="+mn-ea"/>
                 <a:cs typeface="+mn-cs"/>
               </a:rPr>
-              <a:t>蒐集</a:t>
+              <a:t>蒐集主程式內所有的</a:t>
+            </a:r>
+            <a:r>
+              <a:rPr lang="en-US" altLang="zh-TW" sz="1200" kern="1200" dirty="0" smtClean="0">
+                <a:solidFill>
+                  <a:schemeClr val="tx1"/>
+                </a:solidFill>
+                <a:effectLst/>
+                <a:latin typeface="+mn-lt"/>
+                <a:ea typeface="+mn-ea"/>
+                <a:cs typeface="+mn-cs"/>
+              </a:rPr>
+              <a:t>Try Statement</a:t>
             </a:r>
             <a:r>
               <a:rPr lang="zh-TW" altLang="zh-TW" sz="1200" kern="1200" dirty="0" smtClean="0">
@@ -18892,43 +18245,7 @@
                 <a:ea typeface="+mn-ea"/>
                 <a:cs typeface="+mn-cs"/>
               </a:rPr>
-              <a:t>主程式內所有的</a:t>
-            </a:r>
-            <a:r>
-              <a:rPr lang="en-US" altLang="zh-TW" sz="1200" kern="1200" dirty="0" smtClean="0">
-                <a:solidFill>
-                  <a:schemeClr val="tx1"/>
-                </a:solidFill>
-                <a:effectLst/>
-                <a:latin typeface="+mn-lt"/>
-                <a:ea typeface="+mn-ea"/>
-                <a:cs typeface="+mn-cs"/>
-              </a:rPr>
-              <a:t>Try Statement</a:t>
-            </a:r>
-            <a:r>
-              <a:rPr lang="zh-TW" altLang="zh-TW" sz="1200" kern="1200" dirty="0" smtClean="0">
-                <a:solidFill>
-                  <a:schemeClr val="tx1"/>
-                </a:solidFill>
-                <a:effectLst/>
-                <a:latin typeface="+mn-lt"/>
-                <a:ea typeface="+mn-ea"/>
-                <a:cs typeface="+mn-cs"/>
-              </a:rPr>
-              <a:t>，而將主程式分為兩種情境</a:t>
-            </a:r>
-            <a:r>
-              <a:rPr lang="zh-TW" altLang="zh-TW" sz="1200" kern="1200" dirty="0" smtClean="0">
-                <a:solidFill>
-                  <a:schemeClr val="tx1"/>
-                </a:solidFill>
-                <a:effectLst/>
-                <a:latin typeface="+mn-lt"/>
-                <a:ea typeface="+mn-ea"/>
-                <a:cs typeface="+mn-cs"/>
-              </a:rPr>
-              <a:t>：有</a:t>
+              <a:t>，而將主程式分為兩種情境：有</a:t>
             </a:r>
             <a:r>
               <a:rPr lang="en-US" altLang="zh-TW" sz="1200" kern="1200" dirty="0" smtClean="0">
@@ -19140,19 +18457,7 @@
                 <a:ea typeface="+mn-ea"/>
                 <a:cs typeface="+mn-cs"/>
               </a:rPr>
-              <a:t>類別，並將捕捉到的例外紀錄日誌檔中</a:t>
-            </a:r>
-            <a:r>
-              <a:rPr lang="zh-TW" altLang="zh-TW" sz="1200" kern="1200" dirty="0" smtClean="0">
-                <a:solidFill>
-                  <a:schemeClr val="tx1"/>
-                </a:solidFill>
-                <a:effectLst/>
-                <a:latin typeface="+mn-lt"/>
-                <a:ea typeface="+mn-ea"/>
-                <a:cs typeface="+mn-cs"/>
-              </a:rPr>
-              <a:t>。</a:t>
+              <a:t>類別，並將捕捉到的例外紀錄日誌檔中。</a:t>
             </a:r>
             <a:r>
               <a:rPr lang="en-US" altLang="zh-TW" sz="1200" kern="1200" dirty="0" smtClean="0">
@@ -19166,15 +18471,6 @@
               </a:rPr>
               <a:t>(1.6)</a:t>
             </a:r>
-            <a:endParaRPr lang="en-US" altLang="zh-TW" sz="1200" kern="1200" dirty="0" smtClean="0">
-              <a:solidFill>
-                <a:schemeClr val="tx1"/>
-              </a:solidFill>
-              <a:effectLst/>
-              <a:latin typeface="+mn-lt"/>
-              <a:ea typeface="+mn-ea"/>
-              <a:cs typeface="+mn-cs"/>
-            </a:endParaRPr>
           </a:p>
           <a:p>
             <a:pPr marL="0" lvl="0" indent="0">
@@ -19239,19 +18535,7 @@
                 <a:ea typeface="+mn-ea"/>
                 <a:cs typeface="+mn-cs"/>
               </a:rPr>
-              <a:t>區塊裡</a:t>
-            </a:r>
-            <a:r>
-              <a:rPr lang="zh-TW" altLang="zh-TW" sz="1200" kern="1200" dirty="0" smtClean="0">
-                <a:solidFill>
-                  <a:schemeClr val="tx1"/>
-                </a:solidFill>
-                <a:effectLst/>
-                <a:latin typeface="+mn-lt"/>
-                <a:ea typeface="+mn-ea"/>
-                <a:cs typeface="+mn-cs"/>
-              </a:rPr>
-              <a:t>。</a:t>
+              <a:t>區塊裡。</a:t>
             </a:r>
             <a:r>
               <a:rPr lang="en-US" altLang="zh-TW" sz="1200" kern="1200" dirty="0" smtClean="0">
@@ -19470,19 +18754,7 @@
                 <a:ea typeface="+mn-ea"/>
                 <a:cs typeface="+mn-cs"/>
               </a:rPr>
-              <a:t>區塊，並將例外捕捉後記錄日誌檔中</a:t>
-            </a:r>
-            <a:r>
-              <a:rPr lang="zh-TW" altLang="zh-TW" sz="1200" kern="1200" dirty="0" smtClean="0">
-                <a:solidFill>
-                  <a:schemeClr val="tx1"/>
-                </a:solidFill>
-                <a:effectLst/>
-                <a:latin typeface="+mn-lt"/>
-                <a:ea typeface="+mn-ea"/>
-                <a:cs typeface="+mn-cs"/>
-              </a:rPr>
-              <a:t>。</a:t>
+              <a:t>區塊，並將例外捕捉後記錄日誌檔中。</a:t>
             </a:r>
             <a:r>
               <a:rPr lang="en-US" altLang="zh-TW" sz="1200" kern="1200" dirty="0" smtClean="0">
@@ -19578,19 +18850,7 @@
                 <a:ea typeface="+mn-ea"/>
                 <a:cs typeface="+mn-cs"/>
               </a:rPr>
-              <a:t>中</a:t>
-            </a:r>
-            <a:r>
-              <a:rPr lang="zh-TW" altLang="zh-TW" sz="1200" kern="1200" dirty="0" smtClean="0">
-                <a:solidFill>
-                  <a:schemeClr val="tx1"/>
-                </a:solidFill>
-                <a:effectLst/>
-                <a:latin typeface="+mn-lt"/>
-                <a:ea typeface="+mn-ea"/>
-                <a:cs typeface="+mn-cs"/>
-              </a:rPr>
-              <a:t>。</a:t>
+              <a:t>中。</a:t>
             </a:r>
             <a:r>
               <a:rPr lang="en-US" altLang="zh-TW" sz="1200" kern="1200" dirty="0" smtClean="0">
@@ -20123,7 +19383,19 @@
                 <a:ea typeface="+mn-ea"/>
                 <a:cs typeface="+mn-cs"/>
               </a:rPr>
-              <a:t>，</a:t>
+              <a:t>，啟動重構頁面讓使用者設定相關參數和要回報的例外型別等。</a:t>
+            </a:r>
+            <a:r>
+              <a:rPr lang="en-US" altLang="zh-TW" sz="1200" kern="1200" dirty="0" err="1" smtClean="0">
+                <a:solidFill>
+                  <a:schemeClr val="tx1"/>
+                </a:solidFill>
+                <a:effectLst/>
+                <a:latin typeface="+mn-lt"/>
+                <a:ea typeface="+mn-ea"/>
+                <a:cs typeface="+mn-cs"/>
+              </a:rPr>
+              <a:t>RethrowExWizard</a:t>
             </a:r>
             <a:r>
               <a:rPr lang="zh-TW" altLang="zh-TW" sz="1200" kern="1200" dirty="0" smtClean="0">
@@ -20135,7 +19407,7 @@
                 <a:ea typeface="+mn-ea"/>
                 <a:cs typeface="+mn-cs"/>
               </a:rPr>
-              <a:t>啟動重構頁面讓使用者設定相關參數和要回報的例外型別等。</a:t>
+              <a:t>能夠提供預覽畫面協助使用者設定重構的相關資訊。在使用者設定完成後，</a:t>
             </a:r>
             <a:r>
               <a:rPr lang="en-US" altLang="zh-TW" sz="1200" kern="1200" dirty="0" err="1" smtClean="0">
@@ -20147,7 +19419,7 @@
                 <a:ea typeface="+mn-ea"/>
                 <a:cs typeface="+mn-cs"/>
               </a:rPr>
-              <a:t>RethrowExWizard</a:t>
+              <a:t>RethrowExInputPage</a:t>
             </a:r>
             <a:r>
               <a:rPr lang="zh-TW" altLang="zh-TW" sz="1200" kern="1200" dirty="0" smtClean="0">
@@ -20159,7 +19431,19 @@
                 <a:ea typeface="+mn-ea"/>
                 <a:cs typeface="+mn-cs"/>
               </a:rPr>
-              <a:t>能夠</a:t>
+              <a:t>會將使用者設定的資訊傳到</a:t>
+            </a:r>
+            <a:r>
+              <a:rPr lang="en-US" altLang="zh-TW" sz="1200" kern="1200" dirty="0" err="1" smtClean="0">
+                <a:solidFill>
+                  <a:schemeClr val="tx1"/>
+                </a:solidFill>
+                <a:effectLst/>
+                <a:latin typeface="+mn-lt"/>
+                <a:ea typeface="+mn-ea"/>
+                <a:cs typeface="+mn-cs"/>
+              </a:rPr>
+              <a:t>RethrowExRefactoring</a:t>
             </a:r>
             <a:r>
               <a:rPr lang="zh-TW" altLang="zh-TW" sz="1200" kern="1200" dirty="0" smtClean="0">
@@ -20171,19 +19455,19 @@
                 <a:ea typeface="+mn-ea"/>
                 <a:cs typeface="+mn-cs"/>
               </a:rPr>
-              <a:t>提供預覽畫面協助使用者設定重構的相關資訊。在使用者設定完成後，</a:t>
-            </a:r>
-            <a:r>
-              <a:rPr lang="en-US" altLang="zh-TW" sz="1200" kern="1200" dirty="0" err="1" smtClean="0">
-                <a:solidFill>
-                  <a:schemeClr val="tx1"/>
-                </a:solidFill>
-                <a:effectLst/>
-                <a:latin typeface="+mn-lt"/>
-                <a:ea typeface="+mn-ea"/>
-                <a:cs typeface="+mn-cs"/>
-              </a:rPr>
-              <a:t>RethrowExInputPage</a:t>
+              <a:t>，對</a:t>
+            </a:r>
+            <a:r>
+              <a:rPr lang="en-US" altLang="zh-TW" sz="1200" kern="1200" dirty="0" smtClean="0">
+                <a:solidFill>
+                  <a:schemeClr val="tx1"/>
+                </a:solidFill>
+                <a:effectLst/>
+                <a:latin typeface="+mn-lt"/>
+                <a:ea typeface="+mn-ea"/>
+                <a:cs typeface="+mn-cs"/>
+              </a:rPr>
+              <a:t>Dummy Handler</a:t>
             </a:r>
             <a:r>
               <a:rPr lang="zh-TW" altLang="zh-TW" sz="1200" kern="1200" dirty="0" smtClean="0">
@@ -20195,19 +19479,19 @@
                 <a:ea typeface="+mn-ea"/>
                 <a:cs typeface="+mn-cs"/>
               </a:rPr>
-              <a:t>會將使用者設定的資訊傳到</a:t>
-            </a:r>
-            <a:r>
-              <a:rPr lang="en-US" altLang="zh-TW" sz="1200" kern="1200" dirty="0" err="1" smtClean="0">
-                <a:solidFill>
-                  <a:schemeClr val="tx1"/>
-                </a:solidFill>
-                <a:effectLst/>
-                <a:latin typeface="+mn-lt"/>
-                <a:ea typeface="+mn-ea"/>
-                <a:cs typeface="+mn-cs"/>
-              </a:rPr>
-              <a:t>RethrowExRefactoring</a:t>
+              <a:t>和</a:t>
+            </a:r>
+            <a:r>
+              <a:rPr lang="en-US" altLang="zh-TW" sz="1200" kern="1200" dirty="0" smtClean="0">
+                <a:solidFill>
+                  <a:schemeClr val="tx1"/>
+                </a:solidFill>
+                <a:effectLst/>
+                <a:latin typeface="+mn-lt"/>
+                <a:ea typeface="+mn-ea"/>
+                <a:cs typeface="+mn-cs"/>
+              </a:rPr>
+              <a:t>Empty Catch Block</a:t>
             </a:r>
             <a:r>
               <a:rPr lang="zh-TW" altLang="zh-TW" sz="1200" kern="1200" dirty="0" smtClean="0">
@@ -20219,91 +19503,7 @@
                 <a:ea typeface="+mn-ea"/>
                 <a:cs typeface="+mn-cs"/>
               </a:rPr>
-              <a:t>，</a:t>
-            </a:r>
-            <a:r>
-              <a:rPr lang="zh-TW" altLang="zh-TW" sz="1200" kern="1200" dirty="0" smtClean="0">
-                <a:solidFill>
-                  <a:schemeClr val="tx1"/>
-                </a:solidFill>
-                <a:effectLst/>
-                <a:latin typeface="+mn-lt"/>
-                <a:ea typeface="+mn-ea"/>
-                <a:cs typeface="+mn-cs"/>
-              </a:rPr>
-              <a:t>對</a:t>
-            </a:r>
-            <a:r>
-              <a:rPr lang="en-US" altLang="zh-TW" sz="1200" kern="1200" dirty="0" smtClean="0">
-                <a:solidFill>
-                  <a:schemeClr val="tx1"/>
-                </a:solidFill>
-                <a:effectLst/>
-                <a:latin typeface="+mn-lt"/>
-                <a:ea typeface="+mn-ea"/>
-                <a:cs typeface="+mn-cs"/>
-              </a:rPr>
-              <a:t>Dummy Handler</a:t>
-            </a:r>
-            <a:r>
-              <a:rPr lang="zh-TW" altLang="zh-TW" sz="1200" kern="1200" dirty="0" smtClean="0">
-                <a:solidFill>
-                  <a:schemeClr val="tx1"/>
-                </a:solidFill>
-                <a:effectLst/>
-                <a:latin typeface="+mn-lt"/>
-                <a:ea typeface="+mn-ea"/>
-                <a:cs typeface="+mn-cs"/>
-              </a:rPr>
-              <a:t>和</a:t>
-            </a:r>
-            <a:r>
-              <a:rPr lang="en-US" altLang="zh-TW" sz="1200" kern="1200" dirty="0" smtClean="0">
-                <a:solidFill>
-                  <a:schemeClr val="tx1"/>
-                </a:solidFill>
-                <a:effectLst/>
-                <a:latin typeface="+mn-lt"/>
-                <a:ea typeface="+mn-ea"/>
-                <a:cs typeface="+mn-cs"/>
-              </a:rPr>
-              <a:t>Empty Catch </a:t>
-            </a:r>
-            <a:r>
-              <a:rPr lang="en-US" altLang="zh-TW" sz="1200" kern="1200" dirty="0" smtClean="0">
-                <a:solidFill>
-                  <a:schemeClr val="tx1"/>
-                </a:solidFill>
-                <a:effectLst/>
-                <a:latin typeface="+mn-lt"/>
-                <a:ea typeface="+mn-ea"/>
-                <a:cs typeface="+mn-cs"/>
-              </a:rPr>
-              <a:t>Block</a:t>
-            </a:r>
-            <a:r>
-              <a:rPr lang="zh-TW" altLang="zh-TW" sz="1200" kern="1200" dirty="0" smtClean="0">
-                <a:solidFill>
-                  <a:schemeClr val="tx1"/>
-                </a:solidFill>
-                <a:effectLst/>
-                <a:latin typeface="+mn-lt"/>
-                <a:ea typeface="+mn-ea"/>
-                <a:cs typeface="+mn-cs"/>
-              </a:rPr>
-              <a:t>進行</a:t>
-            </a:r>
-            <a:r>
-              <a:rPr lang="zh-TW" altLang="zh-TW" sz="1200" kern="1200" dirty="0" smtClean="0">
-                <a:solidFill>
-                  <a:schemeClr val="tx1"/>
-                </a:solidFill>
-                <a:effectLst/>
-                <a:latin typeface="+mn-lt"/>
-                <a:ea typeface="+mn-ea"/>
-                <a:cs typeface="+mn-cs"/>
-              </a:rPr>
-              <a:t>重構。</a:t>
+              <a:t>進行重構。</a:t>
             </a:r>
           </a:p>
           <a:p>
@@ -20475,7 +19675,19 @@
                 <a:ea typeface="+mn-ea"/>
                 <a:cs typeface="+mn-cs"/>
               </a:rPr>
-              <a:t>，</a:t>
+              <a:t>，並產生</a:t>
+            </a:r>
+            <a:r>
+              <a:rPr lang="en-US" altLang="zh-TW" sz="1200" kern="1200" dirty="0" err="1" smtClean="0">
+                <a:solidFill>
+                  <a:schemeClr val="tx1"/>
+                </a:solidFill>
+                <a:effectLst/>
+                <a:latin typeface="+mn-lt"/>
+                <a:ea typeface="+mn-ea"/>
+                <a:cs typeface="+mn-cs"/>
+              </a:rPr>
+              <a:t>RethrowExInputPage</a:t>
             </a:r>
             <a:r>
               <a:rPr lang="zh-TW" altLang="zh-TW" sz="1200" kern="1200" dirty="0" smtClean="0">
@@ -20487,43 +19699,7 @@
                 <a:ea typeface="+mn-ea"/>
                 <a:cs typeface="+mn-cs"/>
               </a:rPr>
-              <a:t>並產生</a:t>
-            </a:r>
-            <a:r>
-              <a:rPr lang="en-US" altLang="zh-TW" sz="1200" kern="1200" dirty="0" err="1" smtClean="0">
-                <a:solidFill>
-                  <a:schemeClr val="tx1"/>
-                </a:solidFill>
-                <a:effectLst/>
-                <a:latin typeface="+mn-lt"/>
-                <a:ea typeface="+mn-ea"/>
-                <a:cs typeface="+mn-cs"/>
-              </a:rPr>
-              <a:t>RethrowExInputPage</a:t>
-            </a:r>
-            <a:r>
-              <a:rPr lang="zh-TW" altLang="zh-TW" sz="1200" kern="1200" dirty="0" smtClean="0">
-                <a:solidFill>
-                  <a:schemeClr val="tx1"/>
-                </a:solidFill>
-                <a:effectLst/>
-                <a:latin typeface="+mn-lt"/>
-                <a:ea typeface="+mn-ea"/>
-                <a:cs typeface="+mn-cs"/>
-              </a:rPr>
-              <a:t>，</a:t>
-            </a:r>
-            <a:r>
-              <a:rPr lang="zh-TW" altLang="zh-TW" sz="1200" kern="1200" dirty="0" smtClean="0">
-                <a:solidFill>
-                  <a:schemeClr val="tx1"/>
-                </a:solidFill>
-                <a:effectLst/>
-                <a:latin typeface="+mn-lt"/>
-                <a:ea typeface="+mn-ea"/>
-                <a:cs typeface="+mn-cs"/>
-              </a:rPr>
-              <a:t>提供</a:t>
+              <a:t>，提供</a:t>
             </a:r>
             <a:r>
               <a:rPr lang="en-US" altLang="zh-TW" sz="1200" kern="1200" dirty="0" smtClean="0">
@@ -20585,19 +19761,7 @@
                 <a:ea typeface="+mn-ea"/>
                 <a:cs typeface="+mn-cs"/>
               </a:rPr>
-              <a:t>使用者</a:t>
-            </a:r>
-            <a:r>
-              <a:rPr lang="zh-TW" altLang="zh-TW" sz="1200" kern="1200" dirty="0" smtClean="0">
-                <a:solidFill>
-                  <a:schemeClr val="tx1"/>
-                </a:solidFill>
-                <a:effectLst/>
-                <a:latin typeface="+mn-lt"/>
-                <a:ea typeface="+mn-ea"/>
-                <a:cs typeface="+mn-cs"/>
-              </a:rPr>
-              <a:t>選擇</a:t>
+              <a:t>使用者選擇</a:t>
             </a:r>
             <a:r>
               <a:rPr lang="en-US" altLang="zh-TW" sz="1200" kern="1200" dirty="0" smtClean="0">
@@ -20609,19 +19773,7 @@
                 <a:ea typeface="+mn-ea"/>
                 <a:cs typeface="+mn-cs"/>
               </a:rPr>
-              <a:t>Unchecked </a:t>
-            </a:r>
-            <a:r>
-              <a:rPr lang="en-US" altLang="zh-TW" sz="1200" kern="1200" dirty="0" smtClean="0">
-                <a:solidFill>
-                  <a:schemeClr val="tx1"/>
-                </a:solidFill>
-                <a:effectLst/>
-                <a:latin typeface="+mn-lt"/>
-                <a:ea typeface="+mn-ea"/>
-                <a:cs typeface="+mn-cs"/>
-              </a:rPr>
-              <a:t>Exception</a:t>
+              <a:t>Unchecked Exception</a:t>
             </a:r>
             <a:r>
               <a:rPr lang="zh-TW" altLang="en-US" sz="1200" kern="1200" dirty="0" smtClean="0">
@@ -20697,19 +19849,7 @@
                 <a:ea typeface="+mn-ea"/>
                 <a:cs typeface="+mn-cs"/>
               </a:rPr>
-              <a:t>將</a:t>
-            </a:r>
-            <a:r>
-              <a:rPr lang="zh-TW" altLang="zh-TW" sz="1200" kern="1200" dirty="0" smtClean="0">
-                <a:solidFill>
-                  <a:schemeClr val="tx1"/>
-                </a:solidFill>
-                <a:effectLst/>
-                <a:latin typeface="+mn-lt"/>
-                <a:ea typeface="+mn-ea"/>
-                <a:cs typeface="+mn-cs"/>
-              </a:rPr>
-              <a:t>使用者設定的重構資訊傳入</a:t>
+              <a:t>將使用者設定的重構資訊傳入</a:t>
             </a:r>
             <a:r>
               <a:rPr lang="en-US" altLang="zh-TW" sz="1200" kern="1200" dirty="0" err="1" smtClean="0">
@@ -20798,19 +19938,7 @@
                 <a:ea typeface="+mn-ea"/>
                 <a:cs typeface="+mn-cs"/>
               </a:rPr>
-              <a:t>可</a:t>
-            </a:r>
-            <a:r>
-              <a:rPr lang="zh-TW" altLang="zh-TW" sz="1200" kern="1200" dirty="0" smtClean="0">
-                <a:solidFill>
-                  <a:schemeClr val="tx1"/>
-                </a:solidFill>
-                <a:effectLst/>
-                <a:latin typeface="+mn-lt"/>
-                <a:ea typeface="+mn-ea"/>
-                <a:cs typeface="+mn-cs"/>
-              </a:rPr>
-              <a:t>完成</a:t>
+              <a:t>可完成</a:t>
             </a:r>
             <a:r>
               <a:rPr lang="en-US" altLang="zh-TW" sz="1200" kern="1200" dirty="0" smtClean="0">
@@ -23480,19 +22608,7 @@
                 <a:ea typeface="+mn-ea"/>
                 <a:cs typeface="+mn-cs"/>
               </a:rPr>
-              <a:t>3</a:t>
-            </a:r>
-            <a:r>
-              <a:rPr lang="en-US" altLang="zh-TW" sz="1200" kern="1200" dirty="0" smtClean="0">
-                <a:solidFill>
-                  <a:schemeClr val="tx1"/>
-                </a:solidFill>
-                <a:effectLst/>
-                <a:latin typeface="+mn-lt"/>
-                <a:ea typeface="+mn-ea"/>
-                <a:cs typeface="+mn-cs"/>
-              </a:rPr>
-              <a:t>7</a:t>
+              <a:t>37</a:t>
             </a:r>
             <a:r>
               <a:rPr lang="zh-TW" altLang="en-US" sz="1200" kern="1200" dirty="0" smtClean="0">
@@ -25851,7 +24967,7 @@
               <a:pPr>
                 <a:defRPr/>
               </a:pPr>
-              <a:t>2018/6/11</a:t>
+              <a:t>2018/6/13</a:t>
             </a:fld>
             <a:endParaRPr lang="zh-TW" altLang="en-US"/>
           </a:p>
@@ -26046,7 +25162,7 @@
               <a:pPr>
                 <a:defRPr/>
               </a:pPr>
-              <a:t>2018/6/11</a:t>
+              <a:t>2018/6/13</a:t>
             </a:fld>
             <a:endParaRPr lang="zh-TW" altLang="en-US"/>
           </a:p>
@@ -26251,7 +25367,7 @@
               <a:pPr>
                 <a:defRPr/>
               </a:pPr>
-              <a:t>2018/6/11</a:t>
+              <a:t>2018/6/13</a:t>
             </a:fld>
             <a:endParaRPr lang="zh-TW" altLang="en-US"/>
           </a:p>
@@ -26428,7 +25544,7 @@
               <a:pPr>
                 <a:defRPr/>
               </a:pPr>
-              <a:t>2018/6/11</a:t>
+              <a:t>2018/6/13</a:t>
             </a:fld>
             <a:endParaRPr lang="zh-TW" altLang="en-US"/>
           </a:p>
@@ -26579,7 +25695,7 @@
               <a:pPr>
                 <a:defRPr/>
               </a:pPr>
-              <a:t>2018/6/11</a:t>
+              <a:t>2018/6/13</a:t>
             </a:fld>
             <a:endParaRPr lang="zh-TW" altLang="en-US"/>
           </a:p>
@@ -26833,7 +25949,7 @@
               <a:pPr>
                 <a:defRPr/>
               </a:pPr>
-              <a:t>2018/6/11</a:t>
+              <a:t>2018/6/13</a:t>
             </a:fld>
             <a:endParaRPr lang="zh-TW" altLang="en-US"/>
           </a:p>
@@ -27111,7 +26227,7 @@
               <a:pPr>
                 <a:defRPr/>
               </a:pPr>
-              <a:t>2018/6/11</a:t>
+              <a:t>2018/6/13</a:t>
             </a:fld>
             <a:endParaRPr lang="zh-TW" altLang="en-US"/>
           </a:p>
@@ -27424,7 +26540,7 @@
               <a:pPr>
                 <a:defRPr/>
               </a:pPr>
-              <a:t>2018/6/11</a:t>
+              <a:t>2018/6/13</a:t>
             </a:fld>
             <a:endParaRPr lang="zh-TW" altLang="en-US"/>
           </a:p>
@@ -27871,7 +26987,7 @@
               <a:pPr>
                 <a:defRPr/>
               </a:pPr>
-              <a:t>2018/6/11</a:t>
+              <a:t>2018/6/13</a:t>
             </a:fld>
             <a:endParaRPr lang="zh-TW" altLang="en-US"/>
           </a:p>
@@ -28014,7 +27130,7 @@
               <a:pPr>
                 <a:defRPr/>
               </a:pPr>
-              <a:t>2018/6/11</a:t>
+              <a:t>2018/6/13</a:t>
             </a:fld>
             <a:endParaRPr lang="zh-TW" altLang="en-US"/>
           </a:p>
@@ -28134,7 +27250,7 @@
               <a:pPr>
                 <a:defRPr/>
               </a:pPr>
-              <a:t>2018/6/11</a:t>
+              <a:t>2018/6/13</a:t>
             </a:fld>
             <a:endParaRPr lang="zh-TW" altLang="en-US"/>
           </a:p>
@@ -28436,7 +27552,7 @@
               <a:pPr>
                 <a:defRPr/>
               </a:pPr>
-              <a:t>2018/6/11</a:t>
+              <a:t>2018/6/13</a:t>
             </a:fld>
             <a:endParaRPr lang="zh-TW" altLang="en-US"/>
           </a:p>
@@ -28721,7 +27837,7 @@
               <a:pPr>
                 <a:defRPr/>
               </a:pPr>
-              <a:t>2018/6/11</a:t>
+              <a:t>2018/6/13</a:t>
             </a:fld>
             <a:endParaRPr lang="zh-TW" altLang="en-US"/>
           </a:p>
@@ -28987,7 +28103,7 @@
               <a:pPr>
                 <a:defRPr/>
               </a:pPr>
-              <a:t>2018/6/11</a:t>
+              <a:t>2018/6/13</a:t>
             </a:fld>
             <a:endParaRPr lang="zh-TW" altLang="en-US"/>
           </a:p>
@@ -31187,15 +30303,7 @@
                 <a:latin typeface="Times New Roman" panose="02020603050405020304" pitchFamily="18" charset="0"/>
                 <a:ea typeface="標楷體" panose="03000509000000000000" pitchFamily="65" charset="-120"/>
               </a:rPr>
-              <a:t>Dummy </a:t>
-            </a:r>
-            <a:r>
-              <a:rPr lang="en-US" altLang="zh-TW" dirty="0" smtClean="0">
-                <a:effectLst/>
-                <a:latin typeface="Times New Roman" panose="02020603050405020304" pitchFamily="18" charset="0"/>
-                <a:ea typeface="標楷體" panose="03000509000000000000" pitchFamily="65" charset="-120"/>
-              </a:rPr>
-              <a:t>Handler</a:t>
+              <a:t>Dummy Handler</a:t>
             </a:r>
             <a:endParaRPr lang="en-US" altLang="zh-TW" dirty="0" smtClean="0">
               <a:latin typeface="Times New Roman" panose="02020603050405020304" pitchFamily="18" charset="0"/>
@@ -32723,35 +31831,6 @@
           </a:p>
         </p:txBody>
       </p:sp>
-      <p:sp>
-        <p:nvSpPr>
-          <p:cNvPr id="4" name="投影片編號版面配置區 3"/>
-          <p:cNvSpPr>
-            <a:spLocks noGrp="1"/>
-          </p:cNvSpPr>
-          <p:nvPr>
-            <p:ph type="sldNum" sz="quarter" idx="12"/>
-          </p:nvPr>
-        </p:nvSpPr>
-        <p:spPr/>
-        <p:txBody>
-          <a:bodyPr/>
-          <a:lstStyle/>
-          <a:p>
-            <a:pPr>
-              <a:defRPr/>
-            </a:pPr>
-            <a:fld id="{3DB7C113-B292-4711-9FA5-4E4B2395B52F}" type="slidenum">
-              <a:rPr lang="zh-TW" altLang="en-US" smtClean="0"/>
-              <a:pPr>
-                <a:defRPr/>
-              </a:pPr>
-              <a:t>22</a:t>
-            </a:fld>
-            <a:endParaRPr lang="zh-TW" altLang="en-US"/>
-          </a:p>
-        </p:txBody>
-      </p:sp>
       <p:grpSp>
         <p:nvGrpSpPr>
           <p:cNvPr id="6" name="群組 5"/>
@@ -32761,7 +31840,7 @@
         <p:grpSpPr>
           <a:xfrm>
             <a:off x="755576" y="87839"/>
-            <a:ext cx="8018720" cy="6443433"/>
+            <a:ext cx="8018720" cy="6437505"/>
             <a:chOff x="755576" y="87839"/>
             <a:chExt cx="8018720" cy="6443433"/>
           </a:xfrm>
@@ -32867,6 +31946,35 @@
           </p:txBody>
         </p:sp>
       </p:grpSp>
+      <p:sp>
+        <p:nvSpPr>
+          <p:cNvPr id="4" name="投影片編號版面配置區 3"/>
+          <p:cNvSpPr>
+            <a:spLocks noGrp="1"/>
+          </p:cNvSpPr>
+          <p:nvPr>
+            <p:ph type="sldNum" sz="quarter" idx="12"/>
+          </p:nvPr>
+        </p:nvSpPr>
+        <p:spPr/>
+        <p:txBody>
+          <a:bodyPr/>
+          <a:lstStyle/>
+          <a:p>
+            <a:pPr>
+              <a:defRPr/>
+            </a:pPr>
+            <a:fld id="{3DB7C113-B292-4711-9FA5-4E4B2395B52F}" type="slidenum">
+              <a:rPr lang="zh-TW" altLang="en-US" smtClean="0"/>
+              <a:pPr>
+                <a:defRPr/>
+              </a:pPr>
+              <a:t>22</a:t>
+            </a:fld>
+            <a:endParaRPr lang="zh-TW" altLang="en-US"/>
+          </a:p>
+        </p:txBody>
+      </p:sp>
     </p:spTree>
     <p:extLst>
       <p:ext uri="{BB962C8B-B14F-4D97-AF65-F5344CB8AC3E}">
@@ -37915,11 +37023,7 @@
             </a:r>
             <a:r>
               <a:rPr lang="zh-TW" altLang="en-US" dirty="0" smtClean="0"/>
-              <a:t>工具</a:t>
-            </a:r>
-            <a:r>
-              <a:rPr lang="zh-TW" altLang="en-US" dirty="0" smtClean="0"/>
-              <a:t>幫助</a:t>
+              <a:t>工具幫助</a:t>
             </a:r>
             <a:r>
               <a:rPr lang="zh-TW" altLang="en-US" dirty="0"/>
@@ -37927,11 +37031,7 @@
             </a:r>
             <a:r>
               <a:rPr lang="zh-TW" altLang="en-US" dirty="0" smtClean="0"/>
-              <a:t>的</a:t>
-            </a:r>
-            <a:r>
-              <a:rPr lang="zh-TW" altLang="en-US" dirty="0" smtClean="0"/>
-              <a:t>人</a:t>
+              <a:t>的人</a:t>
             </a:r>
             <a:endParaRPr lang="en-US" altLang="zh-TW" dirty="0" smtClean="0"/>
           </a:p>
@@ -37949,11 +37049,7 @@
             </a:r>
             <a:r>
               <a:rPr lang="zh-TW" altLang="en-US" dirty="0" smtClean="0"/>
-              <a:t>味道隨著時間</a:t>
-            </a:r>
-            <a:r>
-              <a:rPr lang="zh-TW" altLang="en-US" dirty="0" smtClean="0"/>
-              <a:t>改變，有些功能尚未實作或可以再改善</a:t>
+              <a:t>味道隨著時間改變，有些功能尚未實作或可以再改善</a:t>
             </a:r>
             <a:endParaRPr lang="en-US" altLang="zh-TW" dirty="0" smtClean="0"/>
           </a:p>
@@ -39243,59 +38339,6 @@
                                       </p:cBhvr>
                                       <p:to>
                                         <p:strVal val="visible"/>
-                                      </p:to>
-                                    </p:set>
-                                  </p:childTnLst>
-                                </p:cTn>
-                              </p:par>
-                            </p:childTnLst>
-                          </p:cTn>
-                        </p:par>
-                      </p:childTnLst>
-                    </p:cTn>
-                  </p:par>
-                  <p:par>
-                    <p:cTn id="7" fill="hold">
-                      <p:stCondLst>
-                        <p:cond delay="indefinite"/>
-                      </p:stCondLst>
-                      <p:childTnLst>
-                        <p:par>
-                          <p:cTn id="8" fill="hold">
-                            <p:stCondLst>
-                              <p:cond delay="0"/>
-                            </p:stCondLst>
-                            <p:childTnLst>
-                              <p:par>
-                                <p:cTn id="9" presetID="10" presetClass="exit" presetSubtype="0" fill="hold" nodeType="clickEffect">
-                                  <p:stCondLst>
-                                    <p:cond delay="0"/>
-                                  </p:stCondLst>
-                                  <p:childTnLst>
-                                    <p:animEffect transition="out" filter="fade">
-                                      <p:cBhvr>
-                                        <p:cTn id="10" dur="500"/>
-                                        <p:tgtEl>
-                                          <p:spTgt spid="5"/>
-                                        </p:tgtEl>
-                                      </p:cBhvr>
-                                    </p:animEffect>
-                                    <p:set>
-                                      <p:cBhvr>
-                                        <p:cTn id="11" dur="1" fill="hold">
-                                          <p:stCondLst>
-                                            <p:cond delay="499"/>
-                                          </p:stCondLst>
-                                        </p:cTn>
-                                        <p:tgtEl>
-                                          <p:spTgt spid="5"/>
-                                        </p:tgtEl>
-                                        <p:attrNameLst>
-                                          <p:attrName>style.visibility</p:attrName>
-                                        </p:attrNameLst>
-                                      </p:cBhvr>
-                                      <p:to>
-                                        <p:strVal val="hidden"/>
                                       </p:to>
                                     </p:set>
                                   </p:childTnLst>
@@ -43763,15 +42806,7 @@
             </a:pPr>
             <a:r>
               <a:rPr kumimoji="0" lang="zh-TW" altLang="en-US" dirty="0" smtClean="0"/>
-              <a:t>補</a:t>
-            </a:r>
-            <a:r>
-              <a:rPr kumimoji="0" lang="zh-TW" altLang="en-US" dirty="0" smtClean="0"/>
-              <a:t>齊尚未實作的</a:t>
-            </a:r>
-            <a:r>
-              <a:rPr kumimoji="0" lang="zh-TW" altLang="en-US" dirty="0" smtClean="0"/>
-              <a:t>重</a:t>
+              <a:t>補齊尚未實作的重</a:t>
             </a:r>
             <a:r>
               <a:rPr kumimoji="0" lang="zh-TW" altLang="en-US" dirty="0"/>
@@ -48493,18 +47528,7 @@
                 </a:solidFill>
                 <a:latin typeface="標楷體" pitchFamily="65" charset="-120"/>
               </a:rPr>
-              <a:t>結論</a:t>
-            </a:r>
-            <a:r>
-              <a:rPr lang="zh-TW" altLang="en-US" sz="2800" dirty="0" smtClean="0">
-                <a:solidFill>
-                  <a:schemeClr val="bg1">
-                    <a:lumMod val="75000"/>
-                  </a:schemeClr>
-                </a:solidFill>
-                <a:latin typeface="標楷體" pitchFamily="65" charset="-120"/>
-              </a:rPr>
-              <a:t>與未來展望</a:t>
+              <a:t>結論與未來展望</a:t>
             </a:r>
             <a:endParaRPr lang="zh-TW" altLang="en-US" sz="2800" dirty="0">
               <a:solidFill>

--- a/楊雅雯-口試投影片.pptx
+++ b/楊雅雯-口試投影片.pptx
@@ -972,7 +972,21 @@
                 <a:latin typeface="標楷體" panose="03000509000000000000" pitchFamily="65" charset="-120"/>
                 <a:ea typeface="標楷體" panose="03000509000000000000" pitchFamily="65" charset="-120"/>
               </a:rPr>
-              <a:t>快速修復是比較不具有彈性的，他不提供選項讓使用者設定</a:t>
+              <a:t>快速修復是比較不具有彈性</a:t>
+            </a:r>
+            <a:r>
+              <a:rPr lang="zh-TW" altLang="en-US" sz="1200" dirty="0" smtClean="0">
+                <a:latin typeface="標楷體" panose="03000509000000000000" pitchFamily="65" charset="-120"/>
+                <a:ea typeface="標楷體" panose="03000509000000000000" pitchFamily="65" charset="-120"/>
+              </a:rPr>
+              <a:t>的，因此不</a:t>
+            </a:r>
+            <a:r>
+              <a:rPr lang="zh-TW" altLang="en-US" sz="1200" dirty="0" smtClean="0">
+                <a:latin typeface="標楷體" panose="03000509000000000000" pitchFamily="65" charset="-120"/>
+                <a:ea typeface="標楷體" panose="03000509000000000000" pitchFamily="65" charset="-120"/>
+              </a:rPr>
+              <a:t>提供選項讓使用者設定</a:t>
             </a:r>
             <a:endParaRPr lang="en-US" altLang="zh-TW" sz="1200" dirty="0" smtClean="0">
               <a:latin typeface="標楷體" panose="03000509000000000000" pitchFamily="65" charset="-120"/>
@@ -1096,7 +1110,31 @@
                 <a:ea typeface="+mn-ea"/>
                 <a:cs typeface="+mn-cs"/>
               </a:rPr>
-              <a:t>當</a:t>
+              <a:t>首先介紹的是</a:t>
+            </a:r>
+            <a:r>
+              <a:rPr lang="en-US" altLang="zh-TW" dirty="0" smtClean="0">
+                <a:effectLst/>
+              </a:rPr>
+              <a:t>Unprotected Main Program</a:t>
+            </a:r>
+            <a:r>
+              <a:rPr lang="zh-TW" altLang="en-US" dirty="0" smtClean="0">
+                <a:effectLst/>
+              </a:rPr>
+              <a:t>，</a:t>
+            </a:r>
+            <a:r>
+              <a:rPr lang="zh-TW" altLang="en-US" sz="1200" kern="1200" dirty="0" smtClean="0">
+                <a:solidFill>
+                  <a:schemeClr val="tx1"/>
+                </a:solidFill>
+                <a:effectLst/>
+                <a:latin typeface="+mn-lt"/>
+                <a:ea typeface="+mn-ea"/>
+                <a:cs typeface="+mn-cs"/>
+              </a:rPr>
+              <a:t> 當</a:t>
             </a:r>
             <a:r>
               <a:rPr lang="en-US" altLang="zh-TW" sz="1200" kern="1200" dirty="0" smtClean="0">
@@ -1481,7 +1519,13 @@
               <a:rPr lang="zh-TW" altLang="en-US" dirty="0" smtClean="0">
                 <a:effectLst/>
               </a:rPr>
-              <a:t>包覆起來，並且在</a:t>
+              <a:t>包覆起來</a:t>
+            </a:r>
+            <a:r>
+              <a:rPr lang="zh-TW" altLang="en-US" dirty="0" smtClean="0">
+                <a:effectLst/>
+              </a:rPr>
+              <a:t>，在</a:t>
             </a:r>
             <a:r>
               <a:rPr lang="en-US" altLang="zh-TW" dirty="0" smtClean="0">
@@ -1505,7 +1549,25 @@
               <a:rPr lang="zh-TW" altLang="en-US" dirty="0" smtClean="0">
                 <a:effectLst/>
               </a:rPr>
-              <a:t> 類別的例外，在</a:t>
+              <a:t> </a:t>
+            </a:r>
+            <a:r>
+              <a:rPr lang="zh-TW" altLang="en-US" dirty="0" smtClean="0">
+                <a:effectLst/>
+              </a:rPr>
+              <a:t>的</a:t>
+            </a:r>
+            <a:r>
+              <a:rPr lang="zh-TW" altLang="en-US" dirty="0" smtClean="0">
+                <a:effectLst/>
+              </a:rPr>
+              <a:t>例外</a:t>
+            </a:r>
+            <a:r>
+              <a:rPr lang="zh-TW" altLang="en-US" dirty="0" smtClean="0">
+                <a:effectLst/>
+              </a:rPr>
+              <a:t>，並在</a:t>
             </a:r>
             <a:r>
               <a:rPr lang="en-US" altLang="zh-TW" dirty="0" smtClean="0">
@@ -1701,7 +1763,11 @@
             </a:r>
             <a:r>
               <a:rPr lang="zh-TW" altLang="en-US" dirty="0" smtClean="0"/>
-              <a:t>類別的例外，但如果發生了</a:t>
+              <a:t>的</a:t>
+            </a:r>
+            <a:r>
+              <a:rPr lang="zh-TW" altLang="en-US" dirty="0" smtClean="0"/>
+              <a:t>例外，但如果發生了</a:t>
             </a:r>
             <a:r>
               <a:rPr lang="en-US" altLang="zh-TW" dirty="0" smtClean="0"/>
@@ -2345,13 +2411,6 @@
               <a:defRPr/>
             </a:pPr>
             <a:r>
-              <a:rPr lang="zh-TW" altLang="en-US" sz="1200" dirty="0" smtClean="0">
-                <a:latin typeface="Times New Roman" panose="02020603050405020304" pitchFamily="18" charset="0"/>
-                <a:ea typeface="標楷體" panose="03000509000000000000" pitchFamily="65" charset="-120"/>
-              </a:rPr>
-              <a:t>先前</a:t>
-            </a:r>
-            <a:r>
               <a:rPr lang="en-US" altLang="zh-TW" sz="1200" dirty="0" smtClean="0">
                 <a:latin typeface="Times New Roman" panose="02020603050405020304" pitchFamily="18" charset="0"/>
                 <a:ea typeface="標楷體" panose="03000509000000000000" pitchFamily="65" charset="-120"/>
@@ -2500,7 +2559,11 @@
             </a:r>
             <a:r>
               <a:rPr lang="zh-TW" altLang="en-US" dirty="0" smtClean="0"/>
-              <a:t>，但只要在透過</a:t>
+              <a:t>，只要</a:t>
+            </a:r>
+            <a:r>
+              <a:rPr lang="zh-TW" altLang="en-US" dirty="0" smtClean="0"/>
+              <a:t>在透過</a:t>
             </a:r>
             <a:r>
               <a:rPr lang="en-US" altLang="zh-TW" dirty="0" smtClean="0"/>
@@ -2830,7 +2893,19 @@
                 <a:ea typeface="+mn-ea"/>
                 <a:cs typeface="+mn-cs"/>
               </a:rPr>
-              <a:t>Dummy Handler</a:t>
+              <a:t>Dummy </a:t>
+            </a:r>
+            <a:r>
+              <a:rPr lang="en-US" altLang="zh-TW" sz="1200" kern="1200" dirty="0" smtClean="0">
+                <a:solidFill>
+                  <a:schemeClr val="tx1"/>
+                </a:solidFill>
+                <a:effectLst/>
+                <a:latin typeface="+mn-lt"/>
+                <a:ea typeface="+mn-ea"/>
+                <a:cs typeface="+mn-cs"/>
+              </a:rPr>
+              <a:t>Handler</a:t>
             </a:r>
             <a:r>
               <a:rPr lang="zh-TW" altLang="zh-TW" sz="1200" kern="1200" dirty="0" smtClean="0">
@@ -2842,7 +2917,7 @@
                 <a:ea typeface="+mn-ea"/>
                 <a:cs typeface="+mn-cs"/>
               </a:rPr>
-              <a:t>定義和</a:t>
+              <a:t>和</a:t>
             </a:r>
             <a:r>
               <a:rPr lang="en-US" altLang="zh-TW" sz="1200" kern="1200" dirty="0" smtClean="0">
@@ -3431,48 +3506,73 @@
                 <a:latin typeface="標楷體" panose="03000509000000000000" pitchFamily="65" charset="-120"/>
                 <a:ea typeface="標楷體" panose="03000509000000000000" pitchFamily="65" charset="-120"/>
               </a:rPr>
-              <a:t>丟出例外</a:t>
-            </a:r>
-            <a:r>
-              <a:rPr lang="zh-TW" altLang="en-US" dirty="0" smtClean="0"/>
-              <a:t>例如圖片的第</a:t>
-            </a:r>
-            <a:r>
-              <a:rPr lang="en-US" altLang="zh-TW" dirty="0" smtClean="0"/>
-              <a:t>14</a:t>
-            </a:r>
-            <a:r>
-              <a:rPr lang="zh-TW" altLang="en-US" dirty="0" smtClean="0"/>
-              <a:t>行和第</a:t>
-            </a:r>
-            <a:r>
-              <a:rPr lang="en-US" altLang="zh-TW" dirty="0" smtClean="0"/>
-              <a:t>16</a:t>
-            </a:r>
-            <a:r>
-              <a:rPr lang="zh-TW" altLang="en-US" dirty="0" smtClean="0"/>
-              <a:t>行，不論</a:t>
-            </a:r>
-            <a:r>
-              <a:rPr lang="en-US" altLang="zh-TW" dirty="0" smtClean="0"/>
-              <a:t>catch</a:t>
-            </a:r>
-            <a:r>
-              <a:rPr lang="zh-TW" altLang="en-US" dirty="0" smtClean="0"/>
-              <a:t>捕捉什麼類型的例外，都直接將這些例外向上層回報</a:t>
-            </a:r>
-            <a:endParaRPr lang="en-US" altLang="zh-TW" dirty="0" smtClean="0"/>
-          </a:p>
-          <a:p>
-            <a:endParaRPr lang="en-US" altLang="zh-TW" dirty="0" smtClean="0"/>
-          </a:p>
-          <a:p>
+              <a:t>丟出</a:t>
+            </a:r>
             <a:r>
               <a:rPr lang="zh-TW" altLang="en-US" sz="1200" dirty="0" smtClean="0">
                 <a:latin typeface="標楷體" panose="03000509000000000000" pitchFamily="65" charset="-120"/>
                 <a:ea typeface="標楷體" panose="03000509000000000000" pitchFamily="65" charset="-120"/>
               </a:rPr>
-              <a:t>另一個為直接將接到的例外轉成</a:t>
+              <a:t>例外</a:t>
+            </a:r>
+            <a:r>
+              <a:rPr lang="zh-TW" altLang="en-US" dirty="0" smtClean="0"/>
+              <a:t>如</a:t>
+            </a:r>
+            <a:r>
+              <a:rPr lang="zh-TW" altLang="en-US" dirty="0" smtClean="0"/>
+              <a:t>圖片的第</a:t>
+            </a:r>
+            <a:r>
+              <a:rPr lang="en-US" altLang="zh-TW" dirty="0" smtClean="0"/>
+              <a:t>14</a:t>
+            </a:r>
+            <a:r>
+              <a:rPr lang="zh-TW" altLang="en-US" dirty="0" smtClean="0"/>
+              <a:t>行和第</a:t>
+            </a:r>
+            <a:r>
+              <a:rPr lang="en-US" altLang="zh-TW" dirty="0" smtClean="0"/>
+              <a:t>16</a:t>
+            </a:r>
+            <a:r>
+              <a:rPr lang="zh-TW" altLang="en-US" dirty="0" smtClean="0"/>
+              <a:t>行，不論</a:t>
+            </a:r>
+            <a:r>
+              <a:rPr lang="en-US" altLang="zh-TW" dirty="0" smtClean="0"/>
+              <a:t>catch</a:t>
+            </a:r>
+            <a:r>
+              <a:rPr lang="zh-TW" altLang="en-US" dirty="0" smtClean="0"/>
+              <a:t>捕捉什麼類型的例外，都直接將這些例外向上層回報</a:t>
+            </a:r>
+            <a:endParaRPr lang="en-US" altLang="zh-TW" dirty="0" smtClean="0"/>
+          </a:p>
+          <a:p>
+            <a:endParaRPr lang="en-US" altLang="zh-TW" dirty="0" smtClean="0"/>
+          </a:p>
+          <a:p>
+            <a:r>
+              <a:rPr lang="zh-TW" altLang="en-US" sz="1200" dirty="0" smtClean="0">
+                <a:latin typeface="標楷體" panose="03000509000000000000" pitchFamily="65" charset="-120"/>
+                <a:ea typeface="標楷體" panose="03000509000000000000" pitchFamily="65" charset="-120"/>
+              </a:rPr>
+              <a:t>另一個</a:t>
+            </a:r>
+            <a:r>
+              <a:rPr lang="zh-TW" altLang="en-US" sz="1200" dirty="0" smtClean="0">
+                <a:latin typeface="標楷體" panose="03000509000000000000" pitchFamily="65" charset="-120"/>
+                <a:ea typeface="標楷體" panose="03000509000000000000" pitchFamily="65" charset="-120"/>
+              </a:rPr>
+              <a:t>為將</a:t>
+            </a:r>
+            <a:r>
+              <a:rPr lang="zh-TW" altLang="en-US" sz="1200" dirty="0" smtClean="0">
+                <a:latin typeface="標楷體" panose="03000509000000000000" pitchFamily="65" charset="-120"/>
+                <a:ea typeface="標楷體" panose="03000509000000000000" pitchFamily="65" charset="-120"/>
+              </a:rPr>
+              <a:t>接到的例外轉成</a:t>
             </a:r>
             <a:r>
               <a:rPr lang="en-US" altLang="zh-TW" sz="1200" kern="1200" dirty="0" err="1" smtClean="0">
@@ -3818,7 +3918,21 @@
                 <a:latin typeface="標楷體" panose="03000509000000000000" pitchFamily="65" charset="-120"/>
                 <a:ea typeface="標楷體" panose="03000509000000000000" pitchFamily="65" charset="-120"/>
               </a:rPr>
-              <a:t>拿掉，留下一個快速修復功能</a:t>
+              <a:t>拿掉</a:t>
+            </a:r>
+            <a:r>
+              <a:rPr lang="zh-TW" altLang="en-US" sz="1200" dirty="0" smtClean="0">
+                <a:latin typeface="標楷體" panose="03000509000000000000" pitchFamily="65" charset="-120"/>
+                <a:ea typeface="標楷體" panose="03000509000000000000" pitchFamily="65" charset="-120"/>
+              </a:rPr>
+              <a:t>，因此剩下一個</a:t>
+            </a:r>
+            <a:r>
+              <a:rPr lang="zh-TW" altLang="en-US" sz="1200" dirty="0" smtClean="0">
+                <a:latin typeface="標楷體" panose="03000509000000000000" pitchFamily="65" charset="-120"/>
+                <a:ea typeface="標楷體" panose="03000509000000000000" pitchFamily="65" charset="-120"/>
+              </a:rPr>
+              <a:t>快速修復功能</a:t>
             </a:r>
             <a:endParaRPr lang="en-US" altLang="zh-TW" dirty="0" smtClean="0"/>
           </a:p>
@@ -4029,18 +4143,6 @@
               <a:t>RLQuickFixer</a:t>
             </a:r>
             <a:r>
-              <a:rPr lang="zh-TW" altLang="zh-TW" sz="1200" kern="1200" dirty="0" smtClean="0">
-                <a:solidFill>
-                  <a:schemeClr val="tx1"/>
-                </a:solidFill>
-                <a:effectLst/>
-                <a:latin typeface="+mn-lt"/>
-                <a:ea typeface="+mn-ea"/>
-                <a:cs typeface="+mn-cs"/>
-              </a:rPr>
-              <a:t>類別</a:t>
-            </a:r>
-            <a:r>
               <a:rPr lang="zh-TW" altLang="en-US" sz="1200" kern="1200" dirty="0" smtClean="0">
                 <a:solidFill>
                   <a:schemeClr val="tx1"/>
@@ -4050,7 +4152,43 @@
                 <a:ea typeface="+mn-ea"/>
                 <a:cs typeface="+mn-cs"/>
               </a:rPr>
-              <a:t>觸發對應的壞味道消除功能</a:t>
+              <a:t> </a:t>
+            </a:r>
+            <a:r>
+              <a:rPr lang="en-US" altLang="zh-TW" sz="1200" kern="1200" dirty="0" smtClean="0">
+                <a:solidFill>
+                  <a:schemeClr val="tx1"/>
+                </a:solidFill>
+                <a:effectLst/>
+                <a:latin typeface="+mn-lt"/>
+                <a:ea typeface="+mn-ea"/>
+                <a:cs typeface="+mn-cs"/>
+              </a:rPr>
+              <a:t>class</a:t>
+            </a:r>
+            <a:r>
+              <a:rPr lang="zh-TW" altLang="en-US" sz="1200" kern="1200" dirty="0" smtClean="0">
+                <a:solidFill>
+                  <a:schemeClr val="tx1"/>
+                </a:solidFill>
+                <a:effectLst/>
+                <a:latin typeface="+mn-lt"/>
+                <a:ea typeface="+mn-ea"/>
+                <a:cs typeface="+mn-cs"/>
+              </a:rPr>
+              <a:t>觸發</a:t>
+            </a:r>
+            <a:r>
+              <a:rPr lang="zh-TW" altLang="en-US" sz="1200" kern="1200" dirty="0" smtClean="0">
+                <a:solidFill>
+                  <a:schemeClr val="tx1"/>
+                </a:solidFill>
+                <a:effectLst/>
+                <a:latin typeface="+mn-lt"/>
+                <a:ea typeface="+mn-ea"/>
+                <a:cs typeface="+mn-cs"/>
+              </a:rPr>
+              <a:t>對應的壞味道消除功能</a:t>
             </a:r>
             <a:endParaRPr lang="en-US" altLang="zh-TW" sz="1200" kern="1200" dirty="0" smtClean="0">
               <a:solidFill>
@@ -4227,14 +4365,33 @@
                 <a:ea typeface="+mn-ea"/>
                 <a:cs typeface="+mn-cs"/>
               </a:rPr>
-              <a:t>這是實作</a:t>
+              <a:t>這</a:t>
+            </a:r>
+            <a:r>
+              <a:rPr lang="zh-TW" altLang="en-US" sz="1200" kern="1200" dirty="0" smtClean="0">
+                <a:solidFill>
+                  <a:schemeClr val="tx1"/>
+                </a:solidFill>
+                <a:effectLst/>
+                <a:latin typeface="+mn-lt"/>
+                <a:ea typeface="+mn-ea"/>
+                <a:cs typeface="+mn-cs"/>
+              </a:rPr>
+              <a:t>是</a:t>
             </a:r>
             <a:r>
               <a:rPr lang="en-US" altLang="zh-TW" sz="1200" dirty="0" smtClean="0">
                 <a:latin typeface="Times New Roman" panose="02020603050405020304" pitchFamily="18" charset="0"/>
                 <a:ea typeface="標楷體" panose="03000509000000000000" pitchFamily="65" charset="-120"/>
               </a:rPr>
-              <a:t>Careless Cleanup</a:t>
+              <a:t>Careless </a:t>
+            </a:r>
+            <a:r>
+              <a:rPr lang="en-US" altLang="zh-TW" sz="1200" dirty="0" smtClean="0">
+                <a:latin typeface="Times New Roman" panose="02020603050405020304" pitchFamily="18" charset="0"/>
+                <a:ea typeface="標楷體" panose="03000509000000000000" pitchFamily="65" charset="-120"/>
+              </a:rPr>
+              <a:t>Cleanup</a:t>
             </a:r>
             <a:r>
               <a:rPr lang="zh-TW" altLang="en-US" sz="1200" dirty="0" smtClean="0">
@@ -4297,7 +4454,55 @@
                 <a:ea typeface="+mn-ea"/>
                 <a:cs typeface="+mn-cs"/>
               </a:rPr>
-              <a:t>Careless Cleanup</a:t>
+              <a:t>Careless </a:t>
+            </a:r>
+            <a:r>
+              <a:rPr lang="en-US" altLang="zh-TW" sz="1200" kern="1200" dirty="0" smtClean="0">
+                <a:solidFill>
+                  <a:schemeClr val="tx1"/>
+                </a:solidFill>
+                <a:effectLst/>
+                <a:latin typeface="+mn-lt"/>
+                <a:ea typeface="+mn-ea"/>
+                <a:cs typeface="+mn-cs"/>
+              </a:rPr>
+              <a:t>Cleanup</a:t>
+            </a:r>
+            <a:r>
+              <a:rPr lang="zh-TW" altLang="en-US" sz="1200" kern="1200" dirty="0" smtClean="0">
+                <a:solidFill>
+                  <a:schemeClr val="tx1"/>
+                </a:solidFill>
+                <a:effectLst/>
+                <a:latin typeface="+mn-lt"/>
+                <a:ea typeface="+mn-ea"/>
+                <a:cs typeface="+mn-cs"/>
+              </a:rPr>
+              <a:t> </a:t>
+            </a:r>
+            <a:r>
+              <a:rPr lang="en-US" altLang="zh-TW" sz="1200" kern="1200" dirty="0" smtClean="0">
+                <a:solidFill>
+                  <a:schemeClr val="tx1"/>
+                </a:solidFill>
+                <a:effectLst/>
+                <a:latin typeface="+mn-lt"/>
+                <a:ea typeface="+mn-ea"/>
+                <a:cs typeface="+mn-cs"/>
+              </a:rPr>
+              <a:t>Quick </a:t>
+            </a:r>
+            <a:r>
+              <a:rPr lang="en-US" altLang="zh-TW" sz="1200" kern="1200" dirty="0" smtClean="0">
+                <a:solidFill>
+                  <a:schemeClr val="tx1"/>
+                </a:solidFill>
+                <a:effectLst/>
+                <a:latin typeface="+mn-lt"/>
+                <a:ea typeface="+mn-ea"/>
+                <a:cs typeface="+mn-cs"/>
+              </a:rPr>
+              <a:t>Fix</a:t>
             </a:r>
             <a:r>
               <a:rPr lang="zh-TW" altLang="zh-TW" sz="1200" kern="1200" dirty="0" smtClean="0">
@@ -4309,19 +4514,7 @@
                 <a:ea typeface="+mn-ea"/>
                 <a:cs typeface="+mn-cs"/>
               </a:rPr>
-              <a:t>壞味道</a:t>
-            </a:r>
-            <a:r>
-              <a:rPr lang="en-US" altLang="zh-TW" sz="1200" kern="1200" dirty="0" smtClean="0">
-                <a:solidFill>
-                  <a:schemeClr val="tx1"/>
-                </a:solidFill>
-                <a:effectLst/>
-                <a:latin typeface="+mn-lt"/>
-                <a:ea typeface="+mn-ea"/>
-                <a:cs typeface="+mn-cs"/>
-              </a:rPr>
-              <a:t>Quick Fix</a:t>
+              <a:t>功能時</a:t>
             </a:r>
             <a:r>
               <a:rPr lang="zh-TW" altLang="zh-TW" sz="1200" kern="1200" dirty="0" smtClean="0">
@@ -4333,7 +4526,19 @@
                 <a:ea typeface="+mn-ea"/>
                 <a:cs typeface="+mn-cs"/>
               </a:rPr>
-              <a:t>功能時，</a:t>
+              <a:t>，會</a:t>
+            </a:r>
+            <a:r>
+              <a:rPr lang="zh-TW" altLang="zh-TW" sz="1200" kern="1200" dirty="0" smtClean="0">
+                <a:solidFill>
+                  <a:schemeClr val="tx1"/>
+                </a:solidFill>
+                <a:effectLst/>
+                <a:latin typeface="+mn-lt"/>
+                <a:ea typeface="+mn-ea"/>
+                <a:cs typeface="+mn-cs"/>
+              </a:rPr>
+              <a:t>觸發</a:t>
             </a:r>
             <a:r>
               <a:rPr lang="en-US" altLang="zh-TW" sz="1200" kern="1200" dirty="0" err="1" smtClean="0">
@@ -4345,7 +4550,7 @@
                 <a:ea typeface="+mn-ea"/>
                 <a:cs typeface="+mn-cs"/>
               </a:rPr>
-              <a:t>RLQuickFixer</a:t>
+              <a:t>CCQuickFix</a:t>
             </a:r>
             <a:r>
               <a:rPr lang="zh-TW" altLang="zh-TW" sz="1200" kern="1200" dirty="0" smtClean="0">
@@ -4357,19 +4562,7 @@
                 <a:ea typeface="+mn-ea"/>
                 <a:cs typeface="+mn-cs"/>
               </a:rPr>
-              <a:t>類別會觸發</a:t>
-            </a:r>
-            <a:r>
-              <a:rPr lang="en-US" altLang="zh-TW" sz="1200" kern="1200" dirty="0" err="1" smtClean="0">
-                <a:solidFill>
-                  <a:schemeClr val="tx1"/>
-                </a:solidFill>
-                <a:effectLst/>
-                <a:latin typeface="+mn-lt"/>
-                <a:ea typeface="+mn-ea"/>
-                <a:cs typeface="+mn-cs"/>
-              </a:rPr>
-              <a:t>CCQuickFix</a:t>
+              <a:t>，</a:t>
             </a:r>
             <a:r>
               <a:rPr lang="zh-TW" altLang="zh-TW" sz="1200" kern="1200" dirty="0" smtClean="0">
@@ -4381,7 +4574,7 @@
                 <a:ea typeface="+mn-ea"/>
                 <a:cs typeface="+mn-cs"/>
               </a:rPr>
-              <a:t>類別，執行快速修復的功能來消除壞味道</a:t>
+              <a:t>執行快速修復的功能來消除壞味道</a:t>
             </a:r>
             <a:endParaRPr lang="en-US" altLang="zh-TW" sz="1200" kern="1200" dirty="0" smtClean="0">
               <a:solidFill>
@@ -4432,19 +4625,7 @@
                 <a:ea typeface="+mn-ea"/>
                 <a:cs typeface="+mn-cs"/>
               </a:rPr>
-              <a:t>在</a:t>
-            </a:r>
-            <a:r>
-              <a:rPr lang="en-US" altLang="zh-TW" sz="1200" kern="1200" dirty="0" err="1" smtClean="0">
-                <a:solidFill>
-                  <a:schemeClr val="tx1"/>
-                </a:solidFill>
-                <a:effectLst/>
-                <a:latin typeface="+mn-lt"/>
-                <a:ea typeface="+mn-ea"/>
-                <a:cs typeface="+mn-cs"/>
-              </a:rPr>
-              <a:t>Quickfix</a:t>
+              <a:t>過程</a:t>
             </a:r>
             <a:r>
               <a:rPr lang="zh-TW" altLang="en-US" sz="1200" kern="1200" dirty="0" smtClean="0">
@@ -4456,7 +4637,7 @@
                 <a:ea typeface="+mn-ea"/>
                 <a:cs typeface="+mn-cs"/>
               </a:rPr>
-              <a:t>的過程中，會用到</a:t>
+              <a:t>中，會用到</a:t>
             </a:r>
             <a:r>
               <a:rPr lang="en-US" altLang="zh-TW" sz="1200" kern="1200" dirty="0" err="1" smtClean="0">
@@ -5012,6 +5193,18 @@
               <a:t>MethodInvocationCollectorVisitor</a:t>
             </a:r>
             <a:r>
+              <a:rPr lang="zh-TW" altLang="zh-TW" sz="1200" kern="1200" dirty="0" smtClean="0">
+                <a:solidFill>
+                  <a:schemeClr val="tx1"/>
+                </a:solidFill>
+                <a:effectLst/>
+                <a:latin typeface="+mn-lt"/>
+                <a:ea typeface="+mn-ea"/>
+                <a:cs typeface="+mn-cs"/>
+              </a:rPr>
+              <a:t>取得</a:t>
+            </a:r>
+            <a:r>
               <a:rPr lang="zh-TW" altLang="en-US" sz="1200" kern="1200" dirty="0" smtClean="0">
                 <a:solidFill>
                   <a:schemeClr val="tx1"/>
@@ -5021,7 +5214,31 @@
                 <a:ea typeface="+mn-ea"/>
                 <a:cs typeface="+mn-cs"/>
               </a:rPr>
-              <a:t>來走放釋放資源的函式，</a:t>
+              <a:t>釋放</a:t>
+            </a:r>
+            <a:r>
+              <a:rPr lang="zh-TW" altLang="en-US" sz="1200" kern="1200" dirty="0" smtClean="0">
+                <a:solidFill>
+                  <a:schemeClr val="tx1"/>
+                </a:solidFill>
+                <a:effectLst/>
+                <a:latin typeface="+mn-lt"/>
+                <a:ea typeface="+mn-ea"/>
+                <a:cs typeface="+mn-cs"/>
+              </a:rPr>
+              <a:t>資源的函</a:t>
+            </a:r>
+            <a:r>
+              <a:rPr lang="zh-TW" altLang="en-US" sz="1200" kern="1200" dirty="0" smtClean="0">
+                <a:solidFill>
+                  <a:schemeClr val="tx1"/>
+                </a:solidFill>
+                <a:effectLst/>
+                <a:latin typeface="+mn-lt"/>
+                <a:ea typeface="+mn-ea"/>
+                <a:cs typeface="+mn-cs"/>
+              </a:rPr>
+              <a:t>式</a:t>
             </a:r>
             <a:r>
               <a:rPr lang="zh-TW" altLang="zh-TW" sz="1200" kern="1200" dirty="0" smtClean="0">
@@ -5033,7 +5250,19 @@
                 <a:ea typeface="+mn-ea"/>
                 <a:cs typeface="+mn-cs"/>
               </a:rPr>
-              <a:t>取得會丟出的例外型別。 </a:t>
+              <a:t>會</a:t>
+            </a:r>
+            <a:r>
+              <a:rPr lang="zh-TW" altLang="zh-TW" sz="1200" kern="1200" dirty="0" smtClean="0">
+                <a:solidFill>
+                  <a:schemeClr val="tx1"/>
+                </a:solidFill>
+                <a:effectLst/>
+                <a:latin typeface="+mn-lt"/>
+                <a:ea typeface="+mn-ea"/>
+                <a:cs typeface="+mn-cs"/>
+              </a:rPr>
+              <a:t>丟出的例外型別。 </a:t>
             </a:r>
             <a:r>
               <a:rPr lang="en-US" altLang="zh-TW" sz="1200" kern="1200" dirty="0" smtClean="0">
@@ -5169,7 +5398,7 @@
                 <a:ea typeface="+mn-ea"/>
                 <a:cs typeface="+mn-cs"/>
               </a:rPr>
-              <a:t>ExpressionStatementStringFinderVisitor</a:t>
+              <a:t>ExpressionStatementStringFinderVisito</a:t>
             </a:r>
             <a:r>
               <a:rPr lang="zh-TW" altLang="en-US" sz="1200" kern="1200" dirty="0" smtClean="0">
@@ -5181,19 +5410,7 @@
                 <a:ea typeface="+mn-ea"/>
                 <a:cs typeface="+mn-cs"/>
               </a:rPr>
-              <a:t>來取得釋放資源的函式，並</a:t>
-            </a:r>
-            <a:r>
-              <a:rPr lang="zh-TW" altLang="zh-TW" sz="1200" kern="1200" dirty="0" smtClean="0">
-                <a:solidFill>
-                  <a:schemeClr val="tx1"/>
-                </a:solidFill>
-                <a:effectLst/>
-                <a:latin typeface="+mn-lt"/>
-                <a:ea typeface="+mn-ea"/>
-                <a:cs typeface="+mn-cs"/>
-              </a:rPr>
-              <a:t>將</a:t>
+              <a:t>將釋放</a:t>
             </a:r>
             <a:r>
               <a:rPr lang="zh-TW" altLang="en-US" sz="1200" kern="1200" dirty="0" smtClean="0">
@@ -5205,7 +5422,19 @@
                 <a:ea typeface="+mn-ea"/>
                 <a:cs typeface="+mn-cs"/>
               </a:rPr>
-              <a:t>它從</a:t>
+              <a:t>資源的函</a:t>
+            </a:r>
+            <a:r>
+              <a:rPr lang="zh-TW" altLang="en-US" sz="1200" kern="1200" dirty="0" smtClean="0">
+                <a:solidFill>
+                  <a:schemeClr val="tx1"/>
+                </a:solidFill>
+                <a:effectLst/>
+                <a:latin typeface="+mn-lt"/>
+                <a:ea typeface="+mn-ea"/>
+                <a:cs typeface="+mn-cs"/>
+              </a:rPr>
+              <a:t>式從</a:t>
             </a:r>
             <a:r>
               <a:rPr lang="en-US" altLang="zh-TW" sz="1200" kern="1200" dirty="0" smtClean="0">
@@ -5341,7 +5570,19 @@
                 <a:ea typeface="+mn-ea"/>
                 <a:cs typeface="+mn-cs"/>
               </a:rPr>
-              <a:t>Careless Cleanup</a:t>
+              <a:t>Careless </a:t>
+            </a:r>
+            <a:r>
+              <a:rPr lang="en-US" altLang="zh-TW" sz="1200" kern="1200" dirty="0" smtClean="0">
+                <a:solidFill>
+                  <a:schemeClr val="tx1"/>
+                </a:solidFill>
+                <a:effectLst/>
+                <a:latin typeface="+mn-lt"/>
+                <a:ea typeface="+mn-ea"/>
+                <a:cs typeface="+mn-cs"/>
+              </a:rPr>
+              <a:t>Cleanup</a:t>
             </a:r>
             <a:r>
               <a:rPr lang="zh-TW" altLang="zh-TW" sz="1200" kern="1200" dirty="0" smtClean="0">
@@ -5353,7 +5594,19 @@
                 <a:ea typeface="+mn-ea"/>
                 <a:cs typeface="+mn-cs"/>
               </a:rPr>
-              <a:t>壞味道自動化快速修復功能。</a:t>
+              <a:t>自動化</a:t>
+            </a:r>
+            <a:r>
+              <a:rPr lang="zh-TW" altLang="zh-TW" sz="1200" kern="1200" dirty="0" smtClean="0">
+                <a:solidFill>
+                  <a:schemeClr val="tx1"/>
+                </a:solidFill>
+                <a:effectLst/>
+                <a:latin typeface="+mn-lt"/>
+                <a:ea typeface="+mn-ea"/>
+                <a:cs typeface="+mn-cs"/>
+              </a:rPr>
+              <a:t>快速修復功能。</a:t>
             </a:r>
             <a:endParaRPr lang="en-US" altLang="zh-TW" sz="1200" kern="1200" dirty="0" smtClean="0">
               <a:solidFill>
@@ -5599,11 +5852,15 @@
                 <a:latin typeface="標楷體" panose="03000509000000000000" pitchFamily="65" charset="-120"/>
                 <a:ea typeface="標楷體" panose="03000509000000000000" pitchFamily="65" charset="-120"/>
               </a:rPr>
-              <a:t>重構是比較有彈性的，會提供選單讓使用者選擇要丟出的例外</a:t>
-            </a:r>
-            <a:endParaRPr lang="en-US" altLang="zh-TW" dirty="0" smtClean="0"/>
-          </a:p>
-          <a:p>
+              <a:t>重構是比較有彈性的，會提供選單讓</a:t>
+            </a:r>
+            <a:r>
+              <a:rPr lang="zh-TW" altLang="en-US" sz="1200" dirty="0" smtClean="0">
+                <a:latin typeface="標楷體" panose="03000509000000000000" pitchFamily="65" charset="-120"/>
+                <a:ea typeface="標楷體" panose="03000509000000000000" pitchFamily="65" charset="-120"/>
+              </a:rPr>
+              <a:t>使用者設定重構的相關資訊</a:t>
+            </a:r>
             <a:endParaRPr lang="zh-TW" altLang="en-US" dirty="0"/>
           </a:p>
         </p:txBody>
@@ -5768,7 +6025,31 @@
                 <a:ea typeface="+mn-ea"/>
                 <a:cs typeface="+mn-cs"/>
               </a:rPr>
-              <a:t>發生例外時，若對例外進行的處理方式為向上層呼叫者回報，程式最後會執行</a:t>
+              <a:t>發生例外時，若對例外進行的處理方式為向</a:t>
+            </a:r>
+            <a:r>
+              <a:rPr lang="zh-TW" altLang="zh-TW" sz="1200" kern="1200" dirty="0" smtClean="0">
+                <a:solidFill>
+                  <a:schemeClr val="tx1"/>
+                </a:solidFill>
+                <a:effectLst/>
+                <a:latin typeface="+mn-lt"/>
+                <a:ea typeface="+mn-ea"/>
+                <a:cs typeface="+mn-cs"/>
+              </a:rPr>
+              <a:t>上層回報</a:t>
+            </a:r>
+            <a:r>
+              <a:rPr lang="zh-TW" altLang="zh-TW" sz="1200" kern="1200" dirty="0" smtClean="0">
+                <a:solidFill>
+                  <a:schemeClr val="tx1"/>
+                </a:solidFill>
+                <a:effectLst/>
+                <a:latin typeface="+mn-lt"/>
+                <a:ea typeface="+mn-ea"/>
+                <a:cs typeface="+mn-cs"/>
+              </a:rPr>
+              <a:t>，程式最後會執行</a:t>
             </a:r>
             <a:r>
               <a:rPr lang="en-US" altLang="zh-TW" sz="1200" kern="1200" dirty="0" smtClean="0">
@@ -5792,7 +6073,19 @@
                 <a:ea typeface="+mn-ea"/>
                 <a:cs typeface="+mn-cs"/>
               </a:rPr>
-              <a:t>裡的程式碼。如果當</a:t>
+              <a:t>裡的程式碼。</a:t>
+            </a:r>
+            <a:r>
+              <a:rPr lang="zh-TW" altLang="zh-TW" sz="1200" kern="1200" dirty="0" smtClean="0">
+                <a:solidFill>
+                  <a:schemeClr val="tx1"/>
+                </a:solidFill>
+                <a:effectLst/>
+                <a:latin typeface="+mn-lt"/>
+                <a:ea typeface="+mn-ea"/>
+                <a:cs typeface="+mn-cs"/>
+              </a:rPr>
+              <a:t>如果</a:t>
             </a:r>
             <a:r>
               <a:rPr lang="en-US" altLang="zh-TW" sz="1200" kern="1200" dirty="0" smtClean="0">
@@ -5816,7 +6109,19 @@
                 <a:ea typeface="+mn-ea"/>
                 <a:cs typeface="+mn-cs"/>
               </a:rPr>
-              <a:t>裡的程式碼也發生例外並向上層回報的話，會覆蓋掉原先</a:t>
+              <a:t>的</a:t>
+            </a:r>
+            <a:r>
+              <a:rPr lang="zh-TW" altLang="zh-TW" sz="1200" kern="1200" dirty="0" smtClean="0">
+                <a:solidFill>
+                  <a:schemeClr val="tx1"/>
+                </a:solidFill>
+                <a:effectLst/>
+                <a:latin typeface="+mn-lt"/>
+                <a:ea typeface="+mn-ea"/>
+                <a:cs typeface="+mn-cs"/>
+              </a:rPr>
+              <a:t>程式碼也發生例外並向上層回報的話，會覆蓋掉原先</a:t>
             </a:r>
             <a:r>
               <a:rPr lang="en-US" altLang="zh-TW" sz="1200" kern="1200" dirty="0" smtClean="0">
@@ -5876,19 +6181,19 @@
                 <a:ea typeface="+mn-ea"/>
                 <a:cs typeface="+mn-cs"/>
               </a:rPr>
-              <a:t>Exception Thrown From Finally Block</a:t>
-            </a:r>
-            <a:r>
-              <a:rPr lang="zh-TW" altLang="zh-TW" sz="1200" kern="1200" dirty="0" smtClean="0">
-                <a:solidFill>
-                  <a:schemeClr val="tx1"/>
-                </a:solidFill>
-                <a:effectLst/>
-                <a:latin typeface="+mn-lt"/>
-                <a:ea typeface="+mn-ea"/>
-                <a:cs typeface="+mn-cs"/>
-              </a:rPr>
-              <a:t>壞味道</a:t>
+              <a:t>Exception Thrown From Finally </a:t>
+            </a:r>
+            <a:r>
+              <a:rPr lang="en-US" altLang="zh-TW" sz="1200" kern="1200" dirty="0" smtClean="0">
+                <a:solidFill>
+                  <a:schemeClr val="tx1"/>
+                </a:solidFill>
+                <a:effectLst/>
+                <a:latin typeface="+mn-lt"/>
+                <a:ea typeface="+mn-ea"/>
+                <a:cs typeface="+mn-cs"/>
+              </a:rPr>
+              <a:t>Block</a:t>
             </a:r>
             <a:endParaRPr lang="en-US" altLang="zh-TW" sz="1200" kern="1200" dirty="0" smtClean="0">
               <a:solidFill>
@@ -6386,7 +6691,31 @@
                 <a:ea typeface="+mn-ea"/>
                 <a:cs typeface="+mn-cs"/>
               </a:rPr>
-              <a:t>的部分，印出例外訊息，衍生出</a:t>
+              <a:t>的部分，印出例外訊息</a:t>
+            </a:r>
+            <a:r>
+              <a:rPr lang="zh-TW" altLang="en-US" sz="1200" kern="1200" dirty="0" smtClean="0">
+                <a:solidFill>
+                  <a:schemeClr val="tx1"/>
+                </a:solidFill>
+                <a:effectLst/>
+                <a:latin typeface="+mn-lt"/>
+                <a:ea typeface="+mn-ea"/>
+                <a:cs typeface="+mn-cs"/>
+              </a:rPr>
+              <a:t>，因此衍生</a:t>
+            </a:r>
+            <a:r>
+              <a:rPr lang="zh-TW" altLang="en-US" sz="1200" kern="1200" dirty="0" smtClean="0">
+                <a:solidFill>
+                  <a:schemeClr val="tx1"/>
+                </a:solidFill>
+                <a:effectLst/>
+                <a:latin typeface="+mn-lt"/>
+                <a:ea typeface="+mn-ea"/>
+                <a:cs typeface="+mn-cs"/>
+              </a:rPr>
+              <a:t>出</a:t>
             </a:r>
             <a:r>
               <a:rPr lang="en-US" altLang="zh-TW" sz="1200" kern="1200" dirty="0" smtClean="0">
@@ -6777,7 +7106,15 @@
           <a:p>
             <a:r>
               <a:rPr lang="zh-TW" altLang="en-US" dirty="0" smtClean="0"/>
-              <a:t>這是我們改善後的結果，例如圖片第</a:t>
+              <a:t>這是我們改善後的結果</a:t>
+            </a:r>
+            <a:r>
+              <a:rPr lang="zh-TW" altLang="en-US" dirty="0" smtClean="0"/>
+              <a:t>，在圖片</a:t>
+            </a:r>
+            <a:r>
+              <a:rPr lang="zh-TW" altLang="en-US" dirty="0" smtClean="0"/>
+              <a:t>第</a:t>
             </a:r>
             <a:r>
               <a:rPr lang="en-US" altLang="zh-TW" dirty="0" smtClean="0"/>
@@ -6906,6 +7243,59 @@
           <a:lstStyle/>
           <a:p>
             <a:r>
+              <a:rPr lang="zh-TW" altLang="en-US" sz="1200" kern="1200" dirty="0" smtClean="0">
+                <a:solidFill>
+                  <a:schemeClr val="tx1"/>
+                </a:solidFill>
+                <a:effectLst/>
+                <a:latin typeface="+mn-lt"/>
+                <a:ea typeface="+mn-ea"/>
+                <a:cs typeface="+mn-cs"/>
+              </a:rPr>
+              <a:t>這是</a:t>
+            </a:r>
+            <a:r>
+              <a:rPr lang="en-US" altLang="zh-TW" dirty="0" smtClean="0">
+                <a:effectLst/>
+              </a:rPr>
+              <a:t>Exception Thrown From Finally Block</a:t>
+            </a:r>
+            <a:r>
+              <a:rPr lang="zh-TW" altLang="en-US" dirty="0" smtClean="0">
+                <a:effectLst/>
+              </a:rPr>
+              <a:t>的</a:t>
+            </a:r>
+            <a:r>
+              <a:rPr lang="en-US" altLang="zh-TW" dirty="0" smtClean="0">
+                <a:effectLst/>
+              </a:rPr>
+              <a:t>class</a:t>
+            </a:r>
+            <a:r>
+              <a:rPr lang="zh-TW" altLang="en-US" dirty="0" smtClean="0">
+                <a:effectLst/>
+              </a:rPr>
+              <a:t> </a:t>
+            </a:r>
+            <a:r>
+              <a:rPr lang="en-US" altLang="zh-TW" dirty="0" err="1" smtClean="0">
+                <a:effectLst/>
+              </a:rPr>
+              <a:t>dia</a:t>
+            </a:r>
+            <a:endParaRPr lang="en-US" altLang="zh-TW" sz="1200" kern="1200" dirty="0" smtClean="0">
+              <a:solidFill>
+                <a:schemeClr val="tx1"/>
+              </a:solidFill>
+              <a:effectLst/>
+              <a:latin typeface="+mn-lt"/>
+              <a:ea typeface="+mn-ea"/>
+              <a:cs typeface="+mn-cs"/>
+            </a:endParaRPr>
+          </a:p>
+          <a:p>
+            <a:r>
               <a:rPr lang="zh-TW" altLang="zh-TW" sz="1200" kern="1200" dirty="0" smtClean="0">
                 <a:solidFill>
                   <a:schemeClr val="tx1"/>
@@ -6915,7 +7305,67 @@
                 <a:ea typeface="+mn-ea"/>
                 <a:cs typeface="+mn-cs"/>
               </a:rPr>
-              <a:t>當使用者在</a:t>
+              <a:t>當使用者選擇</a:t>
+            </a:r>
+            <a:r>
+              <a:rPr lang="zh-TW" altLang="zh-TW" sz="1200" kern="1200" dirty="0" smtClean="0">
+                <a:solidFill>
+                  <a:schemeClr val="tx1"/>
+                </a:solidFill>
+                <a:effectLst/>
+                <a:latin typeface="+mn-lt"/>
+                <a:ea typeface="+mn-ea"/>
+                <a:cs typeface="+mn-cs"/>
+              </a:rPr>
+              <a:t>警告訊息提供的重構方法時，</a:t>
+            </a:r>
+            <a:r>
+              <a:rPr lang="en-US" altLang="zh-TW" sz="1200" kern="1200" dirty="0" err="1" smtClean="0">
+                <a:solidFill>
+                  <a:schemeClr val="tx1"/>
+                </a:solidFill>
+                <a:effectLst/>
+                <a:latin typeface="+mn-lt"/>
+                <a:ea typeface="+mn-ea"/>
+                <a:cs typeface="+mn-cs"/>
+              </a:rPr>
+              <a:t>RLQuickFixer</a:t>
+            </a:r>
+            <a:r>
+              <a:rPr lang="zh-TW" altLang="zh-TW" sz="1200" kern="1200" dirty="0" smtClean="0">
+                <a:solidFill>
+                  <a:schemeClr val="tx1"/>
+                </a:solidFill>
+                <a:effectLst/>
+                <a:latin typeface="+mn-lt"/>
+                <a:ea typeface="+mn-ea"/>
+                <a:cs typeface="+mn-cs"/>
+              </a:rPr>
+              <a:t>會執行</a:t>
+            </a:r>
+            <a:r>
+              <a:rPr lang="en-US" altLang="zh-TW" sz="1200" kern="1200" dirty="0" err="1" smtClean="0">
+                <a:solidFill>
+                  <a:schemeClr val="tx1"/>
+                </a:solidFill>
+                <a:effectLst/>
+                <a:latin typeface="+mn-lt"/>
+                <a:ea typeface="+mn-ea"/>
+                <a:cs typeface="+mn-cs"/>
+              </a:rPr>
+              <a:t>TEFBExtractMethodMarkerResolution</a:t>
+            </a:r>
+            <a:r>
+              <a:rPr lang="zh-TW" altLang="zh-TW" sz="1200" kern="1200" dirty="0" smtClean="0">
+                <a:solidFill>
+                  <a:schemeClr val="tx1"/>
+                </a:solidFill>
+                <a:effectLst/>
+                <a:latin typeface="+mn-lt"/>
+                <a:ea typeface="+mn-ea"/>
+                <a:cs typeface="+mn-cs"/>
+              </a:rPr>
+              <a:t>的</a:t>
             </a:r>
             <a:r>
               <a:rPr lang="en-US" altLang="zh-TW" sz="1200" kern="1200" dirty="0" smtClean="0">
@@ -6927,7 +7377,7 @@
                 <a:ea typeface="+mn-ea"/>
                 <a:cs typeface="+mn-cs"/>
               </a:rPr>
-              <a:t>Exception Thrown From Finally Block</a:t>
+              <a:t>class</a:t>
             </a:r>
             <a:r>
               <a:rPr lang="zh-TW" altLang="zh-TW" sz="1200" kern="1200" dirty="0" smtClean="0">
@@ -6939,8 +7389,43 @@
                 <a:ea typeface="+mn-ea"/>
                 <a:cs typeface="+mn-cs"/>
               </a:rPr>
-              <a:t>壞味道選擇警告訊息提供的重構方法時，</a:t>
-            </a:r>
+              <a:t>，</a:t>
+            </a:r>
+            <a:r>
+              <a:rPr lang="zh-TW" altLang="zh-TW" sz="1200" kern="1200" dirty="0" smtClean="0">
+                <a:solidFill>
+                  <a:schemeClr val="tx1"/>
+                </a:solidFill>
+                <a:effectLst/>
+                <a:latin typeface="+mn-lt"/>
+                <a:ea typeface="+mn-ea"/>
+                <a:cs typeface="+mn-cs"/>
+              </a:rPr>
+              <a:t>啟動重構頁面讓使用者設定相關參數</a:t>
+            </a:r>
+            <a:r>
+              <a:rPr lang="zh-TW" altLang="zh-TW" sz="1200" kern="1200" dirty="0" smtClean="0">
+                <a:solidFill>
+                  <a:schemeClr val="tx1"/>
+                </a:solidFill>
+                <a:effectLst/>
+                <a:latin typeface="+mn-lt"/>
+                <a:ea typeface="+mn-ea"/>
+                <a:cs typeface="+mn-cs"/>
+              </a:rPr>
+              <a:t>。</a:t>
+            </a:r>
+            <a:endParaRPr lang="en-US" altLang="zh-TW" sz="1200" kern="1200" dirty="0" smtClean="0">
+              <a:solidFill>
+                <a:schemeClr val="tx1"/>
+              </a:solidFill>
+              <a:effectLst/>
+              <a:latin typeface="+mn-lt"/>
+              <a:ea typeface="+mn-ea"/>
+              <a:cs typeface="+mn-cs"/>
+            </a:endParaRPr>
+          </a:p>
+          <a:p>
             <a:r>
               <a:rPr lang="en-US" altLang="zh-TW" sz="1200" kern="1200" dirty="0" err="1" smtClean="0">
                 <a:solidFill>
@@ -6951,7 +7436,7 @@
                 <a:ea typeface="+mn-ea"/>
                 <a:cs typeface="+mn-cs"/>
               </a:rPr>
-              <a:t>RLQuickFixer</a:t>
+              <a:t>CodeSmellRefactoringWizard</a:t>
             </a:r>
             <a:r>
               <a:rPr lang="zh-TW" altLang="zh-TW" sz="1200" kern="1200" dirty="0" smtClean="0">
@@ -6963,7 +7448,31 @@
                 <a:ea typeface="+mn-ea"/>
                 <a:cs typeface="+mn-cs"/>
               </a:rPr>
-              <a:t>會執行</a:t>
+              <a:t>繼承</a:t>
+            </a:r>
+            <a:r>
+              <a:rPr lang="en-US" altLang="zh-TW" sz="1200" kern="1200" dirty="0" smtClean="0">
+                <a:solidFill>
+                  <a:schemeClr val="tx1"/>
+                </a:solidFill>
+                <a:effectLst/>
+                <a:latin typeface="+mn-lt"/>
+                <a:ea typeface="+mn-ea"/>
+                <a:cs typeface="+mn-cs"/>
+              </a:rPr>
+              <a:t>Eclipse</a:t>
+            </a:r>
+            <a:r>
+              <a:rPr lang="zh-TW" altLang="zh-TW" sz="1200" kern="1200" dirty="0" smtClean="0">
+                <a:solidFill>
+                  <a:schemeClr val="tx1"/>
+                </a:solidFill>
+                <a:effectLst/>
+                <a:latin typeface="+mn-lt"/>
+                <a:ea typeface="+mn-ea"/>
+                <a:cs typeface="+mn-cs"/>
+              </a:rPr>
+              <a:t>的</a:t>
             </a:r>
             <a:r>
               <a:rPr lang="en-US" altLang="zh-TW" sz="1200" kern="1200" dirty="0" err="1" smtClean="0">
@@ -6975,7 +7484,19 @@
                 <a:ea typeface="+mn-ea"/>
                 <a:cs typeface="+mn-cs"/>
               </a:rPr>
-              <a:t>TEFBExtractMethodMarkerResolution</a:t>
+              <a:t>RefacotingWizard</a:t>
+            </a:r>
+            <a:r>
+              <a:rPr lang="en-US" altLang="zh-TW" sz="1200" kern="1200" dirty="0" smtClean="0">
+                <a:solidFill>
+                  <a:schemeClr val="tx1"/>
+                </a:solidFill>
+                <a:effectLst/>
+                <a:latin typeface="+mn-lt"/>
+                <a:ea typeface="+mn-ea"/>
+                <a:cs typeface="+mn-cs"/>
+              </a:rPr>
+              <a:t> class</a:t>
             </a:r>
             <a:r>
               <a:rPr lang="zh-TW" altLang="zh-TW" sz="1200" kern="1200" dirty="0" smtClean="0">
@@ -6987,7 +7508,66 @@
                 <a:ea typeface="+mn-ea"/>
                 <a:cs typeface="+mn-cs"/>
               </a:rPr>
-              <a:t>的類別，啟動重構頁面讓使用者設定相關參數。</a:t>
+              <a:t>，</a:t>
+            </a:r>
+            <a:r>
+              <a:rPr lang="zh-TW" altLang="zh-TW" sz="1200" kern="1200" dirty="0" smtClean="0">
+                <a:solidFill>
+                  <a:schemeClr val="tx1"/>
+                </a:solidFill>
+                <a:effectLst/>
+                <a:latin typeface="+mn-lt"/>
+                <a:ea typeface="+mn-ea"/>
+                <a:cs typeface="+mn-cs"/>
+              </a:rPr>
+              <a:t>因此能夠提供預覽畫面協助使用者設定重構的相關資訊</a:t>
+            </a:r>
+            <a:r>
+              <a:rPr lang="zh-TW" altLang="zh-TW" sz="1200" kern="1200" dirty="0" smtClean="0">
+                <a:solidFill>
+                  <a:schemeClr val="tx1"/>
+                </a:solidFill>
+                <a:effectLst/>
+                <a:latin typeface="+mn-lt"/>
+                <a:ea typeface="+mn-ea"/>
+                <a:cs typeface="+mn-cs"/>
+              </a:rPr>
+              <a:t>。</a:t>
+            </a:r>
+            <a:endParaRPr lang="en-US" altLang="zh-TW" sz="1200" kern="1200" dirty="0" smtClean="0">
+              <a:solidFill>
+                <a:schemeClr val="tx1"/>
+              </a:solidFill>
+              <a:effectLst/>
+              <a:latin typeface="+mn-lt"/>
+              <a:ea typeface="+mn-ea"/>
+              <a:cs typeface="+mn-cs"/>
+            </a:endParaRPr>
+          </a:p>
+          <a:p>
+            <a:r>
+              <a:rPr lang="zh-TW" altLang="zh-TW" sz="1200" kern="1200" dirty="0" smtClean="0">
+                <a:solidFill>
+                  <a:schemeClr val="tx1"/>
+                </a:solidFill>
+                <a:effectLst/>
+                <a:latin typeface="+mn-lt"/>
+                <a:ea typeface="+mn-ea"/>
+                <a:cs typeface="+mn-cs"/>
+              </a:rPr>
+              <a:t>在</a:t>
+            </a:r>
+            <a:r>
+              <a:rPr lang="zh-TW" altLang="zh-TW" sz="1200" kern="1200" dirty="0" smtClean="0">
+                <a:solidFill>
+                  <a:schemeClr val="tx1"/>
+                </a:solidFill>
+                <a:effectLst/>
+                <a:latin typeface="+mn-lt"/>
+                <a:ea typeface="+mn-ea"/>
+                <a:cs typeface="+mn-cs"/>
+              </a:rPr>
+              <a:t>使用者設定完成後，</a:t>
             </a:r>
             <a:r>
               <a:rPr lang="en-US" altLang="zh-TW" sz="1200" kern="1200" dirty="0" err="1" smtClean="0">
@@ -6999,7 +7579,7 @@
                 <a:ea typeface="+mn-ea"/>
                 <a:cs typeface="+mn-cs"/>
               </a:rPr>
-              <a:t>CodeSmellRefactoringWizard</a:t>
+              <a:t>ExtractMethodInputPage</a:t>
             </a:r>
             <a:r>
               <a:rPr lang="zh-TW" altLang="zh-TW" sz="1200" kern="1200" dirty="0" smtClean="0">
@@ -7011,7 +7591,19 @@
                 <a:ea typeface="+mn-ea"/>
                 <a:cs typeface="+mn-cs"/>
               </a:rPr>
-              <a:t>繼承</a:t>
+              <a:t>會將使用者設定的資訊傳到</a:t>
+            </a:r>
+            <a:r>
+              <a:rPr lang="en-US" altLang="zh-TW" sz="1200" kern="1200" dirty="0" err="1" smtClean="0">
+                <a:solidFill>
+                  <a:schemeClr val="tx1"/>
+                </a:solidFill>
+                <a:effectLst/>
+                <a:latin typeface="+mn-lt"/>
+                <a:ea typeface="+mn-ea"/>
+                <a:cs typeface="+mn-cs"/>
+              </a:rPr>
+              <a:t>TEFBExtractMethodRefactoring</a:t>
             </a:r>
             <a:r>
               <a:rPr lang="en-US" altLang="zh-TW" sz="1200" kern="1200" dirty="0" smtClean="0">
@@ -7023,7 +7615,7 @@
                 <a:ea typeface="+mn-ea"/>
                 <a:cs typeface="+mn-cs"/>
               </a:rPr>
-              <a:t>Eclipse</a:t>
+              <a:t> class</a:t>
             </a:r>
             <a:r>
               <a:rPr lang="zh-TW" altLang="zh-TW" sz="1200" kern="1200" dirty="0" smtClean="0">
@@ -7035,19 +7627,7 @@
                 <a:ea typeface="+mn-ea"/>
                 <a:cs typeface="+mn-cs"/>
               </a:rPr>
-              <a:t>的</a:t>
-            </a:r>
-            <a:r>
-              <a:rPr lang="en-US" altLang="zh-TW" sz="1200" kern="1200" dirty="0" err="1" smtClean="0">
-                <a:solidFill>
-                  <a:schemeClr val="tx1"/>
-                </a:solidFill>
-                <a:effectLst/>
-                <a:latin typeface="+mn-lt"/>
-                <a:ea typeface="+mn-ea"/>
-                <a:cs typeface="+mn-cs"/>
-              </a:rPr>
-              <a:t>RefacotingWizard</a:t>
+              <a:t>，</a:t>
             </a:r>
             <a:r>
               <a:rPr lang="zh-TW" altLang="zh-TW" sz="1200" kern="1200" dirty="0" smtClean="0">
@@ -7059,19 +7639,31 @@
                 <a:ea typeface="+mn-ea"/>
                 <a:cs typeface="+mn-cs"/>
               </a:rPr>
-              <a:t>類別，因此能夠提供預覽畫面協助使用者設定重構的相關資訊。在使用者設定完成後，</a:t>
-            </a:r>
-            <a:r>
-              <a:rPr lang="en-US" altLang="zh-TW" sz="1200" kern="1200" dirty="0" err="1" smtClean="0">
-                <a:solidFill>
-                  <a:schemeClr val="tx1"/>
-                </a:solidFill>
-                <a:effectLst/>
-                <a:latin typeface="+mn-lt"/>
-                <a:ea typeface="+mn-ea"/>
-                <a:cs typeface="+mn-cs"/>
-              </a:rPr>
-              <a:t>ExtractMethodInputPage</a:t>
+              <a:t>對</a:t>
+            </a:r>
+            <a:r>
+              <a:rPr lang="en-US" altLang="zh-TW" sz="1200" kern="1200" dirty="0" smtClean="0">
+                <a:solidFill>
+                  <a:schemeClr val="tx1"/>
+                </a:solidFill>
+                <a:effectLst/>
+                <a:latin typeface="+mn-lt"/>
+                <a:ea typeface="+mn-ea"/>
+                <a:cs typeface="+mn-cs"/>
+              </a:rPr>
+              <a:t>Exception Thrown From Finally </a:t>
+            </a:r>
+            <a:r>
+              <a:rPr lang="en-US" altLang="zh-TW" sz="1200" kern="1200" dirty="0" smtClean="0">
+                <a:solidFill>
+                  <a:schemeClr val="tx1"/>
+                </a:solidFill>
+                <a:effectLst/>
+                <a:latin typeface="+mn-lt"/>
+                <a:ea typeface="+mn-ea"/>
+                <a:cs typeface="+mn-cs"/>
+              </a:rPr>
+              <a:t>Block</a:t>
             </a:r>
             <a:r>
               <a:rPr lang="zh-TW" altLang="zh-TW" sz="1200" kern="1200" dirty="0" smtClean="0">
@@ -7083,19 +7675,7 @@
                 <a:ea typeface="+mn-ea"/>
                 <a:cs typeface="+mn-cs"/>
               </a:rPr>
-              <a:t>會將使用者設定的資訊傳到</a:t>
-            </a:r>
-            <a:r>
-              <a:rPr lang="en-US" altLang="zh-TW" sz="1200" kern="1200" dirty="0" err="1" smtClean="0">
-                <a:solidFill>
-                  <a:schemeClr val="tx1"/>
-                </a:solidFill>
-                <a:effectLst/>
-                <a:latin typeface="+mn-lt"/>
-                <a:ea typeface="+mn-ea"/>
-                <a:cs typeface="+mn-cs"/>
-              </a:rPr>
-              <a:t>TEFBExtractMethodRefactoring</a:t>
+              <a:t>進行</a:t>
             </a:r>
             <a:r>
               <a:rPr lang="zh-TW" altLang="zh-TW" sz="1200" kern="1200" dirty="0" smtClean="0">
@@ -7107,31 +7687,7 @@
                 <a:ea typeface="+mn-ea"/>
                 <a:cs typeface="+mn-cs"/>
               </a:rPr>
-              <a:t>類別，對</a:t>
-            </a:r>
-            <a:r>
-              <a:rPr lang="en-US" altLang="zh-TW" sz="1200" kern="1200" dirty="0" smtClean="0">
-                <a:solidFill>
-                  <a:schemeClr val="tx1"/>
-                </a:solidFill>
-                <a:effectLst/>
-                <a:latin typeface="+mn-lt"/>
-                <a:ea typeface="+mn-ea"/>
-                <a:cs typeface="+mn-cs"/>
-              </a:rPr>
-              <a:t>Exception Thrown From Finally Block</a:t>
-            </a:r>
-            <a:r>
-              <a:rPr lang="zh-TW" altLang="zh-TW" sz="1200" kern="1200" dirty="0" smtClean="0">
-                <a:solidFill>
-                  <a:schemeClr val="tx1"/>
-                </a:solidFill>
-                <a:effectLst/>
-                <a:latin typeface="+mn-lt"/>
-                <a:ea typeface="+mn-ea"/>
-                <a:cs typeface="+mn-cs"/>
-              </a:rPr>
-              <a:t>壞味道進行重構。 </a:t>
+              <a:t>重構。 </a:t>
             </a:r>
             <a:endParaRPr lang="zh-TW" altLang="zh-TW" sz="1200" kern="1200" dirty="0">
               <a:solidFill>
@@ -7243,6 +7799,54 @@
           <a:bodyPr/>
           <a:lstStyle/>
           <a:p>
+            <a:r>
+              <a:rPr lang="zh-TW" altLang="en-US" sz="1200" kern="1200" dirty="0" smtClean="0">
+                <a:solidFill>
+                  <a:schemeClr val="tx1"/>
+                </a:solidFill>
+                <a:effectLst/>
+                <a:latin typeface="+mn-lt"/>
+                <a:ea typeface="+mn-ea"/>
+                <a:cs typeface="+mn-cs"/>
+              </a:rPr>
+              <a:t>這是他的</a:t>
+            </a:r>
+            <a:r>
+              <a:rPr lang="en-US" altLang="zh-TW" sz="1200" kern="1200" dirty="0" err="1" smtClean="0">
+                <a:solidFill>
+                  <a:schemeClr val="tx1"/>
+                </a:solidFill>
+                <a:effectLst/>
+                <a:latin typeface="+mn-lt"/>
+                <a:ea typeface="+mn-ea"/>
+                <a:cs typeface="+mn-cs"/>
+              </a:rPr>
+              <a:t>seq</a:t>
+            </a:r>
+            <a:r>
+              <a:rPr lang="zh-TW" altLang="en-US" sz="1200" kern="1200" dirty="0" smtClean="0">
+                <a:solidFill>
+                  <a:schemeClr val="tx1"/>
+                </a:solidFill>
+                <a:effectLst/>
+                <a:latin typeface="+mn-lt"/>
+                <a:ea typeface="+mn-ea"/>
+                <a:cs typeface="+mn-cs"/>
+              </a:rPr>
+              <a:t> </a:t>
+            </a:r>
+            <a:r>
+              <a:rPr lang="en-US" altLang="zh-TW" sz="1200" kern="1200" dirty="0" err="1" smtClean="0">
+                <a:solidFill>
+                  <a:schemeClr val="tx1"/>
+                </a:solidFill>
+                <a:effectLst/>
+                <a:latin typeface="+mn-lt"/>
+                <a:ea typeface="+mn-ea"/>
+                <a:cs typeface="+mn-cs"/>
+              </a:rPr>
+              <a:t>dia</a:t>
+            </a:r>
             <a:endParaRPr lang="en-US" altLang="zh-TW" sz="1200" kern="1200" dirty="0" smtClean="0">
               <a:solidFill>
                 <a:schemeClr val="tx1"/>
@@ -7303,6 +7907,30 @@
               <a:t>CodeSmellRefactoringWizard</a:t>
             </a:r>
             <a:r>
+              <a:rPr lang="zh-TW" altLang="en-US" sz="1200" kern="1200" dirty="0" smtClean="0">
+                <a:solidFill>
+                  <a:schemeClr val="tx1"/>
+                </a:solidFill>
+                <a:effectLst/>
+                <a:latin typeface="+mn-lt"/>
+                <a:ea typeface="+mn-ea"/>
+                <a:cs typeface="+mn-cs"/>
+              </a:rPr>
+              <a:t> </a:t>
+            </a:r>
+            <a:r>
+              <a:rPr lang="en-US" altLang="zh-TW" sz="1200" kern="1200" dirty="0" smtClean="0">
+                <a:solidFill>
+                  <a:schemeClr val="tx1"/>
+                </a:solidFill>
+                <a:effectLst/>
+                <a:latin typeface="+mn-lt"/>
+                <a:ea typeface="+mn-ea"/>
+                <a:cs typeface="+mn-cs"/>
+              </a:rPr>
+              <a:t>class</a:t>
+            </a:r>
+            <a:r>
               <a:rPr lang="zh-TW" altLang="zh-TW" sz="1200" kern="1200" dirty="0" smtClean="0">
                 <a:solidFill>
                   <a:schemeClr val="tx1"/>
@@ -7312,7 +7940,19 @@
                 <a:ea typeface="+mn-ea"/>
                 <a:cs typeface="+mn-cs"/>
               </a:rPr>
-              <a:t>類別，並</a:t>
+              <a:t>，</a:t>
+            </a:r>
+            <a:r>
+              <a:rPr lang="zh-TW" altLang="zh-TW" sz="1200" kern="1200" dirty="0" smtClean="0">
+                <a:solidFill>
+                  <a:schemeClr val="tx1"/>
+                </a:solidFill>
+                <a:effectLst/>
+                <a:latin typeface="+mn-lt"/>
+                <a:ea typeface="+mn-ea"/>
+                <a:cs typeface="+mn-cs"/>
+              </a:rPr>
+              <a:t>並</a:t>
             </a:r>
             <a:r>
               <a:rPr lang="en-US" altLang="zh-TW" sz="1200" kern="1200" dirty="0" smtClean="0">
@@ -7348,7 +7988,19 @@
                 <a:ea typeface="+mn-ea"/>
                 <a:cs typeface="+mn-cs"/>
               </a:rPr>
-              <a:t>類別，提供</a:t>
+              <a:t>，</a:t>
+            </a:r>
+            <a:r>
+              <a:rPr lang="zh-TW" altLang="zh-TW" sz="1200" kern="1200" dirty="0" smtClean="0">
+                <a:solidFill>
+                  <a:schemeClr val="tx1"/>
+                </a:solidFill>
+                <a:effectLst/>
+                <a:latin typeface="+mn-lt"/>
+                <a:ea typeface="+mn-ea"/>
+                <a:cs typeface="+mn-cs"/>
+              </a:rPr>
+              <a:t>提供</a:t>
             </a:r>
             <a:r>
               <a:rPr lang="en-US" altLang="zh-TW" sz="1200" kern="1200" dirty="0" smtClean="0">
@@ -7422,7 +8074,31 @@
                 <a:ea typeface="+mn-ea"/>
                 <a:cs typeface="+mn-cs"/>
               </a:rPr>
-              <a:t>資訊。</a:t>
+              <a:t>資訊</a:t>
+            </a:r>
+            <a:r>
+              <a:rPr lang="zh-TW" altLang="en-US" sz="1200" kern="1200" dirty="0" smtClean="0">
+                <a:solidFill>
+                  <a:schemeClr val="tx1"/>
+                </a:solidFill>
+                <a:effectLst/>
+                <a:latin typeface="+mn-lt"/>
+                <a:ea typeface="+mn-ea"/>
+                <a:cs typeface="+mn-cs"/>
+              </a:rPr>
+              <a:t>後</a:t>
+            </a:r>
+            <a:r>
+              <a:rPr lang="zh-TW" altLang="zh-TW" sz="1200" kern="1200" dirty="0" smtClean="0">
+                <a:solidFill>
+                  <a:schemeClr val="tx1"/>
+                </a:solidFill>
+                <a:effectLst/>
+                <a:latin typeface="+mn-lt"/>
+                <a:ea typeface="+mn-ea"/>
+                <a:cs typeface="+mn-cs"/>
+              </a:rPr>
+              <a:t>。</a:t>
             </a:r>
             <a:endParaRPr lang="en-US" altLang="zh-TW" sz="1200" kern="1200" dirty="0" smtClean="0">
               <a:solidFill>
@@ -7496,7 +8172,19 @@
                 <a:ea typeface="+mn-ea"/>
                 <a:cs typeface="+mn-cs"/>
               </a:rPr>
-              <a:t>類別進行重構程式碼。</a:t>
+              <a:t>進行</a:t>
+            </a:r>
+            <a:r>
+              <a:rPr lang="zh-TW" altLang="zh-TW" sz="1200" kern="1200" dirty="0" smtClean="0">
+                <a:solidFill>
+                  <a:schemeClr val="tx1"/>
+                </a:solidFill>
+                <a:effectLst/>
+                <a:latin typeface="+mn-lt"/>
+                <a:ea typeface="+mn-ea"/>
+                <a:cs typeface="+mn-cs"/>
+              </a:rPr>
+              <a:t>重構程式碼。</a:t>
             </a:r>
             <a:endParaRPr lang="en-US" altLang="zh-TW" sz="1200" kern="1200" dirty="0" smtClean="0">
               <a:solidFill>
@@ -7534,7 +8222,19 @@
                 <a:ea typeface="+mn-ea"/>
                 <a:cs typeface="+mn-cs"/>
               </a:rPr>
-              <a:t>Exception Thrown From Finally Block</a:t>
+              <a:t>Exception Thrown From Finally </a:t>
+            </a:r>
+            <a:r>
+              <a:rPr lang="en-US" altLang="zh-TW" sz="1200" kern="1200" dirty="0" smtClean="0">
+                <a:solidFill>
+                  <a:schemeClr val="tx1"/>
+                </a:solidFill>
+                <a:effectLst/>
+                <a:latin typeface="+mn-lt"/>
+                <a:ea typeface="+mn-ea"/>
+                <a:cs typeface="+mn-cs"/>
+              </a:rPr>
+              <a:t>Block</a:t>
             </a:r>
             <a:r>
               <a:rPr lang="zh-TW" altLang="zh-TW" sz="1200" kern="1200" dirty="0" smtClean="0">
@@ -7546,7 +8246,19 @@
                 <a:ea typeface="+mn-ea"/>
                 <a:cs typeface="+mn-cs"/>
               </a:rPr>
-              <a:t>壞味道自動化重構功能。</a:t>
+              <a:t>自動化</a:t>
+            </a:r>
+            <a:r>
+              <a:rPr lang="zh-TW" altLang="zh-TW" sz="1200" kern="1200" dirty="0" smtClean="0">
+                <a:solidFill>
+                  <a:schemeClr val="tx1"/>
+                </a:solidFill>
+                <a:effectLst/>
+                <a:latin typeface="+mn-lt"/>
+                <a:ea typeface="+mn-ea"/>
+                <a:cs typeface="+mn-cs"/>
+              </a:rPr>
+              <a:t>重構功能。</a:t>
             </a:r>
             <a:endParaRPr lang="zh-TW" altLang="zh-TW" sz="1200" kern="1200" dirty="0">
               <a:solidFill>
@@ -7783,12 +8495,12 @@
           </a:p>
           <a:p>
             <a:r>
-              <a:rPr lang="zh-TW" altLang="en-US" dirty="0" smtClean="0"/>
-              <a:t>在</a:t>
-            </a:r>
-            <a:r>
               <a:rPr lang="en-US" altLang="zh-TW" dirty="0" smtClean="0"/>
-              <a:t>Dummy Handler</a:t>
+              <a:t>Dummy </a:t>
+            </a:r>
+            <a:r>
+              <a:rPr lang="en-US" altLang="zh-TW" dirty="0" smtClean="0"/>
+              <a:t>Handler</a:t>
             </a:r>
             <a:r>
               <a:rPr lang="zh-TW" altLang="en-US" dirty="0" smtClean="0"/>
@@ -7800,20 +8512,65 @@
             </a:r>
             <a:r>
               <a:rPr lang="zh-TW" altLang="en-US" dirty="0" smtClean="0"/>
-              <a:t>壞味道中，原來的</a:t>
+              <a:t>壞</a:t>
+            </a:r>
+            <a:r>
+              <a:rPr lang="zh-TW" altLang="en-US" dirty="0" smtClean="0"/>
+              <a:t>味道，</a:t>
+            </a:r>
+            <a:r>
+              <a:rPr lang="zh-TW" altLang="en-US" dirty="0" smtClean="0"/>
+              <a:t>原來的</a:t>
             </a:r>
             <a:r>
               <a:rPr lang="en-US" altLang="zh-TW" dirty="0" smtClean="0"/>
-              <a:t>Robusta……..</a:t>
+              <a:t>Robusta</a:t>
             </a:r>
             <a:r>
               <a:rPr lang="zh-TW" altLang="en-US" dirty="0" smtClean="0"/>
-              <a:t>，我們將它修正為</a:t>
-            </a:r>
-            <a:r>
-              <a:rPr lang="en-US" altLang="zh-TW" dirty="0" smtClean="0"/>
-              <a:t>……</a:t>
-            </a:r>
+              <a:t>提供兩種快速公赴功能，分別為丟出例外和丟出</a:t>
+            </a:r>
+            <a:r>
+              <a:rPr lang="en-US" altLang="zh-TW" sz="1200" baseline="0" dirty="0" err="1" smtClean="0">
+                <a:latin typeface="標楷體" panose="03000509000000000000" pitchFamily="65" charset="-120"/>
+                <a:ea typeface="標楷體" panose="03000509000000000000" pitchFamily="65" charset="-120"/>
+              </a:rPr>
+              <a:t>RuntimeException</a:t>
+            </a:r>
+            <a:r>
+              <a:rPr lang="zh-TW" altLang="en-US" dirty="0" smtClean="0"/>
+              <a:t>，</a:t>
+            </a:r>
+            <a:r>
+              <a:rPr lang="zh-TW" altLang="en-US" dirty="0" smtClean="0"/>
+              <a:t>我們</a:t>
+            </a:r>
+            <a:r>
+              <a:rPr lang="zh-TW" altLang="en-US" dirty="0" smtClean="0"/>
+              <a:t>將</a:t>
+            </a:r>
+            <a:r>
+              <a:rPr lang="zh-TW" altLang="zh-TW" sz="1200" baseline="0" dirty="0" smtClean="0">
+                <a:latin typeface="標楷體" panose="03000509000000000000" pitchFamily="65" charset="-120"/>
+                <a:ea typeface="標楷體" panose="03000509000000000000" pitchFamily="65" charset="-120"/>
+              </a:rPr>
+              <a:t>丟出</a:t>
+            </a:r>
+            <a:r>
+              <a:rPr lang="en-US" altLang="zh-TW" sz="1200" baseline="0" dirty="0" err="1" smtClean="0">
+                <a:latin typeface="標楷體" panose="03000509000000000000" pitchFamily="65" charset="-120"/>
+                <a:ea typeface="標楷體" panose="03000509000000000000" pitchFamily="65" charset="-120"/>
+              </a:rPr>
+              <a:t>RuntimeException</a:t>
+            </a:r>
+            <a:r>
+              <a:rPr lang="zh-TW" altLang="en-US" sz="1200" baseline="0" dirty="0" smtClean="0">
+                <a:latin typeface="標楷體" panose="03000509000000000000" pitchFamily="65" charset="-120"/>
+                <a:ea typeface="標楷體" panose="03000509000000000000" pitchFamily="65" charset="-120"/>
+              </a:rPr>
+              <a:t>的功能，只留下丟出例外</a:t>
+            </a:r>
+            <a:endParaRPr lang="en-US" altLang="zh-TW" dirty="0" smtClean="0"/>
           </a:p>
           <a:p>
             <a:pPr algn="just">
@@ -7829,16 +8586,28 @@
               <a:rPr lang="en-US" altLang="zh-TW" sz="1200" kern="100" dirty="0" smtClean="0">
                 <a:effectLst/>
               </a:rPr>
-              <a:t>Unprotected Main Program</a:t>
+              <a:t>Unprotected Main </a:t>
+            </a:r>
+            <a:r>
+              <a:rPr lang="en-US" altLang="zh-TW" sz="1200" kern="100" dirty="0" smtClean="0">
+                <a:effectLst/>
+              </a:rPr>
+              <a:t>Program</a:t>
             </a:r>
             <a:r>
               <a:rPr lang="zh-TW" altLang="en-US" sz="1200" kern="100" dirty="0" smtClean="0">
                 <a:effectLst/>
               </a:rPr>
-              <a:t>壞味道中，都會產生</a:t>
-            </a:r>
-            <a:r>
-              <a:rPr lang="zh-TW" altLang="zh-TW" sz="1200" kern="100" dirty="0" smtClean="0">
+              <a:t>中</a:t>
+            </a:r>
+            <a:r>
+              <a:rPr lang="zh-TW" altLang="en-US" sz="1200" kern="100" dirty="0" smtClean="0">
+                <a:effectLst/>
+              </a:rPr>
+              <a:t>，都會</a:t>
+            </a:r>
+            <a:r>
+              <a:rPr lang="zh-TW" altLang="en-US" sz="1200" kern="100" dirty="0" smtClean="0">
                 <a:effectLst/>
               </a:rPr>
               <a:t>產生</a:t>
@@ -7892,10 +8661,28 @@
               <a:t>Exception</a:t>
             </a:r>
             <a:r>
+              <a:rPr lang="zh-TW" altLang="en-US" sz="1200" kern="100" dirty="0" smtClean="0">
+                <a:effectLst/>
+              </a:rPr>
+              <a:t>的</a:t>
+            </a:r>
+            <a:r>
+              <a:rPr lang="en-US" altLang="zh-TW" sz="1200" kern="100" dirty="0" smtClean="0">
+                <a:effectLst/>
+              </a:rPr>
+              <a:t>class</a:t>
+            </a:r>
+            <a:r>
               <a:rPr lang="zh-TW" altLang="zh-TW" sz="1200" kern="100" dirty="0" smtClean="0">
                 <a:effectLst/>
               </a:rPr>
-              <a:t>類別後不做任何事。</a:t>
+              <a:t>後</a:t>
+            </a:r>
+            <a:r>
+              <a:rPr lang="zh-TW" altLang="zh-TW" sz="1200" kern="100" dirty="0" smtClean="0">
+                <a:effectLst/>
+              </a:rPr>
+              <a:t>不做任何事。</a:t>
             </a:r>
             <a:r>
               <a:rPr lang="zh-TW" altLang="en-US" dirty="0" smtClean="0"/>
@@ -7918,12 +8705,6 @@
                 <a:effectLst/>
               </a:rPr>
               <a:t>Throwable</a:t>
-            </a:r>
-            <a:r>
-              <a:rPr lang="zh-TW" altLang="zh-TW" sz="1200" kern="100" dirty="0" smtClean="0">
-                <a:effectLst/>
-              </a:rPr>
-              <a:t>類別</a:t>
             </a:r>
             <a:r>
               <a:rPr lang="zh-TW" altLang="en-US" sz="1200" kern="100" dirty="0" smtClean="0">
@@ -7996,7 +8777,47 @@
                 <a:ea typeface="標楷體" panose="03000509000000000000" pitchFamily="65" charset="-120"/>
                 <a:cs typeface="Times New Roman" panose="02020603050405020304" pitchFamily="18" charset="0"/>
               </a:rPr>
-              <a:t>壞味道中，我們增加了這個功能</a:t>
+              <a:t>壞</a:t>
+            </a:r>
+            <a:r>
+              <a:rPr lang="zh-TW" altLang="en-US" sz="1200" kern="100" dirty="0" smtClean="0">
+                <a:effectLst/>
+                <a:latin typeface="Times New Roman" panose="02020603050405020304" pitchFamily="18" charset="0"/>
+                <a:ea typeface="標楷體" panose="03000509000000000000" pitchFamily="65" charset="-120"/>
+                <a:cs typeface="Times New Roman" panose="02020603050405020304" pitchFamily="18" charset="0"/>
+              </a:rPr>
+              <a:t>味道裡，</a:t>
+            </a:r>
+            <a:r>
+              <a:rPr lang="zh-TW" altLang="en-US" sz="1200" kern="100" dirty="0" smtClean="0">
+                <a:effectLst/>
+                <a:latin typeface="Times New Roman" panose="02020603050405020304" pitchFamily="18" charset="0"/>
+                <a:ea typeface="標楷體" panose="03000509000000000000" pitchFamily="65" charset="-120"/>
+                <a:cs typeface="Times New Roman" panose="02020603050405020304" pitchFamily="18" charset="0"/>
+              </a:rPr>
+              <a:t>我們增加</a:t>
+            </a:r>
+            <a:r>
+              <a:rPr lang="zh-TW" altLang="en-US" sz="1200" kern="100" dirty="0" smtClean="0">
+                <a:effectLst/>
+                <a:latin typeface="Times New Roman" panose="02020603050405020304" pitchFamily="18" charset="0"/>
+                <a:ea typeface="標楷體" panose="03000509000000000000" pitchFamily="65" charset="-120"/>
+                <a:cs typeface="Times New Roman" panose="02020603050405020304" pitchFamily="18" charset="0"/>
+              </a:rPr>
+              <a:t>了他的</a:t>
+            </a:r>
+            <a:r>
+              <a:rPr lang="zh-TW" altLang="zh-TW" b="1" dirty="0" smtClean="0"/>
+              <a:t>快速修復</a:t>
+            </a:r>
+            <a:r>
+              <a:rPr lang="zh-TW" altLang="en-US" sz="1200" kern="100" dirty="0" smtClean="0">
+                <a:effectLst/>
+                <a:latin typeface="Times New Roman" panose="02020603050405020304" pitchFamily="18" charset="0"/>
+                <a:ea typeface="標楷體" panose="03000509000000000000" pitchFamily="65" charset="-120"/>
+                <a:cs typeface="Times New Roman" panose="02020603050405020304" pitchFamily="18" charset="0"/>
+              </a:rPr>
+              <a:t>功能</a:t>
             </a:r>
             <a:endParaRPr lang="zh-TW" altLang="zh-TW" sz="1200" kern="100" dirty="0" smtClean="0">
               <a:effectLst/>
@@ -8100,8 +8921,21 @@
           <a:lstStyle/>
           <a:p>
             <a:r>
+              <a:rPr lang="zh-TW" altLang="en-US" sz="1200" kern="100" dirty="0" smtClean="0">
+                <a:effectLst/>
+                <a:latin typeface="Times New Roman" panose="02020603050405020304" pitchFamily="18" charset="0"/>
+                <a:ea typeface="標楷體" panose="03000509000000000000" pitchFamily="65" charset="-120"/>
+                <a:cs typeface="Times New Roman" panose="02020603050405020304" pitchFamily="18" charset="0"/>
+              </a:rPr>
+              <a:t>在</a:t>
+            </a:r>
+            <a:r>
               <a:rPr lang="zh-TW" altLang="en-US" dirty="0" smtClean="0"/>
-              <a:t>而重構部分</a:t>
+              <a:t>重</a:t>
+            </a:r>
+            <a:r>
+              <a:rPr lang="zh-TW" altLang="en-US" dirty="0" smtClean="0"/>
+              <a:t>構部分</a:t>
             </a:r>
             <a:endParaRPr lang="en-US" altLang="zh-TW" dirty="0" smtClean="0"/>
           </a:p>
@@ -8124,19 +8958,16 @@
               <a:defRPr/>
             </a:pPr>
             <a:r>
-              <a:rPr lang="zh-TW" altLang="en-US" sz="1200" kern="100" dirty="0" smtClean="0">
-                <a:effectLst/>
-                <a:latin typeface="Times New Roman" panose="02020603050405020304" pitchFamily="18" charset="0"/>
-                <a:ea typeface="標楷體" panose="03000509000000000000" pitchFamily="65" charset="-120"/>
-                <a:cs typeface="Times New Roman" panose="02020603050405020304" pitchFamily="18" charset="0"/>
-              </a:rPr>
-              <a:t>在</a:t>
-            </a:r>
-            <a:r>
               <a:rPr lang="en-US" altLang="zh-TW" sz="1200" kern="100" dirty="0" smtClean="0">
                 <a:effectLst/>
               </a:rPr>
-              <a:t>Exception Thrown From Finally Block</a:t>
+              <a:t>Exception </a:t>
+            </a:r>
+            <a:r>
+              <a:rPr lang="en-US" altLang="zh-TW" sz="1200" kern="100" dirty="0" smtClean="0">
+                <a:effectLst/>
+              </a:rPr>
+              <a:t>Thrown From Finally Block</a:t>
             </a:r>
             <a:r>
               <a:rPr lang="zh-TW" altLang="en-US" sz="1200" kern="100" dirty="0" smtClean="0">
@@ -8177,6 +9008,10 @@
             </a:endParaRPr>
           </a:p>
           <a:p>
+            <a:r>
+              <a:rPr lang="zh-TW" altLang="en-US" dirty="0" smtClean="0"/>
+              <a:t> </a:t>
+            </a:r>
             <a:endParaRPr lang="zh-TW" altLang="en-US" dirty="0"/>
           </a:p>
         </p:txBody>
@@ -8334,7 +9169,18 @@
                 <a:ea typeface="+mn-ea"/>
                 <a:cs typeface="+mn-cs"/>
               </a:rPr>
-              <a:t>第二步，</a:t>
+              <a:t>第二步</a:t>
+            </a:r>
+            <a:r>
+              <a:rPr lang="zh-TW" altLang="en-US" sz="1200" kern="1200" dirty="0" smtClean="0">
+                <a:solidFill>
+                  <a:schemeClr val="tx1"/>
+                </a:solidFill>
+                <a:latin typeface="+mn-lt"/>
+                <a:ea typeface="+mn-ea"/>
+                <a:cs typeface="+mn-cs"/>
+              </a:rPr>
+              <a:t>，</a:t>
             </a:r>
             <a:r>
               <a:rPr lang="zh-TW" altLang="zh-TW" sz="1200" kern="1200" dirty="0" smtClean="0">
@@ -8346,7 +9192,43 @@
                 <a:ea typeface="+mn-ea"/>
                 <a:cs typeface="+mn-cs"/>
               </a:rPr>
-              <a:t>產生曝露程式碼壞味道的測試案例</a:t>
+              <a:t>根據</a:t>
+            </a:r>
+            <a:r>
+              <a:rPr lang="zh-TW" altLang="zh-TW" sz="1200" u="sng" kern="1200" dirty="0" smtClean="0">
+                <a:solidFill>
+                  <a:schemeClr val="tx1"/>
+                </a:solidFill>
+                <a:effectLst/>
+                <a:latin typeface="+mn-lt"/>
+                <a:ea typeface="+mn-ea"/>
+                <a:cs typeface="+mn-cs"/>
+              </a:rPr>
+              <a:t>劉彥麟</a:t>
+            </a:r>
+            <a:r>
+              <a:rPr lang="zh-TW" altLang="zh-TW" sz="1200" kern="1200" dirty="0" smtClean="0">
+                <a:solidFill>
+                  <a:schemeClr val="tx1"/>
+                </a:solidFill>
+                <a:effectLst/>
+                <a:latin typeface="+mn-lt"/>
+                <a:ea typeface="+mn-ea"/>
+                <a:cs typeface="+mn-cs"/>
+              </a:rPr>
+              <a:t>論文提供的利用測試案例來曝露壞味道所帶來的影響</a:t>
+            </a:r>
+            <a:r>
+              <a:rPr lang="zh-TW" altLang="zh-TW" sz="1200" kern="1200" dirty="0" smtClean="0">
+                <a:solidFill>
+                  <a:schemeClr val="tx1"/>
+                </a:solidFill>
+                <a:effectLst/>
+                <a:latin typeface="+mn-lt"/>
+                <a:ea typeface="+mn-ea"/>
+                <a:cs typeface="+mn-cs"/>
+              </a:rPr>
+              <a:t>，產生曝露壞味道的測試案例</a:t>
             </a:r>
             <a:r>
               <a:rPr lang="zh-TW" altLang="en-US" sz="1200" kern="1200" dirty="0" smtClean="0">
@@ -8369,31 +9251,7 @@
                 <a:ea typeface="+mn-ea"/>
                 <a:cs typeface="+mn-cs"/>
               </a:rPr>
-              <a:t>根據</a:t>
-            </a:r>
-            <a:r>
-              <a:rPr lang="zh-TW" altLang="zh-TW" sz="1200" u="sng" kern="1200" dirty="0" smtClean="0">
-                <a:solidFill>
-                  <a:schemeClr val="tx1"/>
-                </a:solidFill>
-                <a:effectLst/>
-                <a:latin typeface="+mn-lt"/>
-                <a:ea typeface="+mn-ea"/>
-                <a:cs typeface="+mn-cs"/>
-              </a:rPr>
-              <a:t>劉彥麟</a:t>
-            </a:r>
-            <a:r>
-              <a:rPr lang="zh-TW" altLang="zh-TW" sz="1200" kern="1200" dirty="0" smtClean="0">
-                <a:solidFill>
-                  <a:schemeClr val="tx1"/>
-                </a:solidFill>
-                <a:effectLst/>
-                <a:latin typeface="+mn-lt"/>
-                <a:ea typeface="+mn-ea"/>
-                <a:cs typeface="+mn-cs"/>
-              </a:rPr>
-              <a:t>論文提供的利用測試案例來曝露壞味道所帶來的影響，；</a:t>
+              <a:t>；</a:t>
             </a:r>
             <a:endParaRPr lang="en-US" altLang="zh-TW" sz="1200" kern="1200" dirty="0" smtClean="0">
               <a:solidFill>
@@ -8510,7 +9368,76 @@
                 <a:ea typeface="+mn-ea"/>
                 <a:cs typeface="+mn-cs"/>
               </a:rPr>
-              <a:t>再執行一次剛剛失敗的測試案例，測試通過代表例外已經被正確的處理，強健度因此提升。</a:t>
+              <a:t>再執行一次剛剛失敗的測試案例，測試通過代表例外已經被正確的</a:t>
+            </a:r>
+            <a:r>
+              <a:rPr lang="zh-TW" altLang="zh-TW" sz="1200" kern="1200" dirty="0" smtClean="0">
+                <a:solidFill>
+                  <a:schemeClr val="tx1"/>
+                </a:solidFill>
+                <a:effectLst/>
+                <a:latin typeface="+mn-lt"/>
+                <a:ea typeface="+mn-ea"/>
+                <a:cs typeface="+mn-cs"/>
+              </a:rPr>
+              <a:t>處理</a:t>
+            </a:r>
+            <a:endParaRPr lang="en-US" altLang="zh-TW" sz="1200" kern="1200" dirty="0" smtClean="0">
+              <a:solidFill>
+                <a:schemeClr val="tx1"/>
+              </a:solidFill>
+              <a:effectLst/>
+              <a:latin typeface="+mn-lt"/>
+              <a:ea typeface="+mn-ea"/>
+              <a:cs typeface="+mn-cs"/>
+            </a:endParaRPr>
+          </a:p>
+          <a:p>
+            <a:endParaRPr lang="en-US" altLang="zh-TW" sz="1200" kern="1200" dirty="0" smtClean="0">
+              <a:solidFill>
+                <a:schemeClr val="tx1"/>
+              </a:solidFill>
+              <a:effectLst/>
+              <a:latin typeface="+mn-lt"/>
+              <a:ea typeface="+mn-ea"/>
+              <a:cs typeface="+mn-cs"/>
+            </a:endParaRPr>
+          </a:p>
+          <a:p>
+            <a:endParaRPr lang="en-US" altLang="zh-TW" sz="1200" kern="1200" dirty="0" smtClean="0">
+              <a:solidFill>
+                <a:schemeClr val="tx1"/>
+              </a:solidFill>
+              <a:effectLst/>
+              <a:latin typeface="+mn-lt"/>
+              <a:ea typeface="+mn-ea"/>
+              <a:cs typeface="+mn-cs"/>
+            </a:endParaRPr>
+          </a:p>
+          <a:p>
+            <a:r>
+              <a:rPr lang="en-US" altLang="zh-TW" sz="1200" kern="1200" dirty="0" smtClean="0">
+                <a:solidFill>
+                  <a:schemeClr val="tx1"/>
+                </a:solidFill>
+                <a:effectLst/>
+                <a:latin typeface="+mn-lt"/>
+                <a:ea typeface="+mn-ea"/>
+                <a:cs typeface="+mn-cs"/>
+              </a:rPr>
+              <a:t>//</a:t>
+            </a:r>
+            <a:r>
+              <a:rPr lang="zh-TW" altLang="zh-TW" sz="1200" kern="1200" dirty="0" smtClean="0">
+                <a:solidFill>
+                  <a:schemeClr val="tx1"/>
+                </a:solidFill>
+                <a:effectLst/>
+                <a:latin typeface="+mn-lt"/>
+                <a:ea typeface="+mn-ea"/>
+                <a:cs typeface="+mn-cs"/>
+              </a:rPr>
+              <a:t>，強健度因此提升。</a:t>
             </a:r>
             <a:endParaRPr lang="en-US" altLang="zh-TW" sz="1200" kern="1200" dirty="0" smtClean="0">
               <a:solidFill>
@@ -8951,7 +9878,19 @@
                 <a:ea typeface="+mn-ea"/>
                 <a:cs typeface="+mn-cs"/>
               </a:rPr>
-              <a:t>Exception Thrown From Finally Block</a:t>
+              <a:t>Exception Thrown From Finally </a:t>
+            </a:r>
+            <a:r>
+              <a:rPr lang="en-US" altLang="zh-TW" sz="1200" kern="1200" dirty="0" smtClean="0">
+                <a:solidFill>
+                  <a:schemeClr val="tx1"/>
+                </a:solidFill>
+                <a:effectLst/>
+                <a:latin typeface="+mn-lt"/>
+                <a:ea typeface="+mn-ea"/>
+                <a:cs typeface="+mn-cs"/>
+              </a:rPr>
+              <a:t>Block</a:t>
             </a:r>
             <a:r>
               <a:rPr lang="zh-TW" altLang="en-US" sz="1200" kern="1200" dirty="0" smtClean="0">
@@ -8963,7 +9902,7 @@
                 <a:ea typeface="+mn-ea"/>
                 <a:cs typeface="+mn-cs"/>
               </a:rPr>
-              <a:t>壞味道，</a:t>
+              <a:t>，</a:t>
             </a:r>
             <a:endParaRPr lang="en-US" altLang="zh-TW" sz="1200" kern="1200" dirty="0" smtClean="0">
               <a:solidFill>
@@ -9263,7 +10202,43 @@
                 <a:ea typeface="+mn-ea"/>
                 <a:cs typeface="+mn-cs"/>
               </a:rPr>
-              <a:t>行的例外</a:t>
+              <a:t>行</a:t>
+            </a:r>
+            <a:r>
+              <a:rPr lang="zh-TW" altLang="en-US" sz="1200" kern="1200" dirty="0" smtClean="0">
+                <a:solidFill>
+                  <a:schemeClr val="tx1"/>
+                </a:solidFill>
+                <a:effectLst/>
+                <a:latin typeface="+mn-lt"/>
+                <a:ea typeface="+mn-ea"/>
+                <a:cs typeface="+mn-cs"/>
+              </a:rPr>
+              <a:t>釋放資源失敗</a:t>
+            </a:r>
+            <a:r>
+              <a:rPr lang="zh-TW" altLang="zh-TW" sz="1200" kern="1200" dirty="0" smtClean="0">
+                <a:solidFill>
+                  <a:schemeClr val="tx1"/>
+                </a:solidFill>
+                <a:effectLst/>
+                <a:latin typeface="+mn-lt"/>
+                <a:ea typeface="+mn-ea"/>
+                <a:cs typeface="+mn-cs"/>
+              </a:rPr>
+              <a:t>的</a:t>
+            </a:r>
+            <a:r>
+              <a:rPr lang="zh-TW" altLang="zh-TW" sz="1200" kern="1200" dirty="0" smtClean="0">
+                <a:solidFill>
+                  <a:schemeClr val="tx1"/>
+                </a:solidFill>
+                <a:effectLst/>
+                <a:latin typeface="+mn-lt"/>
+                <a:ea typeface="+mn-ea"/>
+                <a:cs typeface="+mn-cs"/>
+              </a:rPr>
+              <a:t>例外</a:t>
             </a:r>
             <a:endParaRPr lang="en-US" altLang="zh-TW" sz="1200" kern="1200" dirty="0" smtClean="0">
               <a:solidFill>
@@ -9437,6 +10412,66 @@
               <a:defRPr/>
             </a:pPr>
             <a:r>
+              <a:rPr lang="zh-TW" altLang="zh-TW" sz="1200" kern="1200" dirty="0" smtClean="0">
+                <a:solidFill>
+                  <a:schemeClr val="tx1"/>
+                </a:solidFill>
+                <a:effectLst/>
+                <a:latin typeface="+mn-lt"/>
+                <a:ea typeface="+mn-ea"/>
+                <a:cs typeface="+mn-cs"/>
+              </a:rPr>
+              <a:t>藉</a:t>
+            </a:r>
+            <a:r>
+              <a:rPr lang="zh-TW" altLang="zh-TW" sz="1200" kern="1200" dirty="0" smtClean="0">
+                <a:solidFill>
+                  <a:schemeClr val="tx1"/>
+                </a:solidFill>
+                <a:effectLst/>
+                <a:latin typeface="+mn-lt"/>
+                <a:ea typeface="+mn-ea"/>
+                <a:cs typeface="+mn-cs"/>
+              </a:rPr>
+              <a:t>由</a:t>
+            </a:r>
+            <a:r>
+              <a:rPr lang="zh-TW" altLang="zh-TW" sz="1200" u="sng" kern="1200" dirty="0" smtClean="0">
+                <a:solidFill>
+                  <a:schemeClr val="tx1"/>
+                </a:solidFill>
+                <a:effectLst/>
+                <a:latin typeface="+mn-lt"/>
+                <a:ea typeface="+mn-ea"/>
+                <a:cs typeface="+mn-cs"/>
+              </a:rPr>
+              <a:t>劉彥麟</a:t>
+            </a:r>
+            <a:r>
+              <a:rPr lang="zh-TW" altLang="zh-TW" sz="1200" kern="1200" dirty="0" smtClean="0">
+                <a:solidFill>
+                  <a:schemeClr val="tx1"/>
+                </a:solidFill>
+                <a:effectLst/>
+                <a:latin typeface="+mn-lt"/>
+                <a:ea typeface="+mn-ea"/>
+                <a:cs typeface="+mn-cs"/>
+              </a:rPr>
+              <a:t>同學的</a:t>
+            </a:r>
+            <a:r>
+              <a:rPr lang="zh-TW" altLang="zh-TW" sz="1200" kern="1200" dirty="0" smtClean="0">
+                <a:solidFill>
+                  <a:schemeClr val="tx1"/>
+                </a:solidFill>
+                <a:effectLst/>
+                <a:latin typeface="+mn-lt"/>
+                <a:ea typeface="+mn-ea"/>
+                <a:cs typeface="+mn-cs"/>
+              </a:rPr>
+              <a:t>論文</a:t>
+            </a:r>
+            <a:r>
               <a:rPr lang="zh-TW" altLang="en-US" sz="1200" kern="1200" dirty="0" smtClean="0">
                 <a:solidFill>
                   <a:schemeClr val="tx1"/>
@@ -9446,7 +10481,7 @@
                 <a:ea typeface="+mn-ea"/>
                 <a:cs typeface="+mn-cs"/>
               </a:rPr>
-              <a:t>因此</a:t>
+              <a:t>，</a:t>
             </a:r>
             <a:r>
               <a:rPr lang="zh-TW" altLang="zh-TW" sz="1200" kern="1200" dirty="0" smtClean="0">
@@ -9458,19 +10493,7 @@
                 <a:ea typeface="+mn-ea"/>
                 <a:cs typeface="+mn-cs"/>
               </a:rPr>
-              <a:t>藉由</a:t>
-            </a:r>
-            <a:r>
-              <a:rPr lang="zh-TW" altLang="zh-TW" sz="1200" u="sng" kern="1200" dirty="0" smtClean="0">
-                <a:solidFill>
-                  <a:schemeClr val="tx1"/>
-                </a:solidFill>
-                <a:effectLst/>
-                <a:latin typeface="+mn-lt"/>
-                <a:ea typeface="+mn-ea"/>
-                <a:cs typeface="+mn-cs"/>
-              </a:rPr>
-              <a:t>劉彥麟</a:t>
+              <a:t>產生</a:t>
             </a:r>
             <a:r>
               <a:rPr lang="zh-TW" altLang="zh-TW" sz="1200" kern="1200" dirty="0" smtClean="0">
@@ -9482,7 +10505,7 @@
                 <a:ea typeface="+mn-ea"/>
                 <a:cs typeface="+mn-cs"/>
               </a:rPr>
-              <a:t>同學的論文產生曝露壞味道影響的測試案例後，將</a:t>
+              <a:t>曝露壞味道影響的測試案例後，將</a:t>
             </a:r>
             <a:r>
               <a:rPr lang="en-US" altLang="zh-TW" sz="1200" kern="1200" dirty="0" err="1" smtClean="0">
@@ -9775,7 +10798,19 @@
                 <a:ea typeface="+mn-ea"/>
                 <a:cs typeface="+mn-cs"/>
               </a:rPr>
-              <a:t>功能來消除壞味道。</a:t>
+              <a:t>功能來消除壞味道</a:t>
+            </a:r>
+            <a:r>
+              <a:rPr lang="zh-TW" altLang="zh-TW" sz="1200" kern="1200" dirty="0" smtClean="0">
+                <a:solidFill>
+                  <a:schemeClr val="tx1"/>
+                </a:solidFill>
+                <a:effectLst/>
+                <a:latin typeface="+mn-lt"/>
+                <a:ea typeface="+mn-ea"/>
+                <a:cs typeface="+mn-cs"/>
+              </a:rPr>
+              <a:t>。</a:t>
             </a:r>
             <a:endParaRPr lang="en-US" altLang="zh-TW" sz="1200" kern="1200" dirty="0" smtClean="0">
               <a:solidFill>
@@ -9789,16 +10824,16 @@
           </a:p>
           <a:p>
             <a:r>
-              <a:rPr lang="zh-TW" altLang="zh-TW" sz="1200" kern="1200" dirty="0" smtClean="0">
-                <a:solidFill>
-                  <a:schemeClr val="tx1"/>
-                </a:solidFill>
-                <a:effectLst/>
-                <a:latin typeface="+mn-lt"/>
-                <a:ea typeface="+mn-ea"/>
-                <a:cs typeface="+mn-cs"/>
-              </a:rPr>
-              <a:t>產生</a:t>
+              <a:rPr lang="zh-TW" altLang="en-US" sz="1200" kern="1200" dirty="0" smtClean="0">
+                <a:solidFill>
+                  <a:schemeClr val="tx1"/>
+                </a:solidFill>
+                <a:effectLst/>
+                <a:latin typeface="+mn-lt"/>
+                <a:ea typeface="+mn-ea"/>
+                <a:cs typeface="+mn-cs"/>
+              </a:rPr>
+              <a:t>將釋放資源的函式抽成一個</a:t>
             </a:r>
             <a:r>
               <a:rPr lang="en-US" altLang="zh-TW" sz="1200" kern="1200" dirty="0" smtClean="0">
@@ -9810,19 +10845,19 @@
                 <a:ea typeface="+mn-ea"/>
                 <a:cs typeface="+mn-cs"/>
               </a:rPr>
-              <a:t>try/finally</a:t>
-            </a:r>
-            <a:r>
-              <a:rPr lang="zh-TW" altLang="zh-TW" sz="1200" kern="1200" dirty="0" smtClean="0">
-                <a:solidFill>
-                  <a:schemeClr val="tx1"/>
-                </a:solidFill>
-                <a:effectLst/>
-                <a:latin typeface="+mn-lt"/>
-                <a:ea typeface="+mn-ea"/>
-                <a:cs typeface="+mn-cs"/>
-              </a:rPr>
-              <a:t>來保護程式碼，並且在</a:t>
+              <a:t>Method</a:t>
+            </a:r>
+            <a:r>
+              <a:rPr lang="zh-TW" altLang="en-US" sz="1200" kern="1200" dirty="0" smtClean="0">
+                <a:solidFill>
+                  <a:schemeClr val="tx1"/>
+                </a:solidFill>
+                <a:effectLst/>
+                <a:latin typeface="+mn-lt"/>
+                <a:ea typeface="+mn-ea"/>
+                <a:cs typeface="+mn-cs"/>
+              </a:rPr>
+              <a:t>，並用</a:t>
             </a:r>
             <a:r>
               <a:rPr lang="en-US" altLang="zh-TW" sz="1200" kern="1200" dirty="0" smtClean="0">
@@ -9834,19 +10869,19 @@
                 <a:ea typeface="+mn-ea"/>
                 <a:cs typeface="+mn-cs"/>
               </a:rPr>
-              <a:t>finally</a:t>
-            </a:r>
-            <a:r>
-              <a:rPr lang="zh-TW" altLang="zh-TW" sz="1200" kern="1200" dirty="0" smtClean="0">
-                <a:solidFill>
-                  <a:schemeClr val="tx1"/>
-                </a:solidFill>
-                <a:effectLst/>
-                <a:latin typeface="+mn-lt"/>
-                <a:ea typeface="+mn-ea"/>
-                <a:cs typeface="+mn-cs"/>
-              </a:rPr>
-              <a:t>裡用</a:t>
+              <a:t>try/catch</a:t>
+            </a:r>
+            <a:r>
+              <a:rPr lang="zh-TW" altLang="en-US" sz="1200" kern="1200" dirty="0" smtClean="0">
+                <a:solidFill>
+                  <a:schemeClr val="tx1"/>
+                </a:solidFill>
+                <a:effectLst/>
+                <a:latin typeface="+mn-lt"/>
+                <a:ea typeface="+mn-ea"/>
+                <a:cs typeface="+mn-cs"/>
+              </a:rPr>
+              <a:t>將它保護住，最後在</a:t>
             </a:r>
             <a:r>
               <a:rPr lang="en-US" altLang="zh-TW" sz="1200" kern="1200" dirty="0" smtClean="0">
@@ -9858,43 +10893,19 @@
                 <a:ea typeface="+mn-ea"/>
                 <a:cs typeface="+mn-cs"/>
               </a:rPr>
-              <a:t>try/catch</a:t>
-            </a:r>
-            <a:r>
-              <a:rPr lang="zh-TW" altLang="zh-TW" sz="1200" kern="1200" dirty="0" smtClean="0">
-                <a:solidFill>
-                  <a:schemeClr val="tx1"/>
-                </a:solidFill>
-                <a:effectLst/>
-                <a:latin typeface="+mn-lt"/>
-                <a:ea typeface="+mn-ea"/>
-                <a:cs typeface="+mn-cs"/>
-              </a:rPr>
-              <a:t>將釋放資源的例外保護住，避免產生</a:t>
-            </a:r>
-            <a:r>
-              <a:rPr lang="en-US" altLang="zh-TW" sz="1200" kern="1200" dirty="0" smtClean="0">
-                <a:solidFill>
-                  <a:schemeClr val="tx1"/>
-                </a:solidFill>
-                <a:effectLst/>
-                <a:latin typeface="+mn-lt"/>
-                <a:ea typeface="+mn-ea"/>
-                <a:cs typeface="+mn-cs"/>
-              </a:rPr>
-              <a:t>Exception Thrown From Finally Block</a:t>
-            </a:r>
-            <a:r>
-              <a:rPr lang="zh-TW" altLang="zh-TW" sz="1200" kern="1200" dirty="0" smtClean="0">
-                <a:solidFill>
-                  <a:schemeClr val="tx1"/>
-                </a:solidFill>
-                <a:effectLst/>
-                <a:latin typeface="+mn-lt"/>
-                <a:ea typeface="+mn-ea"/>
-                <a:cs typeface="+mn-cs"/>
-              </a:rPr>
-              <a:t>壞味道。</a:t>
+              <a:t>catch</a:t>
+            </a:r>
+            <a:r>
+              <a:rPr lang="zh-TW" altLang="en-US" sz="1200" kern="1200" dirty="0" smtClean="0">
+                <a:solidFill>
+                  <a:schemeClr val="tx1"/>
+                </a:solidFill>
+                <a:effectLst/>
+                <a:latin typeface="+mn-lt"/>
+                <a:ea typeface="+mn-ea"/>
+                <a:cs typeface="+mn-cs"/>
+              </a:rPr>
+              <a:t>裡產生註解和印出例外訊息</a:t>
             </a:r>
             <a:endParaRPr lang="en-US" altLang="zh-TW" sz="1200" kern="1200" dirty="0" smtClean="0">
               <a:solidFill>
@@ -9940,9 +10951,6 @@
               <a:ea typeface="+mn-ea"/>
               <a:cs typeface="+mn-cs"/>
             </a:endParaRPr>
-          </a:p>
-          <a:p>
-            <a:endParaRPr lang="en-US" altLang="zh-TW" dirty="0" smtClean="0"/>
           </a:p>
         </p:txBody>
       </p:sp>
@@ -10306,7 +11314,19 @@
                 <a:ea typeface="+mn-ea"/>
                 <a:cs typeface="+mn-cs"/>
               </a:rPr>
-              <a:t>Unprotected Main Program</a:t>
+              <a:t>Unprotected Main </a:t>
+            </a:r>
+            <a:r>
+              <a:rPr lang="en-US" altLang="zh-TW" sz="1200" kern="1200" dirty="0" smtClean="0">
+                <a:solidFill>
+                  <a:schemeClr val="tx1"/>
+                </a:solidFill>
+                <a:effectLst/>
+                <a:latin typeface="+mn-lt"/>
+                <a:ea typeface="+mn-ea"/>
+                <a:cs typeface="+mn-cs"/>
+              </a:rPr>
+              <a:t>Program</a:t>
             </a:r>
             <a:r>
               <a:rPr lang="zh-TW" altLang="zh-TW" sz="1200" kern="1200" dirty="0" smtClean="0">
@@ -10318,7 +11338,7 @@
                 <a:ea typeface="+mn-ea"/>
                 <a:cs typeface="+mn-cs"/>
               </a:rPr>
-              <a:t>壞味道。</a:t>
+              <a:t>。</a:t>
             </a:r>
             <a:r>
               <a:rPr lang="zh-TW" altLang="en-US" sz="1200" kern="1200" dirty="0" smtClean="0">
@@ -10934,12 +11954,20 @@
               <a:defRPr/>
             </a:pPr>
             <a:r>
-              <a:rPr lang="en-US" altLang="zh-TW" sz="1200" dirty="0" smtClean="0"/>
-              <a:t>Robusta</a:t>
-            </a:r>
-            <a:r>
               <a:rPr lang="zh-TW" altLang="en-US" sz="1200" dirty="0" smtClean="0"/>
-              <a:t>是一個靜態分析程式碼的工具，能夠偵測和產生壞味道的報表，並藉由重構來消除壞味道。</a:t>
+              <a:t>是</a:t>
+            </a:r>
+            <a:r>
+              <a:rPr lang="zh-TW" altLang="en-US" sz="1200" dirty="0" smtClean="0"/>
+              <a:t>一個靜態分析</a:t>
+            </a:r>
+            <a:r>
+              <a:rPr lang="zh-TW" altLang="en-US" sz="1200" dirty="0" smtClean="0"/>
+              <a:t>程式碼工具</a:t>
+            </a:r>
+            <a:r>
+              <a:rPr lang="zh-TW" altLang="en-US" sz="1200" dirty="0" smtClean="0"/>
+              <a:t>，能夠偵測和產生壞味道的報表，並藉由重構來消除壞味道。</a:t>
             </a:r>
             <a:endParaRPr lang="en-US" altLang="zh-TW" sz="1200" dirty="0" smtClean="0"/>
           </a:p>
@@ -10967,6 +11995,10 @@
             <a:pPr>
               <a:defRPr/>
             </a:pPr>
+            <a:r>
+              <a:rPr lang="zh-TW" altLang="en-US" dirty="0" smtClean="0"/>
+              <a:t>由於</a:t>
+            </a:r>
             <a:r>
               <a:rPr lang="en-US" altLang="zh-TW" dirty="0" smtClean="0"/>
               <a:t>Robusta</a:t>
@@ -11256,7 +12288,19 @@
                 <a:ea typeface="+mn-ea"/>
                 <a:cs typeface="+mn-cs"/>
               </a:rPr>
-              <a:t>類別，最後將例外訊息寫入日誌檔中</a:t>
+              <a:t>，</a:t>
+            </a:r>
+            <a:r>
+              <a:rPr lang="zh-TW" altLang="zh-TW" sz="1200" kern="1200" dirty="0" smtClean="0">
+                <a:solidFill>
+                  <a:schemeClr val="tx1"/>
+                </a:solidFill>
+                <a:effectLst/>
+                <a:latin typeface="+mn-lt"/>
+                <a:ea typeface="+mn-ea"/>
+                <a:cs typeface="+mn-cs"/>
+              </a:rPr>
+              <a:t>最後將例外訊息寫入日誌檔中</a:t>
             </a:r>
             <a:endParaRPr lang="en-US" altLang="zh-TW" sz="1200" kern="1200" dirty="0" smtClean="0">
               <a:solidFill>
@@ -11659,6 +12703,10 @@
               <a:defRPr/>
             </a:pPr>
             <a:r>
+              <a:rPr lang="zh-TW" altLang="en-US" dirty="0" smtClean="0"/>
+              <a:t>我的論文</a:t>
+            </a:r>
+            <a:r>
               <a:rPr lang="zh-TW" altLang="zh-TW" dirty="0" smtClean="0"/>
               <a:t>將</a:t>
             </a:r>
@@ -11688,11 +12736,19 @@
             </a:r>
             <a:r>
               <a:rPr lang="en-US" altLang="zh-TW" dirty="0" smtClean="0"/>
-              <a:t>Careless Cleanup</a:t>
+              <a:t>Careless </a:t>
+            </a:r>
+            <a:r>
+              <a:rPr lang="en-US" altLang="zh-TW" dirty="0" smtClean="0"/>
+              <a:t>Cleanup</a:t>
             </a:r>
             <a:r>
               <a:rPr lang="zh-TW" altLang="zh-TW" dirty="0" smtClean="0"/>
-              <a:t>壞味道的快速修復功能實作於</a:t>
+              <a:t>的</a:t>
+            </a:r>
+            <a:r>
+              <a:rPr lang="zh-TW" altLang="zh-TW" dirty="0" smtClean="0"/>
+              <a:t>快速修復功能實作於</a:t>
             </a:r>
             <a:r>
               <a:rPr lang="en-US" altLang="zh-TW" dirty="0" smtClean="0"/>
@@ -11724,7 +12780,11 @@
             </a:r>
             <a:r>
               <a:rPr lang="zh-TW" altLang="zh-TW" dirty="0" smtClean="0"/>
-              <a:t>應用於開源專案，成功消除程式碼中例外處理的壞味道</a:t>
+              <a:t>應用</a:t>
+            </a:r>
+            <a:r>
+              <a:rPr lang="zh-TW" altLang="zh-TW" dirty="0" smtClean="0"/>
+              <a:t>於開源專案，成功消除程式碼中例外處理的壞味道</a:t>
             </a:r>
             <a:endParaRPr lang="en-US" altLang="zh-TW" b="1" dirty="0" smtClean="0"/>
           </a:p>
@@ -11848,64 +12908,16 @@
           <a:lstStyle/>
           <a:p>
             <a:r>
-              <a:rPr lang="zh-TW" altLang="zh-TW" sz="1200" kern="1200" dirty="0" smtClean="0">
-                <a:solidFill>
-                  <a:schemeClr val="tx1"/>
-                </a:solidFill>
-                <a:effectLst/>
-                <a:latin typeface="+mn-lt"/>
-                <a:ea typeface="+mn-ea"/>
-                <a:cs typeface="+mn-cs"/>
-              </a:rPr>
-              <a:t>在</a:t>
-            </a:r>
-            <a:r>
-              <a:rPr lang="en-US" altLang="zh-TW" sz="1200" kern="1200" dirty="0" smtClean="0">
-                <a:solidFill>
-                  <a:schemeClr val="tx1"/>
-                </a:solidFill>
-                <a:effectLst/>
-                <a:latin typeface="+mn-lt"/>
-                <a:ea typeface="+mn-ea"/>
-                <a:cs typeface="+mn-cs"/>
-              </a:rPr>
-              <a:t>Careless Cleanup</a:t>
-            </a:r>
-            <a:r>
-              <a:rPr lang="zh-TW" altLang="zh-TW" sz="1200" kern="1200" dirty="0" smtClean="0">
-                <a:solidFill>
-                  <a:schemeClr val="tx1"/>
-                </a:solidFill>
-                <a:effectLst/>
-                <a:latin typeface="+mn-lt"/>
-                <a:ea typeface="+mn-ea"/>
-                <a:cs typeface="+mn-cs"/>
-              </a:rPr>
-              <a:t>的快速修復功能中，目前只提供對一層</a:t>
-            </a:r>
-            <a:r>
-              <a:rPr lang="en-US" altLang="zh-TW" sz="1200" kern="1200" dirty="0" smtClean="0">
-                <a:solidFill>
-                  <a:schemeClr val="tx1"/>
-                </a:solidFill>
-                <a:effectLst/>
-                <a:latin typeface="+mn-lt"/>
-                <a:ea typeface="+mn-ea"/>
-                <a:cs typeface="+mn-cs"/>
-              </a:rPr>
-              <a:t>Try Statement</a:t>
-            </a:r>
-            <a:r>
-              <a:rPr lang="zh-TW" altLang="zh-TW" sz="1200" kern="1200" dirty="0" smtClean="0">
-                <a:solidFill>
-                  <a:schemeClr val="tx1"/>
-                </a:solidFill>
-                <a:effectLst/>
-                <a:latin typeface="+mn-lt"/>
-                <a:ea typeface="+mn-ea"/>
-                <a:cs typeface="+mn-cs"/>
-              </a:rPr>
-              <a:t>來進行快速修復，</a:t>
+              <a:rPr lang="zh-TW" altLang="en-US" sz="1200" kern="1200" dirty="0" smtClean="0">
+                <a:solidFill>
+                  <a:schemeClr val="tx1"/>
+                </a:solidFill>
+                <a:effectLst/>
+                <a:latin typeface="+mn-lt"/>
+                <a:ea typeface="+mn-ea"/>
+                <a:cs typeface="+mn-cs"/>
+              </a:rPr>
+              <a:t>我的未來展望有以下幾點：</a:t>
             </a:r>
             <a:endParaRPr lang="en-US" altLang="zh-TW" sz="1200" kern="1200" dirty="0" smtClean="0">
               <a:solidFill>
@@ -11919,6 +12931,30 @@
           </a:p>
           <a:p>
             <a:r>
+              <a:rPr lang="en-US" altLang="zh-TW" sz="1200" kern="1200" dirty="0" smtClean="0">
+                <a:solidFill>
+                  <a:schemeClr val="tx1"/>
+                </a:solidFill>
+                <a:effectLst/>
+                <a:latin typeface="+mn-lt"/>
+                <a:ea typeface="+mn-ea"/>
+                <a:cs typeface="+mn-cs"/>
+              </a:rPr>
+              <a:t>1.</a:t>
+            </a:r>
+            <a:r>
+              <a:rPr lang="zh-TW" altLang="en-US" sz="1200" kern="1200" dirty="0" smtClean="0">
+                <a:solidFill>
+                  <a:schemeClr val="tx1"/>
+                </a:solidFill>
+                <a:effectLst/>
+                <a:latin typeface="+mn-lt"/>
+                <a:ea typeface="+mn-ea"/>
+                <a:cs typeface="+mn-cs"/>
+              </a:rPr>
+              <a:t> </a:t>
+            </a:r>
+            <a:r>
               <a:rPr lang="zh-TW" altLang="zh-TW" sz="1200" kern="1200" dirty="0" smtClean="0">
                 <a:solidFill>
                   <a:schemeClr val="tx1"/>
@@ -11928,7 +12964,7 @@
                 <a:ea typeface="+mn-ea"/>
                 <a:cs typeface="+mn-cs"/>
               </a:rPr>
-              <a:t>如果釋放資源的程式碼在超過一層的巢狀結構則無法消除</a:t>
+              <a:t>在</a:t>
             </a:r>
             <a:r>
               <a:rPr lang="en-US" altLang="zh-TW" sz="1200" kern="1200" dirty="0" smtClean="0">
@@ -11952,7 +12988,31 @@
                 <a:ea typeface="+mn-ea"/>
                 <a:cs typeface="+mn-cs"/>
               </a:rPr>
-              <a:t>壞味道。</a:t>
+              <a:t>的快速修復功能中，目前只提供對一層</a:t>
+            </a:r>
+            <a:r>
+              <a:rPr lang="en-US" altLang="zh-TW" sz="1200" kern="1200" dirty="0" smtClean="0">
+                <a:solidFill>
+                  <a:schemeClr val="tx1"/>
+                </a:solidFill>
+                <a:effectLst/>
+                <a:latin typeface="+mn-lt"/>
+                <a:ea typeface="+mn-ea"/>
+                <a:cs typeface="+mn-cs"/>
+              </a:rPr>
+              <a:t>Try Statement</a:t>
+            </a:r>
+            <a:r>
+              <a:rPr lang="zh-TW" altLang="zh-TW" sz="1200" kern="1200" dirty="0" smtClean="0">
+                <a:solidFill>
+                  <a:schemeClr val="tx1"/>
+                </a:solidFill>
+                <a:effectLst/>
+                <a:latin typeface="+mn-lt"/>
+                <a:ea typeface="+mn-ea"/>
+                <a:cs typeface="+mn-cs"/>
+              </a:rPr>
+              <a:t>來進行快速修復，</a:t>
             </a:r>
             <a:endParaRPr lang="en-US" altLang="zh-TW" sz="1200" kern="1200" dirty="0" smtClean="0">
               <a:solidFill>
@@ -11975,7 +13035,7 @@
                 <a:ea typeface="+mn-ea"/>
                 <a:cs typeface="+mn-cs"/>
               </a:rPr>
-              <a:t>因此如果能夠讓</a:t>
+              <a:t>如果釋放資源的程式碼在超過一層的巢狀結構則無法消除</a:t>
             </a:r>
             <a:r>
               <a:rPr lang="en-US" altLang="zh-TW" sz="1200" kern="1200" dirty="0" smtClean="0">
@@ -11999,7 +13059,7 @@
                 <a:ea typeface="+mn-ea"/>
                 <a:cs typeface="+mn-cs"/>
               </a:rPr>
-              <a:t>在多層巢狀結構下快速修復的話，消除壞味道的功能將會更完善。</a:t>
+              <a:t>壞味道。</a:t>
             </a:r>
             <a:endParaRPr lang="en-US" altLang="zh-TW" sz="1200" kern="1200" dirty="0" smtClean="0">
               <a:solidFill>
@@ -12013,6 +13073,42 @@
           </a:p>
           <a:p>
             <a:r>
+              <a:rPr lang="zh-TW" altLang="zh-TW" sz="1200" kern="1200" dirty="0" smtClean="0">
+                <a:solidFill>
+                  <a:schemeClr val="tx1"/>
+                </a:solidFill>
+                <a:effectLst/>
+                <a:latin typeface="+mn-lt"/>
+                <a:ea typeface="+mn-ea"/>
+                <a:cs typeface="+mn-cs"/>
+              </a:rPr>
+              <a:t>因此</a:t>
+            </a:r>
+            <a:r>
+              <a:rPr lang="zh-TW" altLang="zh-TW" sz="1200" kern="1200" dirty="0" smtClean="0">
+                <a:solidFill>
+                  <a:schemeClr val="tx1"/>
+                </a:solidFill>
+                <a:effectLst/>
+                <a:latin typeface="+mn-lt"/>
+                <a:ea typeface="+mn-ea"/>
+                <a:cs typeface="+mn-cs"/>
+              </a:rPr>
+              <a:t>如果</a:t>
+            </a:r>
+            <a:r>
+              <a:rPr lang="en-US" altLang="zh-TW" sz="1200" kern="1200" dirty="0" smtClean="0">
+                <a:solidFill>
+                  <a:schemeClr val="tx1"/>
+                </a:solidFill>
+                <a:effectLst/>
+                <a:latin typeface="+mn-lt"/>
+                <a:ea typeface="+mn-ea"/>
+                <a:cs typeface="+mn-cs"/>
+              </a:rPr>
+              <a:t>Careless Cleanup</a:t>
+            </a:r>
+            <a:r>
               <a:rPr lang="zh-TW" altLang="en-US" sz="1200" kern="1200" dirty="0" smtClean="0">
                 <a:solidFill>
                   <a:schemeClr val="tx1"/>
@@ -12022,6 +13118,53 @@
                 <a:ea typeface="+mn-ea"/>
                 <a:cs typeface="+mn-cs"/>
               </a:rPr>
+              <a:t>能夠</a:t>
+            </a:r>
+            <a:r>
+              <a:rPr lang="zh-TW" altLang="zh-TW" sz="1200" kern="1200" dirty="0" smtClean="0">
+                <a:solidFill>
+                  <a:schemeClr val="tx1"/>
+                </a:solidFill>
+                <a:effectLst/>
+                <a:latin typeface="+mn-lt"/>
+                <a:ea typeface="+mn-ea"/>
+                <a:cs typeface="+mn-cs"/>
+              </a:rPr>
+              <a:t>在</a:t>
+            </a:r>
+            <a:r>
+              <a:rPr lang="zh-TW" altLang="zh-TW" sz="1200" kern="1200" dirty="0" smtClean="0">
+                <a:solidFill>
+                  <a:schemeClr val="tx1"/>
+                </a:solidFill>
+                <a:effectLst/>
+                <a:latin typeface="+mn-lt"/>
+                <a:ea typeface="+mn-ea"/>
+                <a:cs typeface="+mn-cs"/>
+              </a:rPr>
+              <a:t>多層巢狀結構下快速修復的話，消除壞味道的功能將會更完善。</a:t>
+            </a:r>
+            <a:endParaRPr lang="en-US" altLang="zh-TW" sz="1200" kern="1200" dirty="0" smtClean="0">
+              <a:solidFill>
+                <a:schemeClr val="tx1"/>
+              </a:solidFill>
+              <a:effectLst/>
+              <a:latin typeface="+mn-lt"/>
+              <a:ea typeface="+mn-ea"/>
+              <a:cs typeface="+mn-cs"/>
+            </a:endParaRPr>
+          </a:p>
+          <a:p>
+            <a:r>
+              <a:rPr lang="zh-TW" altLang="en-US" sz="1200" kern="1200" dirty="0" smtClean="0">
+                <a:solidFill>
+                  <a:schemeClr val="tx1"/>
+                </a:solidFill>
+                <a:effectLst/>
+                <a:latin typeface="+mn-lt"/>
+                <a:ea typeface="+mn-ea"/>
+                <a:cs typeface="+mn-cs"/>
+              </a:rPr>
               <a:t>例如圖片的第</a:t>
             </a:r>
             <a:r>
@@ -12058,7 +13201,19 @@
                 <a:ea typeface="+mn-ea"/>
                 <a:cs typeface="+mn-cs"/>
               </a:rPr>
-              <a:t>try statement</a:t>
+              <a:t>try </a:t>
+            </a:r>
+            <a:r>
+              <a:rPr lang="en-US" altLang="zh-TW" sz="1200" kern="1200" dirty="0" smtClean="0">
+                <a:solidFill>
+                  <a:schemeClr val="tx1"/>
+                </a:solidFill>
+                <a:effectLst/>
+                <a:latin typeface="+mn-lt"/>
+                <a:ea typeface="+mn-ea"/>
+                <a:cs typeface="+mn-cs"/>
+              </a:rPr>
+              <a:t>statement</a:t>
             </a:r>
             <a:r>
               <a:rPr lang="zh-TW" altLang="en-US" sz="1200" kern="1200" dirty="0" smtClean="0">
@@ -12070,7 +13225,7 @@
                 <a:ea typeface="+mn-ea"/>
                 <a:cs typeface="+mn-cs"/>
               </a:rPr>
-              <a:t>，這裡的</a:t>
+              <a:t>，裡面有</a:t>
             </a:r>
             <a:r>
               <a:rPr lang="en-US" altLang="zh-TW" sz="1200" kern="1200" dirty="0" smtClean="0">
@@ -12094,7 +13249,67 @@
                 <a:ea typeface="+mn-ea"/>
                 <a:cs typeface="+mn-cs"/>
               </a:rPr>
-              <a:t>沒有辦法執行快速修復功能來消除壞味道</a:t>
+              <a:t>壞味道，</a:t>
+            </a:r>
+            <a:r>
+              <a:rPr lang="zh-TW" altLang="en-US" sz="1200" kern="1200" dirty="0" smtClean="0">
+                <a:solidFill>
+                  <a:schemeClr val="tx1"/>
+                </a:solidFill>
+                <a:effectLst/>
+                <a:latin typeface="+mn-lt"/>
+                <a:ea typeface="+mn-ea"/>
+                <a:cs typeface="+mn-cs"/>
+              </a:rPr>
+              <a:t>這裡的</a:t>
+            </a:r>
+            <a:r>
+              <a:rPr lang="en-US" altLang="zh-TW" sz="1200" kern="1200" dirty="0" smtClean="0">
+                <a:solidFill>
+                  <a:schemeClr val="tx1"/>
+                </a:solidFill>
+                <a:effectLst/>
+                <a:latin typeface="+mn-lt"/>
+                <a:ea typeface="+mn-ea"/>
+                <a:cs typeface="+mn-cs"/>
+              </a:rPr>
+              <a:t>Careless </a:t>
+            </a:r>
+            <a:r>
+              <a:rPr lang="en-US" altLang="zh-TW" sz="1200" kern="1200" dirty="0" smtClean="0">
+                <a:solidFill>
+                  <a:schemeClr val="tx1"/>
+                </a:solidFill>
+                <a:effectLst/>
+                <a:latin typeface="+mn-lt"/>
+                <a:ea typeface="+mn-ea"/>
+                <a:cs typeface="+mn-cs"/>
+              </a:rPr>
+              <a:t>Cleanup</a:t>
+            </a:r>
+            <a:r>
+              <a:rPr lang="zh-TW" altLang="en-US" sz="1200" kern="1200" dirty="0" smtClean="0">
+                <a:solidFill>
+                  <a:schemeClr val="tx1"/>
+                </a:solidFill>
+                <a:effectLst/>
+                <a:latin typeface="+mn-lt"/>
+                <a:ea typeface="+mn-ea"/>
+                <a:cs typeface="+mn-cs"/>
+              </a:rPr>
+              <a:t>無法藉由執行</a:t>
+            </a:r>
+            <a:r>
+              <a:rPr lang="zh-TW" altLang="en-US" sz="1200" kern="1200" dirty="0" smtClean="0">
+                <a:solidFill>
+                  <a:schemeClr val="tx1"/>
+                </a:solidFill>
+                <a:effectLst/>
+                <a:latin typeface="+mn-lt"/>
+                <a:ea typeface="+mn-ea"/>
+                <a:cs typeface="+mn-cs"/>
+              </a:rPr>
+              <a:t>快速修復功能來消除壞味道</a:t>
             </a:r>
             <a:endParaRPr lang="zh-TW" altLang="en-US" dirty="0" smtClean="0"/>
           </a:p>
@@ -12215,6 +13430,30 @@
           <a:lstStyle/>
           <a:p>
             <a:r>
+              <a:rPr lang="en-US" altLang="zh-TW" sz="1200" kern="1200" dirty="0" smtClean="0">
+                <a:solidFill>
+                  <a:schemeClr val="tx1"/>
+                </a:solidFill>
+                <a:effectLst/>
+                <a:latin typeface="+mn-lt"/>
+                <a:ea typeface="+mn-ea"/>
+                <a:cs typeface="+mn-cs"/>
+              </a:rPr>
+              <a:t>2.</a:t>
+            </a:r>
+            <a:r>
+              <a:rPr lang="zh-TW" altLang="en-US" sz="1200" kern="1200" dirty="0" smtClean="0">
+                <a:solidFill>
+                  <a:schemeClr val="tx1"/>
+                </a:solidFill>
+                <a:effectLst/>
+                <a:latin typeface="+mn-lt"/>
+                <a:ea typeface="+mn-ea"/>
+                <a:cs typeface="+mn-cs"/>
+              </a:rPr>
+              <a:t> </a:t>
+            </a:r>
+            <a:r>
               <a:rPr lang="zh-TW" altLang="zh-TW" sz="1200" kern="1200" dirty="0" smtClean="0">
                 <a:solidFill>
                   <a:schemeClr val="tx1"/>
@@ -12272,7 +13511,31 @@
                 <a:ea typeface="+mn-ea"/>
                 <a:cs typeface="+mn-cs"/>
               </a:rPr>
-              <a:t>，如果能夠提供重構功能，</a:t>
+              <a:t>，如果</a:t>
+            </a:r>
+            <a:r>
+              <a:rPr lang="zh-TW" altLang="zh-TW" sz="1200" kern="1200" dirty="0" smtClean="0">
+                <a:solidFill>
+                  <a:schemeClr val="tx1"/>
+                </a:solidFill>
+                <a:effectLst/>
+                <a:latin typeface="+mn-lt"/>
+                <a:ea typeface="+mn-ea"/>
+                <a:cs typeface="+mn-cs"/>
+              </a:rPr>
+              <a:t>能提供</a:t>
+            </a:r>
+            <a:r>
+              <a:rPr lang="zh-TW" altLang="zh-TW" sz="1200" kern="1200" dirty="0" smtClean="0">
+                <a:solidFill>
+                  <a:schemeClr val="tx1"/>
+                </a:solidFill>
+                <a:effectLst/>
+                <a:latin typeface="+mn-lt"/>
+                <a:ea typeface="+mn-ea"/>
+                <a:cs typeface="+mn-cs"/>
+              </a:rPr>
+              <a:t>重構功能，</a:t>
             </a:r>
             <a:endParaRPr lang="en-US" altLang="zh-TW" sz="1200" kern="1200" dirty="0" smtClean="0">
               <a:solidFill>
@@ -12379,17 +13642,18 @@
             </a:endParaRPr>
           </a:p>
           <a:p>
-            <a:endParaRPr lang="zh-TW" altLang="zh-TW" sz="1200" kern="1200" dirty="0" smtClean="0">
-              <a:solidFill>
-                <a:schemeClr val="tx1"/>
-              </a:solidFill>
-              <a:effectLst/>
-              <a:latin typeface="+mn-lt"/>
-              <a:ea typeface="+mn-ea"/>
-              <a:cs typeface="+mn-cs"/>
-            </a:endParaRPr>
-          </a:p>
-          <a:p>
+            <a:r>
+              <a:rPr lang="en-US" altLang="zh-TW" sz="1200" kern="1200" dirty="0" smtClean="0">
+                <a:solidFill>
+                  <a:schemeClr val="tx1"/>
+                </a:solidFill>
+                <a:effectLst/>
+                <a:latin typeface="+mn-lt"/>
+                <a:ea typeface="+mn-ea"/>
+                <a:cs typeface="+mn-cs"/>
+              </a:rPr>
+              <a:t>3.</a:t>
+            </a:r>
             <a:r>
               <a:rPr lang="zh-TW" altLang="en-US" sz="1200" kern="1200" dirty="0" smtClean="0">
                 <a:solidFill>
@@ -12400,7 +13664,7 @@
                 <a:ea typeface="+mn-ea"/>
                 <a:cs typeface="+mn-cs"/>
               </a:rPr>
-              <a:t>最後，</a:t>
+              <a:t> </a:t>
             </a:r>
             <a:r>
               <a:rPr lang="zh-TW" altLang="zh-TW" sz="1200" kern="1200" dirty="0" smtClean="0">
@@ -12460,7 +13724,55 @@
                 <a:ea typeface="+mn-ea"/>
                 <a:cs typeface="+mn-cs"/>
               </a:rPr>
-              <a:t>消除後衍生的</a:t>
+              <a:t>消除</a:t>
+            </a:r>
+            <a:r>
+              <a:rPr lang="zh-TW" altLang="zh-TW" sz="1200" kern="1200" dirty="0" smtClean="0">
+                <a:solidFill>
+                  <a:schemeClr val="tx1"/>
+                </a:solidFill>
+                <a:effectLst/>
+                <a:latin typeface="+mn-lt"/>
+                <a:ea typeface="+mn-ea"/>
+                <a:cs typeface="+mn-cs"/>
+              </a:rPr>
+              <a:t>後</a:t>
+            </a:r>
+            <a:r>
+              <a:rPr lang="zh-TW" altLang="en-US" sz="1200" kern="1200" dirty="0" smtClean="0">
+                <a:solidFill>
+                  <a:schemeClr val="tx1"/>
+                </a:solidFill>
+                <a:effectLst/>
+                <a:latin typeface="+mn-lt"/>
+                <a:ea typeface="+mn-ea"/>
+                <a:cs typeface="+mn-cs"/>
+              </a:rPr>
+              <a:t>，</a:t>
+            </a:r>
+            <a:r>
+              <a:rPr lang="zh-TW" altLang="zh-TW" sz="1200" kern="1200" dirty="0" smtClean="0">
+                <a:solidFill>
+                  <a:schemeClr val="tx1"/>
+                </a:solidFill>
+                <a:effectLst/>
+                <a:latin typeface="+mn-lt"/>
+                <a:ea typeface="+mn-ea"/>
+                <a:cs typeface="+mn-cs"/>
+              </a:rPr>
+              <a:t>衍生</a:t>
+            </a:r>
+            <a:r>
+              <a:rPr lang="zh-TW" altLang="zh-TW" sz="1200" kern="1200" dirty="0" smtClean="0">
+                <a:solidFill>
+                  <a:schemeClr val="tx1"/>
+                </a:solidFill>
+                <a:effectLst/>
+                <a:latin typeface="+mn-lt"/>
+                <a:ea typeface="+mn-ea"/>
+                <a:cs typeface="+mn-cs"/>
+              </a:rPr>
+              <a:t>的</a:t>
             </a:r>
             <a:r>
               <a:rPr lang="en-US" altLang="zh-TW" sz="1200" kern="1200" dirty="0" smtClean="0">
@@ -12672,8 +13984,19 @@
             </a:r>
             <a:r>
               <a:rPr lang="zh-TW" altLang="en-US" dirty="0" smtClean="0"/>
-              <a:t>不要丟出例外。所以如果會產生例外，將這個例外紀錄到日誌檔中。</a:t>
-            </a:r>
+              <a:t>不要丟出例外。所以如果會產生例外，將這個例外紀錄到日誌檔中</a:t>
+            </a:r>
+            <a:r>
+              <a:rPr lang="zh-TW" altLang="en-US" dirty="0" smtClean="0"/>
+              <a:t>。</a:t>
+            </a:r>
+            <a:endParaRPr lang="en-US" altLang="zh-TW" dirty="0" smtClean="0"/>
+          </a:p>
+          <a:p>
+            <a:endParaRPr lang="en-US" altLang="zh-TW" smtClean="0"/>
+          </a:p>
+          <a:p>
+            <a:endParaRPr lang="zh-TW" altLang="en-US" dirty="0" smtClean="0"/>
           </a:p>
           <a:p>
             <a:endParaRPr lang="zh-TW" altLang="en-US" dirty="0"/>
@@ -16201,15 +17524,19 @@
             </a:r>
             <a:r>
               <a:rPr lang="zh-TW" altLang="en-US" dirty="0" smtClean="0"/>
-              <a:t>壞味道的自動化重構功能，和改善</a:t>
-            </a:r>
-            <a:r>
-              <a:rPr lang="en-US" altLang="zh-TW" dirty="0" smtClean="0"/>
-              <a:t>Robusta</a:t>
+              <a:t>的自動化消除壞味道功能</a:t>
             </a:r>
             <a:r>
               <a:rPr lang="zh-TW" altLang="en-US" dirty="0" smtClean="0"/>
-              <a:t>原來消除壞味道的方法</a:t>
+              <a:t>，和</a:t>
+            </a:r>
+            <a:r>
+              <a:rPr lang="zh-TW" altLang="en-US" dirty="0" smtClean="0"/>
+              <a:t>改善原來</a:t>
+            </a:r>
+            <a:r>
+              <a:rPr lang="zh-TW" altLang="en-US" dirty="0" smtClean="0"/>
+              <a:t>消除壞味道的方法</a:t>
             </a:r>
             <a:endParaRPr lang="en-US" altLang="zh-TW" dirty="0" smtClean="0"/>
           </a:p>
@@ -23270,10 +24597,22 @@
             <a:prstTxWarp prst="textNoShape">
               <a:avLst/>
             </a:prstTxWarp>
-            <a:normAutofit lnSpcReduction="10000"/>
+            <a:normAutofit/>
           </a:bodyPr>
           <a:lstStyle/>
           <a:p>
+            <a:r>
+              <a:rPr lang="en-US" altLang="zh-TW" dirty="0" smtClean="0">
+                <a:effectLst/>
+              </a:rPr>
+              <a:t>Abstract Syntax Tree</a:t>
+            </a:r>
+            <a:r>
+              <a:rPr lang="zh-TW" altLang="en-US" dirty="0" smtClean="0">
+                <a:effectLst/>
+              </a:rPr>
+              <a:t> </a:t>
+            </a:r>
             <a:r>
               <a:rPr lang="zh-TW" altLang="zh-TW" sz="1200" kern="1200" dirty="0" smtClean="0">
                 <a:solidFill>
@@ -23379,7 +24718,7 @@
                 <a:ea typeface="+mn-ea"/>
                 <a:cs typeface="+mn-cs"/>
               </a:rPr>
-              <a:t>提供的</a:t>
+              <a:t>提供</a:t>
             </a:r>
             <a:r>
               <a:rPr lang="en-US" altLang="zh-TW" sz="1200" kern="1200" dirty="0" smtClean="0">
@@ -23547,7 +24886,31 @@
                 <a:ea typeface="+mn-ea"/>
                 <a:cs typeface="+mn-cs"/>
               </a:rPr>
-              <a:t>提供的</a:t>
+              <a:t>提供</a:t>
+            </a:r>
+            <a:r>
+              <a:rPr lang="zh-TW" altLang="en-US" sz="1200" kern="1200" dirty="0" smtClean="0">
+                <a:solidFill>
+                  <a:schemeClr val="tx1"/>
+                </a:solidFill>
+                <a:effectLst/>
+                <a:latin typeface="+mn-lt"/>
+                <a:ea typeface="+mn-ea"/>
+                <a:cs typeface="+mn-cs"/>
+              </a:rPr>
+              <a:t>的</a:t>
+            </a:r>
+            <a:r>
+              <a:rPr lang="zh-TW" altLang="zh-TW" sz="1200" kern="1200" dirty="0" smtClean="0">
+                <a:solidFill>
+                  <a:schemeClr val="tx1"/>
+                </a:solidFill>
+                <a:effectLst/>
+                <a:latin typeface="+mn-lt"/>
+                <a:ea typeface="+mn-ea"/>
+                <a:cs typeface="+mn-cs"/>
+              </a:rPr>
+              <a:t>樹狀結構</a:t>
             </a:r>
             <a:endParaRPr lang="en-US" altLang="zh-TW" sz="1200" kern="1200" dirty="0" smtClean="0">
               <a:solidFill>
@@ -23581,7 +24944,19 @@
                 <a:ea typeface="+mn-ea"/>
                 <a:cs typeface="+mn-cs"/>
               </a:rPr>
-              <a:t>本論文常提到的</a:t>
+              <a:t>本論文常</a:t>
+            </a:r>
+            <a:r>
+              <a:rPr lang="zh-TW" altLang="en-US" sz="1200" kern="1200" dirty="0" smtClean="0">
+                <a:solidFill>
+                  <a:schemeClr val="tx1"/>
+                </a:solidFill>
+                <a:effectLst/>
+                <a:latin typeface="+mn-lt"/>
+                <a:ea typeface="+mn-ea"/>
+                <a:cs typeface="+mn-cs"/>
+              </a:rPr>
+              <a:t>提到的</a:t>
             </a:r>
             <a:r>
               <a:rPr lang="en-US" altLang="zh-TW" sz="1200" kern="1200" dirty="0" smtClean="0">
@@ -23788,7 +25163,103 @@
                 <a:ea typeface="+mn-ea"/>
                 <a:cs typeface="+mn-cs"/>
               </a:rPr>
-              <a:t>一段程式碼的區塊</a:t>
+              <a:t>一段程式碼的區</a:t>
+            </a:r>
+            <a:r>
+              <a:rPr lang="zh-TW" altLang="zh-TW" sz="1200" kern="1200" dirty="0" smtClean="0">
+                <a:solidFill>
+                  <a:schemeClr val="tx1"/>
+                </a:solidFill>
+                <a:effectLst/>
+                <a:latin typeface="+mn-lt"/>
+                <a:ea typeface="+mn-ea"/>
+                <a:cs typeface="+mn-cs"/>
+              </a:rPr>
+              <a:t>塊</a:t>
+            </a:r>
+            <a:r>
+              <a:rPr lang="zh-TW" altLang="en-US" sz="1200" kern="1200" dirty="0" smtClean="0">
+                <a:solidFill>
+                  <a:schemeClr val="tx1"/>
+                </a:solidFill>
+                <a:effectLst/>
+                <a:latin typeface="+mn-lt"/>
+                <a:ea typeface="+mn-ea"/>
+                <a:cs typeface="+mn-cs"/>
+              </a:rPr>
+              <a:t>，如圖所示，一個</a:t>
+            </a:r>
+            <a:r>
+              <a:rPr lang="en-US" altLang="zh-TW" sz="1200" kern="1200" dirty="0" smtClean="0">
+                <a:solidFill>
+                  <a:schemeClr val="tx1"/>
+                </a:solidFill>
+                <a:effectLst/>
+                <a:latin typeface="+mn-lt"/>
+                <a:ea typeface="+mn-ea"/>
+                <a:cs typeface="+mn-cs"/>
+              </a:rPr>
+              <a:t>Method Declaration</a:t>
+            </a:r>
+            <a:r>
+              <a:rPr lang="zh-TW" altLang="en-US" sz="1200" kern="1200" dirty="0" smtClean="0">
+                <a:solidFill>
+                  <a:schemeClr val="tx1"/>
+                </a:solidFill>
+                <a:effectLst/>
+                <a:latin typeface="+mn-lt"/>
+                <a:ea typeface="+mn-ea"/>
+                <a:cs typeface="+mn-cs"/>
+              </a:rPr>
+              <a:t>可能包含了很多的</a:t>
+            </a:r>
+            <a:r>
+              <a:rPr lang="en-US" altLang="zh-TW" sz="1200" kern="1200" dirty="0" smtClean="0">
+                <a:solidFill>
+                  <a:schemeClr val="tx1"/>
+                </a:solidFill>
+                <a:effectLst/>
+                <a:latin typeface="+mn-lt"/>
+                <a:ea typeface="+mn-ea"/>
+                <a:cs typeface="+mn-cs"/>
+              </a:rPr>
+              <a:t>Method </a:t>
+            </a:r>
+            <a:r>
+              <a:rPr lang="en-US" altLang="zh-TW" sz="1200" kern="1200" dirty="0" err="1" smtClean="0">
+                <a:solidFill>
+                  <a:schemeClr val="tx1"/>
+                </a:solidFill>
+                <a:effectLst/>
+                <a:latin typeface="+mn-lt"/>
+                <a:ea typeface="+mn-ea"/>
+                <a:cs typeface="+mn-cs"/>
+              </a:rPr>
+              <a:t>Invocatio</a:t>
+            </a:r>
+            <a:r>
+              <a:rPr lang="zh-TW" altLang="en-US" sz="1200" kern="1200" dirty="0" smtClean="0">
+                <a:solidFill>
+                  <a:schemeClr val="tx1"/>
+                </a:solidFill>
+                <a:effectLst/>
+                <a:latin typeface="+mn-lt"/>
+                <a:ea typeface="+mn-ea"/>
+                <a:cs typeface="+mn-cs"/>
+              </a:rPr>
+              <a:t>和</a:t>
+            </a:r>
+            <a:r>
+              <a:rPr lang="en-US" altLang="zh-TW" sz="1200" kern="1200" dirty="0" smtClean="0">
+                <a:solidFill>
+                  <a:schemeClr val="tx1"/>
+                </a:solidFill>
+                <a:effectLst/>
+                <a:latin typeface="+mn-lt"/>
+                <a:ea typeface="+mn-ea"/>
+                <a:cs typeface="+mn-cs"/>
+              </a:rPr>
+              <a:t>Try Statement</a:t>
             </a:r>
             <a:endParaRPr lang="en-US" altLang="zh-TW" sz="1200" kern="1200" dirty="0" smtClean="0">
               <a:solidFill>
@@ -23811,7 +25282,31 @@
                 <a:ea typeface="+mn-ea"/>
                 <a:cs typeface="+mn-cs"/>
               </a:rPr>
-              <a:t>Method Declaration index</a:t>
+              <a:t>Method Declaration </a:t>
+            </a:r>
+            <a:r>
+              <a:rPr lang="en-US" altLang="zh-TW" sz="1200" kern="1200" dirty="0" smtClean="0">
+                <a:solidFill>
+                  <a:schemeClr val="tx1"/>
+                </a:solidFill>
+                <a:effectLst/>
+                <a:latin typeface="+mn-lt"/>
+                <a:ea typeface="+mn-ea"/>
+                <a:cs typeface="+mn-cs"/>
+              </a:rPr>
+              <a:t>index</a:t>
+            </a:r>
+            <a:r>
+              <a:rPr lang="zh-TW" altLang="en-US" sz="1200" kern="1200" dirty="0" smtClean="0">
+                <a:solidFill>
+                  <a:schemeClr val="tx1"/>
+                </a:solidFill>
+                <a:effectLst/>
+                <a:latin typeface="+mn-lt"/>
+                <a:ea typeface="+mn-ea"/>
+                <a:cs typeface="+mn-cs"/>
+              </a:rPr>
+              <a:t> </a:t>
             </a:r>
             <a:r>
               <a:rPr lang="zh-TW" altLang="zh-TW" sz="1200" kern="1200" dirty="0" smtClean="0">
@@ -38221,14 +39716,17 @@
           <a:bodyPr/>
           <a:lstStyle/>
           <a:p>
-            <a:pPr>
-              <a:buFont typeface="Arial" charset="0"/>
-              <a:buChar char="•"/>
+            <a:pPr marL="0" indent="0">
+              <a:buNone/>
               <a:defRPr/>
             </a:pPr>
             <a:r>
+              <a:rPr lang="en-US" altLang="zh-TW" dirty="0" smtClean="0"/>
+              <a:t>1.</a:t>
+            </a:r>
+            <a:r>
               <a:rPr lang="zh-TW" altLang="en-US" dirty="0" smtClean="0"/>
-              <a:t>讓</a:t>
+              <a:t> 讓</a:t>
             </a:r>
             <a:r>
               <a:rPr lang="en-US" altLang="zh-TW" dirty="0" smtClean="0"/>
@@ -38438,14 +39936,25 @@
           <a:bodyPr/>
           <a:lstStyle/>
           <a:p>
-            <a:pPr>
-              <a:buFont typeface="Arial" charset="0"/>
-              <a:buChar char="•"/>
+            <a:pPr marL="0" indent="0">
+              <a:buNone/>
               <a:defRPr/>
             </a:pPr>
             <a:r>
               <a:rPr lang="en-US" altLang="zh-TW" dirty="0" smtClean="0"/>
-              <a:t>Careless Cleanup</a:t>
+              <a:t>2.</a:t>
+            </a:r>
+            <a:r>
+              <a:rPr lang="zh-TW" altLang="en-US" dirty="0" smtClean="0"/>
+              <a:t> </a:t>
+            </a:r>
+            <a:r>
+              <a:rPr lang="en-US" altLang="zh-TW" dirty="0" smtClean="0"/>
+              <a:t>Careless </a:t>
+            </a:r>
+            <a:r>
+              <a:rPr lang="en-US" altLang="zh-TW" dirty="0" smtClean="0"/>
+              <a:t>Cleanup</a:t>
             </a:r>
             <a:r>
               <a:rPr lang="zh-TW" altLang="zh-TW" dirty="0" smtClean="0"/>
@@ -38685,14 +40194,25 @@
             </a:lvl9pPr>
           </a:lstStyle>
           <a:p>
-            <a:pPr>
-              <a:buFont typeface="Arial" charset="0"/>
-              <a:buChar char="•"/>
+            <a:pPr marL="0" indent="0">
+              <a:buNone/>
               <a:defRPr/>
             </a:pPr>
             <a:r>
               <a:rPr kumimoji="0" lang="en-US" altLang="zh-TW" dirty="0" smtClean="0"/>
-              <a:t>Careless Cleanup</a:t>
+              <a:t>3.</a:t>
+            </a:r>
+            <a:r>
+              <a:rPr kumimoji="0" lang="zh-TW" altLang="en-US" dirty="0" smtClean="0"/>
+              <a:t> </a:t>
+            </a:r>
+            <a:r>
+              <a:rPr kumimoji="0" lang="en-US" altLang="zh-TW" dirty="0" smtClean="0"/>
+              <a:t>Careless </a:t>
+            </a:r>
+            <a:r>
+              <a:rPr kumimoji="0" lang="en-US" altLang="zh-TW" dirty="0" smtClean="0"/>
+              <a:t>Cleanup</a:t>
             </a:r>
             <a:r>
               <a:rPr kumimoji="0" lang="zh-TW" altLang="zh-TW" dirty="0" smtClean="0"/>

--- a/楊雅雯-口試投影片.pptx
+++ b/楊雅雯-口試投影片.pptx
@@ -13993,7 +13993,7 @@
             <a:endParaRPr lang="en-US" altLang="zh-TW" dirty="0" smtClean="0"/>
           </a:p>
           <a:p>
-            <a:endParaRPr lang="en-US" altLang="zh-TW" smtClean="0"/>
+            <a:endParaRPr lang="en-US" altLang="zh-TW" dirty="0" smtClean="0"/>
           </a:p>
           <a:p>
             <a:endParaRPr lang="zh-TW" altLang="en-US" dirty="0" smtClean="0"/>
@@ -30169,22 +30169,22 @@
             </a:pPr>
             <a:r>
               <a:rPr lang="zh-TW" altLang="en-US" dirty="0">
-                <a:latin typeface="標楷體" pitchFamily="65" charset="-120"/>
-                <a:ea typeface="標楷體" pitchFamily="65" charset="-120"/>
+                <a:latin typeface="Times New Roman" panose="02020603050405020304" pitchFamily="18" charset="0"/>
+                <a:ea typeface="標楷體" panose="03000509000000000000" pitchFamily="65" charset="-120"/>
               </a:rPr>
               <a:t>利用</a:t>
             </a:r>
             <a:r>
               <a:rPr lang="en-US" altLang="zh-TW" dirty="0">
-                <a:latin typeface="標楷體" pitchFamily="65" charset="-120"/>
-                <a:ea typeface="標楷體" pitchFamily="65" charset="-120"/>
+                <a:latin typeface="Times New Roman" panose="02020603050405020304" pitchFamily="18" charset="0"/>
+                <a:ea typeface="標楷體" panose="03000509000000000000" pitchFamily="65" charset="-120"/>
               </a:rPr>
               <a:t>Robusta</a:t>
             </a:r>
             <a:r>
               <a:rPr lang="zh-TW" altLang="en-US" dirty="0">
-                <a:latin typeface="標楷體" pitchFamily="65" charset="-120"/>
-                <a:ea typeface="標楷體" pitchFamily="65" charset="-120"/>
+                <a:latin typeface="Times New Roman" panose="02020603050405020304" pitchFamily="18" charset="0"/>
+                <a:ea typeface="標楷體" panose="03000509000000000000" pitchFamily="65" charset="-120"/>
               </a:rPr>
               <a:t>消除例外處理壞味道</a:t>
             </a:r>
@@ -30220,7 +30220,6 @@
                 <a:solidFill>
                   <a:srgbClr val="F2F2F2"/>
                 </a:solidFill>
-                <a:latin typeface="標楷體" pitchFamily="65" charset="-120"/>
               </a:rPr>
               <a:t>楊雅</a:t>
             </a:r>
@@ -30229,7 +30228,6 @@
                 <a:solidFill>
                   <a:srgbClr val="F2F2F2"/>
                 </a:solidFill>
-                <a:latin typeface="標楷體" pitchFamily="65" charset="-120"/>
               </a:rPr>
               <a:t>雯</a:t>
             </a:r>
@@ -30241,7 +30239,6 @@
               <a:solidFill>
                 <a:srgbClr val="F2F2F2"/>
               </a:solidFill>
-              <a:latin typeface="標楷體" pitchFamily="65" charset="-120"/>
             </a:endParaRPr>
           </a:p>
         </p:txBody>
@@ -30279,8 +30276,8 @@
                   <a:lumMod val="95000"/>
                 </a:schemeClr>
               </a:solidFill>
-              <a:latin typeface="Times New Roman" pitchFamily="18" charset="0"/>
-              <a:ea typeface="標楷體" pitchFamily="65" charset="-120"/>
+              <a:latin typeface="Times New Roman" panose="02020603050405020304" pitchFamily="18" charset="0"/>
+              <a:ea typeface="標楷體" panose="03000509000000000000" pitchFamily="65" charset="-120"/>
               <a:cs typeface="Times New Roman" pitchFamily="18" charset="0"/>
             </a:endParaRPr>
           </a:p>
@@ -30321,8 +30318,8 @@
                 <a:solidFill>
                   <a:schemeClr val="bg1"/>
                 </a:solidFill>
-                <a:latin typeface="標楷體" pitchFamily="65" charset="-120"/>
-                <a:ea typeface="標楷體" pitchFamily="65" charset="-120"/>
+                <a:latin typeface="Times New Roman" panose="02020603050405020304" pitchFamily="18" charset="0"/>
+                <a:ea typeface="標楷體" panose="03000509000000000000" pitchFamily="65" charset="-120"/>
               </a:rPr>
               <a:t>國立台北科技大學 資訊工程</a:t>
             </a:r>
@@ -30331,8 +30328,8 @@
                 <a:solidFill>
                   <a:schemeClr val="bg1"/>
                 </a:solidFill>
-                <a:latin typeface="標楷體" pitchFamily="65" charset="-120"/>
-                <a:ea typeface="標楷體" pitchFamily="65" charset="-120"/>
+                <a:latin typeface="Times New Roman" panose="02020603050405020304" pitchFamily="18" charset="0"/>
+                <a:ea typeface="標楷體" panose="03000509000000000000" pitchFamily="65" charset="-120"/>
               </a:rPr>
               <a:t>系</a:t>
             </a:r>
@@ -30340,8 +30337,8 @@
               <a:solidFill>
                 <a:schemeClr val="bg1"/>
               </a:solidFill>
-              <a:latin typeface="標楷體" pitchFamily="65" charset="-120"/>
-              <a:ea typeface="標楷體" pitchFamily="65" charset="-120"/>
+              <a:latin typeface="Times New Roman" panose="02020603050405020304" pitchFamily="18" charset="0"/>
+              <a:ea typeface="標楷體" panose="03000509000000000000" pitchFamily="65" charset="-120"/>
             </a:endParaRPr>
           </a:p>
           <a:p>
@@ -30350,8 +30347,8 @@
                 <a:solidFill>
                   <a:schemeClr val="bg1"/>
                 </a:solidFill>
-                <a:latin typeface="標楷體" pitchFamily="65" charset="-120"/>
-                <a:ea typeface="標楷體" pitchFamily="65" charset="-120"/>
+                <a:latin typeface="Times New Roman" panose="02020603050405020304" pitchFamily="18" charset="0"/>
+                <a:ea typeface="標楷體" panose="03000509000000000000" pitchFamily="65" charset="-120"/>
               </a:rPr>
               <a:t>指導教授</a:t>
             </a:r>
@@ -30360,8 +30357,8 @@
                 <a:solidFill>
                   <a:schemeClr val="bg1"/>
                 </a:solidFill>
-                <a:latin typeface="標楷體" pitchFamily="65" charset="-120"/>
-                <a:ea typeface="標楷體" pitchFamily="65" charset="-120"/>
+                <a:latin typeface="Times New Roman" panose="02020603050405020304" pitchFamily="18" charset="0"/>
+                <a:ea typeface="標楷體" panose="03000509000000000000" pitchFamily="65" charset="-120"/>
               </a:rPr>
               <a:t>：謝金雲、鄭有進</a:t>
             </a:r>
@@ -30369,8 +30366,8 @@
               <a:solidFill>
                 <a:schemeClr val="bg1"/>
               </a:solidFill>
-              <a:latin typeface="標楷體" pitchFamily="65" charset="-120"/>
-              <a:ea typeface="標楷體" pitchFamily="65" charset="-120"/>
+              <a:latin typeface="Times New Roman" panose="02020603050405020304" pitchFamily="18" charset="0"/>
+              <a:ea typeface="標楷體" panose="03000509000000000000" pitchFamily="65" charset="-120"/>
             </a:endParaRPr>
           </a:p>
           <a:p>
@@ -30379,7 +30376,8 @@
                 <a:solidFill>
                   <a:srgbClr val="F2F2F2"/>
                 </a:solidFill>
-                <a:latin typeface="標楷體" pitchFamily="65" charset="-120"/>
+                <a:latin typeface="Times New Roman" panose="02020603050405020304" pitchFamily="18" charset="0"/>
+                <a:ea typeface="標楷體" panose="03000509000000000000" pitchFamily="65" charset="-120"/>
               </a:rPr>
               <a:t>2018/6/14</a:t>
             </a:r>
@@ -30387,8 +30385,8 @@
               <a:solidFill>
                 <a:schemeClr val="bg1"/>
               </a:solidFill>
-              <a:latin typeface="標楷體" pitchFamily="65" charset="-120"/>
-              <a:ea typeface="標楷體" pitchFamily="65" charset="-120"/>
+              <a:latin typeface="Times New Roman" panose="02020603050405020304" pitchFamily="18" charset="0"/>
+              <a:ea typeface="標楷體" panose="03000509000000000000" pitchFamily="65" charset="-120"/>
             </a:endParaRPr>
           </a:p>
         </p:txBody>
@@ -30440,7 +30438,10 @@
           <a:bodyPr/>
           <a:lstStyle/>
           <a:p>
-            <a:endParaRPr lang="zh-TW" altLang="en-US"/>
+            <a:endParaRPr lang="zh-TW" altLang="en-US">
+              <a:latin typeface="Times New Roman" panose="02020603050405020304" pitchFamily="18" charset="0"/>
+              <a:ea typeface="標楷體" panose="03000509000000000000" pitchFamily="65" charset="-120"/>
+            </a:endParaRPr>
           </a:p>
         </p:txBody>
       </p:sp>
@@ -30468,14 +30469,10 @@
               <a:buNone/>
             </a:pPr>
             <a:r>
-              <a:rPr lang="zh-TW" altLang="en-US" dirty="0">
-                <a:latin typeface="標楷體" pitchFamily="65" charset="-120"/>
-              </a:rPr>
+              <a:rPr lang="zh-TW" altLang="en-US" dirty="0"/>
               <a:t>快速修復</a:t>
             </a:r>
-            <a:endParaRPr lang="en-US" altLang="zh-TW" dirty="0">
-              <a:latin typeface="標楷體" pitchFamily="65" charset="-120"/>
-            </a:endParaRPr>
+            <a:endParaRPr lang="en-US" altLang="zh-TW" dirty="0"/>
           </a:p>
           <a:p>
             <a:pPr marL="0" indent="0" algn="ctr">
@@ -30504,13 +30501,19 @@
               <a:defRPr/>
             </a:pPr>
             <a:fld id="{3DB7C113-B292-4711-9FA5-4E4B2395B52F}" type="slidenum">
-              <a:rPr lang="zh-TW" altLang="en-US" smtClean="0"/>
+              <a:rPr lang="zh-TW" altLang="en-US" smtClean="0">
+                <a:latin typeface="Times New Roman" panose="02020603050405020304" pitchFamily="18" charset="0"/>
+                <a:ea typeface="標楷體" panose="03000509000000000000" pitchFamily="65" charset="-120"/>
+              </a:rPr>
               <a:pPr>
                 <a:defRPr/>
               </a:pPr>
               <a:t>10</a:t>
             </a:fld>
-            <a:endParaRPr lang="zh-TW" altLang="en-US"/>
+            <a:endParaRPr lang="zh-TW" altLang="en-US">
+              <a:latin typeface="Times New Roman" panose="02020603050405020304" pitchFamily="18" charset="0"/>
+              <a:ea typeface="標楷體" panose="03000509000000000000" pitchFamily="65" charset="-120"/>
+            </a:endParaRPr>
           </a:p>
         </p:txBody>
       </p:sp>
@@ -30577,10 +30580,15 @@
             <a:r>
               <a:rPr lang="en-US" altLang="zh-TW" dirty="0">
                 <a:effectLst/>
+                <a:latin typeface="Times New Roman" panose="02020603050405020304" pitchFamily="18" charset="0"/>
+                <a:ea typeface="標楷體" panose="03000509000000000000" pitchFamily="65" charset="-120"/>
               </a:rPr>
               <a:t>Unprotected Main Program</a:t>
             </a:r>
-            <a:endParaRPr lang="en-US" altLang="zh-TW" dirty="0" smtClean="0"/>
+            <a:endParaRPr lang="en-US" altLang="zh-TW" dirty="0" smtClean="0">
+              <a:latin typeface="Times New Roman" panose="02020603050405020304" pitchFamily="18" charset="0"/>
+              <a:ea typeface="標楷體" panose="03000509000000000000" pitchFamily="65" charset="-120"/>
+            </a:endParaRPr>
           </a:p>
         </p:txBody>
       </p:sp>
@@ -30603,13 +30611,19 @@
               <a:defRPr/>
             </a:pPr>
             <a:fld id="{F51DF2D8-0A90-4D55-8DBC-FAEF0C7DDDC6}" type="slidenum">
-              <a:rPr lang="zh-TW" altLang="en-US" smtClean="0"/>
+              <a:rPr lang="zh-TW" altLang="en-US" smtClean="0">
+                <a:latin typeface="Times New Roman" panose="02020603050405020304" pitchFamily="18" charset="0"/>
+                <a:ea typeface="標楷體" panose="03000509000000000000" pitchFamily="65" charset="-120"/>
+              </a:rPr>
               <a:pPr>
                 <a:defRPr/>
               </a:pPr>
               <a:t>11</a:t>
             </a:fld>
-            <a:endParaRPr lang="zh-TW" altLang="en-US" dirty="0"/>
+            <a:endParaRPr lang="zh-TW" altLang="en-US" dirty="0">
+              <a:latin typeface="Times New Roman" panose="02020603050405020304" pitchFamily="18" charset="0"/>
+              <a:ea typeface="標楷體" panose="03000509000000000000" pitchFamily="65" charset="-120"/>
+            </a:endParaRPr>
           </a:p>
         </p:txBody>
       </p:sp>
@@ -30636,10 +30650,16 @@
           <a:lstStyle/>
           <a:p>
             <a:r>
-              <a:rPr lang="zh-TW" altLang="en-US" sz="2400" dirty="0" smtClean="0"/>
+              <a:rPr lang="zh-TW" altLang="en-US" sz="2400" dirty="0" smtClean="0">
+                <a:latin typeface="Times New Roman" panose="02020603050405020304" pitchFamily="18" charset="0"/>
+                <a:ea typeface="標楷體" panose="03000509000000000000" pitchFamily="65" charset="-120"/>
+              </a:rPr>
               <a:t>定義</a:t>
             </a:r>
-            <a:endParaRPr lang="zh-TW" altLang="en-US" dirty="0"/>
+            <a:endParaRPr lang="zh-TW" altLang="en-US" dirty="0">
+              <a:latin typeface="Times New Roman" panose="02020603050405020304" pitchFamily="18" charset="0"/>
+              <a:ea typeface="標楷體" panose="03000509000000000000" pitchFamily="65" charset="-120"/>
+            </a:endParaRPr>
           </a:p>
         </p:txBody>
       </p:sp>
@@ -30721,13 +30741,19 @@
               <a:defRPr/>
             </a:pPr>
             <a:fld id="{F51DF2D8-0A90-4D55-8DBC-FAEF0C7DDDC6}" type="slidenum">
-              <a:rPr lang="zh-TW" altLang="en-US" smtClean="0"/>
+              <a:rPr lang="zh-TW" altLang="en-US" smtClean="0">
+                <a:latin typeface="Times New Roman" panose="02020603050405020304" pitchFamily="18" charset="0"/>
+                <a:ea typeface="標楷體" panose="03000509000000000000" pitchFamily="65" charset="-120"/>
+              </a:rPr>
               <a:pPr>
                 <a:defRPr/>
               </a:pPr>
               <a:t>12</a:t>
             </a:fld>
-            <a:endParaRPr lang="zh-TW" altLang="en-US" dirty="0"/>
+            <a:endParaRPr lang="zh-TW" altLang="en-US" dirty="0">
+              <a:latin typeface="Times New Roman" panose="02020603050405020304" pitchFamily="18" charset="0"/>
+              <a:ea typeface="標楷體" panose="03000509000000000000" pitchFamily="65" charset="-120"/>
+            </a:endParaRPr>
           </a:p>
         </p:txBody>
       </p:sp>
@@ -30755,52 +30781,55 @@
           <a:p>
             <a:r>
               <a:rPr lang="zh-TW" altLang="en-US" sz="2000" dirty="0" smtClean="0">
-                <a:latin typeface="標楷體" panose="03000509000000000000" pitchFamily="65" charset="-120"/>
+                <a:latin typeface="Times New Roman" panose="02020603050405020304" pitchFamily="18" charset="0"/>
                 <a:ea typeface="標楷體" panose="03000509000000000000" pitchFamily="65" charset="-120"/>
               </a:rPr>
               <a:t>根據洪哲瑋論文提到的</a:t>
             </a:r>
             <a:r>
               <a:rPr lang="en-US" altLang="zh-TW" sz="2000" dirty="0" smtClean="0">
-                <a:latin typeface="標楷體" panose="03000509000000000000" pitchFamily="65" charset="-120"/>
+                <a:latin typeface="Times New Roman" panose="02020603050405020304" pitchFamily="18" charset="0"/>
                 <a:ea typeface="標楷體" panose="03000509000000000000" pitchFamily="65" charset="-120"/>
               </a:rPr>
               <a:t>Robusta</a:t>
             </a:r>
             <a:r>
               <a:rPr lang="zh-TW" altLang="en-US" sz="2000" dirty="0" smtClean="0">
-                <a:latin typeface="標楷體" panose="03000509000000000000" pitchFamily="65" charset="-120"/>
+                <a:latin typeface="Times New Roman" panose="02020603050405020304" pitchFamily="18" charset="0"/>
                 <a:ea typeface="標楷體" panose="03000509000000000000" pitchFamily="65" charset="-120"/>
               </a:rPr>
               <a:t>消除</a:t>
             </a:r>
             <a:r>
-              <a:rPr lang="en-US" altLang="zh-TW" sz="2000" dirty="0"/>
+              <a:rPr lang="en-US" altLang="zh-TW" sz="2000" dirty="0">
+                <a:latin typeface="Times New Roman" panose="02020603050405020304" pitchFamily="18" charset="0"/>
+                <a:ea typeface="標楷體" panose="03000509000000000000" pitchFamily="65" charset="-120"/>
+              </a:rPr>
               <a:t>Unprotected Main Program</a:t>
             </a:r>
             <a:r>
               <a:rPr lang="zh-TW" altLang="en-US" sz="2000" dirty="0" smtClean="0">
-                <a:latin typeface="標楷體" panose="03000509000000000000" pitchFamily="65" charset="-120"/>
+                <a:latin typeface="Times New Roman" panose="02020603050405020304" pitchFamily="18" charset="0"/>
                 <a:ea typeface="標楷體" panose="03000509000000000000" pitchFamily="65" charset="-120"/>
               </a:rPr>
               <a:t>功能－</a:t>
             </a:r>
             <a:r>
               <a:rPr lang="zh-TW" altLang="en-US" sz="2000" dirty="0">
-                <a:latin typeface="標楷體" panose="03000509000000000000" pitchFamily="65" charset="-120"/>
+                <a:latin typeface="Times New Roman" panose="02020603050405020304" pitchFamily="18" charset="0"/>
                 <a:ea typeface="標楷體" panose="03000509000000000000" pitchFamily="65" charset="-120"/>
               </a:rPr>
               <a:t>－</a:t>
             </a:r>
             <a:r>
               <a:rPr lang="zh-TW" altLang="en-US" sz="2000" dirty="0" smtClean="0">
-                <a:latin typeface="標楷體" panose="03000509000000000000" pitchFamily="65" charset="-120"/>
+                <a:latin typeface="Times New Roman" panose="02020603050405020304" pitchFamily="18" charset="0"/>
                 <a:ea typeface="標楷體" panose="03000509000000000000" pitchFamily="65" charset="-120"/>
               </a:rPr>
               <a:t>快速修復</a:t>
             </a:r>
             <a:endParaRPr lang="en-US" altLang="zh-TW" sz="2000" dirty="0" smtClean="0">
-              <a:latin typeface="標楷體" panose="03000509000000000000" pitchFamily="65" charset="-120"/>
+              <a:latin typeface="Times New Roman" panose="02020603050405020304" pitchFamily="18" charset="0"/>
               <a:ea typeface="標楷體" panose="03000509000000000000" pitchFamily="65" charset="-120"/>
             </a:endParaRPr>
           </a:p>
@@ -30832,10 +30861,15 @@
             <a:r>
               <a:rPr lang="en-US" altLang="zh-TW" dirty="0">
                 <a:effectLst/>
+                <a:latin typeface="Times New Roman" panose="02020603050405020304" pitchFamily="18" charset="0"/>
+                <a:ea typeface="標楷體" panose="03000509000000000000" pitchFamily="65" charset="-120"/>
               </a:rPr>
               <a:t>Unprotected Main Program</a:t>
             </a:r>
-            <a:endParaRPr lang="en-US" altLang="zh-TW" dirty="0" smtClean="0"/>
+            <a:endParaRPr lang="en-US" altLang="zh-TW" dirty="0" smtClean="0">
+              <a:latin typeface="Times New Roman" panose="02020603050405020304" pitchFamily="18" charset="0"/>
+              <a:ea typeface="標楷體" panose="03000509000000000000" pitchFamily="65" charset="-120"/>
+            </a:endParaRPr>
           </a:p>
         </p:txBody>
       </p:sp>
@@ -30917,13 +30951,17 @@
               <a:defRPr/>
             </a:pPr>
             <a:fld id="{F51DF2D8-0A90-4D55-8DBC-FAEF0C7DDDC6}" type="slidenum">
-              <a:rPr lang="zh-TW" altLang="en-US" smtClean="0"/>
+              <a:rPr lang="zh-TW" altLang="en-US" smtClean="0">
+                <a:latin typeface="Times New Roman" panose="02020603050405020304" pitchFamily="18" charset="0"/>
+              </a:rPr>
               <a:pPr>
                 <a:defRPr/>
               </a:pPr>
               <a:t>13</a:t>
             </a:fld>
-            <a:endParaRPr lang="zh-TW" altLang="en-US" dirty="0"/>
+            <a:endParaRPr lang="zh-TW" altLang="en-US" dirty="0">
+              <a:latin typeface="Times New Roman" panose="02020603050405020304" pitchFamily="18" charset="0"/>
+            </a:endParaRPr>
           </a:p>
         </p:txBody>
       </p:sp>
@@ -30953,10 +30991,13 @@
             <a:r>
               <a:rPr lang="en-US" altLang="zh-TW" dirty="0">
                 <a:effectLst/>
+                <a:latin typeface="Times New Roman" panose="02020603050405020304" pitchFamily="18" charset="0"/>
               </a:rPr>
               <a:t>Unprotected Main Program</a:t>
             </a:r>
-            <a:endParaRPr lang="en-US" altLang="zh-TW" dirty="0" smtClean="0"/>
+            <a:endParaRPr lang="en-US" altLang="zh-TW" dirty="0" smtClean="0">
+              <a:latin typeface="Times New Roman" panose="02020603050405020304" pitchFamily="18" charset="0"/>
+            </a:endParaRPr>
           </a:p>
         </p:txBody>
       </p:sp>
@@ -31070,13 +31111,19 @@
               <a:defRPr/>
             </a:pPr>
             <a:fld id="{F51DF2D8-0A90-4D55-8DBC-FAEF0C7DDDC6}" type="slidenum">
-              <a:rPr lang="zh-TW" altLang="en-US" smtClean="0"/>
+              <a:rPr lang="zh-TW" altLang="en-US" smtClean="0">
+                <a:latin typeface="Times New Roman" panose="02020603050405020304" pitchFamily="18" charset="0"/>
+                <a:ea typeface="標楷體" panose="03000509000000000000" pitchFamily="65" charset="-120"/>
+              </a:rPr>
               <a:pPr>
                 <a:defRPr/>
               </a:pPr>
               <a:t>14</a:t>
             </a:fld>
-            <a:endParaRPr lang="zh-TW" altLang="en-US" dirty="0"/>
+            <a:endParaRPr lang="zh-TW" altLang="en-US" dirty="0">
+              <a:latin typeface="Times New Roman" panose="02020603050405020304" pitchFamily="18" charset="0"/>
+              <a:ea typeface="標楷體" panose="03000509000000000000" pitchFamily="65" charset="-120"/>
+            </a:endParaRPr>
           </a:p>
         </p:txBody>
       </p:sp>
@@ -31104,13 +31151,13 @@
           <a:p>
             <a:r>
               <a:rPr lang="zh-TW" altLang="en-US" sz="2400" dirty="0" smtClean="0">
-                <a:latin typeface="標楷體" panose="03000509000000000000" pitchFamily="65" charset="-120"/>
+                <a:latin typeface="Times New Roman" panose="02020603050405020304" pitchFamily="18" charset="0"/>
                 <a:ea typeface="標楷體" panose="03000509000000000000" pitchFamily="65" charset="-120"/>
               </a:rPr>
               <a:t>改善後的快速修復功能</a:t>
             </a:r>
             <a:endParaRPr lang="en-US" altLang="zh-TW" sz="2400" dirty="0" smtClean="0">
-              <a:latin typeface="標楷體" panose="03000509000000000000" pitchFamily="65" charset="-120"/>
+              <a:latin typeface="Times New Roman" panose="02020603050405020304" pitchFamily="18" charset="0"/>
               <a:ea typeface="標楷體" panose="03000509000000000000" pitchFamily="65" charset="-120"/>
             </a:endParaRPr>
           </a:p>
@@ -31142,10 +31189,15 @@
             <a:r>
               <a:rPr lang="en-US" altLang="zh-TW" dirty="0">
                 <a:effectLst/>
+                <a:latin typeface="Times New Roman" panose="02020603050405020304" pitchFamily="18" charset="0"/>
+                <a:ea typeface="標楷體" panose="03000509000000000000" pitchFamily="65" charset="-120"/>
               </a:rPr>
               <a:t>Unprotected Main Program</a:t>
             </a:r>
-            <a:endParaRPr lang="en-US" altLang="zh-TW" dirty="0" smtClean="0"/>
+            <a:endParaRPr lang="en-US" altLang="zh-TW" dirty="0" smtClean="0">
+              <a:latin typeface="Times New Roman" panose="02020603050405020304" pitchFamily="18" charset="0"/>
+              <a:ea typeface="標楷體" panose="03000509000000000000" pitchFamily="65" charset="-120"/>
+            </a:endParaRPr>
           </a:p>
         </p:txBody>
       </p:sp>
@@ -31963,33 +32015,46 @@
             <a:r>
               <a:rPr lang="en-US" altLang="zh-TW" dirty="0">
                 <a:effectLst/>
+                <a:latin typeface="Times New Roman" panose="02020603050405020304" pitchFamily="18" charset="0"/>
+                <a:ea typeface="標楷體" panose="03000509000000000000" pitchFamily="65" charset="-120"/>
               </a:rPr>
               <a:t>Dummy Handler</a:t>
             </a:r>
             <a:r>
               <a:rPr lang="zh-TW" altLang="en-US" dirty="0">
                 <a:effectLst/>
+                <a:latin typeface="Times New Roman" panose="02020603050405020304" pitchFamily="18" charset="0"/>
+                <a:ea typeface="標楷體" panose="03000509000000000000" pitchFamily="65" charset="-120"/>
               </a:rPr>
               <a:t> </a:t>
             </a:r>
             <a:r>
               <a:rPr lang="en-US" altLang="zh-TW" dirty="0">
                 <a:effectLst/>
+                <a:latin typeface="Times New Roman" panose="02020603050405020304" pitchFamily="18" charset="0"/>
+                <a:ea typeface="標楷體" panose="03000509000000000000" pitchFamily="65" charset="-120"/>
               </a:rPr>
               <a:t>&amp;</a:t>
             </a:r>
             <a:br>
               <a:rPr lang="en-US" altLang="zh-TW" dirty="0">
                 <a:effectLst/>
+                <a:latin typeface="Times New Roman" panose="02020603050405020304" pitchFamily="18" charset="0"/>
+                <a:ea typeface="標楷體" panose="03000509000000000000" pitchFamily="65" charset="-120"/>
               </a:rPr>
             </a:br>
             <a:r>
               <a:rPr lang="en-US" altLang="zh-TW" dirty="0">
                 <a:effectLst/>
+                <a:latin typeface="Times New Roman" panose="02020603050405020304" pitchFamily="18" charset="0"/>
+                <a:ea typeface="標楷體" panose="03000509000000000000" pitchFamily="65" charset="-120"/>
               </a:rPr>
               <a:t>Empty Catch Block</a:t>
             </a:r>
-            <a:endParaRPr lang="en-US" altLang="zh-TW" dirty="0" smtClean="0"/>
+            <a:endParaRPr lang="en-US" altLang="zh-TW" dirty="0" smtClean="0">
+              <a:latin typeface="Times New Roman" panose="02020603050405020304" pitchFamily="18" charset="0"/>
+              <a:ea typeface="標楷體" panose="03000509000000000000" pitchFamily="65" charset="-120"/>
+            </a:endParaRPr>
           </a:p>
         </p:txBody>
       </p:sp>
@@ -32012,13 +32077,19 @@
               <a:defRPr/>
             </a:pPr>
             <a:fld id="{F51DF2D8-0A90-4D55-8DBC-FAEF0C7DDDC6}" type="slidenum">
-              <a:rPr lang="zh-TW" altLang="en-US" smtClean="0"/>
+              <a:rPr lang="zh-TW" altLang="en-US" smtClean="0">
+                <a:latin typeface="Times New Roman" panose="02020603050405020304" pitchFamily="18" charset="0"/>
+                <a:ea typeface="標楷體" panose="03000509000000000000" pitchFamily="65" charset="-120"/>
+              </a:rPr>
               <a:pPr>
                 <a:defRPr/>
               </a:pPr>
               <a:t>19</a:t>
             </a:fld>
-            <a:endParaRPr lang="zh-TW" altLang="en-US" dirty="0"/>
+            <a:endParaRPr lang="zh-TW" altLang="en-US" dirty="0">
+              <a:latin typeface="Times New Roman" panose="02020603050405020304" pitchFamily="18" charset="0"/>
+              <a:ea typeface="標楷體" panose="03000509000000000000" pitchFamily="65" charset="-120"/>
+            </a:endParaRPr>
           </a:p>
         </p:txBody>
       </p:sp>
@@ -32067,69 +32138,69 @@
           <a:p>
             <a:r>
               <a:rPr lang="zh-TW" altLang="en-US" sz="2400" dirty="0" smtClean="0">
-                <a:latin typeface="標楷體" panose="03000509000000000000" pitchFamily="65" charset="-120"/>
+                <a:latin typeface="Times New Roman" panose="02020603050405020304" pitchFamily="18" charset="0"/>
                 <a:ea typeface="標楷體" panose="03000509000000000000" pitchFamily="65" charset="-120"/>
               </a:rPr>
               <a:t>原來的</a:t>
             </a:r>
             <a:r>
               <a:rPr lang="en-US" altLang="zh-TW" sz="2400" dirty="0" smtClean="0">
-                <a:latin typeface="標楷體" panose="03000509000000000000" pitchFamily="65" charset="-120"/>
+                <a:latin typeface="Times New Roman" panose="02020603050405020304" pitchFamily="18" charset="0"/>
                 <a:ea typeface="標楷體" panose="03000509000000000000" pitchFamily="65" charset="-120"/>
               </a:rPr>
               <a:t>Robusta</a:t>
             </a:r>
             <a:r>
               <a:rPr lang="zh-TW" altLang="en-US" sz="2400" dirty="0">
-                <a:latin typeface="標楷體" panose="03000509000000000000" pitchFamily="65" charset="-120"/>
+                <a:latin typeface="Times New Roman" panose="02020603050405020304" pitchFamily="18" charset="0"/>
                 <a:ea typeface="標楷體" panose="03000509000000000000" pitchFamily="65" charset="-120"/>
               </a:rPr>
               <a:t>消除</a:t>
             </a:r>
             <a:r>
               <a:rPr lang="en-US" altLang="zh-TW" sz="2400" dirty="0">
-                <a:latin typeface="標楷體" panose="03000509000000000000" pitchFamily="65" charset="-120"/>
+                <a:latin typeface="Times New Roman" panose="02020603050405020304" pitchFamily="18" charset="0"/>
                 <a:ea typeface="標楷體" panose="03000509000000000000" pitchFamily="65" charset="-120"/>
               </a:rPr>
               <a:t>Dummy Handler</a:t>
             </a:r>
             <a:r>
               <a:rPr lang="zh-TW" altLang="en-US" sz="2400" dirty="0">
-                <a:latin typeface="標楷體" panose="03000509000000000000" pitchFamily="65" charset="-120"/>
+                <a:latin typeface="Times New Roman" panose="02020603050405020304" pitchFamily="18" charset="0"/>
                 <a:ea typeface="標楷體" panose="03000509000000000000" pitchFamily="65" charset="-120"/>
               </a:rPr>
               <a:t> </a:t>
             </a:r>
             <a:r>
               <a:rPr lang="en-US" altLang="zh-TW" sz="2400" dirty="0">
-                <a:latin typeface="標楷體" panose="03000509000000000000" pitchFamily="65" charset="-120"/>
+                <a:latin typeface="Times New Roman" panose="02020603050405020304" pitchFamily="18" charset="0"/>
                 <a:ea typeface="標楷體" panose="03000509000000000000" pitchFamily="65" charset="-120"/>
               </a:rPr>
               <a:t>&amp;</a:t>
             </a:r>
             <a:r>
               <a:rPr lang="zh-TW" altLang="en-US" sz="2400" dirty="0">
-                <a:latin typeface="標楷體" panose="03000509000000000000" pitchFamily="65" charset="-120"/>
+                <a:latin typeface="Times New Roman" panose="02020603050405020304" pitchFamily="18" charset="0"/>
                 <a:ea typeface="標楷體" panose="03000509000000000000" pitchFamily="65" charset="-120"/>
               </a:rPr>
               <a:t> </a:t>
             </a:r>
             <a:r>
               <a:rPr lang="en-US" altLang="zh-TW" sz="2400" dirty="0">
-                <a:latin typeface="標楷體" panose="03000509000000000000" pitchFamily="65" charset="-120"/>
+                <a:latin typeface="Times New Roman" panose="02020603050405020304" pitchFamily="18" charset="0"/>
                 <a:ea typeface="標楷體" panose="03000509000000000000" pitchFamily="65" charset="-120"/>
               </a:rPr>
               <a:t>Empty Catch Block</a:t>
             </a:r>
             <a:r>
               <a:rPr lang="zh-TW" altLang="en-US" sz="2400" dirty="0">
-                <a:latin typeface="標楷體" panose="03000509000000000000" pitchFamily="65" charset="-120"/>
+                <a:latin typeface="Times New Roman" panose="02020603050405020304" pitchFamily="18" charset="0"/>
                 <a:ea typeface="標楷體" panose="03000509000000000000" pitchFamily="65" charset="-120"/>
               </a:rPr>
               <a:t> 功能</a:t>
             </a:r>
             <a:endParaRPr lang="en-US" altLang="zh-TW" sz="2400" dirty="0">
-              <a:latin typeface="標楷體" panose="03000509000000000000" pitchFamily="65" charset="-120"/>
+              <a:latin typeface="Times New Roman" panose="02020603050405020304" pitchFamily="18" charset="0"/>
               <a:ea typeface="標楷體" panose="03000509000000000000" pitchFamily="65" charset="-120"/>
             </a:endParaRPr>
           </a:p>
@@ -32137,41 +32208,41 @@
             <a:pPr lvl="0"/>
             <a:r>
               <a:rPr lang="en-US" altLang="zh-TW" sz="2400" dirty="0">
-                <a:latin typeface="標楷體" panose="03000509000000000000" pitchFamily="65" charset="-120"/>
+                <a:latin typeface="Times New Roman" panose="02020603050405020304" pitchFamily="18" charset="0"/>
                 <a:ea typeface="標楷體" panose="03000509000000000000" pitchFamily="65" charset="-120"/>
               </a:rPr>
               <a:t>1.</a:t>
             </a:r>
             <a:r>
               <a:rPr lang="zh-TW" altLang="en-US" sz="2400" dirty="0">
-                <a:latin typeface="標楷體" panose="03000509000000000000" pitchFamily="65" charset="-120"/>
+                <a:latin typeface="Times New Roman" panose="02020603050405020304" pitchFamily="18" charset="0"/>
                 <a:ea typeface="標楷體" panose="03000509000000000000" pitchFamily="65" charset="-120"/>
               </a:rPr>
               <a:t> </a:t>
             </a:r>
             <a:r>
               <a:rPr lang="zh-TW" altLang="zh-TW" sz="2400" dirty="0">
-                <a:latin typeface="標楷體" panose="03000509000000000000" pitchFamily="65" charset="-120"/>
+                <a:latin typeface="Times New Roman" panose="02020603050405020304" pitchFamily="18" charset="0"/>
                 <a:ea typeface="標楷體" panose="03000509000000000000" pitchFamily="65" charset="-120"/>
               </a:rPr>
               <a:t>快速修復功能</a:t>
             </a:r>
             <a:r>
               <a:rPr lang="en-US" altLang="zh-TW" sz="2400" dirty="0">
-                <a:latin typeface="標楷體" panose="03000509000000000000" pitchFamily="65" charset="-120"/>
+                <a:latin typeface="Times New Roman" panose="02020603050405020304" pitchFamily="18" charset="0"/>
                 <a:ea typeface="標楷體" panose="03000509000000000000" pitchFamily="65" charset="-120"/>
               </a:rPr>
               <a:t>­</a:t>
             </a:r>
             <a:r>
               <a:rPr lang="zh-TW" altLang="zh-TW" sz="2400" dirty="0">
-                <a:latin typeface="標楷體" panose="03000509000000000000" pitchFamily="65" charset="-120"/>
+                <a:latin typeface="Times New Roman" panose="02020603050405020304" pitchFamily="18" charset="0"/>
                 <a:ea typeface="標楷體" panose="03000509000000000000" pitchFamily="65" charset="-120"/>
               </a:rPr>
               <a:t>：丟出例外</a:t>
             </a:r>
             <a:endParaRPr lang="en-US" altLang="zh-TW" sz="2400" dirty="0">
-              <a:latin typeface="標楷體" panose="03000509000000000000" pitchFamily="65" charset="-120"/>
+              <a:latin typeface="Times New Roman" panose="02020603050405020304" pitchFamily="18" charset="0"/>
               <a:ea typeface="標楷體" panose="03000509000000000000" pitchFamily="65" charset="-120"/>
             </a:endParaRPr>
           </a:p>
@@ -32179,48 +32250,48 @@
             <a:pPr lvl="0"/>
             <a:r>
               <a:rPr lang="en-US" altLang="zh-TW" sz="2400" dirty="0">
-                <a:latin typeface="標楷體" panose="03000509000000000000" pitchFamily="65" charset="-120"/>
+                <a:latin typeface="Times New Roman" panose="02020603050405020304" pitchFamily="18" charset="0"/>
                 <a:ea typeface="標楷體" panose="03000509000000000000" pitchFamily="65" charset="-120"/>
               </a:rPr>
               <a:t>2.</a:t>
             </a:r>
             <a:r>
               <a:rPr lang="zh-TW" altLang="en-US" sz="2400" dirty="0">
-                <a:latin typeface="標楷體" panose="03000509000000000000" pitchFamily="65" charset="-120"/>
+                <a:latin typeface="Times New Roman" panose="02020603050405020304" pitchFamily="18" charset="0"/>
                 <a:ea typeface="標楷體" panose="03000509000000000000" pitchFamily="65" charset="-120"/>
               </a:rPr>
               <a:t> </a:t>
             </a:r>
             <a:r>
               <a:rPr lang="zh-TW" altLang="zh-TW" sz="2400" dirty="0">
-                <a:latin typeface="標楷體" panose="03000509000000000000" pitchFamily="65" charset="-120"/>
+                <a:latin typeface="Times New Roman" panose="02020603050405020304" pitchFamily="18" charset="0"/>
                 <a:ea typeface="標楷體" panose="03000509000000000000" pitchFamily="65" charset="-120"/>
               </a:rPr>
               <a:t>快速修復功能</a:t>
             </a:r>
             <a:r>
               <a:rPr lang="en-US" altLang="zh-TW" sz="2400" dirty="0">
-                <a:latin typeface="標楷體" panose="03000509000000000000" pitchFamily="65" charset="-120"/>
+                <a:latin typeface="Times New Roman" panose="02020603050405020304" pitchFamily="18" charset="0"/>
                 <a:ea typeface="標楷體" panose="03000509000000000000" pitchFamily="65" charset="-120"/>
               </a:rPr>
               <a:t>­</a:t>
             </a:r>
             <a:r>
               <a:rPr lang="zh-TW" altLang="zh-TW" sz="2400" dirty="0">
-                <a:latin typeface="標楷體" panose="03000509000000000000" pitchFamily="65" charset="-120"/>
+                <a:latin typeface="Times New Roman" panose="02020603050405020304" pitchFamily="18" charset="0"/>
                 <a:ea typeface="標楷體" panose="03000509000000000000" pitchFamily="65" charset="-120"/>
               </a:rPr>
               <a:t>：丟出</a:t>
             </a:r>
             <a:r>
               <a:rPr lang="en-US" altLang="zh-TW" sz="2400" dirty="0" err="1" smtClean="0">
-                <a:latin typeface="標楷體" panose="03000509000000000000" pitchFamily="65" charset="-120"/>
+                <a:latin typeface="Times New Roman" panose="02020603050405020304" pitchFamily="18" charset="0"/>
                 <a:ea typeface="標楷體" panose="03000509000000000000" pitchFamily="65" charset="-120"/>
               </a:rPr>
               <a:t>RuntimeException</a:t>
             </a:r>
             <a:endParaRPr lang="en-US" altLang="zh-TW" sz="2400" dirty="0">
-              <a:latin typeface="標楷體" panose="03000509000000000000" pitchFamily="65" charset="-120"/>
+              <a:latin typeface="Times New Roman" panose="02020603050405020304" pitchFamily="18" charset="0"/>
               <a:ea typeface="標楷體" panose="03000509000000000000" pitchFamily="65" charset="-120"/>
             </a:endParaRPr>
           </a:p>
@@ -32490,13 +32561,19 @@
               <a:defRPr/>
             </a:pPr>
             <a:fld id="{ED0115F2-BE73-44A4-8422-77B77BF296CA}" type="slidenum">
-              <a:rPr lang="zh-TW" altLang="en-US"/>
+              <a:rPr lang="zh-TW" altLang="en-US">
+                <a:latin typeface="Times New Roman" panose="02020603050405020304" pitchFamily="18" charset="0"/>
+                <a:ea typeface="標楷體" panose="03000509000000000000" pitchFamily="65" charset="-120"/>
+              </a:rPr>
               <a:pPr>
                 <a:defRPr/>
               </a:pPr>
               <a:t>2</a:t>
             </a:fld>
-            <a:endParaRPr lang="zh-TW" altLang="en-US"/>
+            <a:endParaRPr lang="zh-TW" altLang="en-US">
+              <a:latin typeface="Times New Roman" panose="02020603050405020304" pitchFamily="18" charset="0"/>
+              <a:ea typeface="標楷體" panose="03000509000000000000" pitchFamily="65" charset="-120"/>
+            </a:endParaRPr>
           </a:p>
         </p:txBody>
       </p:sp>
@@ -32519,10 +32596,16 @@
               <a:defRPr/>
             </a:pPr>
             <a:r>
-              <a:rPr lang="zh-TW" altLang="en-US" dirty="0" smtClean="0"/>
+              <a:rPr lang="zh-TW" altLang="en-US" dirty="0" smtClean="0">
+                <a:latin typeface="Times New Roman" panose="02020603050405020304" pitchFamily="18" charset="0"/>
+                <a:ea typeface="標楷體" panose="03000509000000000000" pitchFamily="65" charset="-120"/>
+              </a:rPr>
               <a:t>大綱</a:t>
             </a:r>
-            <a:endParaRPr lang="zh-TW" altLang="en-US" dirty="0"/>
+            <a:endParaRPr lang="zh-TW" altLang="en-US" dirty="0">
+              <a:latin typeface="Times New Roman" panose="02020603050405020304" pitchFamily="18" charset="0"/>
+              <a:ea typeface="標楷體" panose="03000509000000000000" pitchFamily="65" charset="-120"/>
+            </a:endParaRPr>
           </a:p>
         </p:txBody>
       </p:sp>
@@ -32547,14 +32630,10 @@
               <a:defRPr/>
             </a:pPr>
             <a:r>
-              <a:rPr lang="zh-TW" altLang="en-US" dirty="0" smtClean="0">
-                <a:latin typeface="標楷體" pitchFamily="65" charset="-120"/>
-              </a:rPr>
+              <a:rPr lang="zh-TW" altLang="en-US" dirty="0" smtClean="0"/>
               <a:t>研究背景與動機</a:t>
             </a:r>
-            <a:endParaRPr lang="en-US" altLang="zh-TW" dirty="0" smtClean="0">
-              <a:latin typeface="標楷體" pitchFamily="65" charset="-120"/>
-            </a:endParaRPr>
+            <a:endParaRPr lang="en-US" altLang="zh-TW" dirty="0" smtClean="0"/>
           </a:p>
           <a:p>
             <a:pPr eaLnBrk="1" hangingPunct="1">
@@ -32563,14 +32642,10 @@
               <a:defRPr/>
             </a:pPr>
             <a:r>
-              <a:rPr lang="zh-TW" altLang="en-US" dirty="0" smtClean="0">
-                <a:latin typeface="標楷體" pitchFamily="65" charset="-120"/>
-              </a:rPr>
+              <a:rPr lang="zh-TW" altLang="en-US" dirty="0" smtClean="0"/>
               <a:t>研究目標</a:t>
             </a:r>
-            <a:endParaRPr lang="en-US" altLang="zh-TW" dirty="0" smtClean="0">
-              <a:latin typeface="標楷體" pitchFamily="65" charset="-120"/>
-            </a:endParaRPr>
+            <a:endParaRPr lang="en-US" altLang="zh-TW" dirty="0" smtClean="0"/>
           </a:p>
           <a:p>
             <a:pPr eaLnBrk="1" hangingPunct="1">
@@ -32579,14 +32654,10 @@
               <a:defRPr/>
             </a:pPr>
             <a:r>
-              <a:rPr lang="zh-TW" altLang="en-US" dirty="0" smtClean="0">
-                <a:latin typeface="標楷體" pitchFamily="65" charset="-120"/>
-              </a:rPr>
+              <a:rPr lang="zh-TW" altLang="en-US" dirty="0" smtClean="0"/>
               <a:t>背景知識</a:t>
             </a:r>
-            <a:endParaRPr lang="en-US" altLang="zh-TW" dirty="0" smtClean="0">
-              <a:latin typeface="標楷體" pitchFamily="65" charset="-120"/>
-            </a:endParaRPr>
+            <a:endParaRPr lang="en-US" altLang="zh-TW" dirty="0" smtClean="0"/>
           </a:p>
           <a:p>
             <a:pPr eaLnBrk="1" hangingPunct="1">
@@ -32595,20 +32666,14 @@
               <a:defRPr/>
             </a:pPr>
             <a:r>
-              <a:rPr lang="zh-TW" altLang="en-US" dirty="0">
-                <a:latin typeface="標楷體" pitchFamily="65" charset="-120"/>
-              </a:rPr>
+              <a:rPr lang="zh-TW" altLang="en-US" dirty="0"/>
               <a:t>研究</a:t>
             </a:r>
             <a:r>
-              <a:rPr lang="zh-TW" altLang="en-US" dirty="0" smtClean="0">
-                <a:latin typeface="標楷體" pitchFamily="65" charset="-120"/>
-              </a:rPr>
+              <a:rPr lang="zh-TW" altLang="en-US" dirty="0" smtClean="0"/>
               <a:t>方法</a:t>
             </a:r>
-            <a:endParaRPr lang="en-US" altLang="zh-TW" dirty="0" smtClean="0">
-              <a:latin typeface="標楷體" pitchFamily="65" charset="-120"/>
-            </a:endParaRPr>
+            <a:endParaRPr lang="en-US" altLang="zh-TW" dirty="0" smtClean="0"/>
           </a:p>
           <a:p>
             <a:pPr eaLnBrk="1" hangingPunct="1">
@@ -32617,20 +32682,14 @@
               <a:defRPr/>
             </a:pPr>
             <a:r>
-              <a:rPr lang="zh-TW" altLang="en-US" dirty="0">
-                <a:latin typeface="標楷體" pitchFamily="65" charset="-120"/>
-              </a:rPr>
+              <a:rPr lang="zh-TW" altLang="en-US" dirty="0"/>
               <a:t>應用</a:t>
             </a:r>
             <a:r>
-              <a:rPr lang="zh-TW" altLang="en-US" dirty="0" smtClean="0">
-                <a:latin typeface="標楷體" pitchFamily="65" charset="-120"/>
-              </a:rPr>
+              <a:rPr lang="zh-TW" altLang="en-US" dirty="0" smtClean="0"/>
               <a:t>實例</a:t>
             </a:r>
-            <a:endParaRPr lang="en-US" altLang="zh-TW" dirty="0" smtClean="0">
-              <a:latin typeface="標楷體" pitchFamily="65" charset="-120"/>
-            </a:endParaRPr>
+            <a:endParaRPr lang="en-US" altLang="zh-TW" dirty="0" smtClean="0"/>
           </a:p>
           <a:p>
             <a:pPr eaLnBrk="1" hangingPunct="1">
@@ -32639,26 +32698,18 @@
               <a:defRPr/>
             </a:pPr>
             <a:r>
-              <a:rPr lang="zh-TW" altLang="en-US" dirty="0" smtClean="0">
-                <a:latin typeface="標楷體" pitchFamily="65" charset="-120"/>
-              </a:rPr>
+              <a:rPr lang="zh-TW" altLang="en-US" dirty="0" smtClean="0"/>
               <a:t>結論</a:t>
             </a:r>
             <a:r>
-              <a:rPr lang="zh-TW" altLang="en-US" dirty="0">
-                <a:latin typeface="標楷體" pitchFamily="65" charset="-120"/>
-              </a:rPr>
+              <a:rPr lang="zh-TW" altLang="en-US" dirty="0"/>
               <a:t>與</a:t>
             </a:r>
             <a:r>
-              <a:rPr lang="zh-TW" altLang="en-US" dirty="0" smtClean="0">
-                <a:latin typeface="標楷體" pitchFamily="65" charset="-120"/>
-              </a:rPr>
+              <a:rPr lang="zh-TW" altLang="en-US" dirty="0" smtClean="0"/>
               <a:t>未來展望</a:t>
             </a:r>
-            <a:endParaRPr lang="zh-TW" altLang="en-US" dirty="0">
-              <a:latin typeface="標楷體" pitchFamily="65" charset="-120"/>
-            </a:endParaRPr>
+            <a:endParaRPr lang="zh-TW" altLang="en-US" dirty="0"/>
           </a:p>
         </p:txBody>
       </p:sp>
@@ -32700,8 +32751,8 @@
                     <a:lumMod val="50000"/>
                   </a:schemeClr>
                 </a:solidFill>
-                <a:latin typeface="+mn-lt"/>
-                <a:ea typeface="+mn-ea"/>
+                <a:latin typeface="Times New Roman" panose="02020603050405020304" pitchFamily="18" charset="0"/>
+                <a:ea typeface="標楷體" panose="03000509000000000000" pitchFamily="65" charset="-120"/>
               </a:rPr>
               <a:pPr algn="r" fontAlgn="auto">
                 <a:spcBef>
@@ -32720,8 +32771,8 @@
                   <a:lumMod val="50000"/>
                 </a:schemeClr>
               </a:solidFill>
-              <a:latin typeface="+mn-lt"/>
-              <a:ea typeface="+mn-ea"/>
+              <a:latin typeface="Times New Roman" panose="02020603050405020304" pitchFamily="18" charset="0"/>
+              <a:ea typeface="標楷體" panose="03000509000000000000" pitchFamily="65" charset="-120"/>
             </a:endParaRPr>
           </a:p>
         </p:txBody>
@@ -32785,33 +32836,46 @@
             <a:r>
               <a:rPr lang="en-US" altLang="zh-TW" dirty="0">
                 <a:effectLst/>
+                <a:latin typeface="Times New Roman" panose="02020603050405020304" pitchFamily="18" charset="0"/>
+                <a:ea typeface="標楷體" panose="03000509000000000000" pitchFamily="65" charset="-120"/>
               </a:rPr>
               <a:t>Dummy Handler</a:t>
             </a:r>
             <a:r>
               <a:rPr lang="zh-TW" altLang="en-US" dirty="0">
                 <a:effectLst/>
+                <a:latin typeface="Times New Roman" panose="02020603050405020304" pitchFamily="18" charset="0"/>
+                <a:ea typeface="標楷體" panose="03000509000000000000" pitchFamily="65" charset="-120"/>
               </a:rPr>
               <a:t> </a:t>
             </a:r>
             <a:r>
               <a:rPr lang="en-US" altLang="zh-TW" dirty="0">
                 <a:effectLst/>
+                <a:latin typeface="Times New Roman" panose="02020603050405020304" pitchFamily="18" charset="0"/>
+                <a:ea typeface="標楷體" panose="03000509000000000000" pitchFamily="65" charset="-120"/>
               </a:rPr>
               <a:t>&amp;</a:t>
             </a:r>
             <a:br>
               <a:rPr lang="en-US" altLang="zh-TW" dirty="0">
                 <a:effectLst/>
+                <a:latin typeface="Times New Roman" panose="02020603050405020304" pitchFamily="18" charset="0"/>
+                <a:ea typeface="標楷體" panose="03000509000000000000" pitchFamily="65" charset="-120"/>
               </a:rPr>
             </a:br>
             <a:r>
               <a:rPr lang="en-US" altLang="zh-TW" dirty="0">
                 <a:effectLst/>
+                <a:latin typeface="Times New Roman" panose="02020603050405020304" pitchFamily="18" charset="0"/>
+                <a:ea typeface="標楷體" panose="03000509000000000000" pitchFamily="65" charset="-120"/>
               </a:rPr>
               <a:t>Empty Catch Block</a:t>
             </a:r>
-            <a:endParaRPr lang="en-US" altLang="zh-TW" dirty="0" smtClean="0"/>
+            <a:endParaRPr lang="en-US" altLang="zh-TW" dirty="0" smtClean="0">
+              <a:latin typeface="Times New Roman" panose="02020603050405020304" pitchFamily="18" charset="0"/>
+              <a:ea typeface="標楷體" panose="03000509000000000000" pitchFamily="65" charset="-120"/>
+            </a:endParaRPr>
           </a:p>
         </p:txBody>
       </p:sp>
@@ -32834,13 +32898,19 @@
               <a:defRPr/>
             </a:pPr>
             <a:fld id="{F51DF2D8-0A90-4D55-8DBC-FAEF0C7DDDC6}" type="slidenum">
-              <a:rPr lang="zh-TW" altLang="en-US" smtClean="0"/>
+              <a:rPr lang="zh-TW" altLang="en-US" smtClean="0">
+                <a:latin typeface="Times New Roman" panose="02020603050405020304" pitchFamily="18" charset="0"/>
+                <a:ea typeface="標楷體" panose="03000509000000000000" pitchFamily="65" charset="-120"/>
+              </a:rPr>
               <a:pPr>
                 <a:defRPr/>
               </a:pPr>
               <a:t>20</a:t>
             </a:fld>
-            <a:endParaRPr lang="zh-TW" altLang="en-US" dirty="0"/>
+            <a:endParaRPr lang="zh-TW" altLang="en-US" dirty="0">
+              <a:latin typeface="Times New Roman" panose="02020603050405020304" pitchFamily="18" charset="0"/>
+              <a:ea typeface="標楷體" panose="03000509000000000000" pitchFamily="65" charset="-120"/>
+            </a:endParaRPr>
           </a:p>
         </p:txBody>
       </p:sp>
@@ -32868,20 +32938,20 @@
           <a:p>
             <a:r>
               <a:rPr lang="en-US" altLang="zh-TW" sz="2400" dirty="0" smtClean="0">
-                <a:latin typeface="標楷體" panose="03000509000000000000" pitchFamily="65" charset="-120"/>
+                <a:latin typeface="Times New Roman" panose="02020603050405020304" pitchFamily="18" charset="0"/>
                 <a:ea typeface="標楷體" panose="03000509000000000000" pitchFamily="65" charset="-120"/>
               </a:rPr>
               <a:t>Robusta</a:t>
             </a:r>
             <a:r>
               <a:rPr lang="zh-TW" altLang="en-US" sz="2400" dirty="0" smtClean="0">
-                <a:latin typeface="標楷體" panose="03000509000000000000" pitchFamily="65" charset="-120"/>
+                <a:latin typeface="Times New Roman" panose="02020603050405020304" pitchFamily="18" charset="0"/>
                 <a:ea typeface="標楷體" panose="03000509000000000000" pitchFamily="65" charset="-120"/>
               </a:rPr>
               <a:t>原先提供的功能：</a:t>
             </a:r>
             <a:endParaRPr lang="en-US" altLang="zh-TW" sz="2400" dirty="0" smtClean="0">
-              <a:latin typeface="標楷體" panose="03000509000000000000" pitchFamily="65" charset="-120"/>
+              <a:latin typeface="Times New Roman" panose="02020603050405020304" pitchFamily="18" charset="0"/>
               <a:ea typeface="標楷體" panose="03000509000000000000" pitchFamily="65" charset="-120"/>
             </a:endParaRPr>
           </a:p>
@@ -32889,55 +32959,55 @@
             <a:pPr lvl="0"/>
             <a:r>
               <a:rPr lang="en-US" altLang="zh-TW" sz="2400" dirty="0" smtClean="0">
-                <a:latin typeface="標楷體" panose="03000509000000000000" pitchFamily="65" charset="-120"/>
+                <a:latin typeface="Times New Roman" panose="02020603050405020304" pitchFamily="18" charset="0"/>
                 <a:ea typeface="標楷體" panose="03000509000000000000" pitchFamily="65" charset="-120"/>
               </a:rPr>
               <a:t>1.</a:t>
             </a:r>
             <a:r>
               <a:rPr lang="zh-TW" altLang="en-US" sz="2400" dirty="0" smtClean="0">
-                <a:latin typeface="標楷體" panose="03000509000000000000" pitchFamily="65" charset="-120"/>
+                <a:latin typeface="Times New Roman" panose="02020603050405020304" pitchFamily="18" charset="0"/>
                 <a:ea typeface="標楷體" panose="03000509000000000000" pitchFamily="65" charset="-120"/>
               </a:rPr>
               <a:t> </a:t>
             </a:r>
             <a:r>
               <a:rPr lang="zh-TW" altLang="zh-TW" sz="2400" dirty="0" smtClean="0">
-                <a:latin typeface="標楷體" panose="03000509000000000000" pitchFamily="65" charset="-120"/>
+                <a:latin typeface="Times New Roman" panose="02020603050405020304" pitchFamily="18" charset="0"/>
                 <a:ea typeface="標楷體" panose="03000509000000000000" pitchFamily="65" charset="-120"/>
               </a:rPr>
               <a:t>快速</a:t>
             </a:r>
             <a:r>
               <a:rPr lang="zh-TW" altLang="zh-TW" sz="2400" dirty="0">
-                <a:latin typeface="標楷體" panose="03000509000000000000" pitchFamily="65" charset="-120"/>
+                <a:latin typeface="Times New Roman" panose="02020603050405020304" pitchFamily="18" charset="0"/>
                 <a:ea typeface="標楷體" panose="03000509000000000000" pitchFamily="65" charset="-120"/>
               </a:rPr>
               <a:t>修復功能</a:t>
             </a:r>
             <a:r>
               <a:rPr lang="en-US" altLang="zh-TW" sz="2400" dirty="0">
-                <a:latin typeface="標楷體" panose="03000509000000000000" pitchFamily="65" charset="-120"/>
+                <a:latin typeface="Times New Roman" panose="02020603050405020304" pitchFamily="18" charset="0"/>
                 <a:ea typeface="標楷體" panose="03000509000000000000" pitchFamily="65" charset="-120"/>
               </a:rPr>
               <a:t>­</a:t>
             </a:r>
             <a:r>
               <a:rPr lang="zh-TW" altLang="zh-TW" sz="2400" dirty="0">
-                <a:latin typeface="標楷體" panose="03000509000000000000" pitchFamily="65" charset="-120"/>
+                <a:latin typeface="Times New Roman" panose="02020603050405020304" pitchFamily="18" charset="0"/>
                 <a:ea typeface="標楷體" panose="03000509000000000000" pitchFamily="65" charset="-120"/>
               </a:rPr>
               <a:t>：丟出</a:t>
             </a:r>
             <a:r>
               <a:rPr lang="zh-TW" altLang="zh-TW" sz="2400" dirty="0" smtClean="0">
-                <a:latin typeface="標楷體" panose="03000509000000000000" pitchFamily="65" charset="-120"/>
+                <a:latin typeface="Times New Roman" panose="02020603050405020304" pitchFamily="18" charset="0"/>
                 <a:ea typeface="標楷體" panose="03000509000000000000" pitchFamily="65" charset="-120"/>
               </a:rPr>
               <a:t>例外</a:t>
             </a:r>
             <a:endParaRPr lang="en-US" altLang="zh-TW" sz="2400" dirty="0" smtClean="0">
-              <a:latin typeface="標楷體" panose="03000509000000000000" pitchFamily="65" charset="-120"/>
+              <a:latin typeface="Times New Roman" panose="02020603050405020304" pitchFamily="18" charset="0"/>
               <a:ea typeface="標楷體" panose="03000509000000000000" pitchFamily="65" charset="-120"/>
             </a:endParaRPr>
           </a:p>
@@ -32945,62 +33015,62 @@
             <a:pPr lvl="0"/>
             <a:r>
               <a:rPr lang="en-US" altLang="zh-TW" sz="2400" dirty="0" smtClean="0">
-                <a:latin typeface="標楷體" panose="03000509000000000000" pitchFamily="65" charset="-120"/>
+                <a:latin typeface="Times New Roman" panose="02020603050405020304" pitchFamily="18" charset="0"/>
                 <a:ea typeface="標楷體" panose="03000509000000000000" pitchFamily="65" charset="-120"/>
               </a:rPr>
               <a:t>2.</a:t>
             </a:r>
             <a:r>
               <a:rPr lang="zh-TW" altLang="en-US" sz="2400" dirty="0" smtClean="0">
-                <a:latin typeface="標楷體" panose="03000509000000000000" pitchFamily="65" charset="-120"/>
+                <a:latin typeface="Times New Roman" panose="02020603050405020304" pitchFamily="18" charset="0"/>
                 <a:ea typeface="標楷體" panose="03000509000000000000" pitchFamily="65" charset="-120"/>
               </a:rPr>
               <a:t> </a:t>
             </a:r>
             <a:r>
               <a:rPr lang="zh-TW" altLang="zh-TW" sz="2400" dirty="0" smtClean="0">
-                <a:latin typeface="標楷體" panose="03000509000000000000" pitchFamily="65" charset="-120"/>
+                <a:latin typeface="Times New Roman" panose="02020603050405020304" pitchFamily="18" charset="0"/>
                 <a:ea typeface="標楷體" panose="03000509000000000000" pitchFamily="65" charset="-120"/>
               </a:rPr>
               <a:t>快速</a:t>
             </a:r>
             <a:r>
               <a:rPr lang="zh-TW" altLang="zh-TW" sz="2400" dirty="0">
-                <a:latin typeface="標楷體" panose="03000509000000000000" pitchFamily="65" charset="-120"/>
+                <a:latin typeface="Times New Roman" panose="02020603050405020304" pitchFamily="18" charset="0"/>
                 <a:ea typeface="標楷體" panose="03000509000000000000" pitchFamily="65" charset="-120"/>
               </a:rPr>
               <a:t>修復功能</a:t>
             </a:r>
             <a:r>
               <a:rPr lang="en-US" altLang="zh-TW" sz="2400" dirty="0">
-                <a:latin typeface="標楷體" panose="03000509000000000000" pitchFamily="65" charset="-120"/>
+                <a:latin typeface="Times New Roman" panose="02020603050405020304" pitchFamily="18" charset="0"/>
                 <a:ea typeface="標楷體" panose="03000509000000000000" pitchFamily="65" charset="-120"/>
               </a:rPr>
               <a:t>­</a:t>
             </a:r>
             <a:r>
               <a:rPr lang="zh-TW" altLang="zh-TW" sz="2400" dirty="0">
-                <a:latin typeface="標楷體" panose="03000509000000000000" pitchFamily="65" charset="-120"/>
+                <a:latin typeface="Times New Roman" panose="02020603050405020304" pitchFamily="18" charset="0"/>
                 <a:ea typeface="標楷體" panose="03000509000000000000" pitchFamily="65" charset="-120"/>
               </a:rPr>
               <a:t>：丟出</a:t>
             </a:r>
             <a:r>
               <a:rPr lang="en-US" altLang="zh-TW" sz="2400" dirty="0" err="1" smtClean="0">
-                <a:latin typeface="標楷體" panose="03000509000000000000" pitchFamily="65" charset="-120"/>
+                <a:latin typeface="Times New Roman" panose="02020603050405020304" pitchFamily="18" charset="0"/>
                 <a:ea typeface="標楷體" panose="03000509000000000000" pitchFamily="65" charset="-120"/>
               </a:rPr>
               <a:t>RuntimeException</a:t>
             </a:r>
             <a:endParaRPr lang="en-US" altLang="zh-TW" sz="2400" dirty="0" smtClean="0">
-              <a:latin typeface="標楷體" panose="03000509000000000000" pitchFamily="65" charset="-120"/>
+              <a:latin typeface="Times New Roman" panose="02020603050405020304" pitchFamily="18" charset="0"/>
               <a:ea typeface="標楷體" panose="03000509000000000000" pitchFamily="65" charset="-120"/>
             </a:endParaRPr>
           </a:p>
           <a:p>
             <a:pPr lvl="0"/>
             <a:endParaRPr lang="zh-TW" altLang="en-US" sz="2000" dirty="0">
-              <a:latin typeface="標楷體" panose="03000509000000000000" pitchFamily="65" charset="-120"/>
+              <a:latin typeface="Times New Roman" panose="02020603050405020304" pitchFamily="18" charset="0"/>
               <a:ea typeface="標楷體" panose="03000509000000000000" pitchFamily="65" charset="-120"/>
             </a:endParaRPr>
           </a:p>
@@ -33042,7 +33112,10 @@
           <a:lstStyle/>
           <a:p>
             <a:pPr algn="ctr"/>
-            <a:endParaRPr lang="zh-TW" altLang="en-US"/>
+            <a:endParaRPr lang="zh-TW" altLang="en-US">
+              <a:latin typeface="Times New Roman" panose="02020603050405020304" pitchFamily="18" charset="0"/>
+              <a:ea typeface="標楷體" panose="03000509000000000000" pitchFamily="65" charset="-120"/>
+            </a:endParaRPr>
           </a:p>
         </p:txBody>
       </p:sp>
@@ -33070,65 +33143,68 @@
           <a:p>
             <a:r>
               <a:rPr lang="zh-TW" altLang="en-US" sz="2400" dirty="0" smtClean="0">
-                <a:latin typeface="標楷體" panose="03000509000000000000" pitchFamily="65" charset="-120"/>
+                <a:latin typeface="Times New Roman" panose="02020603050405020304" pitchFamily="18" charset="0"/>
                 <a:ea typeface="標楷體" panose="03000509000000000000" pitchFamily="65" charset="-120"/>
               </a:rPr>
               <a:t>重新修正後的功能：</a:t>
             </a:r>
             <a:endParaRPr lang="en-US" altLang="zh-TW" sz="2400" dirty="0" smtClean="0">
-              <a:latin typeface="標楷體" panose="03000509000000000000" pitchFamily="65" charset="-120"/>
+              <a:latin typeface="Times New Roman" panose="02020603050405020304" pitchFamily="18" charset="0"/>
               <a:ea typeface="標楷體" panose="03000509000000000000" pitchFamily="65" charset="-120"/>
             </a:endParaRPr>
           </a:p>
           <a:p>
             <a:r>
               <a:rPr lang="zh-TW" altLang="zh-TW" sz="2400" dirty="0" smtClean="0">
-                <a:latin typeface="標楷體" panose="03000509000000000000" pitchFamily="65" charset="-120"/>
+                <a:latin typeface="Times New Roman" panose="02020603050405020304" pitchFamily="18" charset="0"/>
                 <a:ea typeface="標楷體" panose="03000509000000000000" pitchFamily="65" charset="-120"/>
               </a:rPr>
               <a:t>快速</a:t>
             </a:r>
             <a:r>
               <a:rPr lang="zh-TW" altLang="zh-TW" sz="2400" dirty="0">
-                <a:latin typeface="標楷體" panose="03000509000000000000" pitchFamily="65" charset="-120"/>
+                <a:latin typeface="Times New Roman" panose="02020603050405020304" pitchFamily="18" charset="0"/>
                 <a:ea typeface="標楷體" panose="03000509000000000000" pitchFamily="65" charset="-120"/>
               </a:rPr>
               <a:t>修復功能</a:t>
             </a:r>
             <a:r>
               <a:rPr lang="en-US" altLang="zh-TW" sz="2400" dirty="0">
-                <a:latin typeface="標楷體" panose="03000509000000000000" pitchFamily="65" charset="-120"/>
+                <a:latin typeface="Times New Roman" panose="02020603050405020304" pitchFamily="18" charset="0"/>
                 <a:ea typeface="標楷體" panose="03000509000000000000" pitchFamily="65" charset="-120"/>
               </a:rPr>
               <a:t>­</a:t>
             </a:r>
             <a:r>
               <a:rPr lang="zh-TW" altLang="zh-TW" sz="2400" dirty="0">
-                <a:latin typeface="標楷體" panose="03000509000000000000" pitchFamily="65" charset="-120"/>
+                <a:latin typeface="Times New Roman" panose="02020603050405020304" pitchFamily="18" charset="0"/>
                 <a:ea typeface="標楷體" panose="03000509000000000000" pitchFamily="65" charset="-120"/>
               </a:rPr>
               <a:t>：丟出</a:t>
             </a:r>
             <a:r>
               <a:rPr lang="zh-TW" altLang="zh-TW" sz="2400" dirty="0" smtClean="0">
-                <a:latin typeface="標楷體" panose="03000509000000000000" pitchFamily="65" charset="-120"/>
+                <a:latin typeface="Times New Roman" panose="02020603050405020304" pitchFamily="18" charset="0"/>
                 <a:ea typeface="標楷體" panose="03000509000000000000" pitchFamily="65" charset="-120"/>
               </a:rPr>
               <a:t>例外</a:t>
             </a:r>
             <a:endParaRPr lang="en-US" altLang="zh-TW" sz="2400" dirty="0" smtClean="0">
-              <a:latin typeface="標楷體" panose="03000509000000000000" pitchFamily="65" charset="-120"/>
+              <a:latin typeface="Times New Roman" panose="02020603050405020304" pitchFamily="18" charset="0"/>
               <a:ea typeface="標楷體" panose="03000509000000000000" pitchFamily="65" charset="-120"/>
             </a:endParaRPr>
           </a:p>
           <a:p>
             <a:endParaRPr lang="en-US" altLang="zh-TW" dirty="0">
-              <a:latin typeface="標楷體" panose="03000509000000000000" pitchFamily="65" charset="-120"/>
+              <a:latin typeface="Times New Roman" panose="02020603050405020304" pitchFamily="18" charset="0"/>
               <a:ea typeface="標楷體" panose="03000509000000000000" pitchFamily="65" charset="-120"/>
             </a:endParaRPr>
           </a:p>
           <a:p>
-            <a:endParaRPr lang="zh-TW" altLang="en-US" dirty="0"/>
+            <a:endParaRPr lang="zh-TW" altLang="en-US" dirty="0">
+              <a:latin typeface="Times New Roman" panose="02020603050405020304" pitchFamily="18" charset="0"/>
+              <a:ea typeface="標楷體" panose="03000509000000000000" pitchFamily="65" charset="-120"/>
+            </a:endParaRPr>
           </a:p>
         </p:txBody>
       </p:sp>
@@ -33645,7 +33721,9 @@
           <a:bodyPr/>
           <a:lstStyle/>
           <a:p>
-            <a:endParaRPr lang="zh-TW" altLang="en-US"/>
+            <a:endParaRPr lang="zh-TW" altLang="en-US">
+              <a:ea typeface="標楷體" panose="03000509000000000000" pitchFamily="65" charset="-120"/>
+            </a:endParaRPr>
           </a:p>
         </p:txBody>
       </p:sp>
@@ -33705,13 +33783,17 @@
               <a:defRPr/>
             </a:pPr>
             <a:fld id="{FA33E7F6-7DB5-42E2-BCD2-1CC370773B85}" type="slidenum">
-              <a:rPr lang="zh-TW" altLang="en-US" smtClean="0"/>
+              <a:rPr lang="zh-TW" altLang="en-US" smtClean="0">
+                <a:ea typeface="標楷體" panose="03000509000000000000" pitchFamily="65" charset="-120"/>
+              </a:rPr>
               <a:pPr>
                 <a:defRPr/>
               </a:pPr>
               <a:t>24</a:t>
             </a:fld>
-            <a:endParaRPr lang="zh-TW" altLang="en-US"/>
+            <a:endParaRPr lang="zh-TW" altLang="en-US">
+              <a:ea typeface="標楷體" panose="03000509000000000000" pitchFamily="65" charset="-120"/>
+            </a:endParaRPr>
           </a:p>
         </p:txBody>
       </p:sp>
@@ -33970,13 +34052,19 @@
               <a:defRPr/>
             </a:pPr>
             <a:fld id="{F51DF2D8-0A90-4D55-8DBC-FAEF0C7DDDC6}" type="slidenum">
-              <a:rPr lang="zh-TW" altLang="en-US" smtClean="0"/>
+              <a:rPr lang="zh-TW" altLang="en-US" smtClean="0">
+                <a:latin typeface="Times New Roman" panose="02020603050405020304" pitchFamily="18" charset="0"/>
+                <a:ea typeface="標楷體" panose="03000509000000000000" pitchFamily="65" charset="-120"/>
+              </a:rPr>
               <a:pPr>
                 <a:defRPr/>
               </a:pPr>
               <a:t>26</a:t>
             </a:fld>
-            <a:endParaRPr lang="zh-TW" altLang="en-US" dirty="0"/>
+            <a:endParaRPr lang="zh-TW" altLang="en-US" dirty="0">
+              <a:latin typeface="Times New Roman" panose="02020603050405020304" pitchFamily="18" charset="0"/>
+              <a:ea typeface="標楷體" panose="03000509000000000000" pitchFamily="65" charset="-120"/>
+            </a:endParaRPr>
           </a:p>
         </p:txBody>
       </p:sp>
@@ -34006,21 +34094,30 @@
             <a:r>
               <a:rPr lang="en-US" altLang="zh-TW" dirty="0">
                 <a:effectLst/>
+                <a:latin typeface="Times New Roman" panose="02020603050405020304" pitchFamily="18" charset="0"/>
+                <a:ea typeface="標楷體" panose="03000509000000000000" pitchFamily="65" charset="-120"/>
               </a:rPr>
               <a:t>Exception Thrown From </a:t>
             </a:r>
             <a:br>
               <a:rPr lang="en-US" altLang="zh-TW" dirty="0">
                 <a:effectLst/>
+                <a:latin typeface="Times New Roman" panose="02020603050405020304" pitchFamily="18" charset="0"/>
+                <a:ea typeface="標楷體" panose="03000509000000000000" pitchFamily="65" charset="-120"/>
               </a:rPr>
             </a:br>
             <a:r>
               <a:rPr lang="en-US" altLang="zh-TW" dirty="0">
                 <a:effectLst/>
+                <a:latin typeface="Times New Roman" panose="02020603050405020304" pitchFamily="18" charset="0"/>
+                <a:ea typeface="標楷體" panose="03000509000000000000" pitchFamily="65" charset="-120"/>
               </a:rPr>
               <a:t>Finally Block</a:t>
             </a:r>
-            <a:endParaRPr lang="en-US" altLang="zh-TW" dirty="0" smtClean="0"/>
+            <a:endParaRPr lang="en-US" altLang="zh-TW" dirty="0" smtClean="0">
+              <a:latin typeface="Times New Roman" panose="02020603050405020304" pitchFamily="18" charset="0"/>
+              <a:ea typeface="標楷體" panose="03000509000000000000" pitchFamily="65" charset="-120"/>
+            </a:endParaRPr>
           </a:p>
         </p:txBody>
       </p:sp>
@@ -34102,13 +34199,19 @@
               <a:defRPr/>
             </a:pPr>
             <a:fld id="{F51DF2D8-0A90-4D55-8DBC-FAEF0C7DDDC6}" type="slidenum">
-              <a:rPr lang="zh-TW" altLang="en-US" smtClean="0"/>
+              <a:rPr lang="zh-TW" altLang="en-US" smtClean="0">
+                <a:latin typeface="Times New Roman" panose="02020603050405020304" pitchFamily="18" charset="0"/>
+                <a:ea typeface="標楷體" panose="03000509000000000000" pitchFamily="65" charset="-120"/>
+              </a:rPr>
               <a:pPr>
                 <a:defRPr/>
               </a:pPr>
               <a:t>27</a:t>
             </a:fld>
-            <a:endParaRPr lang="zh-TW" altLang="en-US" dirty="0"/>
+            <a:endParaRPr lang="zh-TW" altLang="en-US" dirty="0">
+              <a:latin typeface="Times New Roman" panose="02020603050405020304" pitchFamily="18" charset="0"/>
+              <a:ea typeface="標楷體" panose="03000509000000000000" pitchFamily="65" charset="-120"/>
+            </a:endParaRPr>
           </a:p>
         </p:txBody>
       </p:sp>
@@ -34138,21 +34241,30 @@
             <a:r>
               <a:rPr lang="en-US" altLang="zh-TW" dirty="0">
                 <a:effectLst/>
+                <a:latin typeface="Times New Roman" panose="02020603050405020304" pitchFamily="18" charset="0"/>
+                <a:ea typeface="標楷體" panose="03000509000000000000" pitchFamily="65" charset="-120"/>
               </a:rPr>
               <a:t>Exception Thrown From </a:t>
             </a:r>
             <a:br>
               <a:rPr lang="en-US" altLang="zh-TW" dirty="0">
                 <a:effectLst/>
+                <a:latin typeface="Times New Roman" panose="02020603050405020304" pitchFamily="18" charset="0"/>
+                <a:ea typeface="標楷體" panose="03000509000000000000" pitchFamily="65" charset="-120"/>
               </a:rPr>
             </a:br>
             <a:r>
               <a:rPr lang="en-US" altLang="zh-TW" dirty="0">
                 <a:effectLst/>
+                <a:latin typeface="Times New Roman" panose="02020603050405020304" pitchFamily="18" charset="0"/>
+                <a:ea typeface="標楷體" panose="03000509000000000000" pitchFamily="65" charset="-120"/>
               </a:rPr>
               <a:t>Finally Block</a:t>
             </a:r>
-            <a:endParaRPr lang="en-US" altLang="zh-TW" dirty="0" smtClean="0"/>
+            <a:endParaRPr lang="en-US" altLang="zh-TW" dirty="0" smtClean="0">
+              <a:latin typeface="Times New Roman" panose="02020603050405020304" pitchFamily="18" charset="0"/>
+              <a:ea typeface="標楷體" panose="03000509000000000000" pitchFamily="65" charset="-120"/>
+            </a:endParaRPr>
           </a:p>
         </p:txBody>
       </p:sp>
@@ -34180,13 +34292,13 @@
           <a:p>
             <a:r>
               <a:rPr lang="zh-TW" altLang="en-US" sz="2400" dirty="0" smtClean="0">
-                <a:latin typeface="標楷體" panose="03000509000000000000" pitchFamily="65" charset="-120"/>
+                <a:latin typeface="Times New Roman" panose="02020603050405020304" pitchFamily="18" charset="0"/>
                 <a:ea typeface="標楷體" panose="03000509000000000000" pitchFamily="65" charset="-120"/>
               </a:rPr>
               <a:t>改善後的重構功能</a:t>
             </a:r>
             <a:endParaRPr lang="en-US" altLang="zh-TW" sz="2400" dirty="0" smtClean="0">
-              <a:latin typeface="標楷體" panose="03000509000000000000" pitchFamily="65" charset="-120"/>
+              <a:latin typeface="Times New Roman" panose="02020603050405020304" pitchFamily="18" charset="0"/>
               <a:ea typeface="標楷體" panose="03000509000000000000" pitchFamily="65" charset="-120"/>
             </a:endParaRPr>
           </a:p>
@@ -34594,13 +34706,19 @@
               <a:defRPr/>
             </a:pPr>
             <a:fld id="{ED0115F2-BE73-44A4-8422-77B77BF296CA}" type="slidenum">
-              <a:rPr lang="zh-TW" altLang="en-US"/>
+              <a:rPr lang="zh-TW" altLang="en-US">
+                <a:latin typeface="Times New Roman" panose="02020603050405020304" pitchFamily="18" charset="0"/>
+                <a:ea typeface="標楷體" panose="03000509000000000000" pitchFamily="65" charset="-120"/>
+              </a:rPr>
               <a:pPr>
                 <a:defRPr/>
               </a:pPr>
               <a:t>3</a:t>
             </a:fld>
-            <a:endParaRPr lang="zh-TW" altLang="en-US"/>
+            <a:endParaRPr lang="zh-TW" altLang="en-US">
+              <a:latin typeface="Times New Roman" panose="02020603050405020304" pitchFamily="18" charset="0"/>
+              <a:ea typeface="標楷體" panose="03000509000000000000" pitchFamily="65" charset="-120"/>
+            </a:endParaRPr>
           </a:p>
         </p:txBody>
       </p:sp>
@@ -34623,10 +34741,16 @@
               <a:defRPr/>
             </a:pPr>
             <a:r>
-              <a:rPr lang="zh-TW" altLang="en-US" dirty="0" smtClean="0"/>
+              <a:rPr lang="zh-TW" altLang="en-US" dirty="0" smtClean="0">
+                <a:latin typeface="Times New Roman" panose="02020603050405020304" pitchFamily="18" charset="0"/>
+                <a:ea typeface="標楷體" panose="03000509000000000000" pitchFamily="65" charset="-120"/>
+              </a:rPr>
               <a:t>大綱</a:t>
             </a:r>
-            <a:endParaRPr lang="zh-TW" altLang="en-US" dirty="0"/>
+            <a:endParaRPr lang="zh-TW" altLang="en-US" dirty="0">
+              <a:latin typeface="Times New Roman" panose="02020603050405020304" pitchFamily="18" charset="0"/>
+              <a:ea typeface="標楷體" panose="03000509000000000000" pitchFamily="65" charset="-120"/>
+            </a:endParaRPr>
           </a:p>
         </p:txBody>
       </p:sp>
@@ -34651,14 +34775,10 @@
               <a:defRPr/>
             </a:pPr>
             <a:r>
-              <a:rPr lang="zh-TW" altLang="en-US" dirty="0" smtClean="0">
-                <a:latin typeface="標楷體" pitchFamily="65" charset="-120"/>
-              </a:rPr>
+              <a:rPr lang="zh-TW" altLang="en-US" dirty="0" smtClean="0"/>
               <a:t>研究背景與動機</a:t>
             </a:r>
-            <a:endParaRPr lang="en-US" altLang="zh-TW" dirty="0" smtClean="0">
-              <a:latin typeface="標楷體" pitchFamily="65" charset="-120"/>
-            </a:endParaRPr>
+            <a:endParaRPr lang="en-US" altLang="zh-TW" dirty="0" smtClean="0"/>
           </a:p>
           <a:p>
             <a:pPr eaLnBrk="1" hangingPunct="1">
@@ -34673,7 +34793,6 @@
                     <a:lumMod val="75000"/>
                   </a:schemeClr>
                 </a:solidFill>
-                <a:latin typeface="標楷體" pitchFamily="65" charset="-120"/>
               </a:rPr>
               <a:t>研究目標</a:t>
             </a:r>
@@ -34683,7 +34802,6 @@
                   <a:lumMod val="75000"/>
                 </a:schemeClr>
               </a:solidFill>
-              <a:latin typeface="標楷體" pitchFamily="65" charset="-120"/>
             </a:endParaRPr>
           </a:p>
           <a:p>
@@ -34699,7 +34817,6 @@
                     <a:lumMod val="75000"/>
                   </a:schemeClr>
                 </a:solidFill>
-                <a:latin typeface="標楷體" pitchFamily="65" charset="-120"/>
               </a:rPr>
               <a:t>背景知識</a:t>
             </a:r>
@@ -34709,7 +34826,6 @@
                   <a:lumMod val="75000"/>
                 </a:schemeClr>
               </a:solidFill>
-              <a:latin typeface="標楷體" pitchFamily="65" charset="-120"/>
             </a:endParaRPr>
           </a:p>
           <a:p>
@@ -34725,7 +34841,6 @@
                     <a:lumMod val="75000"/>
                   </a:schemeClr>
                 </a:solidFill>
-                <a:latin typeface="標楷體" pitchFamily="65" charset="-120"/>
               </a:rPr>
               <a:t>研究方法</a:t>
             </a:r>
@@ -34743,7 +34858,6 @@
                     <a:lumMod val="75000"/>
                   </a:schemeClr>
                 </a:solidFill>
-                <a:latin typeface="標楷體" pitchFamily="65" charset="-120"/>
               </a:rPr>
               <a:t>應用實例</a:t>
             </a:r>
@@ -34761,7 +34875,6 @@
                     <a:lumMod val="75000"/>
                   </a:schemeClr>
                 </a:solidFill>
-                <a:latin typeface="標楷體" pitchFamily="65" charset="-120"/>
               </a:rPr>
               <a:t>結論與未來展</a:t>
             </a:r>
@@ -34772,7 +34885,6 @@
                     <a:lumMod val="75000"/>
                   </a:schemeClr>
                 </a:solidFill>
-                <a:latin typeface="標楷體" pitchFamily="65" charset="-120"/>
               </a:rPr>
               <a:t>望</a:t>
             </a:r>
@@ -34817,8 +34929,8 @@
                     <a:lumMod val="50000"/>
                   </a:schemeClr>
                 </a:solidFill>
-                <a:latin typeface="+mn-lt"/>
-                <a:ea typeface="+mn-ea"/>
+                <a:latin typeface="Times New Roman" panose="02020603050405020304" pitchFamily="18" charset="0"/>
+                <a:ea typeface="標楷體" panose="03000509000000000000" pitchFamily="65" charset="-120"/>
               </a:rPr>
               <a:pPr algn="r" fontAlgn="auto">
                 <a:spcBef>
@@ -34837,8 +34949,8 @@
                   <a:lumMod val="50000"/>
                 </a:schemeClr>
               </a:solidFill>
-              <a:latin typeface="+mn-lt"/>
-              <a:ea typeface="+mn-ea"/>
+              <a:latin typeface="Times New Roman" panose="02020603050405020304" pitchFamily="18" charset="0"/>
+              <a:ea typeface="標楷體" panose="03000509000000000000" pitchFamily="65" charset="-120"/>
             </a:endParaRPr>
           </a:p>
         </p:txBody>
@@ -34901,6 +35013,7 @@
             </a:pPr>
             <a:fld id="{ED0115F2-BE73-44A4-8422-77B77BF296CA}" type="slidenum">
               <a:rPr lang="zh-TW" altLang="en-US">
+                <a:latin typeface="Times New Roman" panose="02020603050405020304" pitchFamily="18" charset="0"/>
                 <a:ea typeface="標楷體" panose="03000509000000000000" pitchFamily="65" charset="-120"/>
               </a:rPr>
               <a:pPr>
@@ -34909,6 +35022,7 @@
               <a:t>30</a:t>
             </a:fld>
             <a:endParaRPr lang="zh-TW" altLang="en-US">
+              <a:latin typeface="Times New Roman" panose="02020603050405020304" pitchFamily="18" charset="0"/>
               <a:ea typeface="標楷體" panose="03000509000000000000" pitchFamily="65" charset="-120"/>
             </a:endParaRPr>
           </a:p>
@@ -34940,6 +35054,7 @@
             <a:r>
               <a:rPr lang="zh-TW" altLang="zh-TW" dirty="0">
                 <a:effectLst/>
+                <a:latin typeface="Times New Roman" panose="02020603050405020304" pitchFamily="18" charset="0"/>
                 <a:ea typeface="標楷體" panose="03000509000000000000" pitchFamily="65" charset="-120"/>
               </a:rPr>
               <a:t>過去與現在</a:t>
@@ -34947,6 +35062,7 @@
             <a:r>
               <a:rPr lang="en-US" altLang="zh-TW" dirty="0">
                 <a:effectLst/>
+                <a:latin typeface="Times New Roman" panose="02020603050405020304" pitchFamily="18" charset="0"/>
                 <a:ea typeface="標楷體" panose="03000509000000000000" pitchFamily="65" charset="-120"/>
               </a:rPr>
               <a:t>Robusta</a:t>
@@ -34954,6 +35070,7 @@
             <a:r>
               <a:rPr lang="zh-TW" altLang="zh-TW" dirty="0" smtClean="0">
                 <a:effectLst/>
+                <a:latin typeface="Times New Roman" panose="02020603050405020304" pitchFamily="18" charset="0"/>
                 <a:ea typeface="標楷體" panose="03000509000000000000" pitchFamily="65" charset="-120"/>
               </a:rPr>
               <a:t>工具</a:t>
@@ -34961,6 +35078,7 @@
             <a:r>
               <a:rPr lang="en-US" altLang="zh-TW" dirty="0" smtClean="0">
                 <a:effectLst/>
+                <a:latin typeface="Times New Roman" panose="02020603050405020304" pitchFamily="18" charset="0"/>
                 <a:ea typeface="標楷體" panose="03000509000000000000" pitchFamily="65" charset="-120"/>
               </a:rPr>
               <a:t/>
@@ -34968,12 +35086,14 @@
             <a:br>
               <a:rPr lang="en-US" altLang="zh-TW" dirty="0" smtClean="0">
                 <a:effectLst/>
+                <a:latin typeface="Times New Roman" panose="02020603050405020304" pitchFamily="18" charset="0"/>
                 <a:ea typeface="標楷體" panose="03000509000000000000" pitchFamily="65" charset="-120"/>
               </a:rPr>
             </a:br>
             <a:r>
               <a:rPr lang="zh-TW" altLang="zh-TW" dirty="0" smtClean="0">
                 <a:effectLst/>
+                <a:latin typeface="Times New Roman" panose="02020603050405020304" pitchFamily="18" charset="0"/>
                 <a:ea typeface="標楷體" panose="03000509000000000000" pitchFamily="65" charset="-120"/>
               </a:rPr>
               <a:t>快速</a:t>
@@ -34981,11 +35101,13 @@
             <a:r>
               <a:rPr lang="zh-TW" altLang="zh-TW" dirty="0">
                 <a:effectLst/>
+                <a:latin typeface="Times New Roman" panose="02020603050405020304" pitchFamily="18" charset="0"/>
                 <a:ea typeface="標楷體" panose="03000509000000000000" pitchFamily="65" charset="-120"/>
               </a:rPr>
               <a:t>修復與重構差異</a:t>
             </a:r>
             <a:endParaRPr lang="zh-TW" altLang="en-US" dirty="0">
+              <a:latin typeface="Times New Roman" panose="02020603050405020304" pitchFamily="18" charset="0"/>
               <a:ea typeface="標楷體" panose="03000509000000000000" pitchFamily="65" charset="-120"/>
             </a:endParaRPr>
           </a:p>
@@ -35029,7 +35151,7 @@
                     <a:lumMod val="50000"/>
                   </a:schemeClr>
                 </a:solidFill>
-                <a:latin typeface="+mn-lt"/>
+                <a:latin typeface="Times New Roman" panose="02020603050405020304" pitchFamily="18" charset="0"/>
                 <a:ea typeface="標楷體" panose="03000509000000000000" pitchFamily="65" charset="-120"/>
               </a:rPr>
               <a:pPr algn="r" fontAlgn="auto">
@@ -35049,7 +35171,7 @@
                   <a:lumMod val="50000"/>
                 </a:schemeClr>
               </a:solidFill>
-              <a:latin typeface="+mn-lt"/>
+              <a:latin typeface="Times New Roman" panose="02020603050405020304" pitchFamily="18" charset="0"/>
               <a:ea typeface="標楷體" panose="03000509000000000000" pitchFamily="65" charset="-120"/>
             </a:endParaRPr>
           </a:p>
@@ -35098,7 +35220,7 @@
           <p:nvPr>
             <p:extLst>
               <p:ext uri="{D42A27DB-BD31-4B8C-83A1-F6EECF244321}">
-                <p14:modId xmlns:p14="http://schemas.microsoft.com/office/powerpoint/2010/main" val="1180261693"/>
+                <p14:modId xmlns:p14="http://schemas.microsoft.com/office/powerpoint/2010/main" val="3068434925"/>
               </p:ext>
             </p:extLst>
           </p:nvPr>
@@ -35803,13 +35925,19 @@
               <a:defRPr/>
             </a:pPr>
             <a:fld id="{ED0115F2-BE73-44A4-8422-77B77BF296CA}" type="slidenum">
-              <a:rPr lang="zh-TW" altLang="en-US"/>
+              <a:rPr lang="zh-TW" altLang="en-US">
+                <a:latin typeface="Times New Roman" panose="02020603050405020304" pitchFamily="18" charset="0"/>
+                <a:ea typeface="標楷體" panose="03000509000000000000" pitchFamily="65" charset="-120"/>
+              </a:rPr>
               <a:pPr>
                 <a:defRPr/>
               </a:pPr>
               <a:t>31</a:t>
             </a:fld>
-            <a:endParaRPr lang="zh-TW" altLang="en-US"/>
+            <a:endParaRPr lang="zh-TW" altLang="en-US">
+              <a:latin typeface="Times New Roman" panose="02020603050405020304" pitchFamily="18" charset="0"/>
+              <a:ea typeface="標楷體" panose="03000509000000000000" pitchFamily="65" charset="-120"/>
+            </a:endParaRPr>
           </a:p>
         </p:txBody>
       </p:sp>
@@ -35839,45 +35967,62 @@
             <a:r>
               <a:rPr lang="zh-TW" altLang="zh-TW" dirty="0">
                 <a:effectLst/>
+                <a:latin typeface="Times New Roman" panose="02020603050405020304" pitchFamily="18" charset="0"/>
+                <a:ea typeface="標楷體" panose="03000509000000000000" pitchFamily="65" charset="-120"/>
               </a:rPr>
               <a:t>過去與現在</a:t>
             </a:r>
             <a:r>
               <a:rPr lang="en-US" altLang="zh-TW" dirty="0">
                 <a:effectLst/>
+                <a:latin typeface="Times New Roman" panose="02020603050405020304" pitchFamily="18" charset="0"/>
+                <a:ea typeface="標楷體" panose="03000509000000000000" pitchFamily="65" charset="-120"/>
               </a:rPr>
               <a:t>Robusta</a:t>
             </a:r>
             <a:r>
               <a:rPr lang="zh-TW" altLang="zh-TW" dirty="0" smtClean="0">
                 <a:effectLst/>
+                <a:latin typeface="Times New Roman" panose="02020603050405020304" pitchFamily="18" charset="0"/>
+                <a:ea typeface="標楷體" panose="03000509000000000000" pitchFamily="65" charset="-120"/>
               </a:rPr>
               <a:t>工具</a:t>
             </a:r>
             <a:r>
               <a:rPr lang="en-US" altLang="zh-TW" dirty="0" smtClean="0">
                 <a:effectLst/>
+                <a:latin typeface="Times New Roman" panose="02020603050405020304" pitchFamily="18" charset="0"/>
+                <a:ea typeface="標楷體" panose="03000509000000000000" pitchFamily="65" charset="-120"/>
               </a:rPr>
               <a:t/>
             </a:r>
             <a:br>
               <a:rPr lang="en-US" altLang="zh-TW" dirty="0" smtClean="0">
                 <a:effectLst/>
+                <a:latin typeface="Times New Roman" panose="02020603050405020304" pitchFamily="18" charset="0"/>
+                <a:ea typeface="標楷體" panose="03000509000000000000" pitchFamily="65" charset="-120"/>
               </a:rPr>
             </a:br>
             <a:r>
               <a:rPr lang="zh-TW" altLang="zh-TW" dirty="0" smtClean="0">
                 <a:effectLst/>
+                <a:latin typeface="Times New Roman" panose="02020603050405020304" pitchFamily="18" charset="0"/>
+                <a:ea typeface="標楷體" panose="03000509000000000000" pitchFamily="65" charset="-120"/>
               </a:rPr>
               <a:t>快速</a:t>
             </a:r>
             <a:r>
               <a:rPr lang="zh-TW" altLang="zh-TW" dirty="0">
                 <a:effectLst/>
+                <a:latin typeface="Times New Roman" panose="02020603050405020304" pitchFamily="18" charset="0"/>
+                <a:ea typeface="標楷體" panose="03000509000000000000" pitchFamily="65" charset="-120"/>
               </a:rPr>
               <a:t>修復與重構差異</a:t>
             </a:r>
-            <a:endParaRPr lang="zh-TW" altLang="en-US" dirty="0"/>
+            <a:endParaRPr lang="zh-TW" altLang="en-US" dirty="0">
+              <a:latin typeface="Times New Roman" panose="02020603050405020304" pitchFamily="18" charset="0"/>
+              <a:ea typeface="標楷體" panose="03000509000000000000" pitchFamily="65" charset="-120"/>
+            </a:endParaRPr>
           </a:p>
         </p:txBody>
       </p:sp>
@@ -35919,8 +36064,8 @@
                     <a:lumMod val="50000"/>
                   </a:schemeClr>
                 </a:solidFill>
-                <a:latin typeface="+mn-lt"/>
-                <a:ea typeface="+mn-ea"/>
+                <a:latin typeface="Times New Roman" panose="02020603050405020304" pitchFamily="18" charset="0"/>
+                <a:ea typeface="標楷體" panose="03000509000000000000" pitchFamily="65" charset="-120"/>
               </a:rPr>
               <a:pPr algn="r" fontAlgn="auto">
                 <a:spcBef>
@@ -35939,8 +36084,8 @@
                   <a:lumMod val="50000"/>
                 </a:schemeClr>
               </a:solidFill>
-              <a:latin typeface="+mn-lt"/>
-              <a:ea typeface="+mn-ea"/>
+              <a:latin typeface="Times New Roman" panose="02020603050405020304" pitchFamily="18" charset="0"/>
+              <a:ea typeface="標楷體" panose="03000509000000000000" pitchFamily="65" charset="-120"/>
             </a:endParaRPr>
           </a:p>
         </p:txBody>
@@ -35982,7 +36127,7 @@
           <p:nvPr>
             <p:extLst>
               <p:ext uri="{D42A27DB-BD31-4B8C-83A1-F6EECF244321}">
-                <p14:modId xmlns:p14="http://schemas.microsoft.com/office/powerpoint/2010/main" val="3098927032"/>
+                <p14:modId xmlns:p14="http://schemas.microsoft.com/office/powerpoint/2010/main" val="601811954"/>
               </p:ext>
             </p:extLst>
           </p:nvPr>
@@ -36321,10 +36466,15 @@
             <a:r>
               <a:rPr lang="zh-TW" altLang="zh-TW" dirty="0">
                 <a:effectLst/>
+                <a:latin typeface="Times New Roman" panose="02020603050405020304" pitchFamily="18" charset="0"/>
+                <a:ea typeface="標楷體" panose="03000509000000000000" pitchFamily="65" charset="-120"/>
               </a:rPr>
               <a:t>壞味道的偵測、暴露及消除流程</a:t>
             </a:r>
-            <a:endParaRPr lang="en-US" altLang="zh-TW" dirty="0" smtClean="0"/>
+            <a:endParaRPr lang="en-US" altLang="zh-TW" dirty="0" smtClean="0">
+              <a:latin typeface="Times New Roman" panose="02020603050405020304" pitchFamily="18" charset="0"/>
+              <a:ea typeface="標楷體" panose="03000509000000000000" pitchFamily="65" charset="-120"/>
+            </a:endParaRPr>
           </a:p>
         </p:txBody>
       </p:sp>
@@ -36347,13 +36497,19 @@
               <a:defRPr/>
             </a:pPr>
             <a:fld id="{F51DF2D8-0A90-4D55-8DBC-FAEF0C7DDDC6}" type="slidenum">
-              <a:rPr lang="zh-TW" altLang="en-US" smtClean="0"/>
+              <a:rPr lang="zh-TW" altLang="en-US" smtClean="0">
+                <a:latin typeface="Times New Roman" panose="02020603050405020304" pitchFamily="18" charset="0"/>
+                <a:ea typeface="標楷體" panose="03000509000000000000" pitchFamily="65" charset="-120"/>
+              </a:rPr>
               <a:pPr>
                 <a:defRPr/>
               </a:pPr>
               <a:t>32</a:t>
             </a:fld>
-            <a:endParaRPr lang="zh-TW" altLang="en-US" dirty="0"/>
+            <a:endParaRPr lang="zh-TW" altLang="en-US" dirty="0">
+              <a:latin typeface="Times New Roman" panose="02020603050405020304" pitchFamily="18" charset="0"/>
+              <a:ea typeface="標楷體" panose="03000509000000000000" pitchFamily="65" charset="-120"/>
+            </a:endParaRPr>
           </a:p>
         </p:txBody>
       </p:sp>
@@ -36435,13 +36591,19 @@
               <a:defRPr/>
             </a:pPr>
             <a:fld id="{ED0115F2-BE73-44A4-8422-77B77BF296CA}" type="slidenum">
-              <a:rPr lang="zh-TW" altLang="en-US"/>
+              <a:rPr lang="zh-TW" altLang="en-US">
+                <a:latin typeface="Times New Roman" panose="02020603050405020304" pitchFamily="18" charset="0"/>
+                <a:ea typeface="標楷體" panose="03000509000000000000" pitchFamily="65" charset="-120"/>
+              </a:rPr>
               <a:pPr>
                 <a:defRPr/>
               </a:pPr>
               <a:t>33</a:t>
             </a:fld>
-            <a:endParaRPr lang="zh-TW" altLang="en-US"/>
+            <a:endParaRPr lang="zh-TW" altLang="en-US">
+              <a:latin typeface="Times New Roman" panose="02020603050405020304" pitchFamily="18" charset="0"/>
+              <a:ea typeface="標楷體" panose="03000509000000000000" pitchFamily="65" charset="-120"/>
+            </a:endParaRPr>
           </a:p>
         </p:txBody>
       </p:sp>
@@ -36464,10 +36626,16 @@
               <a:defRPr/>
             </a:pPr>
             <a:r>
-              <a:rPr lang="zh-TW" altLang="en-US" dirty="0" smtClean="0"/>
+              <a:rPr lang="zh-TW" altLang="en-US" dirty="0" smtClean="0">
+                <a:latin typeface="Times New Roman" panose="02020603050405020304" pitchFamily="18" charset="0"/>
+                <a:ea typeface="標楷體" panose="03000509000000000000" pitchFamily="65" charset="-120"/>
+              </a:rPr>
               <a:t>大綱</a:t>
             </a:r>
-            <a:endParaRPr lang="zh-TW" altLang="en-US" dirty="0"/>
+            <a:endParaRPr lang="zh-TW" altLang="en-US" dirty="0">
+              <a:latin typeface="Times New Roman" panose="02020603050405020304" pitchFamily="18" charset="0"/>
+              <a:ea typeface="標楷體" panose="03000509000000000000" pitchFamily="65" charset="-120"/>
+            </a:endParaRPr>
           </a:p>
         </p:txBody>
       </p:sp>
@@ -36503,7 +36671,6 @@
                     <a:lumMod val="75000"/>
                   </a:schemeClr>
                 </a:solidFill>
-                <a:latin typeface="標楷體" pitchFamily="65" charset="-120"/>
               </a:rPr>
               <a:t>研究背景與</a:t>
             </a:r>
@@ -36514,7 +36681,6 @@
                     <a:lumMod val="75000"/>
                   </a:schemeClr>
                 </a:solidFill>
-                <a:latin typeface="標楷體" pitchFamily="65" charset="-120"/>
               </a:rPr>
               <a:t>動機</a:t>
             </a:r>
@@ -36524,7 +36690,6 @@
                   <a:lumMod val="75000"/>
                 </a:schemeClr>
               </a:solidFill>
-              <a:latin typeface="標楷體" pitchFamily="65" charset="-120"/>
             </a:endParaRPr>
           </a:p>
           <a:p>
@@ -36540,7 +36705,6 @@
                     <a:lumMod val="75000"/>
                   </a:schemeClr>
                 </a:solidFill>
-                <a:latin typeface="標楷體" pitchFamily="65" charset="-120"/>
               </a:rPr>
               <a:t>研究</a:t>
             </a:r>
@@ -36551,7 +36715,6 @@
                     <a:lumMod val="75000"/>
                   </a:schemeClr>
                 </a:solidFill>
-                <a:latin typeface="標楷體" pitchFamily="65" charset="-120"/>
               </a:rPr>
               <a:t>目標</a:t>
             </a:r>
@@ -36561,7 +36724,6 @@
                   <a:lumMod val="75000"/>
                 </a:schemeClr>
               </a:solidFill>
-              <a:latin typeface="標楷體" pitchFamily="65" charset="-120"/>
             </a:endParaRPr>
           </a:p>
           <a:p>
@@ -36577,7 +36739,6 @@
                     <a:lumMod val="75000"/>
                   </a:schemeClr>
                 </a:solidFill>
-                <a:latin typeface="標楷體" pitchFamily="65" charset="-120"/>
               </a:rPr>
               <a:t>背景知識</a:t>
             </a:r>
@@ -36587,7 +36748,6 @@
                   <a:lumMod val="75000"/>
                 </a:schemeClr>
               </a:solidFill>
-              <a:latin typeface="標楷體" pitchFamily="65" charset="-120"/>
             </a:endParaRPr>
           </a:p>
           <a:p>
@@ -36603,7 +36763,6 @@
                     <a:lumMod val="75000"/>
                   </a:schemeClr>
                 </a:solidFill>
-                <a:latin typeface="標楷體" pitchFamily="65" charset="-120"/>
               </a:rPr>
               <a:t>研究方法</a:t>
             </a:r>
@@ -36619,7 +36778,6 @@
                 <a:solidFill>
                   <a:schemeClr val="tx1"/>
                 </a:solidFill>
-                <a:latin typeface="標楷體" pitchFamily="65" charset="-120"/>
               </a:rPr>
               <a:t>應用實例</a:t>
             </a:r>
@@ -36637,7 +36795,6 @@
                     <a:lumMod val="75000"/>
                   </a:schemeClr>
                 </a:solidFill>
-                <a:latin typeface="標楷體" pitchFamily="65" charset="-120"/>
               </a:rPr>
               <a:t>結論與未來</a:t>
             </a:r>
@@ -36648,7 +36805,6 @@
                     <a:lumMod val="75000"/>
                   </a:schemeClr>
                 </a:solidFill>
-                <a:latin typeface="標楷體" pitchFamily="65" charset="-120"/>
               </a:rPr>
               <a:t>展望</a:t>
             </a:r>
@@ -36665,7 +36821,6 @@
                   <a:lumMod val="75000"/>
                 </a:schemeClr>
               </a:solidFill>
-              <a:latin typeface="標楷體" pitchFamily="65" charset="-120"/>
             </a:endParaRPr>
           </a:p>
         </p:txBody>
@@ -36708,8 +36863,8 @@
                     <a:lumMod val="50000"/>
                   </a:schemeClr>
                 </a:solidFill>
-                <a:latin typeface="+mn-lt"/>
-                <a:ea typeface="+mn-ea"/>
+                <a:latin typeface="Times New Roman" panose="02020603050405020304" pitchFamily="18" charset="0"/>
+                <a:ea typeface="標楷體" panose="03000509000000000000" pitchFamily="65" charset="-120"/>
               </a:rPr>
               <a:pPr algn="r" fontAlgn="auto">
                 <a:spcBef>
@@ -36728,8 +36883,8 @@
                   <a:lumMod val="50000"/>
                 </a:schemeClr>
               </a:solidFill>
-              <a:latin typeface="+mn-lt"/>
-              <a:ea typeface="+mn-ea"/>
+              <a:latin typeface="Times New Roman" panose="02020603050405020304" pitchFamily="18" charset="0"/>
+              <a:ea typeface="標楷體" panose="03000509000000000000" pitchFamily="65" charset="-120"/>
             </a:endParaRPr>
           </a:p>
         </p:txBody>
@@ -36798,22 +36953,31 @@
             <a:r>
               <a:rPr lang="zh-TW" altLang="zh-TW" dirty="0">
                 <a:effectLst/>
+                <a:latin typeface="Times New Roman" panose="02020603050405020304" pitchFamily="18" charset="0"/>
+                <a:ea typeface="標楷體" panose="03000509000000000000" pitchFamily="65" charset="-120"/>
               </a:rPr>
               <a:t> </a:t>
             </a:r>
             <a:r>
               <a:rPr lang="en-US" altLang="zh-TW" dirty="0">
                 <a:effectLst/>
+                <a:latin typeface="Times New Roman" panose="02020603050405020304" pitchFamily="18" charset="0"/>
+                <a:ea typeface="標楷體" panose="03000509000000000000" pitchFamily="65" charset="-120"/>
               </a:rPr>
               <a:t>Exception Thrown Form Finally Block</a:t>
             </a:r>
             <a:r>
               <a:rPr lang="zh-TW" altLang="zh-TW" dirty="0">
                 <a:effectLst/>
+                <a:latin typeface="Times New Roman" panose="02020603050405020304" pitchFamily="18" charset="0"/>
+                <a:ea typeface="標楷體" panose="03000509000000000000" pitchFamily="65" charset="-120"/>
               </a:rPr>
               <a:t>應用實例</a:t>
             </a:r>
-            <a:endParaRPr lang="en-US" altLang="zh-TW" dirty="0" smtClean="0"/>
+            <a:endParaRPr lang="en-US" altLang="zh-TW" dirty="0" smtClean="0">
+              <a:latin typeface="Times New Roman" panose="02020603050405020304" pitchFamily="18" charset="0"/>
+              <a:ea typeface="標楷體" panose="03000509000000000000" pitchFamily="65" charset="-120"/>
+            </a:endParaRPr>
           </a:p>
         </p:txBody>
       </p:sp>
@@ -36873,13 +37037,19 @@
               <a:defRPr/>
             </a:pPr>
             <a:fld id="{F51DF2D8-0A90-4D55-8DBC-FAEF0C7DDDC6}" type="slidenum">
-              <a:rPr lang="zh-TW" altLang="en-US" smtClean="0"/>
+              <a:rPr lang="zh-TW" altLang="en-US" smtClean="0">
+                <a:latin typeface="Times New Roman" panose="02020603050405020304" pitchFamily="18" charset="0"/>
+                <a:ea typeface="標楷體" panose="03000509000000000000" pitchFamily="65" charset="-120"/>
+              </a:rPr>
               <a:pPr>
                 <a:defRPr/>
               </a:pPr>
               <a:t>34</a:t>
             </a:fld>
-            <a:endParaRPr lang="zh-TW" altLang="en-US" dirty="0"/>
+            <a:endParaRPr lang="zh-TW" altLang="en-US" dirty="0">
+              <a:latin typeface="Times New Roman" panose="02020603050405020304" pitchFamily="18" charset="0"/>
+              <a:ea typeface="標楷體" panose="03000509000000000000" pitchFamily="65" charset="-120"/>
+            </a:endParaRPr>
           </a:p>
         </p:txBody>
       </p:sp>
@@ -37075,13 +37245,19 @@
               <a:defRPr/>
             </a:pPr>
             <a:fld id="{F51DF2D8-0A90-4D55-8DBC-FAEF0C7DDDC6}" type="slidenum">
-              <a:rPr lang="zh-TW" altLang="en-US" smtClean="0"/>
+              <a:rPr lang="zh-TW" altLang="en-US" smtClean="0">
+                <a:latin typeface="Times New Roman" panose="02020603050405020304" pitchFamily="18" charset="0"/>
+                <a:ea typeface="標楷體" panose="03000509000000000000" pitchFamily="65" charset="-120"/>
+              </a:rPr>
               <a:pPr>
                 <a:defRPr/>
               </a:pPr>
               <a:t>35</a:t>
             </a:fld>
-            <a:endParaRPr lang="zh-TW" altLang="en-US" dirty="0"/>
+            <a:endParaRPr lang="zh-TW" altLang="en-US" dirty="0">
+              <a:latin typeface="Times New Roman" panose="02020603050405020304" pitchFamily="18" charset="0"/>
+              <a:ea typeface="標楷體" panose="03000509000000000000" pitchFamily="65" charset="-120"/>
+            </a:endParaRPr>
           </a:p>
         </p:txBody>
       </p:sp>
@@ -37111,22 +37287,31 @@
             <a:r>
               <a:rPr lang="zh-TW" altLang="zh-TW" dirty="0">
                 <a:effectLst/>
+                <a:latin typeface="Times New Roman" panose="02020603050405020304" pitchFamily="18" charset="0"/>
+                <a:ea typeface="標楷體" panose="03000509000000000000" pitchFamily="65" charset="-120"/>
               </a:rPr>
               <a:t> </a:t>
             </a:r>
             <a:r>
               <a:rPr lang="en-US" altLang="zh-TW" dirty="0">
                 <a:effectLst/>
+                <a:latin typeface="Times New Roman" panose="02020603050405020304" pitchFamily="18" charset="0"/>
+                <a:ea typeface="標楷體" panose="03000509000000000000" pitchFamily="65" charset="-120"/>
               </a:rPr>
               <a:t>Exception Thrown Form Finally Block</a:t>
             </a:r>
             <a:r>
               <a:rPr lang="zh-TW" altLang="zh-TW" dirty="0">
                 <a:effectLst/>
+                <a:latin typeface="Times New Roman" panose="02020603050405020304" pitchFamily="18" charset="0"/>
+                <a:ea typeface="標楷體" panose="03000509000000000000" pitchFamily="65" charset="-120"/>
               </a:rPr>
               <a:t>應用實例</a:t>
             </a:r>
-            <a:endParaRPr lang="en-US" altLang="zh-TW" dirty="0" smtClean="0"/>
+            <a:endParaRPr lang="en-US" altLang="zh-TW" dirty="0" smtClean="0">
+              <a:latin typeface="Times New Roman" panose="02020603050405020304" pitchFamily="18" charset="0"/>
+              <a:ea typeface="標楷體" panose="03000509000000000000" pitchFamily="65" charset="-120"/>
+            </a:endParaRPr>
           </a:p>
         </p:txBody>
       </p:sp>
@@ -37361,22 +37546,31 @@
             <a:r>
               <a:rPr lang="zh-TW" altLang="zh-TW" dirty="0">
                 <a:effectLst/>
+                <a:latin typeface="Times New Roman" panose="02020603050405020304" pitchFamily="18" charset="0"/>
+                <a:ea typeface="標楷體" panose="03000509000000000000" pitchFamily="65" charset="-120"/>
               </a:rPr>
               <a:t> </a:t>
             </a:r>
             <a:r>
               <a:rPr lang="en-US" altLang="zh-TW" dirty="0">
                 <a:effectLst/>
+                <a:latin typeface="Times New Roman" panose="02020603050405020304" pitchFamily="18" charset="0"/>
+                <a:ea typeface="標楷體" panose="03000509000000000000" pitchFamily="65" charset="-120"/>
               </a:rPr>
               <a:t>Exception Thrown Form Finally Block</a:t>
             </a:r>
             <a:r>
               <a:rPr lang="zh-TW" altLang="zh-TW" dirty="0">
                 <a:effectLst/>
+                <a:latin typeface="Times New Roman" panose="02020603050405020304" pitchFamily="18" charset="0"/>
+                <a:ea typeface="標楷體" panose="03000509000000000000" pitchFamily="65" charset="-120"/>
               </a:rPr>
               <a:t>應用實例</a:t>
             </a:r>
-            <a:endParaRPr lang="en-US" altLang="zh-TW" dirty="0" smtClean="0"/>
+            <a:endParaRPr lang="en-US" altLang="zh-TW" dirty="0" smtClean="0">
+              <a:latin typeface="Times New Roman" panose="02020603050405020304" pitchFamily="18" charset="0"/>
+              <a:ea typeface="標楷體" panose="03000509000000000000" pitchFamily="65" charset="-120"/>
+            </a:endParaRPr>
           </a:p>
         </p:txBody>
       </p:sp>
@@ -37434,13 +37628,19 @@
               <a:defRPr/>
             </a:pPr>
             <a:fld id="{F51DF2D8-0A90-4D55-8DBC-FAEF0C7DDDC6}" type="slidenum">
-              <a:rPr lang="zh-TW" altLang="en-US" smtClean="0"/>
+              <a:rPr lang="zh-TW" altLang="en-US" smtClean="0">
+                <a:latin typeface="Times New Roman" panose="02020603050405020304" pitchFamily="18" charset="0"/>
+                <a:ea typeface="標楷體" panose="03000509000000000000" pitchFamily="65" charset="-120"/>
+              </a:rPr>
               <a:pPr>
                 <a:defRPr/>
               </a:pPr>
               <a:t>36</a:t>
             </a:fld>
-            <a:endParaRPr lang="zh-TW" altLang="en-US" dirty="0"/>
+            <a:endParaRPr lang="zh-TW" altLang="en-US" dirty="0">
+              <a:latin typeface="Times New Roman" panose="02020603050405020304" pitchFamily="18" charset="0"/>
+              <a:ea typeface="標楷體" panose="03000509000000000000" pitchFamily="65" charset="-120"/>
+            </a:endParaRPr>
           </a:p>
         </p:txBody>
       </p:sp>
@@ -37852,45 +38052,62 @@
             <a:r>
               <a:rPr lang="en-US" altLang="zh-TW" dirty="0">
                 <a:effectLst/>
+                <a:latin typeface="Times New Roman" panose="02020603050405020304" pitchFamily="18" charset="0"/>
+                <a:ea typeface="標楷體" panose="03000509000000000000" pitchFamily="65" charset="-120"/>
               </a:rPr>
               <a:t>Unprotected Main </a:t>
             </a:r>
             <a:r>
               <a:rPr lang="en-US" altLang="zh-TW" dirty="0" smtClean="0">
                 <a:effectLst/>
+                <a:latin typeface="Times New Roman" panose="02020603050405020304" pitchFamily="18" charset="0"/>
+                <a:ea typeface="標楷體" panose="03000509000000000000" pitchFamily="65" charset="-120"/>
               </a:rPr>
               <a:t/>
             </a:r>
             <a:br>
               <a:rPr lang="en-US" altLang="zh-TW" dirty="0" smtClean="0">
                 <a:effectLst/>
+                <a:latin typeface="Times New Roman" panose="02020603050405020304" pitchFamily="18" charset="0"/>
+                <a:ea typeface="標楷體" panose="03000509000000000000" pitchFamily="65" charset="-120"/>
               </a:rPr>
             </a:br>
             <a:r>
               <a:rPr lang="en-US" altLang="zh-TW" dirty="0" smtClean="0">
                 <a:effectLst/>
+                <a:latin typeface="Times New Roman" panose="02020603050405020304" pitchFamily="18" charset="0"/>
+                <a:ea typeface="標楷體" panose="03000509000000000000" pitchFamily="65" charset="-120"/>
               </a:rPr>
               <a:t>Program</a:t>
             </a:r>
             <a:r>
               <a:rPr lang="zh-TW" altLang="en-US" dirty="0" smtClean="0">
                 <a:effectLst/>
+                <a:latin typeface="Times New Roman" panose="02020603050405020304" pitchFamily="18" charset="0"/>
+                <a:ea typeface="標楷體" panose="03000509000000000000" pitchFamily="65" charset="-120"/>
               </a:rPr>
               <a:t> </a:t>
             </a:r>
             <a:r>
               <a:rPr lang="zh-TW" altLang="zh-TW" dirty="0" smtClean="0">
                 <a:effectLst/>
+                <a:latin typeface="Times New Roman" panose="02020603050405020304" pitchFamily="18" charset="0"/>
+                <a:ea typeface="標楷體" panose="03000509000000000000" pitchFamily="65" charset="-120"/>
               </a:rPr>
               <a:t>應用</a:t>
             </a:r>
             <a:r>
               <a:rPr lang="zh-TW" altLang="zh-TW" dirty="0">
                 <a:effectLst/>
+                <a:latin typeface="Times New Roman" panose="02020603050405020304" pitchFamily="18" charset="0"/>
+                <a:ea typeface="標楷體" panose="03000509000000000000" pitchFamily="65" charset="-120"/>
               </a:rPr>
               <a:t>實例</a:t>
             </a:r>
-            <a:endParaRPr lang="en-US" altLang="zh-TW" dirty="0" smtClean="0"/>
+            <a:endParaRPr lang="en-US" altLang="zh-TW" dirty="0" smtClean="0">
+              <a:latin typeface="Times New Roman" panose="02020603050405020304" pitchFamily="18" charset="0"/>
+              <a:ea typeface="標楷體" panose="03000509000000000000" pitchFamily="65" charset="-120"/>
+            </a:endParaRPr>
           </a:p>
         </p:txBody>
       </p:sp>
@@ -37950,13 +38167,19 @@
               <a:defRPr/>
             </a:pPr>
             <a:fld id="{F51DF2D8-0A90-4D55-8DBC-FAEF0C7DDDC6}" type="slidenum">
-              <a:rPr lang="zh-TW" altLang="en-US" smtClean="0"/>
+              <a:rPr lang="zh-TW" altLang="en-US" smtClean="0">
+                <a:latin typeface="Times New Roman" panose="02020603050405020304" pitchFamily="18" charset="0"/>
+                <a:ea typeface="標楷體" panose="03000509000000000000" pitchFamily="65" charset="-120"/>
+              </a:rPr>
               <a:pPr>
                 <a:defRPr/>
               </a:pPr>
               <a:t>38</a:t>
             </a:fld>
-            <a:endParaRPr lang="zh-TW" altLang="en-US" dirty="0"/>
+            <a:endParaRPr lang="zh-TW" altLang="en-US" dirty="0">
+              <a:latin typeface="Times New Roman" panose="02020603050405020304" pitchFamily="18" charset="0"/>
+              <a:ea typeface="標楷體" panose="03000509000000000000" pitchFamily="65" charset="-120"/>
+            </a:endParaRPr>
           </a:p>
         </p:txBody>
       </p:sp>
@@ -38119,13 +38342,19 @@
               <a:defRPr/>
             </a:pPr>
             <a:fld id="{F51DF2D8-0A90-4D55-8DBC-FAEF0C7DDDC6}" type="slidenum">
-              <a:rPr lang="zh-TW" altLang="en-US" smtClean="0"/>
+              <a:rPr lang="zh-TW" altLang="en-US" smtClean="0">
+                <a:latin typeface="Times New Roman" panose="02020603050405020304" pitchFamily="18" charset="0"/>
+                <a:ea typeface="標楷體" panose="03000509000000000000" pitchFamily="65" charset="-120"/>
+              </a:rPr>
               <a:pPr>
                 <a:defRPr/>
               </a:pPr>
               <a:t>39</a:t>
             </a:fld>
-            <a:endParaRPr lang="zh-TW" altLang="en-US" dirty="0"/>
+            <a:endParaRPr lang="zh-TW" altLang="en-US" dirty="0">
+              <a:latin typeface="Times New Roman" panose="02020603050405020304" pitchFamily="18" charset="0"/>
+              <a:ea typeface="標楷體" panose="03000509000000000000" pitchFamily="65" charset="-120"/>
+            </a:endParaRPr>
           </a:p>
         </p:txBody>
       </p:sp>
@@ -38155,45 +38384,62 @@
             <a:r>
               <a:rPr lang="zh-TW" altLang="zh-TW" dirty="0">
                 <a:effectLst/>
+                <a:latin typeface="Times New Roman" panose="02020603050405020304" pitchFamily="18" charset="0"/>
+                <a:ea typeface="標楷體" panose="03000509000000000000" pitchFamily="65" charset="-120"/>
               </a:rPr>
               <a:t> </a:t>
             </a:r>
             <a:r>
               <a:rPr lang="en-US" altLang="zh-TW" dirty="0">
                 <a:effectLst/>
+                <a:latin typeface="Times New Roman" panose="02020603050405020304" pitchFamily="18" charset="0"/>
+                <a:ea typeface="標楷體" panose="03000509000000000000" pitchFamily="65" charset="-120"/>
               </a:rPr>
               <a:t>Unprotected Main </a:t>
             </a:r>
             <a:r>
               <a:rPr lang="en-US" altLang="zh-TW" dirty="0" smtClean="0">
                 <a:effectLst/>
+                <a:latin typeface="Times New Roman" panose="02020603050405020304" pitchFamily="18" charset="0"/>
+                <a:ea typeface="標楷體" panose="03000509000000000000" pitchFamily="65" charset="-120"/>
               </a:rPr>
               <a:t/>
             </a:r>
             <a:br>
               <a:rPr lang="en-US" altLang="zh-TW" dirty="0" smtClean="0">
                 <a:effectLst/>
+                <a:latin typeface="Times New Roman" panose="02020603050405020304" pitchFamily="18" charset="0"/>
+                <a:ea typeface="標楷體" panose="03000509000000000000" pitchFamily="65" charset="-120"/>
               </a:rPr>
             </a:br>
             <a:r>
               <a:rPr lang="en-US" altLang="zh-TW" dirty="0" smtClean="0">
                 <a:effectLst/>
+                <a:latin typeface="Times New Roman" panose="02020603050405020304" pitchFamily="18" charset="0"/>
+                <a:ea typeface="標楷體" panose="03000509000000000000" pitchFamily="65" charset="-120"/>
               </a:rPr>
               <a:t>Program</a:t>
             </a:r>
             <a:r>
               <a:rPr lang="zh-TW" altLang="zh-TW" dirty="0" smtClean="0">
                 <a:effectLst/>
+                <a:latin typeface="Times New Roman" panose="02020603050405020304" pitchFamily="18" charset="0"/>
+                <a:ea typeface="標楷體" panose="03000509000000000000" pitchFamily="65" charset="-120"/>
               </a:rPr>
               <a:t>應用</a:t>
             </a:r>
             <a:r>
               <a:rPr lang="zh-TW" altLang="zh-TW" dirty="0">
                 <a:effectLst/>
+                <a:latin typeface="Times New Roman" panose="02020603050405020304" pitchFamily="18" charset="0"/>
+                <a:ea typeface="標楷體" panose="03000509000000000000" pitchFamily="65" charset="-120"/>
               </a:rPr>
               <a:t>實例</a:t>
             </a:r>
-            <a:endParaRPr lang="en-US" altLang="zh-TW" dirty="0" smtClean="0"/>
+            <a:endParaRPr lang="en-US" altLang="zh-TW" dirty="0" smtClean="0">
+              <a:latin typeface="Times New Roman" panose="02020603050405020304" pitchFamily="18" charset="0"/>
+              <a:ea typeface="標楷體" panose="03000509000000000000" pitchFamily="65" charset="-120"/>
+            </a:endParaRPr>
           </a:p>
         </p:txBody>
       </p:sp>
@@ -38454,10 +38700,16 @@
               <a:defRPr/>
             </a:pPr>
             <a:r>
-              <a:rPr lang="zh-TW" altLang="en-US" dirty="0" smtClean="0"/>
+              <a:rPr lang="zh-TW" altLang="en-US" dirty="0" smtClean="0">
+                <a:latin typeface="Times New Roman" panose="02020603050405020304" pitchFamily="18" charset="0"/>
+                <a:ea typeface="標楷體" panose="03000509000000000000" pitchFamily="65" charset="-120"/>
+              </a:rPr>
               <a:t>研究背景與動機</a:t>
             </a:r>
-            <a:endParaRPr lang="zh-TW" altLang="en-US" dirty="0"/>
+            <a:endParaRPr lang="zh-TW" altLang="en-US" dirty="0">
+              <a:latin typeface="Times New Roman" panose="02020603050405020304" pitchFamily="18" charset="0"/>
+              <a:ea typeface="標楷體" panose="03000509000000000000" pitchFamily="65" charset="-120"/>
+            </a:endParaRPr>
           </a:p>
         </p:txBody>
       </p:sp>
@@ -38569,13 +38821,19 @@
               <a:defRPr/>
             </a:pPr>
             <a:fld id="{06C361A1-43D7-4CA0-BB72-4FB879B17193}" type="slidenum">
-              <a:rPr lang="zh-TW" altLang="en-US" smtClean="0"/>
+              <a:rPr lang="zh-TW" altLang="en-US" smtClean="0">
+                <a:latin typeface="Times New Roman" panose="02020603050405020304" pitchFamily="18" charset="0"/>
+                <a:ea typeface="標楷體" panose="03000509000000000000" pitchFamily="65" charset="-120"/>
+              </a:rPr>
               <a:pPr>
                 <a:defRPr/>
               </a:pPr>
               <a:t>4</a:t>
             </a:fld>
-            <a:endParaRPr lang="zh-TW" altLang="en-US" dirty="0"/>
+            <a:endParaRPr lang="zh-TW" altLang="en-US" dirty="0">
+              <a:latin typeface="Times New Roman" panose="02020603050405020304" pitchFamily="18" charset="0"/>
+              <a:ea typeface="標楷體" panose="03000509000000000000" pitchFamily="65" charset="-120"/>
+            </a:endParaRPr>
           </a:p>
         </p:txBody>
       </p:sp>
@@ -38637,33 +38895,46 @@
             <a:r>
               <a:rPr lang="en-US" altLang="zh-TW" dirty="0">
                 <a:effectLst/>
+                <a:latin typeface="Times New Roman" panose="02020603050405020304" pitchFamily="18" charset="0"/>
+                <a:ea typeface="標楷體" panose="03000509000000000000" pitchFamily="65" charset="-120"/>
               </a:rPr>
               <a:t>Unprotected Main </a:t>
             </a:r>
             <a:br>
               <a:rPr lang="en-US" altLang="zh-TW" dirty="0">
                 <a:effectLst/>
+                <a:latin typeface="Times New Roman" panose="02020603050405020304" pitchFamily="18" charset="0"/>
+                <a:ea typeface="標楷體" panose="03000509000000000000" pitchFamily="65" charset="-120"/>
               </a:rPr>
             </a:br>
             <a:r>
               <a:rPr lang="en-US" altLang="zh-TW" dirty="0">
                 <a:effectLst/>
+                <a:latin typeface="Times New Roman" panose="02020603050405020304" pitchFamily="18" charset="0"/>
+                <a:ea typeface="標楷體" panose="03000509000000000000" pitchFamily="65" charset="-120"/>
               </a:rPr>
               <a:t>Program</a:t>
             </a:r>
             <a:r>
               <a:rPr lang="zh-TW" altLang="en-US" dirty="0">
                 <a:effectLst/>
+                <a:latin typeface="Times New Roman" panose="02020603050405020304" pitchFamily="18" charset="0"/>
+                <a:ea typeface="標楷體" panose="03000509000000000000" pitchFamily="65" charset="-120"/>
               </a:rPr>
               <a:t> </a:t>
             </a:r>
             <a:r>
               <a:rPr lang="zh-TW" altLang="zh-TW" dirty="0">
                 <a:effectLst/>
+                <a:latin typeface="Times New Roman" panose="02020603050405020304" pitchFamily="18" charset="0"/>
+                <a:ea typeface="標楷體" panose="03000509000000000000" pitchFamily="65" charset="-120"/>
               </a:rPr>
               <a:t>應用實例</a:t>
             </a:r>
-            <a:endParaRPr lang="en-US" altLang="zh-TW" dirty="0" smtClean="0"/>
+            <a:endParaRPr lang="en-US" altLang="zh-TW" dirty="0" smtClean="0">
+              <a:latin typeface="Times New Roman" panose="02020603050405020304" pitchFamily="18" charset="0"/>
+              <a:ea typeface="標楷體" panose="03000509000000000000" pitchFamily="65" charset="-120"/>
+            </a:endParaRPr>
           </a:p>
         </p:txBody>
       </p:sp>
@@ -38727,13 +38998,19 @@
               <a:defRPr/>
             </a:pPr>
             <a:fld id="{F51DF2D8-0A90-4D55-8DBC-FAEF0C7DDDC6}" type="slidenum">
-              <a:rPr lang="zh-TW" altLang="en-US" smtClean="0"/>
+              <a:rPr lang="zh-TW" altLang="en-US" smtClean="0">
+                <a:latin typeface="Times New Roman" panose="02020603050405020304" pitchFamily="18" charset="0"/>
+                <a:ea typeface="標楷體" panose="03000509000000000000" pitchFamily="65" charset="-120"/>
+              </a:rPr>
               <a:pPr>
                 <a:defRPr/>
               </a:pPr>
               <a:t>40</a:t>
             </a:fld>
-            <a:endParaRPr lang="zh-TW" altLang="en-US" dirty="0"/>
+            <a:endParaRPr lang="zh-TW" altLang="en-US" dirty="0">
+              <a:latin typeface="Times New Roman" panose="02020603050405020304" pitchFamily="18" charset="0"/>
+              <a:ea typeface="標楷體" panose="03000509000000000000" pitchFamily="65" charset="-120"/>
+            </a:endParaRPr>
           </a:p>
         </p:txBody>
       </p:sp>
@@ -39001,33 +39278,46 @@
             <a:r>
               <a:rPr lang="en-US" altLang="zh-TW" dirty="0">
                 <a:effectLst/>
+                <a:latin typeface="Times New Roman" panose="02020603050405020304" pitchFamily="18" charset="0"/>
+                <a:ea typeface="標楷體" panose="03000509000000000000" pitchFamily="65" charset="-120"/>
               </a:rPr>
               <a:t>Unprotected Main </a:t>
             </a:r>
             <a:br>
               <a:rPr lang="en-US" altLang="zh-TW" dirty="0">
                 <a:effectLst/>
+                <a:latin typeface="Times New Roman" panose="02020603050405020304" pitchFamily="18" charset="0"/>
+                <a:ea typeface="標楷體" panose="03000509000000000000" pitchFamily="65" charset="-120"/>
               </a:rPr>
             </a:br>
             <a:r>
               <a:rPr lang="en-US" altLang="zh-TW" dirty="0">
                 <a:effectLst/>
+                <a:latin typeface="Times New Roman" panose="02020603050405020304" pitchFamily="18" charset="0"/>
+                <a:ea typeface="標楷體" panose="03000509000000000000" pitchFamily="65" charset="-120"/>
               </a:rPr>
               <a:t>Program</a:t>
             </a:r>
             <a:r>
               <a:rPr lang="zh-TW" altLang="en-US" dirty="0">
                 <a:effectLst/>
+                <a:latin typeface="Times New Roman" panose="02020603050405020304" pitchFamily="18" charset="0"/>
+                <a:ea typeface="標楷體" panose="03000509000000000000" pitchFamily="65" charset="-120"/>
               </a:rPr>
               <a:t> </a:t>
             </a:r>
             <a:r>
               <a:rPr lang="zh-TW" altLang="zh-TW" dirty="0">
                 <a:effectLst/>
+                <a:latin typeface="Times New Roman" panose="02020603050405020304" pitchFamily="18" charset="0"/>
+                <a:ea typeface="標楷體" panose="03000509000000000000" pitchFamily="65" charset="-120"/>
               </a:rPr>
               <a:t>應用實例</a:t>
             </a:r>
-            <a:endParaRPr lang="en-US" altLang="zh-TW" dirty="0" smtClean="0"/>
+            <a:endParaRPr lang="en-US" altLang="zh-TW" dirty="0" smtClean="0">
+              <a:latin typeface="Times New Roman" panose="02020603050405020304" pitchFamily="18" charset="0"/>
+              <a:ea typeface="標楷體" panose="03000509000000000000" pitchFamily="65" charset="-120"/>
+            </a:endParaRPr>
           </a:p>
         </p:txBody>
       </p:sp>
@@ -39091,13 +39381,19 @@
               <a:defRPr/>
             </a:pPr>
             <a:fld id="{F51DF2D8-0A90-4D55-8DBC-FAEF0C7DDDC6}" type="slidenum">
-              <a:rPr lang="zh-TW" altLang="en-US" smtClean="0"/>
+              <a:rPr lang="zh-TW" altLang="en-US" smtClean="0">
+                <a:latin typeface="Times New Roman" panose="02020603050405020304" pitchFamily="18" charset="0"/>
+                <a:ea typeface="標楷體" panose="03000509000000000000" pitchFamily="65" charset="-120"/>
+              </a:rPr>
               <a:pPr>
                 <a:defRPr/>
               </a:pPr>
               <a:t>41</a:t>
             </a:fld>
-            <a:endParaRPr lang="zh-TW" altLang="en-US" dirty="0"/>
+            <a:endParaRPr lang="zh-TW" altLang="en-US" dirty="0">
+              <a:latin typeface="Times New Roman" panose="02020603050405020304" pitchFamily="18" charset="0"/>
+              <a:ea typeface="標楷體" panose="03000509000000000000" pitchFamily="65" charset="-120"/>
+            </a:endParaRPr>
           </a:p>
         </p:txBody>
       </p:sp>
@@ -39157,13 +39453,17 @@
               <a:defRPr/>
             </a:pPr>
             <a:fld id="{21B8AA2B-9CC7-442F-97B7-B438A0758292}" type="slidenum">
-              <a:rPr lang="zh-TW" altLang="en-US"/>
+              <a:rPr lang="zh-TW" altLang="en-US">
+                <a:ea typeface="標楷體" panose="03000509000000000000" pitchFamily="65" charset="-120"/>
+              </a:rPr>
               <a:pPr>
                 <a:defRPr/>
               </a:pPr>
               <a:t>42</a:t>
             </a:fld>
-            <a:endParaRPr lang="zh-TW" altLang="en-US"/>
+            <a:endParaRPr lang="zh-TW" altLang="en-US">
+              <a:ea typeface="標楷體" panose="03000509000000000000" pitchFamily="65" charset="-120"/>
+            </a:endParaRPr>
           </a:p>
         </p:txBody>
       </p:sp>
@@ -39186,10 +39486,14 @@
               <a:defRPr/>
             </a:pPr>
             <a:r>
-              <a:rPr lang="zh-TW" altLang="en-US" dirty="0" smtClean="0"/>
+              <a:rPr lang="zh-TW" altLang="en-US" dirty="0" smtClean="0">
+                <a:ea typeface="標楷體" panose="03000509000000000000" pitchFamily="65" charset="-120"/>
+              </a:rPr>
               <a:t>大綱</a:t>
             </a:r>
-            <a:endParaRPr lang="zh-TW" altLang="en-US" dirty="0"/>
+            <a:endParaRPr lang="zh-TW" altLang="en-US" dirty="0">
+              <a:ea typeface="標楷體" panose="03000509000000000000" pitchFamily="65" charset="-120"/>
+            </a:endParaRPr>
           </a:p>
         </p:txBody>
       </p:sp>
@@ -39395,7 +39699,7 @@
                   </a:schemeClr>
                 </a:solidFill>
                 <a:latin typeface="+mn-lt"/>
-                <a:ea typeface="+mn-ea"/>
+                <a:ea typeface="標楷體" panose="03000509000000000000" pitchFamily="65" charset="-120"/>
               </a:rPr>
               <a:pPr algn="r" fontAlgn="auto">
                 <a:spcBef>
@@ -39415,7 +39719,7 @@
                 </a:schemeClr>
               </a:solidFill>
               <a:latin typeface="+mn-lt"/>
-              <a:ea typeface="+mn-ea"/>
+              <a:ea typeface="標楷體" panose="03000509000000000000" pitchFamily="65" charset="-120"/>
             </a:endParaRPr>
           </a:p>
         </p:txBody>
@@ -39472,10 +39776,14 @@
               <a:defRPr/>
             </a:pPr>
             <a:r>
-              <a:rPr lang="zh-TW" altLang="en-US" dirty="0" smtClean="0"/>
+              <a:rPr lang="zh-TW" altLang="en-US" dirty="0" smtClean="0">
+                <a:ea typeface="標楷體" panose="03000509000000000000" pitchFamily="65" charset="-120"/>
+              </a:rPr>
               <a:t>結論</a:t>
             </a:r>
-            <a:endParaRPr lang="zh-TW" altLang="en-US" dirty="0"/>
+            <a:endParaRPr lang="zh-TW" altLang="en-US" dirty="0">
+              <a:ea typeface="標楷體" panose="03000509000000000000" pitchFamily="65" charset="-120"/>
+            </a:endParaRPr>
           </a:p>
         </p:txBody>
       </p:sp>
@@ -39611,13 +39919,17 @@
               <a:defRPr/>
             </a:pPr>
             <a:fld id="{631D8DD7-A22A-4265-A8F3-710862D8F28E}" type="slidenum">
-              <a:rPr lang="zh-TW" altLang="en-US" smtClean="0"/>
+              <a:rPr lang="zh-TW" altLang="en-US" smtClean="0">
+                <a:ea typeface="標楷體" panose="03000509000000000000" pitchFamily="65" charset="-120"/>
+              </a:rPr>
               <a:pPr>
                 <a:defRPr/>
               </a:pPr>
               <a:t>43</a:t>
             </a:fld>
-            <a:endParaRPr lang="zh-TW" altLang="en-US"/>
+            <a:endParaRPr lang="zh-TW" altLang="en-US">
+              <a:ea typeface="標楷體" panose="03000509000000000000" pitchFamily="65" charset="-120"/>
+            </a:endParaRPr>
           </a:p>
         </p:txBody>
       </p:sp>
@@ -39694,10 +40006,16 @@
               <a:defRPr/>
             </a:pPr>
             <a:r>
-              <a:rPr lang="zh-TW" altLang="en-US" dirty="0" smtClean="0"/>
+              <a:rPr lang="zh-TW" altLang="en-US" dirty="0" smtClean="0">
+                <a:latin typeface="Times New Roman" panose="02020603050405020304" pitchFamily="18" charset="0"/>
+                <a:ea typeface="標楷體" panose="03000509000000000000" pitchFamily="65" charset="-120"/>
+              </a:rPr>
               <a:t>未來展望</a:t>
             </a:r>
-            <a:endParaRPr lang="zh-TW" altLang="en-US" dirty="0"/>
+            <a:endParaRPr lang="zh-TW" altLang="en-US" dirty="0">
+              <a:latin typeface="Times New Roman" panose="02020603050405020304" pitchFamily="18" charset="0"/>
+              <a:ea typeface="標楷體" panose="03000509000000000000" pitchFamily="65" charset="-120"/>
+            </a:endParaRPr>
           </a:p>
         </p:txBody>
       </p:sp>
@@ -39775,13 +40093,19 @@
               <a:defRPr/>
             </a:pPr>
             <a:fld id="{631D8DD7-A22A-4265-A8F3-710862D8F28E}" type="slidenum">
-              <a:rPr lang="zh-TW" altLang="en-US" smtClean="0"/>
+              <a:rPr lang="zh-TW" altLang="en-US" smtClean="0">
+                <a:latin typeface="Times New Roman" panose="02020603050405020304" pitchFamily="18" charset="0"/>
+                <a:ea typeface="標楷體" panose="03000509000000000000" pitchFamily="65" charset="-120"/>
+              </a:rPr>
               <a:pPr>
                 <a:defRPr/>
               </a:pPr>
               <a:t>44</a:t>
             </a:fld>
-            <a:endParaRPr lang="zh-TW" altLang="en-US"/>
+            <a:endParaRPr lang="zh-TW" altLang="en-US">
+              <a:latin typeface="Times New Roman" panose="02020603050405020304" pitchFamily="18" charset="0"/>
+              <a:ea typeface="標楷體" panose="03000509000000000000" pitchFamily="65" charset="-120"/>
+            </a:endParaRPr>
           </a:p>
         </p:txBody>
       </p:sp>
@@ -39909,10 +40233,16 @@
               <a:defRPr/>
             </a:pPr>
             <a:r>
-              <a:rPr lang="zh-TW" altLang="en-US" dirty="0" smtClean="0"/>
+              <a:rPr lang="zh-TW" altLang="en-US" dirty="0" smtClean="0">
+                <a:latin typeface="Times New Roman" panose="02020603050405020304" pitchFamily="18" charset="0"/>
+                <a:ea typeface="標楷體" panose="03000509000000000000" pitchFamily="65" charset="-120"/>
+              </a:rPr>
               <a:t>未來展望</a:t>
             </a:r>
-            <a:endParaRPr lang="zh-TW" altLang="en-US" dirty="0"/>
+            <a:endParaRPr lang="zh-TW" altLang="en-US" dirty="0">
+              <a:latin typeface="Times New Roman" panose="02020603050405020304" pitchFamily="18" charset="0"/>
+              <a:ea typeface="標楷體" panose="03000509000000000000" pitchFamily="65" charset="-120"/>
+            </a:endParaRPr>
           </a:p>
         </p:txBody>
       </p:sp>
@@ -39991,13 +40321,19 @@
               <a:defRPr/>
             </a:pPr>
             <a:fld id="{631D8DD7-A22A-4265-A8F3-710862D8F28E}" type="slidenum">
-              <a:rPr lang="zh-TW" altLang="en-US" smtClean="0"/>
+              <a:rPr lang="zh-TW" altLang="en-US" smtClean="0">
+                <a:latin typeface="Times New Roman" panose="02020603050405020304" pitchFamily="18" charset="0"/>
+                <a:ea typeface="標楷體" panose="03000509000000000000" pitchFamily="65" charset="-120"/>
+              </a:rPr>
               <a:pPr>
                 <a:defRPr/>
               </a:pPr>
               <a:t>45</a:t>
             </a:fld>
-            <a:endParaRPr lang="zh-TW" altLang="en-US"/>
+            <a:endParaRPr lang="zh-TW" altLang="en-US">
+              <a:latin typeface="Times New Roman" panose="02020603050405020304" pitchFamily="18" charset="0"/>
+              <a:ea typeface="標楷體" panose="03000509000000000000" pitchFamily="65" charset="-120"/>
+            </a:endParaRPr>
           </a:p>
         </p:txBody>
       </p:sp>
@@ -41266,13 +41602,19 @@
               <a:defRPr/>
             </a:pPr>
             <a:fld id="{ED0115F2-BE73-44A4-8422-77B77BF296CA}" type="slidenum">
-              <a:rPr lang="zh-TW" altLang="en-US"/>
+              <a:rPr lang="zh-TW" altLang="en-US">
+                <a:latin typeface="Times New Roman" panose="02020603050405020304" pitchFamily="18" charset="0"/>
+                <a:ea typeface="標楷體" panose="03000509000000000000" pitchFamily="65" charset="-120"/>
+              </a:rPr>
               <a:pPr>
                 <a:defRPr/>
               </a:pPr>
               <a:t>5</a:t>
             </a:fld>
-            <a:endParaRPr lang="zh-TW" altLang="en-US"/>
+            <a:endParaRPr lang="zh-TW" altLang="en-US">
+              <a:latin typeface="Times New Roman" panose="02020603050405020304" pitchFamily="18" charset="0"/>
+              <a:ea typeface="標楷體" panose="03000509000000000000" pitchFamily="65" charset="-120"/>
+            </a:endParaRPr>
           </a:p>
         </p:txBody>
       </p:sp>
@@ -41295,10 +41637,16 @@
               <a:defRPr/>
             </a:pPr>
             <a:r>
-              <a:rPr lang="zh-TW" altLang="en-US" dirty="0" smtClean="0"/>
+              <a:rPr lang="zh-TW" altLang="en-US" dirty="0" smtClean="0">
+                <a:latin typeface="Times New Roman" panose="02020603050405020304" pitchFamily="18" charset="0"/>
+                <a:ea typeface="標楷體" panose="03000509000000000000" pitchFamily="65" charset="-120"/>
+              </a:rPr>
               <a:t>大綱</a:t>
             </a:r>
-            <a:endParaRPr lang="zh-TW" altLang="en-US" dirty="0"/>
+            <a:endParaRPr lang="zh-TW" altLang="en-US" dirty="0">
+              <a:latin typeface="Times New Roman" panose="02020603050405020304" pitchFamily="18" charset="0"/>
+              <a:ea typeface="標楷體" panose="03000509000000000000" pitchFamily="65" charset="-120"/>
+            </a:endParaRPr>
           </a:p>
         </p:txBody>
       </p:sp>
@@ -41329,7 +41677,6 @@
                     <a:lumMod val="75000"/>
                   </a:schemeClr>
                 </a:solidFill>
-                <a:latin typeface="標楷體" pitchFamily="65" charset="-120"/>
               </a:rPr>
               <a:t>研究背景與動機</a:t>
             </a:r>
@@ -41339,7 +41686,6 @@
                   <a:lumMod val="75000"/>
                 </a:schemeClr>
               </a:solidFill>
-              <a:latin typeface="標楷體" pitchFamily="65" charset="-120"/>
             </a:endParaRPr>
           </a:p>
           <a:p>
@@ -41349,14 +41695,10 @@
               <a:defRPr/>
             </a:pPr>
             <a:r>
-              <a:rPr lang="zh-TW" altLang="en-US" dirty="0">
-                <a:latin typeface="標楷體" pitchFamily="65" charset="-120"/>
-              </a:rPr>
+              <a:rPr lang="zh-TW" altLang="en-US" dirty="0"/>
               <a:t>研究目標</a:t>
             </a:r>
-            <a:endParaRPr lang="en-US" altLang="zh-TW" dirty="0">
-              <a:latin typeface="標楷體" pitchFamily="65" charset="-120"/>
-            </a:endParaRPr>
+            <a:endParaRPr lang="en-US" altLang="zh-TW" dirty="0"/>
           </a:p>
           <a:p>
             <a:pPr eaLnBrk="1" hangingPunct="1">
@@ -41371,7 +41713,6 @@
                     <a:lumMod val="75000"/>
                   </a:schemeClr>
                 </a:solidFill>
-                <a:latin typeface="標楷體" pitchFamily="65" charset="-120"/>
               </a:rPr>
               <a:t>背景知識</a:t>
             </a:r>
@@ -41381,7 +41722,6 @@
                   <a:lumMod val="75000"/>
                 </a:schemeClr>
               </a:solidFill>
-              <a:latin typeface="標楷體" pitchFamily="65" charset="-120"/>
             </a:endParaRPr>
           </a:p>
           <a:p>
@@ -41397,7 +41737,6 @@
                     <a:lumMod val="75000"/>
                   </a:schemeClr>
                 </a:solidFill>
-                <a:latin typeface="標楷體" pitchFamily="65" charset="-120"/>
               </a:rPr>
               <a:t>研究方法</a:t>
             </a:r>
@@ -41415,7 +41754,6 @@
                     <a:lumMod val="75000"/>
                   </a:schemeClr>
                 </a:solidFill>
-                <a:latin typeface="標楷體" pitchFamily="65" charset="-120"/>
               </a:rPr>
               <a:t>應用實例</a:t>
             </a:r>
@@ -41433,7 +41771,6 @@
                     <a:lumMod val="75000"/>
                   </a:schemeClr>
                 </a:solidFill>
-                <a:latin typeface="標楷體" pitchFamily="65" charset="-120"/>
               </a:rPr>
               <a:t>結論與未來展望</a:t>
             </a:r>
@@ -41443,7 +41780,6 @@
                   <a:lumMod val="75000"/>
                 </a:schemeClr>
               </a:solidFill>
-              <a:latin typeface="標楷體" pitchFamily="65" charset="-120"/>
             </a:endParaRPr>
           </a:p>
         </p:txBody>
@@ -41486,8 +41822,8 @@
                     <a:lumMod val="50000"/>
                   </a:schemeClr>
                 </a:solidFill>
-                <a:latin typeface="+mn-lt"/>
-                <a:ea typeface="+mn-ea"/>
+                <a:latin typeface="Times New Roman" panose="02020603050405020304" pitchFamily="18" charset="0"/>
+                <a:ea typeface="標楷體" panose="03000509000000000000" pitchFamily="65" charset="-120"/>
               </a:rPr>
               <a:pPr algn="r" fontAlgn="auto">
                 <a:spcBef>
@@ -41506,8 +41842,8 @@
                   <a:lumMod val="50000"/>
                 </a:schemeClr>
               </a:solidFill>
-              <a:latin typeface="+mn-lt"/>
-              <a:ea typeface="+mn-ea"/>
+              <a:latin typeface="Times New Roman" panose="02020603050405020304" pitchFamily="18" charset="0"/>
+              <a:ea typeface="標楷體" panose="03000509000000000000" pitchFamily="65" charset="-120"/>
             </a:endParaRPr>
           </a:p>
         </p:txBody>
@@ -44052,10 +44388,16 @@
               <a:defRPr/>
             </a:pPr>
             <a:r>
-              <a:rPr lang="zh-TW" altLang="en-US" dirty="0" smtClean="0"/>
+              <a:rPr lang="zh-TW" altLang="en-US" dirty="0" smtClean="0">
+                <a:latin typeface="Times New Roman" panose="02020603050405020304" pitchFamily="18" charset="0"/>
+                <a:ea typeface="標楷體" panose="03000509000000000000" pitchFamily="65" charset="-120"/>
+              </a:rPr>
               <a:t>研究目標</a:t>
             </a:r>
-            <a:endParaRPr lang="zh-TW" altLang="en-US" dirty="0"/>
+            <a:endParaRPr lang="zh-TW" altLang="en-US" dirty="0">
+              <a:latin typeface="Times New Roman" panose="02020603050405020304" pitchFamily="18" charset="0"/>
+              <a:ea typeface="標楷體" panose="03000509000000000000" pitchFamily="65" charset="-120"/>
+            </a:endParaRPr>
           </a:p>
         </p:txBody>
       </p:sp>
@@ -44118,13 +44460,19 @@
               <a:defRPr/>
             </a:pPr>
             <a:fld id="{8A9A0418-D0FF-4668-AF99-C25C570466E8}" type="slidenum">
-              <a:rPr lang="zh-TW" altLang="en-US" smtClean="0"/>
+              <a:rPr lang="zh-TW" altLang="en-US" smtClean="0">
+                <a:latin typeface="Times New Roman" panose="02020603050405020304" pitchFamily="18" charset="0"/>
+                <a:ea typeface="標楷體" panose="03000509000000000000" pitchFamily="65" charset="-120"/>
+              </a:rPr>
               <a:pPr>
                 <a:defRPr/>
               </a:pPr>
               <a:t>6</a:t>
             </a:fld>
-            <a:endParaRPr lang="zh-TW" altLang="en-US"/>
+            <a:endParaRPr lang="zh-TW" altLang="en-US">
+              <a:latin typeface="Times New Roman" panose="02020603050405020304" pitchFamily="18" charset="0"/>
+              <a:ea typeface="標楷體" panose="03000509000000000000" pitchFamily="65" charset="-120"/>
+            </a:endParaRPr>
           </a:p>
         </p:txBody>
       </p:sp>
@@ -46809,13 +47157,19 @@
               <a:defRPr/>
             </a:pPr>
             <a:fld id="{ED0115F2-BE73-44A4-8422-77B77BF296CA}" type="slidenum">
-              <a:rPr lang="zh-TW" altLang="en-US"/>
+              <a:rPr lang="zh-TW" altLang="en-US">
+                <a:latin typeface="Times New Roman" panose="02020603050405020304" pitchFamily="18" charset="0"/>
+                <a:ea typeface="標楷體" panose="03000509000000000000" pitchFamily="65" charset="-120"/>
+              </a:rPr>
               <a:pPr>
                 <a:defRPr/>
               </a:pPr>
               <a:t>7</a:t>
             </a:fld>
-            <a:endParaRPr lang="zh-TW" altLang="en-US"/>
+            <a:endParaRPr lang="zh-TW" altLang="en-US">
+              <a:latin typeface="Times New Roman" panose="02020603050405020304" pitchFamily="18" charset="0"/>
+              <a:ea typeface="標楷體" panose="03000509000000000000" pitchFamily="65" charset="-120"/>
+            </a:endParaRPr>
           </a:p>
         </p:txBody>
       </p:sp>
@@ -46838,10 +47192,16 @@
               <a:defRPr/>
             </a:pPr>
             <a:r>
-              <a:rPr lang="zh-TW" altLang="en-US" dirty="0" smtClean="0"/>
+              <a:rPr lang="zh-TW" altLang="en-US" dirty="0" smtClean="0">
+                <a:latin typeface="Times New Roman" panose="02020603050405020304" pitchFamily="18" charset="0"/>
+                <a:ea typeface="標楷體" panose="03000509000000000000" pitchFamily="65" charset="-120"/>
+              </a:rPr>
               <a:t>大綱</a:t>
             </a:r>
-            <a:endParaRPr lang="zh-TW" altLang="en-US" dirty="0"/>
+            <a:endParaRPr lang="zh-TW" altLang="en-US" dirty="0">
+              <a:latin typeface="Times New Roman" panose="02020603050405020304" pitchFamily="18" charset="0"/>
+              <a:ea typeface="標楷體" panose="03000509000000000000" pitchFamily="65" charset="-120"/>
+            </a:endParaRPr>
           </a:p>
         </p:txBody>
       </p:sp>
@@ -46877,7 +47237,6 @@
                     <a:lumMod val="75000"/>
                   </a:schemeClr>
                 </a:solidFill>
-                <a:latin typeface="標楷體" pitchFamily="65" charset="-120"/>
               </a:rPr>
               <a:t>研究背景與</a:t>
             </a:r>
@@ -46888,7 +47247,6 @@
                     <a:lumMod val="75000"/>
                   </a:schemeClr>
                 </a:solidFill>
-                <a:latin typeface="標楷體" pitchFamily="65" charset="-120"/>
               </a:rPr>
               <a:t>動機</a:t>
             </a:r>
@@ -46898,7 +47256,6 @@
                   <a:lumMod val="75000"/>
                 </a:schemeClr>
               </a:solidFill>
-              <a:latin typeface="標楷體" pitchFamily="65" charset="-120"/>
             </a:endParaRPr>
           </a:p>
           <a:p>
@@ -46914,7 +47271,6 @@
                     <a:lumMod val="75000"/>
                   </a:schemeClr>
                 </a:solidFill>
-                <a:latin typeface="標楷體" pitchFamily="65" charset="-120"/>
               </a:rPr>
               <a:t>研究</a:t>
             </a:r>
@@ -46925,7 +47281,6 @@
                     <a:lumMod val="75000"/>
                   </a:schemeClr>
                 </a:solidFill>
-                <a:latin typeface="標楷體" pitchFamily="65" charset="-120"/>
               </a:rPr>
               <a:t>目標</a:t>
             </a:r>
@@ -46935,7 +47290,6 @@
                   <a:lumMod val="75000"/>
                 </a:schemeClr>
               </a:solidFill>
-              <a:latin typeface="標楷體" pitchFamily="65" charset="-120"/>
             </a:endParaRPr>
           </a:p>
           <a:p>
@@ -46945,20 +47299,14 @@
               <a:defRPr/>
             </a:pPr>
             <a:r>
-              <a:rPr lang="zh-TW" altLang="en-US" sz="2800" dirty="0">
-                <a:latin typeface="標楷體" pitchFamily="65" charset="-120"/>
-              </a:rPr>
+              <a:rPr lang="zh-TW" altLang="en-US" sz="2800" dirty="0"/>
               <a:t>背景</a:t>
             </a:r>
             <a:r>
-              <a:rPr lang="zh-TW" altLang="en-US" sz="2800" dirty="0" smtClean="0">
-                <a:latin typeface="標楷體" pitchFamily="65" charset="-120"/>
-              </a:rPr>
+              <a:rPr lang="zh-TW" altLang="en-US" sz="2800" dirty="0" smtClean="0"/>
               <a:t>知識</a:t>
             </a:r>
-            <a:endParaRPr lang="en-US" altLang="zh-TW" sz="2800" dirty="0" smtClean="0">
-              <a:latin typeface="標楷體" pitchFamily="65" charset="-120"/>
-            </a:endParaRPr>
+            <a:endParaRPr lang="en-US" altLang="zh-TW" sz="2800" dirty="0" smtClean="0"/>
           </a:p>
           <a:p>
             <a:pPr lvl="1" eaLnBrk="1" hangingPunct="1">
@@ -46974,9 +47322,7 @@
               <a:rPr lang="en-US" altLang="zh-TW" sz="2400" dirty="0"/>
               <a:t>Syntax Tree</a:t>
             </a:r>
-            <a:endParaRPr lang="en-US" altLang="zh-TW" sz="2400" dirty="0" smtClean="0">
-              <a:latin typeface="標楷體" pitchFamily="65" charset="-120"/>
-            </a:endParaRPr>
+            <a:endParaRPr lang="en-US" altLang="zh-TW" sz="2400" dirty="0" smtClean="0"/>
           </a:p>
           <a:p>
             <a:pPr eaLnBrk="1" hangingPunct="1">
@@ -46991,7 +47337,6 @@
                     <a:lumMod val="75000"/>
                   </a:schemeClr>
                 </a:solidFill>
-                <a:latin typeface="標楷體" pitchFamily="65" charset="-120"/>
               </a:rPr>
               <a:t>研究方法</a:t>
             </a:r>
@@ -47009,7 +47354,6 @@
                     <a:lumMod val="75000"/>
                   </a:schemeClr>
                 </a:solidFill>
-                <a:latin typeface="標楷體" pitchFamily="65" charset="-120"/>
               </a:rPr>
               <a:t>應用實例</a:t>
             </a:r>
@@ -47027,7 +47371,6 @@
                     <a:lumMod val="75000"/>
                   </a:schemeClr>
                 </a:solidFill>
-                <a:latin typeface="標楷體" pitchFamily="65" charset="-120"/>
               </a:rPr>
               <a:t>結論與未來展望</a:t>
             </a:r>
@@ -47037,7 +47380,6 @@
                   <a:lumMod val="75000"/>
                 </a:schemeClr>
               </a:solidFill>
-              <a:latin typeface="標楷體" pitchFamily="65" charset="-120"/>
             </a:endParaRPr>
           </a:p>
         </p:txBody>
@@ -47080,8 +47422,8 @@
                     <a:lumMod val="50000"/>
                   </a:schemeClr>
                 </a:solidFill>
-                <a:latin typeface="+mn-lt"/>
-                <a:ea typeface="+mn-ea"/>
+                <a:latin typeface="Times New Roman" panose="02020603050405020304" pitchFamily="18" charset="0"/>
+                <a:ea typeface="標楷體" panose="03000509000000000000" pitchFamily="65" charset="-120"/>
               </a:rPr>
               <a:pPr algn="r" fontAlgn="auto">
                 <a:spcBef>
@@ -47100,8 +47442,8 @@
                   <a:lumMod val="50000"/>
                 </a:schemeClr>
               </a:solidFill>
-              <a:latin typeface="+mn-lt"/>
-              <a:ea typeface="+mn-ea"/>
+              <a:latin typeface="Times New Roman" panose="02020603050405020304" pitchFamily="18" charset="0"/>
+              <a:ea typeface="標楷體" panose="03000509000000000000" pitchFamily="65" charset="-120"/>
             </a:endParaRPr>
           </a:p>
         </p:txBody>
@@ -48687,10 +49029,15 @@
             <a:r>
               <a:rPr lang="en-US" altLang="zh-TW" dirty="0">
                 <a:effectLst/>
+                <a:latin typeface="Times New Roman" panose="02020603050405020304" pitchFamily="18" charset="0"/>
+                <a:ea typeface="標楷體" panose="03000509000000000000" pitchFamily="65" charset="-120"/>
               </a:rPr>
               <a:t>Abstract Syntax Tree</a:t>
             </a:r>
-            <a:endParaRPr lang="en-US" altLang="zh-TW" dirty="0" smtClean="0"/>
+            <a:endParaRPr lang="en-US" altLang="zh-TW" dirty="0" smtClean="0">
+              <a:latin typeface="Times New Roman" panose="02020603050405020304" pitchFamily="18" charset="0"/>
+              <a:ea typeface="標楷體" panose="03000509000000000000" pitchFamily="65" charset="-120"/>
+            </a:endParaRPr>
           </a:p>
         </p:txBody>
       </p:sp>
@@ -48713,13 +49060,19 @@
               <a:defRPr/>
             </a:pPr>
             <a:fld id="{F51DF2D8-0A90-4D55-8DBC-FAEF0C7DDDC6}" type="slidenum">
-              <a:rPr lang="zh-TW" altLang="en-US" smtClean="0"/>
+              <a:rPr lang="zh-TW" altLang="en-US" smtClean="0">
+                <a:latin typeface="Times New Roman" panose="02020603050405020304" pitchFamily="18" charset="0"/>
+                <a:ea typeface="標楷體" panose="03000509000000000000" pitchFamily="65" charset="-120"/>
+              </a:rPr>
               <a:pPr>
                 <a:defRPr/>
               </a:pPr>
               <a:t>8</a:t>
             </a:fld>
-            <a:endParaRPr lang="zh-TW" altLang="en-US" dirty="0"/>
+            <a:endParaRPr lang="zh-TW" altLang="en-US" dirty="0">
+              <a:latin typeface="Times New Roman" panose="02020603050405020304" pitchFamily="18" charset="0"/>
+              <a:ea typeface="標楷體" panose="03000509000000000000" pitchFamily="65" charset="-120"/>
+            </a:endParaRPr>
           </a:p>
         </p:txBody>
       </p:sp>
@@ -48800,13 +49153,19 @@
               <a:defRPr/>
             </a:pPr>
             <a:fld id="{ED0115F2-BE73-44A4-8422-77B77BF296CA}" type="slidenum">
-              <a:rPr lang="zh-TW" altLang="en-US"/>
+              <a:rPr lang="zh-TW" altLang="en-US">
+                <a:latin typeface="Times New Roman" panose="02020603050405020304" pitchFamily="18" charset="0"/>
+                <a:ea typeface="標楷體" panose="03000509000000000000" pitchFamily="65" charset="-120"/>
+              </a:rPr>
               <a:pPr>
                 <a:defRPr/>
               </a:pPr>
               <a:t>9</a:t>
             </a:fld>
-            <a:endParaRPr lang="zh-TW" altLang="en-US"/>
+            <a:endParaRPr lang="zh-TW" altLang="en-US">
+              <a:latin typeface="Times New Roman" panose="02020603050405020304" pitchFamily="18" charset="0"/>
+              <a:ea typeface="標楷體" panose="03000509000000000000" pitchFamily="65" charset="-120"/>
+            </a:endParaRPr>
           </a:p>
         </p:txBody>
       </p:sp>
@@ -48829,10 +49188,16 @@
               <a:defRPr/>
             </a:pPr>
             <a:r>
-              <a:rPr lang="zh-TW" altLang="en-US" dirty="0" smtClean="0"/>
+              <a:rPr lang="zh-TW" altLang="en-US" dirty="0" smtClean="0">
+                <a:latin typeface="Times New Roman" panose="02020603050405020304" pitchFamily="18" charset="0"/>
+                <a:ea typeface="標楷體" panose="03000509000000000000" pitchFamily="65" charset="-120"/>
+              </a:rPr>
               <a:t>大綱</a:t>
             </a:r>
-            <a:endParaRPr lang="zh-TW" altLang="en-US" dirty="0"/>
+            <a:endParaRPr lang="zh-TW" altLang="en-US" dirty="0">
+              <a:latin typeface="Times New Roman" panose="02020603050405020304" pitchFamily="18" charset="0"/>
+              <a:ea typeface="標楷體" panose="03000509000000000000" pitchFamily="65" charset="-120"/>
+            </a:endParaRPr>
           </a:p>
         </p:txBody>
       </p:sp>
@@ -48868,7 +49233,6 @@
                     <a:lumMod val="75000"/>
                   </a:schemeClr>
                 </a:solidFill>
-                <a:latin typeface="標楷體" pitchFamily="65" charset="-120"/>
               </a:rPr>
               <a:t>研究背景與</a:t>
             </a:r>
@@ -48879,7 +49243,6 @@
                     <a:lumMod val="75000"/>
                   </a:schemeClr>
                 </a:solidFill>
-                <a:latin typeface="標楷體" pitchFamily="65" charset="-120"/>
               </a:rPr>
               <a:t>動機</a:t>
             </a:r>
@@ -48889,7 +49252,6 @@
                   <a:lumMod val="75000"/>
                 </a:schemeClr>
               </a:solidFill>
-              <a:latin typeface="標楷體" pitchFamily="65" charset="-120"/>
             </a:endParaRPr>
           </a:p>
           <a:p>
@@ -48905,7 +49267,6 @@
                     <a:lumMod val="75000"/>
                   </a:schemeClr>
                 </a:solidFill>
-                <a:latin typeface="標楷體" pitchFamily="65" charset="-120"/>
               </a:rPr>
               <a:t>研究</a:t>
             </a:r>
@@ -48916,7 +49277,6 @@
                     <a:lumMod val="75000"/>
                   </a:schemeClr>
                 </a:solidFill>
-                <a:latin typeface="標楷體" pitchFamily="65" charset="-120"/>
               </a:rPr>
               <a:t>目標</a:t>
             </a:r>
@@ -48926,7 +49286,6 @@
                   <a:lumMod val="75000"/>
                 </a:schemeClr>
               </a:solidFill>
-              <a:latin typeface="標楷體" pitchFamily="65" charset="-120"/>
             </a:endParaRPr>
           </a:p>
           <a:p>
@@ -48942,7 +49301,6 @@
                     <a:lumMod val="75000"/>
                   </a:schemeClr>
                 </a:solidFill>
-                <a:latin typeface="標楷體" pitchFamily="65" charset="-120"/>
               </a:rPr>
               <a:t>背景知識</a:t>
             </a:r>
@@ -48952,7 +49310,6 @@
                   <a:lumMod val="75000"/>
                 </a:schemeClr>
               </a:solidFill>
-              <a:latin typeface="標楷體" pitchFamily="65" charset="-120"/>
             </a:endParaRPr>
           </a:p>
           <a:p>
@@ -48962,20 +49319,14 @@
               <a:defRPr/>
             </a:pPr>
             <a:r>
-              <a:rPr lang="zh-TW" altLang="en-US" sz="2800" dirty="0">
-                <a:latin typeface="標楷體" pitchFamily="65" charset="-120"/>
-              </a:rPr>
+              <a:rPr lang="zh-TW" altLang="en-US" sz="2800" dirty="0"/>
               <a:t>研究</a:t>
             </a:r>
             <a:r>
-              <a:rPr lang="zh-TW" altLang="en-US" sz="2800" dirty="0" smtClean="0">
-                <a:latin typeface="標楷體" pitchFamily="65" charset="-120"/>
-              </a:rPr>
+              <a:rPr lang="zh-TW" altLang="en-US" sz="2800" dirty="0" smtClean="0"/>
               <a:t>方法</a:t>
             </a:r>
-            <a:endParaRPr lang="en-US" altLang="zh-TW" sz="2800" dirty="0" smtClean="0">
-              <a:latin typeface="標楷體" pitchFamily="65" charset="-120"/>
-            </a:endParaRPr>
+            <a:endParaRPr lang="en-US" altLang="zh-TW" sz="2800" dirty="0" smtClean="0"/>
           </a:p>
           <a:p>
             <a:pPr lvl="1" eaLnBrk="1" hangingPunct="1">
@@ -48984,14 +49335,10 @@
               <a:defRPr/>
             </a:pPr>
             <a:r>
-              <a:rPr lang="zh-TW" altLang="en-US" sz="2000" dirty="0" smtClean="0">
-                <a:latin typeface="標楷體" pitchFamily="65" charset="-120"/>
-              </a:rPr>
+              <a:rPr lang="zh-TW" altLang="en-US" sz="2000" dirty="0" smtClean="0"/>
               <a:t>快速修復</a:t>
             </a:r>
-            <a:endParaRPr lang="en-US" altLang="zh-TW" sz="2000" dirty="0" smtClean="0">
-              <a:latin typeface="標楷體" pitchFamily="65" charset="-120"/>
-            </a:endParaRPr>
+            <a:endParaRPr lang="en-US" altLang="zh-TW" sz="2000" dirty="0" smtClean="0"/>
           </a:p>
           <a:p>
             <a:pPr lvl="1" eaLnBrk="1" hangingPunct="1">
@@ -49000,20 +49347,14 @@
               <a:defRPr/>
             </a:pPr>
             <a:r>
-              <a:rPr lang="zh-TW" altLang="en-US" sz="2000" dirty="0" smtClean="0">
-                <a:latin typeface="標楷體" pitchFamily="65" charset="-120"/>
-              </a:rPr>
+              <a:rPr lang="zh-TW" altLang="en-US" sz="2000" dirty="0" smtClean="0"/>
               <a:t>重</a:t>
             </a:r>
             <a:r>
-              <a:rPr lang="zh-TW" altLang="en-US" sz="2000" dirty="0">
-                <a:latin typeface="標楷體" pitchFamily="65" charset="-120"/>
-              </a:rPr>
+              <a:rPr lang="zh-TW" altLang="en-US" sz="2000" dirty="0"/>
               <a:t>構</a:t>
             </a:r>
-            <a:endParaRPr lang="en-US" altLang="zh-TW" sz="2000" dirty="0" smtClean="0">
-              <a:latin typeface="標楷體" pitchFamily="65" charset="-120"/>
-            </a:endParaRPr>
+            <a:endParaRPr lang="en-US" altLang="zh-TW" sz="2000" dirty="0" smtClean="0"/>
           </a:p>
           <a:p>
             <a:pPr eaLnBrk="1" hangingPunct="1">
@@ -49028,7 +49369,6 @@
                     <a:lumMod val="75000"/>
                   </a:schemeClr>
                 </a:solidFill>
-                <a:latin typeface="標楷體" pitchFamily="65" charset="-120"/>
               </a:rPr>
               <a:t>應用實例</a:t>
             </a:r>
@@ -49046,7 +49386,6 @@
                     <a:lumMod val="75000"/>
                   </a:schemeClr>
                 </a:solidFill>
-                <a:latin typeface="標楷體" pitchFamily="65" charset="-120"/>
               </a:rPr>
               <a:t>結論與未來展望</a:t>
             </a:r>
@@ -49056,7 +49395,6 @@
                   <a:lumMod val="75000"/>
                 </a:schemeClr>
               </a:solidFill>
-              <a:latin typeface="標楷體" pitchFamily="65" charset="-120"/>
             </a:endParaRPr>
           </a:p>
         </p:txBody>
@@ -49099,8 +49437,8 @@
                     <a:lumMod val="50000"/>
                   </a:schemeClr>
                 </a:solidFill>
-                <a:latin typeface="+mn-lt"/>
-                <a:ea typeface="+mn-ea"/>
+                <a:latin typeface="Times New Roman" panose="02020603050405020304" pitchFamily="18" charset="0"/>
+                <a:ea typeface="標楷體" panose="03000509000000000000" pitchFamily="65" charset="-120"/>
               </a:rPr>
               <a:pPr algn="r" fontAlgn="auto">
                 <a:spcBef>
@@ -49119,8 +49457,8 @@
                   <a:lumMod val="50000"/>
                 </a:schemeClr>
               </a:solidFill>
-              <a:latin typeface="+mn-lt"/>
-              <a:ea typeface="+mn-ea"/>
+              <a:latin typeface="Times New Roman" panose="02020603050405020304" pitchFamily="18" charset="0"/>
+              <a:ea typeface="標楷體" panose="03000509000000000000" pitchFamily="65" charset="-120"/>
             </a:endParaRPr>
           </a:p>
         </p:txBody>
